--- a/lectures/lec05/lec05.pptx
+++ b/lectures/lec05/lec05.pptx
@@ -150,6 +150,20 @@
         </p14:section>
       </p14:sectionLst>
     </p:ext>
+    <p:ext uri="{EFAFB233-063F-42B5-8137-9DF3F51BA10A}">
+      <p15:sldGuideLst xmlns:p15="http://schemas.microsoft.com/office/powerpoint/2012/main">
+        <p15:guide id="1" orient="horz" pos="2160">
+          <p15:clr>
+            <a:srgbClr val="A4A3A4"/>
+          </p15:clr>
+        </p15:guide>
+        <p15:guide id="2" pos="2880">
+          <p15:clr>
+            <a:srgbClr val="A4A3A4"/>
+          </p15:clr>
+        </p15:guide>
+      </p15:sldGuideLst>
+    </p:ext>
   </p:extLst>
 </p:presentation>
 </file>
@@ -335,7 +349,7 @@
           <a:p>
             <a:fld id="{5ECE4D60-05A1-A640-A7CD-C0D17F809990}" type="datetimeFigureOut">
               <a:rPr lang="en-US" smtClean="0"/>
-              <a:t>10/1/17</a:t>
+              <a:t>10/1/2017</a:t>
             </a:fld>
             <a:endParaRPr lang="en-US"/>
           </a:p>
@@ -505,7 +519,7 @@
           <a:p>
             <a:fld id="{5ECE4D60-05A1-A640-A7CD-C0D17F809990}" type="datetimeFigureOut">
               <a:rPr lang="en-US" smtClean="0"/>
-              <a:t>10/1/17</a:t>
+              <a:t>10/1/2017</a:t>
             </a:fld>
             <a:endParaRPr lang="en-US"/>
           </a:p>
@@ -685,7 +699,7 @@
           <a:p>
             <a:fld id="{5ECE4D60-05A1-A640-A7CD-C0D17F809990}" type="datetimeFigureOut">
               <a:rPr lang="en-US" smtClean="0"/>
-              <a:t>10/1/17</a:t>
+              <a:t>10/1/2017</a:t>
             </a:fld>
             <a:endParaRPr lang="en-US"/>
           </a:p>
@@ -855,7 +869,7 @@
           <a:p>
             <a:fld id="{5ECE4D60-05A1-A640-A7CD-C0D17F809990}" type="datetimeFigureOut">
               <a:rPr lang="en-US" smtClean="0"/>
-              <a:t>10/1/17</a:t>
+              <a:t>10/1/2017</a:t>
             </a:fld>
             <a:endParaRPr lang="en-US"/>
           </a:p>
@@ -1101,7 +1115,7 @@
           <a:p>
             <a:fld id="{5ECE4D60-05A1-A640-A7CD-C0D17F809990}" type="datetimeFigureOut">
               <a:rPr lang="en-US" smtClean="0"/>
-              <a:t>10/1/17</a:t>
+              <a:t>10/1/2017</a:t>
             </a:fld>
             <a:endParaRPr lang="en-US"/>
           </a:p>
@@ -1389,7 +1403,7 @@
           <a:p>
             <a:fld id="{5ECE4D60-05A1-A640-A7CD-C0D17F809990}" type="datetimeFigureOut">
               <a:rPr lang="en-US" smtClean="0"/>
-              <a:t>10/1/17</a:t>
+              <a:t>10/1/2017</a:t>
             </a:fld>
             <a:endParaRPr lang="en-US"/>
           </a:p>
@@ -1816,7 +1830,7 @@
           <a:p>
             <a:fld id="{5ECE4D60-05A1-A640-A7CD-C0D17F809990}" type="datetimeFigureOut">
               <a:rPr lang="en-US" smtClean="0"/>
-              <a:t>10/1/17</a:t>
+              <a:t>10/1/2017</a:t>
             </a:fld>
             <a:endParaRPr lang="en-US"/>
           </a:p>
@@ -1934,7 +1948,7 @@
           <a:p>
             <a:fld id="{5ECE4D60-05A1-A640-A7CD-C0D17F809990}" type="datetimeFigureOut">
               <a:rPr lang="en-US" smtClean="0"/>
-              <a:t>10/1/17</a:t>
+              <a:t>10/1/2017</a:t>
             </a:fld>
             <a:endParaRPr lang="en-US"/>
           </a:p>
@@ -2029,7 +2043,7 @@
           <a:p>
             <a:fld id="{5ECE4D60-05A1-A640-A7CD-C0D17F809990}" type="datetimeFigureOut">
               <a:rPr lang="en-US" smtClean="0"/>
-              <a:t>10/1/17</a:t>
+              <a:t>10/1/2017</a:t>
             </a:fld>
             <a:endParaRPr lang="en-US"/>
           </a:p>
@@ -2306,7 +2320,7 @@
           <a:p>
             <a:fld id="{5ECE4D60-05A1-A640-A7CD-C0D17F809990}" type="datetimeFigureOut">
               <a:rPr lang="en-US" smtClean="0"/>
-              <a:t>10/1/17</a:t>
+              <a:t>10/1/2017</a:t>
             </a:fld>
             <a:endParaRPr lang="en-US"/>
           </a:p>
@@ -2559,7 +2573,7 @@
           <a:p>
             <a:fld id="{5ECE4D60-05A1-A640-A7CD-C0D17F809990}" type="datetimeFigureOut">
               <a:rPr lang="en-US" smtClean="0"/>
-              <a:t>10/1/17</a:t>
+              <a:t>10/1/2017</a:t>
             </a:fld>
             <a:endParaRPr lang="en-US"/>
           </a:p>
@@ -2772,7 +2786,7 @@
           <a:p>
             <a:fld id="{5ECE4D60-05A1-A640-A7CD-C0D17F809990}" type="datetimeFigureOut">
               <a:rPr lang="en-US" smtClean="0"/>
-              <a:t>10/1/17</a:t>
+              <a:t>10/1/2017</a:t>
             </a:fld>
             <a:endParaRPr lang="en-US"/>
           </a:p>
@@ -3330,7 +3344,7 @@
   <p:timing>
     <p:tnLst>
       <p:par>
-        <p:cTn xmlns:p14="http://schemas.microsoft.com/office/powerpoint/2010/main" id="1" dur="indefinite" restart="never" nodeType="tmRoot"/>
+        <p:cTn id="1" dur="indefinite" restart="never" nodeType="tmRoot"/>
       </p:par>
     </p:tnLst>
   </p:timing>
@@ -3938,7 +3952,7 @@
   <p:timing>
     <p:tnLst>
       <p:par>
-        <p:cTn xmlns:p14="http://schemas.microsoft.com/office/powerpoint/2010/main" id="1" dur="indefinite" restart="never" nodeType="tmRoot"/>
+        <p:cTn id="1" dur="indefinite" restart="never" nodeType="tmRoot"/>
       </p:par>
     </p:tnLst>
   </p:timing>
@@ -4514,7 +4528,7 @@
   <p:timing>
     <p:tnLst>
       <p:par>
-        <p:cTn xmlns:p14="http://schemas.microsoft.com/office/powerpoint/2010/main" id="1" dur="indefinite" restart="never" nodeType="tmRoot"/>
+        <p:cTn id="1" dur="indefinite" restart="never" nodeType="tmRoot"/>
       </p:par>
     </p:tnLst>
   </p:timing>
@@ -4947,7 +4961,7 @@
   <p:timing>
     <p:tnLst>
       <p:par>
-        <p:cTn xmlns:p14="http://schemas.microsoft.com/office/powerpoint/2010/main" id="1" dur="indefinite" restart="never" nodeType="tmRoot"/>
+        <p:cTn id="1" dur="indefinite" restart="never" nodeType="tmRoot"/>
       </p:par>
     </p:tnLst>
   </p:timing>
@@ -5154,7 +5168,7 @@
   <p:timing>
     <p:tnLst>
       <p:par>
-        <p:cTn xmlns:p14="http://schemas.microsoft.com/office/powerpoint/2010/main" id="1" dur="indefinite" restart="never" nodeType="tmRoot"/>
+        <p:cTn id="1" dur="indefinite" restart="never" nodeType="tmRoot"/>
       </p:par>
     </p:tnLst>
   </p:timing>
@@ -5583,7 +5597,7 @@
   <p:timing>
     <p:tnLst>
       <p:par>
-        <p:cTn xmlns:p14="http://schemas.microsoft.com/office/powerpoint/2010/main" id="1" dur="indefinite" restart="never" nodeType="tmRoot"/>
+        <p:cTn id="1" dur="indefinite" restart="never" nodeType="tmRoot"/>
       </p:par>
     </p:tnLst>
   </p:timing>
@@ -5796,7 +5810,7 @@
   <p:timing>
     <p:tnLst>
       <p:par>
-        <p:cTn xmlns:p14="http://schemas.microsoft.com/office/powerpoint/2010/main" id="1" dur="indefinite" restart="never" nodeType="tmRoot"/>
+        <p:cTn id="1" dur="indefinite" restart="never" nodeType="tmRoot"/>
       </p:par>
     </p:tnLst>
   </p:timing>
@@ -5976,7 +5990,7 @@
   <p:timing>
     <p:tnLst>
       <p:par>
-        <p:cTn xmlns:p14="http://schemas.microsoft.com/office/powerpoint/2010/main" id="1" dur="indefinite" restart="never" nodeType="tmRoot"/>
+        <p:cTn id="1" dur="indefinite" restart="never" nodeType="tmRoot"/>
       </p:par>
     </p:tnLst>
   </p:timing>
@@ -6205,7 +6219,7 @@
   <p:timing>
     <p:tnLst>
       <p:par>
-        <p:cTn xmlns:p14="http://schemas.microsoft.com/office/powerpoint/2010/main" id="1" dur="indefinite" restart="never" nodeType="tmRoot"/>
+        <p:cTn id="1" dur="indefinite" restart="never" nodeType="tmRoot"/>
       </p:par>
     </p:tnLst>
   </p:timing>
@@ -6431,6 +6445,162 @@
           </a:p>
         </p:txBody>
       </p:sp>
+      <mc:AlternateContent xmlns:mc="http://schemas.openxmlformats.org/markup-compatibility/2006">
+        <mc:Choice xmlns:a14="http://schemas.microsoft.com/office/drawing/2010/main" Requires="a14">
+          <p:sp>
+            <p:nvSpPr>
+              <p:cNvPr id="2" name="TextBox 1"/>
+              <p:cNvSpPr txBox="1"/>
+              <p:nvPr/>
+            </p:nvSpPr>
+            <p:spPr>
+              <a:xfrm>
+                <a:off x="2651739" y="3647738"/>
+                <a:ext cx="2926122" cy="430887"/>
+              </a:xfrm>
+              <a:prstGeom prst="rect">
+                <a:avLst/>
+              </a:prstGeom>
+              <a:noFill/>
+            </p:spPr>
+            <p:txBody>
+              <a:bodyPr wrap="none" lIns="0" tIns="0" rIns="0" bIns="0" rtlCol="0">
+                <a:spAutoFit/>
+              </a:bodyPr>
+              <a:lstStyle/>
+              <a:p>
+                <a14:m>
+                  <m:oMathPara xmlns:m="http://schemas.openxmlformats.org/officeDocument/2006/math">
+                    <m:oMathParaPr>
+                      <m:jc m:val="centerGroup"/>
+                    </m:oMathParaPr>
+                    <m:oMath xmlns:m="http://schemas.openxmlformats.org/officeDocument/2006/math">
+                      <m:r>
+                        <a:rPr lang="en-US" altLang="zh-CN" sz="2800" b="0" i="1" smtClean="0">
+                          <a:latin typeface="Cambria Math" panose="02040503050406030204" pitchFamily="18" charset="0"/>
+                        </a:rPr>
+                        <m:t>𝑎</m:t>
+                      </m:r>
+                      <m:r>
+                        <a:rPr lang="en-US" altLang="zh-CN" sz="2800" b="0" i="1" smtClean="0">
+                          <a:latin typeface="Cambria Math" panose="02040503050406030204" pitchFamily="18" charset="0"/>
+                        </a:rPr>
+                        <m:t> </m:t>
+                      </m:r>
+                      <m:sSup>
+                        <m:sSupPr>
+                          <m:ctrlPr>
+                            <a:rPr lang="en-US" altLang="zh-CN" sz="2800" b="0" i="1" smtClean="0">
+                              <a:latin typeface="Cambria Math" panose="02040503050406030204" pitchFamily="18" charset="0"/>
+                            </a:rPr>
+                          </m:ctrlPr>
+                        </m:sSupPr>
+                        <m:e>
+                          <m:r>
+                            <a:rPr lang="en-US" altLang="zh-CN" sz="2800" b="0" i="1" smtClean="0">
+                              <a:latin typeface="Cambria Math" panose="02040503050406030204" pitchFamily="18" charset="0"/>
+                            </a:rPr>
+                            <m:t>𝑥</m:t>
+                          </m:r>
+                        </m:e>
+                        <m:sup>
+                          <m:r>
+                            <a:rPr lang="en-US" altLang="zh-CN" sz="2800" b="0" i="1" smtClean="0">
+                              <a:latin typeface="Cambria Math" panose="02040503050406030204" pitchFamily="18" charset="0"/>
+                            </a:rPr>
+                            <m:t>2</m:t>
+                          </m:r>
+                        </m:sup>
+                      </m:sSup>
+                      <m:r>
+                        <a:rPr lang="en-US" altLang="zh-CN" sz="2800" b="0" i="1" smtClean="0">
+                          <a:latin typeface="Cambria Math" panose="02040503050406030204" pitchFamily="18" charset="0"/>
+                        </a:rPr>
+                        <m:t>+</m:t>
+                      </m:r>
+                      <m:r>
+                        <a:rPr lang="en-US" altLang="zh-CN" sz="2800" b="0" i="1" smtClean="0">
+                          <a:latin typeface="Cambria Math" panose="02040503050406030204" pitchFamily="18" charset="0"/>
+                        </a:rPr>
+                        <m:t>𝑏</m:t>
+                      </m:r>
+                      <m:r>
+                        <a:rPr lang="en-US" altLang="zh-CN" sz="2800" b="0" i="1" smtClean="0">
+                          <a:latin typeface="Cambria Math" panose="02040503050406030204" pitchFamily="18" charset="0"/>
+                        </a:rPr>
+                        <m:t> </m:t>
+                      </m:r>
+                      <m:r>
+                        <a:rPr lang="en-US" altLang="zh-CN" sz="2800" b="0" i="1" smtClean="0">
+                          <a:latin typeface="Cambria Math" panose="02040503050406030204" pitchFamily="18" charset="0"/>
+                        </a:rPr>
+                        <m:t>𝑥</m:t>
+                      </m:r>
+                      <m:r>
+                        <a:rPr lang="en-US" altLang="zh-CN" sz="2800" b="0" i="1" smtClean="0">
+                          <a:latin typeface="Cambria Math" panose="02040503050406030204" pitchFamily="18" charset="0"/>
+                        </a:rPr>
+                        <m:t>+</m:t>
+                      </m:r>
+                      <m:r>
+                        <a:rPr lang="en-US" altLang="zh-CN" sz="2800" b="0" i="1" smtClean="0">
+                          <a:latin typeface="Cambria Math" panose="02040503050406030204" pitchFamily="18" charset="0"/>
+                        </a:rPr>
+                        <m:t>𝑐</m:t>
+                      </m:r>
+                      <m:r>
+                        <a:rPr lang="en-US" altLang="zh-CN" sz="2800" b="0" i="1" smtClean="0">
+                          <a:latin typeface="Cambria Math" panose="02040503050406030204" pitchFamily="18" charset="0"/>
+                        </a:rPr>
+                        <m:t>=0</m:t>
+                      </m:r>
+                    </m:oMath>
+                  </m:oMathPara>
+                </a14:m>
+                <a:endParaRPr lang="zh-CN" altLang="en-US" sz="2800" dirty="0"/>
+              </a:p>
+            </p:txBody>
+          </p:sp>
+        </mc:Choice>
+        <mc:Fallback>
+          <p:sp>
+            <p:nvSpPr>
+              <p:cNvPr id="2" name="TextBox 1"/>
+              <p:cNvSpPr txBox="1">
+                <a:spLocks noRot="1" noChangeAspect="1" noMove="1" noResize="1" noEditPoints="1" noAdjustHandles="1" noChangeArrowheads="1" noChangeShapeType="1" noTextEdit="1"/>
+              </p:cNvSpPr>
+              <p:nvPr/>
+            </p:nvSpPr>
+            <p:spPr>
+              <a:xfrm>
+                <a:off x="2651739" y="3647738"/>
+                <a:ext cx="2926122" cy="430887"/>
+              </a:xfrm>
+              <a:prstGeom prst="rect">
+                <a:avLst/>
+              </a:prstGeom>
+              <a:blipFill rotWithShape="0">
+                <a:blip r:embed="rId2"/>
+                <a:stretch>
+                  <a:fillRect/>
+                </a:stretch>
+              </a:blipFill>
+            </p:spPr>
+            <p:txBody>
+              <a:bodyPr/>
+              <a:lstStyle/>
+              <a:p>
+                <a:r>
+                  <a:rPr lang="zh-CN" altLang="en-US">
+                    <a:noFill/>
+                  </a:rPr>
+                  <a:t> </a:t>
+                </a:r>
+              </a:p>
+            </p:txBody>
+          </p:sp>
+        </mc:Fallback>
+      </mc:AlternateContent>
     </p:spTree>
     <p:extLst>
       <p:ext uri="{BB962C8B-B14F-4D97-AF65-F5344CB8AC3E}">
@@ -6605,7 +6775,7 @@
   <p:timing>
     <p:tnLst>
       <p:par>
-        <p:cTn xmlns:p14="http://schemas.microsoft.com/office/powerpoint/2010/main" id="1" dur="indefinite" restart="never" nodeType="tmRoot"/>
+        <p:cTn id="1" dur="indefinite" restart="never" nodeType="tmRoot"/>
       </p:par>
     </p:tnLst>
   </p:timing>

--- a/lectures/lec05/lec05.pptx
+++ b/lectures/lec05/lec05.pptx
@@ -10,18 +10,31 @@
     <p:sldId id="258" r:id="rId4"/>
     <p:sldId id="259" r:id="rId5"/>
     <p:sldId id="260" r:id="rId6"/>
-    <p:sldId id="273" r:id="rId7"/>
-    <p:sldId id="264" r:id="rId8"/>
-    <p:sldId id="265" r:id="rId9"/>
-    <p:sldId id="267" r:id="rId10"/>
-    <p:sldId id="268" r:id="rId11"/>
-    <p:sldId id="269" r:id="rId12"/>
-    <p:sldId id="270" r:id="rId13"/>
-    <p:sldId id="271" r:id="rId14"/>
-    <p:sldId id="272" r:id="rId15"/>
-    <p:sldId id="263" r:id="rId16"/>
-    <p:sldId id="262" r:id="rId17"/>
-    <p:sldId id="261" r:id="rId18"/>
+    <p:sldId id="274" r:id="rId7"/>
+    <p:sldId id="275" r:id="rId8"/>
+    <p:sldId id="276" r:id="rId9"/>
+    <p:sldId id="273" r:id="rId10"/>
+    <p:sldId id="279" r:id="rId11"/>
+    <p:sldId id="280" r:id="rId12"/>
+    <p:sldId id="281" r:id="rId13"/>
+    <p:sldId id="282" r:id="rId14"/>
+    <p:sldId id="283" r:id="rId15"/>
+    <p:sldId id="278" r:id="rId16"/>
+    <p:sldId id="284" r:id="rId17"/>
+    <p:sldId id="285" r:id="rId18"/>
+    <p:sldId id="286" r:id="rId19"/>
+    <p:sldId id="287" r:id="rId20"/>
+    <p:sldId id="264" r:id="rId21"/>
+    <p:sldId id="265" r:id="rId22"/>
+    <p:sldId id="267" r:id="rId23"/>
+    <p:sldId id="268" r:id="rId24"/>
+    <p:sldId id="269" r:id="rId25"/>
+    <p:sldId id="270" r:id="rId26"/>
+    <p:sldId id="271" r:id="rId27"/>
+    <p:sldId id="272" r:id="rId28"/>
+    <p:sldId id="263" r:id="rId29"/>
+    <p:sldId id="262" r:id="rId30"/>
+    <p:sldId id="261" r:id="rId31"/>
   </p:sldIdLst>
   <p:sldSz cx="9144000" cy="6858000" type="screen4x3"/>
   <p:notesSz cx="6858000" cy="9144000"/>
@@ -130,7 +143,20 @@
             <p14:sldId id="258"/>
             <p14:sldId id="259"/>
             <p14:sldId id="260"/>
+            <p14:sldId id="274"/>
+            <p14:sldId id="275"/>
+            <p14:sldId id="276"/>
             <p14:sldId id="273"/>
+            <p14:sldId id="279"/>
+            <p14:sldId id="280"/>
+            <p14:sldId id="281"/>
+            <p14:sldId id="282"/>
+            <p14:sldId id="283"/>
+            <p14:sldId id="278"/>
+            <p14:sldId id="284"/>
+            <p14:sldId id="285"/>
+            <p14:sldId id="286"/>
+            <p14:sldId id="287"/>
             <p14:sldId id="264"/>
             <p14:sldId id="265"/>
             <p14:sldId id="267"/>
@@ -349,7 +375,7 @@
           <a:p>
             <a:fld id="{5ECE4D60-05A1-A640-A7CD-C0D17F809990}" type="datetimeFigureOut">
               <a:rPr lang="en-US" smtClean="0"/>
-              <a:t>10/1/2017</a:t>
+              <a:t>10/6/17</a:t>
             </a:fld>
             <a:endParaRPr lang="en-US"/>
           </a:p>
@@ -519,7 +545,7 @@
           <a:p>
             <a:fld id="{5ECE4D60-05A1-A640-A7CD-C0D17F809990}" type="datetimeFigureOut">
               <a:rPr lang="en-US" smtClean="0"/>
-              <a:t>10/1/2017</a:t>
+              <a:t>10/6/17</a:t>
             </a:fld>
             <a:endParaRPr lang="en-US"/>
           </a:p>
@@ -699,7 +725,7 @@
           <a:p>
             <a:fld id="{5ECE4D60-05A1-A640-A7CD-C0D17F809990}" type="datetimeFigureOut">
               <a:rPr lang="en-US" smtClean="0"/>
-              <a:t>10/1/2017</a:t>
+              <a:t>10/6/17</a:t>
             </a:fld>
             <a:endParaRPr lang="en-US"/>
           </a:p>
@@ -869,7 +895,7 @@
           <a:p>
             <a:fld id="{5ECE4D60-05A1-A640-A7CD-C0D17F809990}" type="datetimeFigureOut">
               <a:rPr lang="en-US" smtClean="0"/>
-              <a:t>10/1/2017</a:t>
+              <a:t>10/6/17</a:t>
             </a:fld>
             <a:endParaRPr lang="en-US"/>
           </a:p>
@@ -1115,7 +1141,7 @@
           <a:p>
             <a:fld id="{5ECE4D60-05A1-A640-A7CD-C0D17F809990}" type="datetimeFigureOut">
               <a:rPr lang="en-US" smtClean="0"/>
-              <a:t>10/1/2017</a:t>
+              <a:t>10/6/17</a:t>
             </a:fld>
             <a:endParaRPr lang="en-US"/>
           </a:p>
@@ -1403,7 +1429,7 @@
           <a:p>
             <a:fld id="{5ECE4D60-05A1-A640-A7CD-C0D17F809990}" type="datetimeFigureOut">
               <a:rPr lang="en-US" smtClean="0"/>
-              <a:t>10/1/2017</a:t>
+              <a:t>10/6/17</a:t>
             </a:fld>
             <a:endParaRPr lang="en-US"/>
           </a:p>
@@ -1830,7 +1856,7 @@
           <a:p>
             <a:fld id="{5ECE4D60-05A1-A640-A7CD-C0D17F809990}" type="datetimeFigureOut">
               <a:rPr lang="en-US" smtClean="0"/>
-              <a:t>10/1/2017</a:t>
+              <a:t>10/6/17</a:t>
             </a:fld>
             <a:endParaRPr lang="en-US"/>
           </a:p>
@@ -1948,7 +1974,7 @@
           <a:p>
             <a:fld id="{5ECE4D60-05A1-A640-A7CD-C0D17F809990}" type="datetimeFigureOut">
               <a:rPr lang="en-US" smtClean="0"/>
-              <a:t>10/1/2017</a:t>
+              <a:t>10/6/17</a:t>
             </a:fld>
             <a:endParaRPr lang="en-US"/>
           </a:p>
@@ -2043,7 +2069,7 @@
           <a:p>
             <a:fld id="{5ECE4D60-05A1-A640-A7CD-C0D17F809990}" type="datetimeFigureOut">
               <a:rPr lang="en-US" smtClean="0"/>
-              <a:t>10/1/2017</a:t>
+              <a:t>10/6/17</a:t>
             </a:fld>
             <a:endParaRPr lang="en-US"/>
           </a:p>
@@ -2320,7 +2346,7 @@
           <a:p>
             <a:fld id="{5ECE4D60-05A1-A640-A7CD-C0D17F809990}" type="datetimeFigureOut">
               <a:rPr lang="en-US" smtClean="0"/>
-              <a:t>10/1/2017</a:t>
+              <a:t>10/6/17</a:t>
             </a:fld>
             <a:endParaRPr lang="en-US"/>
           </a:p>
@@ -2573,7 +2599,7 @@
           <a:p>
             <a:fld id="{5ECE4D60-05A1-A640-A7CD-C0D17F809990}" type="datetimeFigureOut">
               <a:rPr lang="en-US" smtClean="0"/>
-              <a:t>10/1/2017</a:t>
+              <a:t>10/6/17</a:t>
             </a:fld>
             <a:endParaRPr lang="en-US"/>
           </a:p>
@@ -2786,7 +2812,7 @@
           <a:p>
             <a:fld id="{5ECE4D60-05A1-A640-A7CD-C0D17F809990}" type="datetimeFigureOut">
               <a:rPr lang="en-US" smtClean="0"/>
-              <a:t>10/1/2017</a:t>
+              <a:t>10/6/17</a:t>
             </a:fld>
             <a:endParaRPr lang="en-US"/>
           </a:p>
@@ -3370,209 +3396,6 @@
       </p:grpSpPr>
       <p:sp>
         <p:nvSpPr>
-          <p:cNvPr id="3" name="Content Placeholder 2"/>
-          <p:cNvSpPr>
-            <a:spLocks noGrp="1"/>
-          </p:cNvSpPr>
-          <p:nvPr>
-            <p:ph idx="1"/>
-          </p:nvPr>
-        </p:nvSpPr>
-        <p:spPr/>
-        <p:txBody>
-          <a:bodyPr>
-            <a:normAutofit/>
-          </a:bodyPr>
-          <a:lstStyle/>
-          <a:p>
-            <a:pPr marL="0" indent="0">
-              <a:buNone/>
-            </a:pPr>
-            <a:r>
-              <a:rPr lang="en-US" sz="2400" dirty="0">
-                <a:latin typeface="Courier"/>
-                <a:cs typeface="Courier"/>
-              </a:rPr>
-              <a:t>s</a:t>
-            </a:r>
-            <a:r>
-              <a:rPr lang="en-US" sz="2400" dirty="0" smtClean="0">
-                <a:latin typeface="Courier"/>
-                <a:cs typeface="Courier"/>
-              </a:rPr>
-              <a:t> = “WATER MAIN”</a:t>
-            </a:r>
-          </a:p>
-          <a:p>
-            <a:pPr marL="0" indent="0">
-              <a:buNone/>
-            </a:pPr>
-            <a:r>
-              <a:rPr lang="en-US" sz="2400" dirty="0" smtClean="0">
-                <a:latin typeface="Courier"/>
-                <a:cs typeface="Courier"/>
-              </a:rPr>
-              <a:t>x = s[0:s.find(‘’)].lower()</a:t>
-            </a:r>
-          </a:p>
-          <a:p>
-            <a:pPr marL="0" indent="0">
-              <a:buNone/>
-            </a:pPr>
-            <a:r>
-              <a:rPr lang="en-US" sz="2400" dirty="0" smtClean="0">
-                <a:latin typeface="Courier"/>
-                <a:cs typeface="Courier"/>
-              </a:rPr>
-              <a:t>x = </a:t>
-            </a:r>
-            <a:r>
-              <a:rPr lang="en-US" sz="2400" dirty="0" err="1" smtClean="0">
-                <a:latin typeface="Courier"/>
-                <a:cs typeface="Courier"/>
-              </a:rPr>
-              <a:t>x.title</a:t>
-            </a:r>
-            <a:r>
-              <a:rPr lang="en-US" sz="2400" dirty="0" smtClean="0">
-                <a:latin typeface="Courier"/>
-                <a:cs typeface="Courier"/>
-              </a:rPr>
-              <a:t>().</a:t>
-            </a:r>
-            <a:r>
-              <a:rPr lang="en-US" sz="2400" dirty="0" err="1" smtClean="0">
-                <a:latin typeface="Courier"/>
-                <a:cs typeface="Courier"/>
-              </a:rPr>
-              <a:t>swapcase</a:t>
-            </a:r>
-            <a:r>
-              <a:rPr lang="en-US" sz="2400" dirty="0" smtClean="0">
-                <a:latin typeface="Courier"/>
-                <a:cs typeface="Courier"/>
-              </a:rPr>
-              <a:t>()</a:t>
-            </a:r>
-          </a:p>
-          <a:p>
-            <a:pPr marL="0" indent="0">
-              <a:buNone/>
-            </a:pPr>
-            <a:endParaRPr lang="en-US" sz="2400" dirty="0">
-              <a:latin typeface="Courier"/>
-              <a:cs typeface="Courier"/>
-            </a:endParaRPr>
-          </a:p>
-          <a:p>
-            <a:pPr marL="0" indent="0">
-              <a:buNone/>
-            </a:pPr>
-            <a:r>
-              <a:rPr lang="en-US" sz="2400" dirty="0" smtClean="0">
-                <a:cs typeface="Courier"/>
-              </a:rPr>
-              <a:t>What is the value of x?</a:t>
-            </a:r>
-          </a:p>
-          <a:p>
-            <a:pPr marL="0" indent="0">
-              <a:buNone/>
-            </a:pPr>
-            <a:r>
-              <a:rPr lang="en-US" sz="2400" dirty="0" smtClean="0">
-                <a:latin typeface="Courier"/>
-                <a:cs typeface="Courier"/>
-              </a:rPr>
-              <a:t>A ‘</a:t>
-            </a:r>
-            <a:r>
-              <a:rPr lang="en-US" sz="2400" dirty="0" err="1" smtClean="0">
-                <a:latin typeface="Courier"/>
-                <a:cs typeface="Courier"/>
-              </a:rPr>
-              <a:t>wATER</a:t>
-            </a:r>
-            <a:r>
-              <a:rPr lang="en-US" sz="2400" dirty="0" smtClean="0">
-                <a:latin typeface="Courier"/>
-                <a:cs typeface="Courier"/>
-              </a:rPr>
-              <a:t>’</a:t>
-            </a:r>
-          </a:p>
-          <a:p>
-            <a:pPr marL="0" indent="0">
-              <a:buNone/>
-            </a:pPr>
-            <a:r>
-              <a:rPr lang="en-US" sz="2400" dirty="0" smtClean="0">
-                <a:latin typeface="Courier"/>
-                <a:cs typeface="Courier"/>
-              </a:rPr>
-              <a:t>B ‘Water’</a:t>
-            </a:r>
-          </a:p>
-          <a:p>
-            <a:pPr marL="0" indent="0">
-              <a:buNone/>
-            </a:pPr>
-            <a:r>
-              <a:rPr lang="en-US" sz="2400" dirty="0" smtClean="0">
-                <a:latin typeface="Courier"/>
-                <a:cs typeface="Courier"/>
-              </a:rPr>
-              <a:t>C ‘</a:t>
-            </a:r>
-            <a:r>
-              <a:rPr lang="en-US" sz="2400" dirty="0" err="1" smtClean="0">
-                <a:latin typeface="Courier"/>
-                <a:cs typeface="Courier"/>
-              </a:rPr>
-              <a:t>wATE</a:t>
-            </a:r>
-            <a:r>
-              <a:rPr lang="en-US" sz="2400" dirty="0" smtClean="0">
-                <a:latin typeface="Courier"/>
-                <a:cs typeface="Courier"/>
-              </a:rPr>
-              <a:t>’</a:t>
-            </a:r>
-          </a:p>
-          <a:p>
-            <a:pPr marL="0" indent="0">
-              <a:buNone/>
-            </a:pPr>
-            <a:r>
-              <a:rPr lang="en-US" sz="2400" dirty="0" smtClean="0">
-                <a:latin typeface="Courier"/>
-                <a:cs typeface="Courier"/>
-              </a:rPr>
-              <a:t>D ‘</a:t>
-            </a:r>
-            <a:r>
-              <a:rPr lang="en-US" sz="2400" dirty="0" err="1" smtClean="0">
-                <a:latin typeface="Courier"/>
-                <a:cs typeface="Courier"/>
-              </a:rPr>
-              <a:t>aTER</a:t>
-            </a:r>
-            <a:r>
-              <a:rPr lang="en-US" sz="2400" dirty="0" smtClean="0">
-                <a:latin typeface="Courier"/>
-                <a:cs typeface="Courier"/>
-              </a:rPr>
-              <a:t>’</a:t>
-            </a:r>
-            <a:endParaRPr lang="en-US" sz="2400" dirty="0">
-              <a:latin typeface="Courier"/>
-              <a:cs typeface="Courier"/>
-            </a:endParaRPr>
-          </a:p>
-        </p:txBody>
-      </p:sp>
-      <p:sp>
-        <p:nvSpPr>
           <p:cNvPr id="4" name="Rectangle 3"/>
           <p:cNvSpPr/>
           <p:nvPr/>
@@ -3677,7 +3500,7 @@
         <p:spPr>
           <a:xfrm>
             <a:off x="0" y="6451738"/>
-            <a:ext cx="748923" cy="276999"/>
+            <a:ext cx="705642" cy="276999"/>
           </a:xfrm>
           <a:prstGeom prst="rect">
             <a:avLst/>
@@ -3690,12 +3513,12 @@
           <a:lstStyle/>
           <a:p>
             <a:r>
-              <a:rPr lang="en-US" sz="1200" dirty="0" smtClean="0">
+              <a:rPr lang="en-US" sz="1200" dirty="0">
                 <a:solidFill>
                   <a:srgbClr val="118EB0"/>
                 </a:solidFill>
               </a:rPr>
-              <a:t>methods</a:t>
+              <a:t>function</a:t>
             </a:r>
           </a:p>
         </p:txBody>
@@ -3739,10 +3562,190 @@
           </a:p>
         </p:txBody>
       </p:sp>
+      <p:sp>
+        <p:nvSpPr>
+          <p:cNvPr id="8" name="TextBox 7"/>
+          <p:cNvSpPr txBox="1"/>
+          <p:nvPr/>
+        </p:nvSpPr>
+        <p:spPr>
+          <a:xfrm>
+            <a:off x="2036690" y="2551122"/>
+            <a:ext cx="5070619" cy="1569660"/>
+          </a:xfrm>
+          <a:prstGeom prst="rect">
+            <a:avLst/>
+          </a:prstGeom>
+          <a:noFill/>
+        </p:spPr>
+        <p:txBody>
+          <a:bodyPr wrap="none" rtlCol="0">
+            <a:spAutoFit/>
+          </a:bodyPr>
+          <a:lstStyle/>
+          <a:p>
+            <a:r>
+              <a:rPr lang="en-US" sz="2400" b="1" dirty="0">
+                <a:latin typeface="Courier" charset="0"/>
+                <a:ea typeface="Courier" charset="0"/>
+                <a:cs typeface="Courier" charset="0"/>
+              </a:rPr>
+              <a:t>d</a:t>
+            </a:r>
+            <a:r>
+              <a:rPr lang="en-US" sz="2400" b="1" dirty="0" smtClean="0">
+                <a:latin typeface="Courier" charset="0"/>
+                <a:ea typeface="Courier" charset="0"/>
+                <a:cs typeface="Courier" charset="0"/>
+              </a:rPr>
+              <a:t>ef</a:t>
+            </a:r>
+            <a:r>
+              <a:rPr lang="en-US" sz="2400" dirty="0" smtClean="0">
+                <a:latin typeface="Courier" charset="0"/>
+                <a:ea typeface="Courier" charset="0"/>
+                <a:cs typeface="Courier" charset="0"/>
+              </a:rPr>
+              <a:t> f(x):</a:t>
+            </a:r>
+          </a:p>
+          <a:p>
+            <a:r>
+              <a:rPr lang="en-US" sz="2400" dirty="0">
+                <a:latin typeface="Courier" charset="0"/>
+                <a:ea typeface="Courier" charset="0"/>
+                <a:cs typeface="Courier" charset="0"/>
+              </a:rPr>
+              <a:t>	</a:t>
+            </a:r>
+            <a:r>
+              <a:rPr lang="en-US" sz="2400" dirty="0" smtClean="0">
+                <a:latin typeface="Courier" charset="0"/>
+                <a:ea typeface="Courier" charset="0"/>
+                <a:cs typeface="Courier" charset="0"/>
+              </a:rPr>
+              <a:t>y = x ** 2</a:t>
+            </a:r>
+          </a:p>
+          <a:p>
+            <a:r>
+              <a:rPr lang="en-US" sz="2400" dirty="0">
+                <a:latin typeface="Courier" charset="0"/>
+                <a:ea typeface="Courier" charset="0"/>
+                <a:cs typeface="Courier" charset="0"/>
+              </a:rPr>
+              <a:t>	</a:t>
+            </a:r>
+            <a:r>
+              <a:rPr lang="en-US" sz="2400" dirty="0" smtClean="0">
+                <a:latin typeface="Courier" charset="0"/>
+                <a:ea typeface="Courier" charset="0"/>
+                <a:cs typeface="Courier" charset="0"/>
+              </a:rPr>
+              <a:t>area = 0.5 * math.pi * y</a:t>
+            </a:r>
+          </a:p>
+          <a:p>
+            <a:r>
+              <a:rPr lang="en-US" sz="2400" dirty="0">
+                <a:latin typeface="Courier" charset="0"/>
+                <a:ea typeface="Courier" charset="0"/>
+                <a:cs typeface="Courier" charset="0"/>
+              </a:rPr>
+              <a:t>	</a:t>
+            </a:r>
+            <a:r>
+              <a:rPr lang="en-US" sz="2400" b="1" dirty="0" smtClean="0">
+                <a:latin typeface="Courier" charset="0"/>
+                <a:ea typeface="Courier" charset="0"/>
+                <a:cs typeface="Courier" charset="0"/>
+              </a:rPr>
+              <a:t>return</a:t>
+            </a:r>
+            <a:r>
+              <a:rPr lang="en-US" sz="2400" dirty="0" smtClean="0">
+                <a:latin typeface="Courier" charset="0"/>
+                <a:ea typeface="Courier" charset="0"/>
+                <a:cs typeface="Courier" charset="0"/>
+              </a:rPr>
+              <a:t> area</a:t>
+            </a:r>
+            <a:endParaRPr lang="en-US" sz="2400" dirty="0">
+              <a:latin typeface="Courier" charset="0"/>
+              <a:ea typeface="Courier" charset="0"/>
+              <a:cs typeface="Courier" charset="0"/>
+            </a:endParaRPr>
+          </a:p>
+        </p:txBody>
+      </p:sp>
+      <p:sp>
+        <p:nvSpPr>
+          <p:cNvPr id="2" name="TextBox 1"/>
+          <p:cNvSpPr txBox="1"/>
+          <p:nvPr/>
+        </p:nvSpPr>
+        <p:spPr>
+          <a:xfrm>
+            <a:off x="1915214" y="4782798"/>
+            <a:ext cx="5313570" cy="646331"/>
+          </a:xfrm>
+          <a:prstGeom prst="rect">
+            <a:avLst/>
+          </a:prstGeom>
+          <a:noFill/>
+        </p:spPr>
+        <p:txBody>
+          <a:bodyPr wrap="none" rtlCol="0">
+            <a:spAutoFit/>
+          </a:bodyPr>
+          <a:lstStyle/>
+          <a:p>
+            <a:r>
+              <a:rPr lang="en-US" b="1" dirty="0" smtClean="0">
+                <a:solidFill>
+                  <a:srgbClr val="0070C0"/>
+                </a:solidFill>
+              </a:rPr>
+              <a:t>def</a:t>
+            </a:r>
+            <a:r>
+              <a:rPr lang="en-US" dirty="0" smtClean="0">
+                <a:solidFill>
+                  <a:srgbClr val="0070C0"/>
+                </a:solidFill>
+              </a:rPr>
+              <a:t>: key word to start the definition of a function</a:t>
+            </a:r>
+          </a:p>
+          <a:p>
+            <a:r>
+              <a:rPr lang="en-US" b="1" dirty="0" smtClean="0">
+                <a:solidFill>
+                  <a:srgbClr val="0070C0"/>
+                </a:solidFill>
+              </a:rPr>
+              <a:t>return</a:t>
+            </a:r>
+            <a:r>
+              <a:rPr lang="en-US" dirty="0" smtClean="0">
+                <a:solidFill>
+                  <a:srgbClr val="0070C0"/>
+                </a:solidFill>
+              </a:rPr>
+              <a:t>: key word to “return” a value from the function </a:t>
+            </a:r>
+            <a:endParaRPr lang="en-US" dirty="0">
+              <a:solidFill>
+                <a:srgbClr val="0070C0"/>
+              </a:solidFill>
+            </a:endParaRPr>
+          </a:p>
+        </p:txBody>
+      </p:sp>
     </p:spTree>
     <p:extLst>
       <p:ext uri="{BB962C8B-B14F-4D97-AF65-F5344CB8AC3E}">
-        <p14:creationId xmlns:p14="http://schemas.microsoft.com/office/powerpoint/2010/main" val="1223799003"/>
+        <p14:creationId xmlns:p14="http://schemas.microsoft.com/office/powerpoint/2010/main" val="263819850"/>
       </p:ext>
     </p:extLst>
   </p:cSld>
@@ -3777,7 +3780,7 @@
         </p:nvSpPr>
         <p:spPr>
           <a:xfrm>
-            <a:off x="0" y="2586816"/>
+            <a:off x="0" y="-7550"/>
             <a:ext cx="9144000" cy="1228835"/>
           </a:xfrm>
           <a:prstGeom prst="rect">
@@ -3809,12 +3812,15 @@
           <a:bodyPr rtlCol="0" anchor="ctr"/>
           <a:lstStyle/>
           <a:p>
-            <a:pPr algn="ctr"/>
-            <a:r>
-              <a:rPr lang="en-US" sz="4800" b="1" dirty="0" smtClean="0"/>
-              <a:t>Comments</a:t>
-            </a:r>
-            <a:endParaRPr lang="en-US" sz="4800" b="1" dirty="0"/>
+            <a:r>
+              <a:rPr lang="en-US" sz="4000" b="1" dirty="0" smtClean="0"/>
+              <a:t>   </a:t>
+            </a:r>
+            <a:r>
+              <a:rPr lang="en-US" sz="4000" i="1" dirty="0" smtClean="0"/>
+              <a:t>Example</a:t>
+            </a:r>
+            <a:endParaRPr lang="en-US" sz="4000" i="1" dirty="0"/>
           </a:p>
         </p:txBody>
       </p:sp>
@@ -3872,7 +3878,7 @@
         <p:spPr>
           <a:xfrm>
             <a:off x="0" y="6451738"/>
-            <a:ext cx="864339" cy="276999"/>
+            <a:ext cx="705642" cy="276999"/>
           </a:xfrm>
           <a:prstGeom prst="rect">
             <a:avLst/>
@@ -3884,13 +3890,47 @@
           </a:bodyPr>
           <a:lstStyle/>
           <a:p>
+            <a:r>
+              <a:rPr lang="en-US" sz="1200" dirty="0">
+                <a:solidFill>
+                  <a:srgbClr val="118EB0"/>
+                </a:solidFill>
+              </a:rPr>
+              <a:t>function</a:t>
+            </a:r>
+          </a:p>
+        </p:txBody>
+      </p:sp>
+      <p:sp>
+        <p:nvSpPr>
+          <p:cNvPr id="7" name="TextBox 6"/>
+          <p:cNvSpPr txBox="1"/>
+          <p:nvPr/>
+        </p:nvSpPr>
+        <p:spPr>
+          <a:xfrm>
+            <a:off x="8869998" y="6453063"/>
+            <a:ext cx="262662" cy="276999"/>
+          </a:xfrm>
+          <a:prstGeom prst="rect">
+            <a:avLst/>
+          </a:prstGeom>
+          <a:noFill/>
+        </p:spPr>
+        <p:txBody>
+          <a:bodyPr wrap="none" rtlCol="0">
+            <a:spAutoFit/>
+          </a:bodyPr>
+          <a:lstStyle/>
+          <a:p>
+            <a:pPr algn="r"/>
             <a:r>
               <a:rPr lang="en-US" sz="1200" dirty="0" smtClean="0">
                 <a:solidFill>
                   <a:srgbClr val="118EB0"/>
                 </a:solidFill>
               </a:rPr>
-              <a:t>Comments</a:t>
+              <a:t>1</a:t>
             </a:r>
             <a:endParaRPr lang="en-US" sz="1200" dirty="0">
               <a:solidFill>
@@ -3902,14 +3942,14 @@
       </p:sp>
       <p:sp>
         <p:nvSpPr>
-          <p:cNvPr id="7" name="TextBox 6"/>
+          <p:cNvPr id="8" name="TextBox 7"/>
           <p:cNvSpPr txBox="1"/>
           <p:nvPr/>
         </p:nvSpPr>
         <p:spPr>
           <a:xfrm>
-            <a:off x="8869998" y="6453063"/>
-            <a:ext cx="262662" cy="276999"/>
+            <a:off x="2036690" y="2551122"/>
+            <a:ext cx="5070619" cy="1569660"/>
           </a:xfrm>
           <a:prstGeom prst="rect">
             <a:avLst/>
@@ -3922,18 +3962,167 @@
           </a:bodyPr>
           <a:lstStyle/>
           <a:p>
-            <a:pPr algn="r"/>
-            <a:r>
-              <a:rPr lang="en-US" sz="1200" dirty="0" smtClean="0">
+            <a:r>
+              <a:rPr lang="en-US" sz="2400" b="1" dirty="0">
+                <a:latin typeface="Courier" charset="0"/>
+                <a:ea typeface="Courier" charset="0"/>
+                <a:cs typeface="Courier" charset="0"/>
+              </a:rPr>
+              <a:t>d</a:t>
+            </a:r>
+            <a:r>
+              <a:rPr lang="en-US" sz="2400" b="1" dirty="0" smtClean="0">
+                <a:latin typeface="Courier" charset="0"/>
+                <a:ea typeface="Courier" charset="0"/>
+                <a:cs typeface="Courier" charset="0"/>
+              </a:rPr>
+              <a:t>ef</a:t>
+            </a:r>
+            <a:r>
+              <a:rPr lang="en-US" sz="2400" dirty="0" smtClean="0">
+                <a:latin typeface="Courier" charset="0"/>
+                <a:ea typeface="Courier" charset="0"/>
+                <a:cs typeface="Courier" charset="0"/>
+              </a:rPr>
+              <a:t> f(x):</a:t>
+            </a:r>
+          </a:p>
+          <a:p>
+            <a:r>
+              <a:rPr lang="en-US" sz="2400" dirty="0">
+                <a:latin typeface="Courier" charset="0"/>
+                <a:ea typeface="Courier" charset="0"/>
+                <a:cs typeface="Courier" charset="0"/>
+              </a:rPr>
+              <a:t>	</a:t>
+            </a:r>
+            <a:r>
+              <a:rPr lang="en-US" sz="2400" dirty="0" smtClean="0">
+                <a:latin typeface="Courier" charset="0"/>
+                <a:ea typeface="Courier" charset="0"/>
+                <a:cs typeface="Courier" charset="0"/>
+              </a:rPr>
+              <a:t>y = x ** 2</a:t>
+            </a:r>
+          </a:p>
+          <a:p>
+            <a:r>
+              <a:rPr lang="en-US" sz="2400" dirty="0">
+                <a:latin typeface="Courier" charset="0"/>
+                <a:ea typeface="Courier" charset="0"/>
+                <a:cs typeface="Courier" charset="0"/>
+              </a:rPr>
+              <a:t>	</a:t>
+            </a:r>
+            <a:r>
+              <a:rPr lang="en-US" sz="2400" dirty="0" smtClean="0">
+                <a:latin typeface="Courier" charset="0"/>
+                <a:ea typeface="Courier" charset="0"/>
+                <a:cs typeface="Courier" charset="0"/>
+              </a:rPr>
+              <a:t>area = 0.5 * math.pi * y</a:t>
+            </a:r>
+          </a:p>
+          <a:p>
+            <a:r>
+              <a:rPr lang="en-US" sz="2400" dirty="0">
+                <a:latin typeface="Courier" charset="0"/>
+                <a:ea typeface="Courier" charset="0"/>
+                <a:cs typeface="Courier" charset="0"/>
+              </a:rPr>
+              <a:t>	</a:t>
+            </a:r>
+            <a:r>
+              <a:rPr lang="en-US" sz="2400" b="1" dirty="0" smtClean="0">
+                <a:latin typeface="Courier" charset="0"/>
+                <a:ea typeface="Courier" charset="0"/>
+                <a:cs typeface="Courier" charset="0"/>
+              </a:rPr>
+              <a:t>return</a:t>
+            </a:r>
+            <a:r>
+              <a:rPr lang="en-US" sz="2400" dirty="0" smtClean="0">
+                <a:latin typeface="Courier" charset="0"/>
+                <a:ea typeface="Courier" charset="0"/>
+                <a:cs typeface="Courier" charset="0"/>
+              </a:rPr>
+              <a:t> area</a:t>
+            </a:r>
+            <a:endParaRPr lang="en-US" sz="2400" dirty="0">
+              <a:latin typeface="Courier" charset="0"/>
+              <a:ea typeface="Courier" charset="0"/>
+              <a:cs typeface="Courier" charset="0"/>
+            </a:endParaRPr>
+          </a:p>
+        </p:txBody>
+      </p:sp>
+      <p:sp>
+        <p:nvSpPr>
+          <p:cNvPr id="2" name="TextBox 1"/>
+          <p:cNvSpPr txBox="1"/>
+          <p:nvPr/>
+        </p:nvSpPr>
+        <p:spPr>
+          <a:xfrm>
+            <a:off x="1915214" y="4782798"/>
+            <a:ext cx="3531031" cy="646331"/>
+          </a:xfrm>
+          <a:prstGeom prst="rect">
+            <a:avLst/>
+          </a:prstGeom>
+          <a:noFill/>
+        </p:spPr>
+        <p:txBody>
+          <a:bodyPr wrap="none" rtlCol="0">
+            <a:spAutoFit/>
+          </a:bodyPr>
+          <a:lstStyle/>
+          <a:p>
+            <a:r>
+              <a:rPr lang="en-US" b="1" dirty="0" smtClean="0">
                 <a:solidFill>
-                  <a:srgbClr val="118EB0"/>
+                  <a:srgbClr val="0070C0"/>
                 </a:solidFill>
               </a:rPr>
-              <a:t>1</a:t>
-            </a:r>
-            <a:endParaRPr lang="en-US" sz="1200" dirty="0">
+              <a:t>f</a:t>
+            </a:r>
+            <a:r>
+              <a:rPr lang="en-US" dirty="0" smtClean="0">
+                <a:solidFill>
+                  <a:srgbClr val="0070C0"/>
+                </a:solidFill>
+              </a:rPr>
+              <a:t>: name of the function</a:t>
+            </a:r>
+          </a:p>
+          <a:p>
+            <a:r>
+              <a:rPr lang="en-US" b="1" dirty="0" smtClean="0">
+                <a:solidFill>
+                  <a:srgbClr val="0070C0"/>
+                </a:solidFill>
+              </a:rPr>
+              <a:t>x</a:t>
+            </a:r>
+            <a:r>
+              <a:rPr lang="en-US" dirty="0" smtClean="0">
+                <a:solidFill>
+                  <a:srgbClr val="0070C0"/>
+                </a:solidFill>
+              </a:rPr>
+              <a:t>: argument passed to the function</a:t>
+            </a:r>
+            <a:r>
+              <a:rPr lang="en-US" b="1" dirty="0" smtClean="0">
+                <a:solidFill>
+                  <a:srgbClr val="0070C0"/>
+                </a:solidFill>
+              </a:rPr>
+              <a:t> </a:t>
+            </a:r>
+            <a:endParaRPr lang="en-US" dirty="0">
               <a:solidFill>
-                <a:srgbClr val="118EB0"/>
+                <a:srgbClr val="0070C0"/>
               </a:solidFill>
             </a:endParaRPr>
           </a:p>
@@ -3942,20 +4131,13 @@
     </p:spTree>
     <p:extLst>
       <p:ext uri="{BB962C8B-B14F-4D97-AF65-F5344CB8AC3E}">
-        <p14:creationId xmlns:p14="http://schemas.microsoft.com/office/powerpoint/2010/main" val="3177833125"/>
+        <p14:creationId xmlns:p14="http://schemas.microsoft.com/office/powerpoint/2010/main" val="1604973415"/>
       </p:ext>
     </p:extLst>
   </p:cSld>
   <p:clrMapOvr>
     <a:masterClrMapping/>
   </p:clrMapOvr>
-  <p:timing>
-    <p:tnLst>
-      <p:par>
-        <p:cTn id="1" dur="indefinite" restart="never" nodeType="tmRoot"/>
-      </p:par>
-    </p:tnLst>
-  </p:timing>
 </p:sld>
 </file>
 
@@ -3978,46 +4160,6 @@
       </p:grpSpPr>
       <p:sp>
         <p:nvSpPr>
-          <p:cNvPr id="3" name="Content Placeholder 2"/>
-          <p:cNvSpPr>
-            <a:spLocks noGrp="1"/>
-          </p:cNvSpPr>
-          <p:nvPr>
-            <p:ph idx="1"/>
-          </p:nvPr>
-        </p:nvSpPr>
-        <p:spPr/>
-        <p:txBody>
-          <a:bodyPr/>
-          <a:lstStyle/>
-          <a:p>
-            <a:r>
-              <a:rPr lang="en-US" sz="2400" dirty="0" smtClean="0"/>
-              <a:t>We can explain our code using comments</a:t>
-            </a:r>
-          </a:p>
-          <a:p>
-            <a:r>
-              <a:rPr lang="en-US" sz="2400" dirty="0" smtClean="0"/>
-              <a:t>Begin with a # sign</a:t>
-            </a:r>
-          </a:p>
-          <a:p>
-            <a:r>
-              <a:rPr lang="en-US" sz="2400" dirty="0" smtClean="0"/>
-              <a:t>Python interpreter ignores the rest of the line</a:t>
-            </a:r>
-          </a:p>
-          <a:p>
-            <a:r>
-              <a:rPr lang="en-US" sz="2400" dirty="0" smtClean="0"/>
-              <a:t>Long comments can also be stored as triple-quoted string </a:t>
-            </a:r>
-          </a:p>
-        </p:txBody>
-      </p:sp>
-      <p:sp>
-        <p:nvSpPr>
           <p:cNvPr id="4" name="Rectangle 3"/>
           <p:cNvSpPr/>
           <p:nvPr/>
@@ -4062,7 +4204,7 @@
             </a:r>
             <a:r>
               <a:rPr lang="en-US" sz="4000" i="1" dirty="0" smtClean="0"/>
-              <a:t>Comments</a:t>
+              <a:t>Example</a:t>
             </a:r>
             <a:endParaRPr lang="en-US" sz="4000" i="1" dirty="0"/>
           </a:p>
@@ -4122,7 +4264,7 @@
         <p:spPr>
           <a:xfrm>
             <a:off x="0" y="6451738"/>
-            <a:ext cx="864339" cy="276999"/>
+            <a:ext cx="705642" cy="276999"/>
           </a:xfrm>
           <a:prstGeom prst="rect">
             <a:avLst/>
@@ -4134,13 +4276,47 @@
           </a:bodyPr>
           <a:lstStyle/>
           <a:p>
+            <a:r>
+              <a:rPr lang="en-US" sz="1200" dirty="0">
+                <a:solidFill>
+                  <a:srgbClr val="118EB0"/>
+                </a:solidFill>
+              </a:rPr>
+              <a:t>function</a:t>
+            </a:r>
+          </a:p>
+        </p:txBody>
+      </p:sp>
+      <p:sp>
+        <p:nvSpPr>
+          <p:cNvPr id="7" name="TextBox 6"/>
+          <p:cNvSpPr txBox="1"/>
+          <p:nvPr/>
+        </p:nvSpPr>
+        <p:spPr>
+          <a:xfrm>
+            <a:off x="8869998" y="6453063"/>
+            <a:ext cx="262662" cy="276999"/>
+          </a:xfrm>
+          <a:prstGeom prst="rect">
+            <a:avLst/>
+          </a:prstGeom>
+          <a:noFill/>
+        </p:spPr>
+        <p:txBody>
+          <a:bodyPr wrap="none" rtlCol="0">
+            <a:spAutoFit/>
+          </a:bodyPr>
+          <a:lstStyle/>
+          <a:p>
+            <a:pPr algn="r"/>
             <a:r>
               <a:rPr lang="en-US" sz="1200" dirty="0" smtClean="0">
                 <a:solidFill>
                   <a:srgbClr val="118EB0"/>
                 </a:solidFill>
               </a:rPr>
-              <a:t>Comments</a:t>
+              <a:t>1</a:t>
             </a:r>
             <a:endParaRPr lang="en-US" sz="1200" dirty="0">
               <a:solidFill>
@@ -4152,14 +4328,14 @@
       </p:sp>
       <p:sp>
         <p:nvSpPr>
-          <p:cNvPr id="7" name="TextBox 6"/>
+          <p:cNvPr id="8" name="TextBox 7"/>
           <p:cNvSpPr txBox="1"/>
           <p:nvPr/>
         </p:nvSpPr>
         <p:spPr>
           <a:xfrm>
-            <a:off x="8869998" y="6453063"/>
-            <a:ext cx="262662" cy="276999"/>
+            <a:off x="2036690" y="2551122"/>
+            <a:ext cx="5070619" cy="1569660"/>
           </a:xfrm>
           <a:prstGeom prst="rect">
             <a:avLst/>
@@ -4172,19 +4348,96 @@
           </a:bodyPr>
           <a:lstStyle/>
           <a:p>
-            <a:pPr algn="r"/>
-            <a:r>
-              <a:rPr lang="en-US" sz="1200" dirty="0" smtClean="0">
-                <a:solidFill>
-                  <a:srgbClr val="118EB0"/>
-                </a:solidFill>
-              </a:rPr>
-              <a:t>1</a:t>
-            </a:r>
-            <a:endParaRPr lang="en-US" sz="1200" dirty="0">
-              <a:solidFill>
-                <a:srgbClr val="118EB0"/>
-              </a:solidFill>
+            <a:r>
+              <a:rPr lang="en-US" sz="2400" b="1" dirty="0">
+                <a:latin typeface="Courier" charset="0"/>
+                <a:ea typeface="Courier" charset="0"/>
+                <a:cs typeface="Courier" charset="0"/>
+              </a:rPr>
+              <a:t>d</a:t>
+            </a:r>
+            <a:r>
+              <a:rPr lang="en-US" sz="2400" b="1" dirty="0" smtClean="0">
+                <a:latin typeface="Courier" charset="0"/>
+                <a:ea typeface="Courier" charset="0"/>
+                <a:cs typeface="Courier" charset="0"/>
+              </a:rPr>
+              <a:t>ef</a:t>
+            </a:r>
+            <a:r>
+              <a:rPr lang="en-US" sz="2400" dirty="0" smtClean="0">
+                <a:latin typeface="Courier" charset="0"/>
+                <a:ea typeface="Courier" charset="0"/>
+                <a:cs typeface="Courier" charset="0"/>
+              </a:rPr>
+              <a:t> f(x):</a:t>
+            </a:r>
+          </a:p>
+          <a:p>
+            <a:r>
+              <a:rPr lang="en-US" sz="2400" dirty="0">
+                <a:latin typeface="Courier" charset="0"/>
+                <a:ea typeface="Courier" charset="0"/>
+                <a:cs typeface="Courier" charset="0"/>
+              </a:rPr>
+              <a:t>	</a:t>
+            </a:r>
+            <a:r>
+              <a:rPr lang="en-US" sz="2400" dirty="0" smtClean="0">
+                <a:latin typeface="Courier" charset="0"/>
+                <a:ea typeface="Courier" charset="0"/>
+                <a:cs typeface="Courier" charset="0"/>
+              </a:rPr>
+              <a:t>y = x ** 2</a:t>
+            </a:r>
+          </a:p>
+          <a:p>
+            <a:r>
+              <a:rPr lang="en-US" sz="2400" dirty="0">
+                <a:latin typeface="Courier" charset="0"/>
+                <a:ea typeface="Courier" charset="0"/>
+                <a:cs typeface="Courier" charset="0"/>
+              </a:rPr>
+              <a:t>	</a:t>
+            </a:r>
+            <a:r>
+              <a:rPr lang="en-US" sz="2400" dirty="0" smtClean="0">
+                <a:latin typeface="Courier" charset="0"/>
+                <a:ea typeface="Courier" charset="0"/>
+                <a:cs typeface="Courier" charset="0"/>
+              </a:rPr>
+              <a:t>area = 0.5 * math.pi * y</a:t>
+            </a:r>
+          </a:p>
+          <a:p>
+            <a:r>
+              <a:rPr lang="en-US" sz="2400" dirty="0">
+                <a:latin typeface="Courier" charset="0"/>
+                <a:ea typeface="Courier" charset="0"/>
+                <a:cs typeface="Courier" charset="0"/>
+              </a:rPr>
+              <a:t>	</a:t>
+            </a:r>
+            <a:r>
+              <a:rPr lang="en-US" sz="2400" b="1" dirty="0" smtClean="0">
+                <a:latin typeface="Courier" charset="0"/>
+                <a:ea typeface="Courier" charset="0"/>
+                <a:cs typeface="Courier" charset="0"/>
+              </a:rPr>
+              <a:t>return</a:t>
+            </a:r>
+            <a:r>
+              <a:rPr lang="en-US" sz="2400" dirty="0" smtClean="0">
+                <a:latin typeface="Courier" charset="0"/>
+                <a:ea typeface="Courier" charset="0"/>
+                <a:cs typeface="Courier" charset="0"/>
+              </a:rPr>
+              <a:t> area</a:t>
+            </a:r>
+            <a:endParaRPr lang="en-US" sz="2400" dirty="0">
+              <a:latin typeface="Courier" charset="0"/>
+              <a:ea typeface="Courier" charset="0"/>
+              <a:cs typeface="Courier" charset="0"/>
             </a:endParaRPr>
           </a:p>
         </p:txBody>
@@ -4197,8 +4450,8 @@
         </p:nvSpPr>
         <p:spPr>
           <a:xfrm>
-            <a:off x="821201" y="3635199"/>
-            <a:ext cx="7612301" cy="2585323"/>
+            <a:off x="1915214" y="4782798"/>
+            <a:ext cx="4341510" cy="369332"/>
           </a:xfrm>
           <a:prstGeom prst="rect">
             <a:avLst/>
@@ -4206,119 +4459,34 @@
           <a:noFill/>
         </p:spPr>
         <p:txBody>
-          <a:bodyPr wrap="square" rtlCol="0">
+          <a:bodyPr wrap="none" rtlCol="0">
             <a:spAutoFit/>
           </a:bodyPr>
           <a:lstStyle/>
           <a:p>
             <a:r>
-              <a:rPr lang="en-US" dirty="0">
-                <a:latin typeface="Courier"/>
-                <a:cs typeface="Courier"/>
-              </a:rPr>
-              <a:t>d</a:t>
+              <a:rPr lang="en-US" b="1" dirty="0" smtClean="0">
+                <a:solidFill>
+                  <a:srgbClr val="0070C0"/>
+                </a:solidFill>
+              </a:rPr>
+              <a:t>y, area</a:t>
             </a:r>
             <a:r>
               <a:rPr lang="en-US" dirty="0" smtClean="0">
-                <a:latin typeface="Courier"/>
-                <a:cs typeface="Courier"/>
-              </a:rPr>
-              <a:t>x 	= 0.01		# grid spacing, m</a:t>
-            </a:r>
-          </a:p>
-          <a:p>
-            <a:r>
-              <a:rPr lang="en-US" dirty="0" smtClean="0">
-                <a:latin typeface="Courier"/>
-                <a:cs typeface="Courier"/>
-              </a:rPr>
-              <a:t>V 	= 14.2		# voltage, V</a:t>
-            </a:r>
-          </a:p>
-          <a:p>
-            <a:r>
-              <a:rPr lang="en-US" dirty="0" smtClean="0">
-                <a:latin typeface="Courier"/>
-                <a:cs typeface="Courier"/>
-              </a:rPr>
-              <a:t>“““</a:t>
-            </a:r>
-          </a:p>
-          <a:p>
-            <a:r>
-              <a:rPr lang="en-US" dirty="0" smtClean="0">
-                <a:latin typeface="Courier"/>
-                <a:cs typeface="Courier"/>
-              </a:rPr>
-              <a:t>This is an extended comment.</a:t>
-            </a:r>
-          </a:p>
-          <a:p>
-            <a:r>
-              <a:rPr lang="en-US" dirty="0" smtClean="0">
-                <a:latin typeface="Courier"/>
-                <a:cs typeface="Courier"/>
-              </a:rPr>
-              <a:t>It can be many lines long.</a:t>
-            </a:r>
-          </a:p>
-          <a:p>
-            <a:r>
-              <a:rPr lang="en-US" dirty="0" smtClean="0">
-                <a:latin typeface="Courier"/>
-                <a:cs typeface="Courier"/>
-              </a:rPr>
-              <a:t>Use this to explain functions or formulae</a:t>
-            </a:r>
-          </a:p>
-          <a:p>
-            <a:r>
-              <a:rPr lang="en-US" dirty="0">
-                <a:latin typeface="Courier"/>
-                <a:cs typeface="Courier"/>
-              </a:rPr>
-              <a:t>t</a:t>
-            </a:r>
-            <a:r>
-              <a:rPr lang="en-US" dirty="0" smtClean="0">
-                <a:latin typeface="Courier"/>
-                <a:cs typeface="Courier"/>
-              </a:rPr>
-              <a:t>o document code</a:t>
-            </a:r>
-          </a:p>
-          <a:p>
-            <a:r>
-              <a:rPr lang="en-US" dirty="0" smtClean="0">
-                <a:latin typeface="Courier"/>
-                <a:cs typeface="Courier"/>
-              </a:rPr>
-              <a:t>Or to temporarily hide blocks you don’t want to run. </a:t>
-            </a:r>
-            <a:endParaRPr lang="en-US" dirty="0">
-              <a:latin typeface="Courier"/>
-              <a:cs typeface="Courier"/>
-            </a:endParaRPr>
-          </a:p>
-          <a:p>
-            <a:r>
-              <a:rPr lang="en-US" dirty="0" smtClean="0">
-                <a:latin typeface="Courier"/>
-                <a:cs typeface="Courier"/>
-              </a:rPr>
-              <a:t>””” 	</a:t>
-            </a:r>
-            <a:endParaRPr lang="en-US" dirty="0">
-              <a:latin typeface="Courier"/>
-              <a:cs typeface="Courier"/>
-            </a:endParaRPr>
+                <a:solidFill>
+                  <a:srgbClr val="0070C0"/>
+                </a:solidFill>
+              </a:rPr>
+              <a:t>: variables created inside the function</a:t>
+            </a:r>
           </a:p>
         </p:txBody>
       </p:sp>
     </p:spTree>
     <p:extLst>
       <p:ext uri="{BB962C8B-B14F-4D97-AF65-F5344CB8AC3E}">
-        <p14:creationId xmlns:p14="http://schemas.microsoft.com/office/powerpoint/2010/main" val="814027167"/>
+        <p14:creationId xmlns:p14="http://schemas.microsoft.com/office/powerpoint/2010/main" val="452083620"/>
       </p:ext>
     </p:extLst>
   </p:cSld>
@@ -4353,7 +4521,7 @@
         </p:nvSpPr>
         <p:spPr>
           <a:xfrm>
-            <a:off x="0" y="2586816"/>
+            <a:off x="0" y="-7550"/>
             <a:ext cx="9144000" cy="1228835"/>
           </a:xfrm>
           <a:prstGeom prst="rect">
@@ -4385,12 +4553,15 @@
           <a:bodyPr rtlCol="0" anchor="ctr"/>
           <a:lstStyle/>
           <a:p>
-            <a:pPr algn="ctr"/>
-            <a:r>
-              <a:rPr lang="en-US" sz="4800" b="1" dirty="0" smtClean="0"/>
-              <a:t>Reminders</a:t>
-            </a:r>
-            <a:endParaRPr lang="en-US" sz="4800" b="1" dirty="0"/>
+            <a:r>
+              <a:rPr lang="en-US" sz="4000" b="1" dirty="0" smtClean="0"/>
+              <a:t>   </a:t>
+            </a:r>
+            <a:r>
+              <a:rPr lang="en-US" sz="4000" i="1" dirty="0" smtClean="0"/>
+              <a:t>Example</a:t>
+            </a:r>
+            <a:endParaRPr lang="en-US" sz="4000" i="1" dirty="0"/>
           </a:p>
         </p:txBody>
       </p:sp>
@@ -4448,7 +4619,7 @@
         <p:spPr>
           <a:xfrm>
             <a:off x="0" y="6451738"/>
-            <a:ext cx="864339" cy="276999"/>
+            <a:ext cx="705642" cy="276999"/>
           </a:xfrm>
           <a:prstGeom prst="rect">
             <a:avLst/>
@@ -4460,13 +4631,47 @@
           </a:bodyPr>
           <a:lstStyle/>
           <a:p>
+            <a:r>
+              <a:rPr lang="en-US" sz="1200" dirty="0">
+                <a:solidFill>
+                  <a:srgbClr val="118EB0"/>
+                </a:solidFill>
+              </a:rPr>
+              <a:t>function</a:t>
+            </a:r>
+          </a:p>
+        </p:txBody>
+      </p:sp>
+      <p:sp>
+        <p:nvSpPr>
+          <p:cNvPr id="7" name="TextBox 6"/>
+          <p:cNvSpPr txBox="1"/>
+          <p:nvPr/>
+        </p:nvSpPr>
+        <p:spPr>
+          <a:xfrm>
+            <a:off x="8869998" y="6453063"/>
+            <a:ext cx="262662" cy="276999"/>
+          </a:xfrm>
+          <a:prstGeom prst="rect">
+            <a:avLst/>
+          </a:prstGeom>
+          <a:noFill/>
+        </p:spPr>
+        <p:txBody>
+          <a:bodyPr wrap="none" rtlCol="0">
+            <a:spAutoFit/>
+          </a:bodyPr>
+          <a:lstStyle/>
+          <a:p>
+            <a:pPr algn="r"/>
             <a:r>
               <a:rPr lang="en-US" sz="1200" dirty="0" smtClean="0">
                 <a:solidFill>
                   <a:srgbClr val="118EB0"/>
                 </a:solidFill>
               </a:rPr>
-              <a:t>Reminders</a:t>
+              <a:t>1</a:t>
             </a:r>
             <a:endParaRPr lang="en-US" sz="1200" dirty="0">
               <a:solidFill>
@@ -4478,14 +4683,14 @@
       </p:sp>
       <p:sp>
         <p:nvSpPr>
-          <p:cNvPr id="7" name="TextBox 6"/>
+          <p:cNvPr id="8" name="TextBox 7"/>
           <p:cNvSpPr txBox="1"/>
           <p:nvPr/>
         </p:nvSpPr>
         <p:spPr>
           <a:xfrm>
-            <a:off x="8869998" y="6453063"/>
-            <a:ext cx="262662" cy="276999"/>
+            <a:off x="2036690" y="2551122"/>
+            <a:ext cx="5070619" cy="1569660"/>
           </a:xfrm>
           <a:prstGeom prst="rect">
             <a:avLst/>
@@ -4498,18 +4703,157 @@
           </a:bodyPr>
           <a:lstStyle/>
           <a:p>
-            <a:pPr algn="r"/>
-            <a:r>
-              <a:rPr lang="en-US" sz="1200" dirty="0" smtClean="0">
+            <a:r>
+              <a:rPr lang="en-US" sz="2400" b="1" dirty="0">
+                <a:latin typeface="Courier" charset="0"/>
+                <a:ea typeface="Courier" charset="0"/>
+                <a:cs typeface="Courier" charset="0"/>
+              </a:rPr>
+              <a:t>d</a:t>
+            </a:r>
+            <a:r>
+              <a:rPr lang="en-US" sz="2400" b="1" dirty="0" smtClean="0">
+                <a:latin typeface="Courier" charset="0"/>
+                <a:ea typeface="Courier" charset="0"/>
+                <a:cs typeface="Courier" charset="0"/>
+              </a:rPr>
+              <a:t>ef</a:t>
+            </a:r>
+            <a:r>
+              <a:rPr lang="en-US" sz="2400" dirty="0" smtClean="0">
+                <a:latin typeface="Courier" charset="0"/>
+                <a:ea typeface="Courier" charset="0"/>
+                <a:cs typeface="Courier" charset="0"/>
+              </a:rPr>
+              <a:t> f(x):</a:t>
+            </a:r>
+          </a:p>
+          <a:p>
+            <a:r>
+              <a:rPr lang="en-US" sz="2400" dirty="0">
+                <a:latin typeface="Courier" charset="0"/>
+                <a:ea typeface="Courier" charset="0"/>
+                <a:cs typeface="Courier" charset="0"/>
+              </a:rPr>
+              <a:t>	</a:t>
+            </a:r>
+            <a:r>
+              <a:rPr lang="en-US" sz="2400" dirty="0" smtClean="0">
+                <a:latin typeface="Courier" charset="0"/>
+                <a:ea typeface="Courier" charset="0"/>
+                <a:cs typeface="Courier" charset="0"/>
+              </a:rPr>
+              <a:t>y = x ** 2</a:t>
+            </a:r>
+          </a:p>
+          <a:p>
+            <a:r>
+              <a:rPr lang="en-US" sz="2400" dirty="0">
+                <a:latin typeface="Courier" charset="0"/>
+                <a:ea typeface="Courier" charset="0"/>
+                <a:cs typeface="Courier" charset="0"/>
+              </a:rPr>
+              <a:t>	</a:t>
+            </a:r>
+            <a:r>
+              <a:rPr lang="en-US" sz="2400" dirty="0" smtClean="0">
+                <a:latin typeface="Courier" charset="0"/>
+                <a:ea typeface="Courier" charset="0"/>
+                <a:cs typeface="Courier" charset="0"/>
+              </a:rPr>
+              <a:t>area = 0.5 * math.pi * y</a:t>
+            </a:r>
+          </a:p>
+          <a:p>
+            <a:r>
+              <a:rPr lang="en-US" sz="2400" dirty="0">
+                <a:latin typeface="Courier" charset="0"/>
+                <a:ea typeface="Courier" charset="0"/>
+                <a:cs typeface="Courier" charset="0"/>
+              </a:rPr>
+              <a:t>	</a:t>
+            </a:r>
+            <a:r>
+              <a:rPr lang="en-US" sz="2400" b="1" dirty="0" smtClean="0">
+                <a:latin typeface="Courier" charset="0"/>
+                <a:ea typeface="Courier" charset="0"/>
+                <a:cs typeface="Courier" charset="0"/>
+              </a:rPr>
+              <a:t>return</a:t>
+            </a:r>
+            <a:r>
+              <a:rPr lang="en-US" sz="2400" dirty="0" smtClean="0">
+                <a:latin typeface="Courier" charset="0"/>
+                <a:ea typeface="Courier" charset="0"/>
+                <a:cs typeface="Courier" charset="0"/>
+              </a:rPr>
+              <a:t> area</a:t>
+            </a:r>
+            <a:endParaRPr lang="en-US" sz="2400" dirty="0">
+              <a:latin typeface="Courier" charset="0"/>
+              <a:ea typeface="Courier" charset="0"/>
+              <a:cs typeface="Courier" charset="0"/>
+            </a:endParaRPr>
+          </a:p>
+        </p:txBody>
+      </p:sp>
+      <p:sp>
+        <p:nvSpPr>
+          <p:cNvPr id="2" name="TextBox 1"/>
+          <p:cNvSpPr txBox="1"/>
+          <p:nvPr/>
+        </p:nvSpPr>
+        <p:spPr>
+          <a:xfrm>
+            <a:off x="1915214" y="4782798"/>
+            <a:ext cx="5976929" cy="369332"/>
+          </a:xfrm>
+          <a:prstGeom prst="rect">
+            <a:avLst/>
+          </a:prstGeom>
+          <a:noFill/>
+        </p:spPr>
+        <p:txBody>
+          <a:bodyPr wrap="square" rtlCol="0">
+            <a:spAutoFit/>
+          </a:bodyPr>
+          <a:lstStyle/>
+          <a:p>
+            <a:r>
+              <a:rPr lang="en-US" b="1" dirty="0" smtClean="0">
                 <a:solidFill>
-                  <a:srgbClr val="118EB0"/>
+                  <a:srgbClr val="0070C0"/>
                 </a:solidFill>
               </a:rPr>
-              <a:t>1</a:t>
-            </a:r>
-            <a:endParaRPr lang="en-US" sz="1200" dirty="0">
+              <a:t>colon </a:t>
+            </a:r>
+            <a:r>
+              <a:rPr lang="en-US" dirty="0" smtClean="0">
+                <a:solidFill>
+                  <a:srgbClr val="0070C0"/>
+                </a:solidFill>
+              </a:rPr>
+              <a:t>(</a:t>
+            </a:r>
+            <a:r>
+              <a:rPr lang="en-US" b="1" dirty="0" smtClean="0">
+                <a:solidFill>
+                  <a:srgbClr val="0070C0"/>
+                </a:solidFill>
+              </a:rPr>
+              <a:t>:</a:t>
+            </a:r>
+            <a:r>
+              <a:rPr lang="en-US" dirty="0" smtClean="0">
+                <a:solidFill>
+                  <a:srgbClr val="0070C0"/>
+                </a:solidFill>
+              </a:rPr>
+              <a:t>)</a:t>
+            </a:r>
+            <a:endParaRPr lang="en-US" b="1" dirty="0">
               <a:solidFill>
-                <a:srgbClr val="118EB0"/>
+                <a:srgbClr val="0070C0"/>
               </a:solidFill>
             </a:endParaRPr>
           </a:p>
@@ -4518,20 +4862,13 @@
     </p:spTree>
     <p:extLst>
       <p:ext uri="{BB962C8B-B14F-4D97-AF65-F5344CB8AC3E}">
-        <p14:creationId xmlns:p14="http://schemas.microsoft.com/office/powerpoint/2010/main" val="2502909782"/>
+        <p14:creationId xmlns:p14="http://schemas.microsoft.com/office/powerpoint/2010/main" val="344230387"/>
       </p:ext>
     </p:extLst>
   </p:cSld>
   <p:clrMapOvr>
     <a:masterClrMapping/>
   </p:clrMapOvr>
-  <p:timing>
-    <p:tnLst>
-      <p:par>
-        <p:cTn id="1" dur="indefinite" restart="never" nodeType="tmRoot"/>
-      </p:par>
-    </p:tnLst>
-  </p:timing>
 </p:sld>
 </file>
 
@@ -4554,29 +4891,6 @@
       </p:grpSpPr>
       <p:sp>
         <p:nvSpPr>
-          <p:cNvPr id="3" name="Content Placeholder 2"/>
-          <p:cNvSpPr>
-            <a:spLocks noGrp="1"/>
-          </p:cNvSpPr>
-          <p:nvPr>
-            <p:ph idx="1"/>
-          </p:nvPr>
-        </p:nvSpPr>
-        <p:spPr/>
-        <p:txBody>
-          <a:bodyPr/>
-          <a:lstStyle/>
-          <a:p>
-            <a:r>
-              <a:rPr lang="en-US" dirty="0" smtClean="0"/>
-              <a:t>Labs this Wednesday</a:t>
-            </a:r>
-            <a:endParaRPr lang="en-US" dirty="0"/>
-          </a:p>
-        </p:txBody>
-      </p:sp>
-      <p:sp>
-        <p:nvSpPr>
           <p:cNvPr id="4" name="Rectangle 3"/>
           <p:cNvSpPr/>
           <p:nvPr/>
@@ -4621,7 +4935,7 @@
             </a:r>
             <a:r>
               <a:rPr lang="en-US" sz="4000" i="1" dirty="0" smtClean="0"/>
-              <a:t>Reminders</a:t>
+              <a:t>Example</a:t>
             </a:r>
             <a:endParaRPr lang="en-US" sz="4000" i="1" dirty="0"/>
           </a:p>
@@ -4681,7 +4995,7 @@
         <p:spPr>
           <a:xfrm>
             <a:off x="0" y="6451738"/>
-            <a:ext cx="864339" cy="276999"/>
+            <a:ext cx="705642" cy="276999"/>
           </a:xfrm>
           <a:prstGeom prst="rect">
             <a:avLst/>
@@ -4693,13 +5007,47 @@
           </a:bodyPr>
           <a:lstStyle/>
           <a:p>
+            <a:r>
+              <a:rPr lang="en-US" sz="1200" dirty="0">
+                <a:solidFill>
+                  <a:srgbClr val="118EB0"/>
+                </a:solidFill>
+              </a:rPr>
+              <a:t>function</a:t>
+            </a:r>
+          </a:p>
+        </p:txBody>
+      </p:sp>
+      <p:sp>
+        <p:nvSpPr>
+          <p:cNvPr id="7" name="TextBox 6"/>
+          <p:cNvSpPr txBox="1"/>
+          <p:nvPr/>
+        </p:nvSpPr>
+        <p:spPr>
+          <a:xfrm>
+            <a:off x="8869998" y="6453063"/>
+            <a:ext cx="262662" cy="276999"/>
+          </a:xfrm>
+          <a:prstGeom prst="rect">
+            <a:avLst/>
+          </a:prstGeom>
+          <a:noFill/>
+        </p:spPr>
+        <p:txBody>
+          <a:bodyPr wrap="none" rtlCol="0">
+            <a:spAutoFit/>
+          </a:bodyPr>
+          <a:lstStyle/>
+          <a:p>
+            <a:pPr algn="r"/>
             <a:r>
               <a:rPr lang="en-US" sz="1200" dirty="0" smtClean="0">
                 <a:solidFill>
                   <a:srgbClr val="118EB0"/>
                 </a:solidFill>
               </a:rPr>
-              <a:t>Reminders</a:t>
+              <a:t>1</a:t>
             </a:r>
             <a:endParaRPr lang="en-US" sz="1200" dirty="0">
               <a:solidFill>
@@ -4711,14 +5059,14 @@
       </p:sp>
       <p:sp>
         <p:nvSpPr>
-          <p:cNvPr id="7" name="TextBox 6"/>
+          <p:cNvPr id="8" name="TextBox 7"/>
           <p:cNvSpPr txBox="1"/>
           <p:nvPr/>
         </p:nvSpPr>
         <p:spPr>
           <a:xfrm>
-            <a:off x="8869998" y="6453063"/>
-            <a:ext cx="262662" cy="276999"/>
+            <a:off x="2036690" y="2551122"/>
+            <a:ext cx="5070619" cy="1569660"/>
           </a:xfrm>
           <a:prstGeom prst="rect">
             <a:avLst/>
@@ -4731,27 +5079,145 @@
           </a:bodyPr>
           <a:lstStyle/>
           <a:p>
-            <a:pPr algn="r"/>
-            <a:r>
-              <a:rPr lang="en-US" sz="1200" dirty="0" smtClean="0">
+            <a:r>
+              <a:rPr lang="en-US" sz="2400" b="1" dirty="0">
+                <a:latin typeface="Courier" charset="0"/>
+                <a:ea typeface="Courier" charset="0"/>
+                <a:cs typeface="Courier" charset="0"/>
+              </a:rPr>
+              <a:t>d</a:t>
+            </a:r>
+            <a:r>
+              <a:rPr lang="en-US" sz="2400" b="1" dirty="0" smtClean="0">
+                <a:latin typeface="Courier" charset="0"/>
+                <a:ea typeface="Courier" charset="0"/>
+                <a:cs typeface="Courier" charset="0"/>
+              </a:rPr>
+              <a:t>ef</a:t>
+            </a:r>
+            <a:r>
+              <a:rPr lang="en-US" sz="2400" dirty="0" smtClean="0">
+                <a:latin typeface="Courier" charset="0"/>
+                <a:ea typeface="Courier" charset="0"/>
+                <a:cs typeface="Courier" charset="0"/>
+              </a:rPr>
+              <a:t> f(x):</a:t>
+            </a:r>
+          </a:p>
+          <a:p>
+            <a:r>
+              <a:rPr lang="en-US" sz="2400" dirty="0">
+                <a:latin typeface="Courier" charset="0"/>
+                <a:ea typeface="Courier" charset="0"/>
+                <a:cs typeface="Courier" charset="0"/>
+              </a:rPr>
+              <a:t>	</a:t>
+            </a:r>
+            <a:r>
+              <a:rPr lang="en-US" sz="2400" dirty="0" smtClean="0">
+                <a:latin typeface="Courier" charset="0"/>
+                <a:ea typeface="Courier" charset="0"/>
+                <a:cs typeface="Courier" charset="0"/>
+              </a:rPr>
+              <a:t>y = x ** 2</a:t>
+            </a:r>
+          </a:p>
+          <a:p>
+            <a:r>
+              <a:rPr lang="en-US" sz="2400" dirty="0">
+                <a:latin typeface="Courier" charset="0"/>
+                <a:ea typeface="Courier" charset="0"/>
+                <a:cs typeface="Courier" charset="0"/>
+              </a:rPr>
+              <a:t>	</a:t>
+            </a:r>
+            <a:r>
+              <a:rPr lang="en-US" sz="2400" dirty="0" smtClean="0">
+                <a:latin typeface="Courier" charset="0"/>
+                <a:ea typeface="Courier" charset="0"/>
+                <a:cs typeface="Courier" charset="0"/>
+              </a:rPr>
+              <a:t>area = 0.5 * math.pi * y</a:t>
+            </a:r>
+          </a:p>
+          <a:p>
+            <a:r>
+              <a:rPr lang="en-US" sz="2400" dirty="0">
+                <a:latin typeface="Courier" charset="0"/>
+                <a:ea typeface="Courier" charset="0"/>
+                <a:cs typeface="Courier" charset="0"/>
+              </a:rPr>
+              <a:t>	</a:t>
+            </a:r>
+            <a:r>
+              <a:rPr lang="en-US" sz="2400" b="1" dirty="0" smtClean="0">
+                <a:latin typeface="Courier" charset="0"/>
+                <a:ea typeface="Courier" charset="0"/>
+                <a:cs typeface="Courier" charset="0"/>
+              </a:rPr>
+              <a:t>return</a:t>
+            </a:r>
+            <a:r>
+              <a:rPr lang="en-US" sz="2400" dirty="0" smtClean="0">
+                <a:latin typeface="Courier" charset="0"/>
+                <a:ea typeface="Courier" charset="0"/>
+                <a:cs typeface="Courier" charset="0"/>
+              </a:rPr>
+              <a:t> area</a:t>
+            </a:r>
+            <a:endParaRPr lang="en-US" sz="2400" dirty="0">
+              <a:latin typeface="Courier" charset="0"/>
+              <a:ea typeface="Courier" charset="0"/>
+              <a:cs typeface="Courier" charset="0"/>
+            </a:endParaRPr>
+          </a:p>
+        </p:txBody>
+      </p:sp>
+      <p:sp>
+        <p:nvSpPr>
+          <p:cNvPr id="2" name="TextBox 1"/>
+          <p:cNvSpPr txBox="1"/>
+          <p:nvPr/>
+        </p:nvSpPr>
+        <p:spPr>
+          <a:xfrm>
+            <a:off x="1915214" y="4782798"/>
+            <a:ext cx="5976929" cy="646331"/>
+          </a:xfrm>
+          <a:prstGeom prst="rect">
+            <a:avLst/>
+          </a:prstGeom>
+          <a:noFill/>
+        </p:spPr>
+        <p:txBody>
+          <a:bodyPr wrap="square" rtlCol="0">
+            <a:spAutoFit/>
+          </a:bodyPr>
+          <a:lstStyle/>
+          <a:p>
+            <a:r>
+              <a:rPr lang="en-US" b="1" dirty="0" smtClean="0">
                 <a:solidFill>
-                  <a:srgbClr val="118EB0"/>
+                  <a:srgbClr val="0070C0"/>
                 </a:solidFill>
               </a:rPr>
-              <a:t>1</a:t>
-            </a:r>
-            <a:endParaRPr lang="en-US" sz="1200" dirty="0">
-              <a:solidFill>
-                <a:srgbClr val="118EB0"/>
-              </a:solidFill>
-            </a:endParaRPr>
+              <a:t>indent </a:t>
+            </a:r>
+            <a:r>
+              <a:rPr lang="en-US" dirty="0" smtClean="0">
+                <a:solidFill>
+                  <a:srgbClr val="0070C0"/>
+                </a:solidFill>
+              </a:rPr>
+              <a:t>of the three lines indicates they are the the same level of execution logic</a:t>
+            </a:r>
           </a:p>
         </p:txBody>
       </p:sp>
     </p:spTree>
     <p:extLst>
       <p:ext uri="{BB962C8B-B14F-4D97-AF65-F5344CB8AC3E}">
-        <p14:creationId xmlns:p14="http://schemas.microsoft.com/office/powerpoint/2010/main" val="3514834713"/>
+        <p14:creationId xmlns:p14="http://schemas.microsoft.com/office/powerpoint/2010/main" val="176254794"/>
       </p:ext>
     </p:extLst>
   </p:cSld>
@@ -4780,20 +5246,62 @@
       </p:grpSpPr>
       <p:sp>
         <p:nvSpPr>
+          <p:cNvPr id="3" name="Content Placeholder 2"/>
+          <p:cNvSpPr>
+            <a:spLocks noGrp="1"/>
+          </p:cNvSpPr>
+          <p:nvPr>
+            <p:ph idx="1"/>
+          </p:nvPr>
+        </p:nvSpPr>
+        <p:spPr>
+          <a:xfrm>
+            <a:off x="457200" y="1600201"/>
+            <a:ext cx="8229600" cy="4528456"/>
+          </a:xfrm>
+        </p:spPr>
+        <p:txBody>
+          <a:bodyPr/>
+          <a:lstStyle/>
+          <a:p>
+            <a:r>
+              <a:rPr lang="en-US" dirty="0" smtClean="0"/>
+              <a:t>A program should achieve a goal</a:t>
+            </a:r>
+          </a:p>
+          <a:p>
+            <a:r>
+              <a:rPr lang="en-US" dirty="0" smtClean="0"/>
+              <a:t>Let’s implement a function that solves for the</a:t>
+            </a:r>
+            <a:r>
+              <a:rPr lang="en-US" altLang="zh-CN" dirty="0" smtClean="0"/>
+              <a:t> solution to the</a:t>
+            </a:r>
+            <a:r>
+              <a:rPr lang="en-US" dirty="0" smtClean="0"/>
+              <a:t> quadratic equation</a:t>
+            </a:r>
+            <a:endParaRPr lang="en-US" dirty="0"/>
+          </a:p>
+        </p:txBody>
+      </p:sp>
+      <p:sp>
+        <p:nvSpPr>
           <p:cNvPr id="4" name="Rectangle 3"/>
           <p:cNvSpPr/>
           <p:nvPr/>
         </p:nvSpPr>
         <p:spPr>
           <a:xfrm>
-            <a:off x="0" y="0"/>
-            <a:ext cx="9144000" cy="3886200"/>
+            <a:off x="0" y="-7550"/>
+            <a:ext cx="9144000" cy="1228835"/>
           </a:xfrm>
           <a:prstGeom prst="rect">
             <a:avLst/>
           </a:prstGeom>
           <a:solidFill>
-            <a:srgbClr val="1ACFFF"/>
+            <a:srgbClr val="3DBFDB"/>
           </a:solidFill>
           <a:ln>
             <a:noFill/>
@@ -4818,6 +5326,58 @@
           <a:bodyPr rtlCol="0" anchor="ctr"/>
           <a:lstStyle/>
           <a:p>
+            <a:r>
+              <a:rPr lang="en-US" sz="4000" b="1" dirty="0" smtClean="0"/>
+              <a:t>   </a:t>
+            </a:r>
+            <a:r>
+              <a:rPr lang="en-US" sz="4000" i="1" dirty="0" smtClean="0"/>
+              <a:t>Goal</a:t>
+            </a:r>
+            <a:endParaRPr lang="en-US" sz="4000" i="1" dirty="0"/>
+          </a:p>
+        </p:txBody>
+      </p:sp>
+      <p:sp>
+        <p:nvSpPr>
+          <p:cNvPr id="5" name="Rectangle 4"/>
+          <p:cNvSpPr/>
+          <p:nvPr/>
+        </p:nvSpPr>
+        <p:spPr>
+          <a:xfrm>
+            <a:off x="0" y="6737478"/>
+            <a:ext cx="9144000" cy="120522"/>
+          </a:xfrm>
+          <a:prstGeom prst="rect">
+            <a:avLst/>
+          </a:prstGeom>
+          <a:solidFill>
+            <a:srgbClr val="3DBFDB"/>
+          </a:solidFill>
+          <a:ln>
+            <a:noFill/>
+          </a:ln>
+          <a:effectLst/>
+        </p:spPr>
+        <p:style>
+          <a:lnRef idx="1">
+            <a:schemeClr val="accent1"/>
+          </a:lnRef>
+          <a:fillRef idx="3">
+            <a:schemeClr val="accent1"/>
+          </a:fillRef>
+          <a:effectRef idx="2">
+            <a:schemeClr val="accent1"/>
+          </a:effectRef>
+          <a:fontRef idx="minor">
+            <a:schemeClr val="lt1"/>
+          </a:fontRef>
+        </p:style>
+        <p:txBody>
+          <a:bodyPr rtlCol="0" anchor="ctr"/>
+          <a:lstStyle/>
+          <a:p>
             <a:pPr algn="ctr"/>
             <a:endParaRPr lang="en-US"/>
           </a:p>
@@ -4825,122 +5385,34 @@
       </p:sp>
       <p:sp>
         <p:nvSpPr>
-          <p:cNvPr id="2" name="Title 1"/>
-          <p:cNvSpPr>
-            <a:spLocks noGrp="1"/>
-          </p:cNvSpPr>
-          <p:nvPr>
-            <p:ph type="ctrTitle"/>
-          </p:nvPr>
-        </p:nvSpPr>
-        <p:spPr/>
-        <p:txBody>
-          <a:bodyPr/>
-          <a:lstStyle/>
-          <a:p>
-            <a:pPr algn="l"/>
-            <a:r>
-              <a:rPr lang="en-US" dirty="0" smtClean="0">
-                <a:solidFill>
-                  <a:schemeClr val="bg1"/>
-                </a:solidFill>
-              </a:rPr>
-              <a:t>Python Basics</a:t>
-            </a:r>
-            <a:endParaRPr lang="en-US" dirty="0">
-              <a:solidFill>
-                <a:schemeClr val="bg1"/>
-              </a:solidFill>
-            </a:endParaRPr>
-          </a:p>
-        </p:txBody>
-      </p:sp>
-      <p:sp>
-        <p:nvSpPr>
-          <p:cNvPr id="3" name="Subtitle 2"/>
-          <p:cNvSpPr>
-            <a:spLocks noGrp="1"/>
-          </p:cNvSpPr>
-          <p:nvPr>
-            <p:ph type="subTitle" idx="1"/>
-          </p:nvPr>
-        </p:nvSpPr>
-        <p:spPr>
-          <a:xfrm>
-            <a:off x="0" y="3886200"/>
-            <a:ext cx="9144000" cy="1752600"/>
-          </a:xfrm>
-        </p:spPr>
-        <p:txBody>
-          <a:bodyPr/>
-          <a:lstStyle/>
-          <a:p>
-            <a:pPr algn="r"/>
-            <a:r>
-              <a:rPr lang="en-US" sz="2000" dirty="0" smtClean="0">
+          <p:cNvPr id="6" name="Rectangle 5"/>
+          <p:cNvSpPr/>
+          <p:nvPr/>
+        </p:nvSpPr>
+        <p:spPr>
+          <a:xfrm>
+            <a:off x="0" y="6451738"/>
+            <a:ext cx="705642" cy="276999"/>
+          </a:xfrm>
+          <a:prstGeom prst="rect">
+            <a:avLst/>
+          </a:prstGeom>
+        </p:spPr>
+        <p:txBody>
+          <a:bodyPr wrap="none">
+            <a:spAutoFit/>
+          </a:bodyPr>
+          <a:lstStyle/>
+          <a:p>
+            <a:r>
+              <a:rPr lang="en-US" sz="1200" dirty="0" smtClean="0">
                 <a:solidFill>
                   <a:srgbClr val="118EB0"/>
                 </a:solidFill>
               </a:rPr>
-              <a:t>Arguments, parameters, methods, commends</a:t>
-            </a:r>
-          </a:p>
-          <a:p>
-            <a:pPr algn="r"/>
-            <a:endParaRPr lang="en-US" sz="2000" dirty="0">
-              <a:solidFill>
-                <a:srgbClr val="1ACFFF"/>
-              </a:solidFill>
-            </a:endParaRPr>
-          </a:p>
-          <a:p>
-            <a:r>
-              <a:rPr lang="en-US" sz="3600" dirty="0" smtClean="0">
-                <a:solidFill>
-                  <a:srgbClr val="000000"/>
-                </a:solidFill>
-              </a:rPr>
-              <a:t>CS101 Lecture #5</a:t>
-            </a:r>
-            <a:endParaRPr lang="en-US" sz="4800" dirty="0">
-              <a:solidFill>
-                <a:srgbClr val="000000"/>
-              </a:solidFill>
-            </a:endParaRPr>
-          </a:p>
-        </p:txBody>
-      </p:sp>
-      <p:sp>
-        <p:nvSpPr>
-          <p:cNvPr id="7" name="TextBox 6"/>
-          <p:cNvSpPr txBox="1"/>
-          <p:nvPr/>
-        </p:nvSpPr>
-        <p:spPr>
-          <a:xfrm>
-            <a:off x="8001740" y="6488668"/>
-            <a:ext cx="1142260" cy="338554"/>
-          </a:xfrm>
-          <a:prstGeom prst="rect">
-            <a:avLst/>
-          </a:prstGeom>
-          <a:noFill/>
-        </p:spPr>
-        <p:txBody>
-          <a:bodyPr wrap="none" rtlCol="0">
-            <a:spAutoFit/>
-          </a:bodyPr>
-          <a:lstStyle/>
-          <a:p>
-            <a:r>
-              <a:rPr lang="en-US" sz="1600" dirty="0" smtClean="0">
-                <a:solidFill>
-                  <a:srgbClr val="118EB0"/>
-                </a:solidFill>
-              </a:rPr>
-              <a:t>2016-10-10</a:t>
-            </a:r>
-            <a:endParaRPr lang="en-US" sz="1600" dirty="0">
+              <a:t>function</a:t>
+            </a:r>
+            <a:endParaRPr lang="en-US" sz="1200" dirty="0">
               <a:solidFill>
                 <a:srgbClr val="118EB0"/>
               </a:solidFill>
@@ -4948,10 +5420,248 @@
           </a:p>
         </p:txBody>
       </p:sp>
+      <p:sp>
+        <p:nvSpPr>
+          <p:cNvPr id="7" name="TextBox 6"/>
+          <p:cNvSpPr txBox="1"/>
+          <p:nvPr/>
+        </p:nvSpPr>
+        <p:spPr>
+          <a:xfrm>
+            <a:off x="8869998" y="6453063"/>
+            <a:ext cx="262662" cy="276999"/>
+          </a:xfrm>
+          <a:prstGeom prst="rect">
+            <a:avLst/>
+          </a:prstGeom>
+          <a:noFill/>
+        </p:spPr>
+        <p:txBody>
+          <a:bodyPr wrap="none" rtlCol="0">
+            <a:spAutoFit/>
+          </a:bodyPr>
+          <a:lstStyle/>
+          <a:p>
+            <a:pPr algn="r"/>
+            <a:r>
+              <a:rPr lang="en-US" sz="1200" dirty="0" smtClean="0">
+                <a:solidFill>
+                  <a:srgbClr val="118EB0"/>
+                </a:solidFill>
+              </a:rPr>
+              <a:t>1</a:t>
+            </a:r>
+            <a:endParaRPr lang="en-US" sz="1200" dirty="0">
+              <a:solidFill>
+                <a:srgbClr val="118EB0"/>
+              </a:solidFill>
+            </a:endParaRPr>
+          </a:p>
+        </p:txBody>
+      </p:sp>
+      <mc:AlternateContent xmlns:mc="http://schemas.openxmlformats.org/markup-compatibility/2006" xmlns:a14="http://schemas.microsoft.com/office/drawing/2010/main">
+        <mc:Choice Requires="a14">
+          <p:sp>
+            <p:nvSpPr>
+              <p:cNvPr id="2" name="TextBox 1"/>
+              <p:cNvSpPr txBox="1"/>
+              <p:nvPr/>
+            </p:nvSpPr>
+            <p:spPr>
+              <a:xfrm>
+                <a:off x="2651739" y="3647738"/>
+                <a:ext cx="3344121" cy="492443"/>
+              </a:xfrm>
+              <a:prstGeom prst="rect">
+                <a:avLst/>
+              </a:prstGeom>
+              <a:noFill/>
+            </p:spPr>
+            <p:txBody>
+              <a:bodyPr wrap="none" lIns="0" tIns="0" rIns="0" bIns="0" rtlCol="0">
+                <a:spAutoFit/>
+              </a:bodyPr>
+              <a:lstStyle/>
+              <a:p>
+                <a:pPr/>
+                <a14:m>
+                  <m:oMathPara xmlns:m="http://schemas.openxmlformats.org/officeDocument/2006/math">
+                    <m:oMathParaPr>
+                      <m:jc m:val="centerGroup"/>
+                    </m:oMathParaPr>
+                    <m:oMath xmlns:m="http://schemas.openxmlformats.org/officeDocument/2006/math">
+                      <m:r>
+                        <a:rPr lang="en-US" altLang="zh-CN" sz="3200" b="0" i="1" smtClean="0">
+                          <a:latin typeface="Cambria Math" panose="02040503050406030204" pitchFamily="18" charset="0"/>
+                        </a:rPr>
+                        <m:t>𝑎</m:t>
+                      </m:r>
+                      <m:r>
+                        <a:rPr lang="en-US" altLang="zh-CN" sz="3200" b="0" i="1" smtClean="0">
+                          <a:latin typeface="Cambria Math" panose="02040503050406030204" pitchFamily="18" charset="0"/>
+                        </a:rPr>
+                        <m:t> </m:t>
+                      </m:r>
+                      <m:sSup>
+                        <m:sSupPr>
+                          <m:ctrlPr>
+                            <a:rPr lang="en-US" altLang="zh-CN" sz="3200" b="0" i="1" smtClean="0">
+                              <a:latin typeface="Cambria Math" charset="0"/>
+                            </a:rPr>
+                          </m:ctrlPr>
+                        </m:sSupPr>
+                        <m:e>
+                          <m:r>
+                            <a:rPr lang="en-US" altLang="zh-CN" sz="3200" b="0" i="1" smtClean="0">
+                              <a:latin typeface="Cambria Math" panose="02040503050406030204" pitchFamily="18" charset="0"/>
+                            </a:rPr>
+                            <m:t>𝑥</m:t>
+                          </m:r>
+                        </m:e>
+                        <m:sup>
+                          <m:r>
+                            <a:rPr lang="en-US" altLang="zh-CN" sz="3200" b="0" i="1" smtClean="0">
+                              <a:latin typeface="Cambria Math" panose="02040503050406030204" pitchFamily="18" charset="0"/>
+                            </a:rPr>
+                            <m:t>2</m:t>
+                          </m:r>
+                        </m:sup>
+                      </m:sSup>
+                      <m:r>
+                        <a:rPr lang="en-US" altLang="zh-CN" sz="3200" b="0" i="1" smtClean="0">
+                          <a:latin typeface="Cambria Math" panose="02040503050406030204" pitchFamily="18" charset="0"/>
+                        </a:rPr>
+                        <m:t>+</m:t>
+                      </m:r>
+                      <m:r>
+                        <a:rPr lang="en-US" altLang="zh-CN" sz="3200" b="0" i="1" smtClean="0">
+                          <a:latin typeface="Cambria Math" panose="02040503050406030204" pitchFamily="18" charset="0"/>
+                        </a:rPr>
+                        <m:t>𝑏</m:t>
+                      </m:r>
+                      <m:r>
+                        <a:rPr lang="en-US" altLang="zh-CN" sz="3200" b="0" i="1" smtClean="0">
+                          <a:latin typeface="Cambria Math" panose="02040503050406030204" pitchFamily="18" charset="0"/>
+                        </a:rPr>
+                        <m:t> </m:t>
+                      </m:r>
+                      <m:r>
+                        <a:rPr lang="en-US" altLang="zh-CN" sz="3200" b="0" i="1" smtClean="0">
+                          <a:latin typeface="Cambria Math" panose="02040503050406030204" pitchFamily="18" charset="0"/>
+                        </a:rPr>
+                        <m:t>𝑥</m:t>
+                      </m:r>
+                      <m:r>
+                        <a:rPr lang="en-US" altLang="zh-CN" sz="3200" b="0" i="1" smtClean="0">
+                          <a:latin typeface="Cambria Math" panose="02040503050406030204" pitchFamily="18" charset="0"/>
+                        </a:rPr>
+                        <m:t>+</m:t>
+                      </m:r>
+                      <m:r>
+                        <a:rPr lang="en-US" altLang="zh-CN" sz="3200" b="0" i="1" smtClean="0">
+                          <a:latin typeface="Cambria Math" panose="02040503050406030204" pitchFamily="18" charset="0"/>
+                        </a:rPr>
+                        <m:t>𝑐</m:t>
+                      </m:r>
+                      <m:r>
+                        <a:rPr lang="en-US" altLang="zh-CN" sz="3200" b="0" i="1" smtClean="0">
+                          <a:latin typeface="Cambria Math" panose="02040503050406030204" pitchFamily="18" charset="0"/>
+                        </a:rPr>
+                        <m:t>=0</m:t>
+                      </m:r>
+                    </m:oMath>
+                  </m:oMathPara>
+                </a14:m>
+                <a:endParaRPr lang="zh-CN" altLang="en-US" sz="3200" dirty="0"/>
+              </a:p>
+            </p:txBody>
+          </p:sp>
+        </mc:Choice>
+        <mc:Fallback xmlns="">
+          <p:sp>
+            <p:nvSpPr>
+              <p:cNvPr id="2" name="TextBox 1"/>
+              <p:cNvSpPr txBox="1">
+                <a:spLocks noRot="1" noChangeAspect="1" noMove="1" noResize="1" noEditPoints="1" noAdjustHandles="1" noChangeArrowheads="1" noChangeShapeType="1" noTextEdit="1"/>
+              </p:cNvSpPr>
+              <p:nvPr/>
+            </p:nvSpPr>
+            <p:spPr>
+              <a:xfrm>
+                <a:off x="2651739" y="3647738"/>
+                <a:ext cx="3344121" cy="492443"/>
+              </a:xfrm>
+              <a:prstGeom prst="rect">
+                <a:avLst/>
+              </a:prstGeom>
+              <a:blipFill rotWithShape="0">
+                <a:blip r:embed="rId2"/>
+                <a:stretch>
+                  <a:fillRect/>
+                </a:stretch>
+              </a:blipFill>
+            </p:spPr>
+            <p:txBody>
+              <a:bodyPr/>
+              <a:lstStyle/>
+              <a:p>
+                <a:r>
+                  <a:rPr lang="en-US">
+                    <a:noFill/>
+                  </a:rPr>
+                  <a:t> </a:t>
+                </a:r>
+              </a:p>
+            </p:txBody>
+          </p:sp>
+        </mc:Fallback>
+      </mc:AlternateContent>
+      <p:sp>
+        <p:nvSpPr>
+          <p:cNvPr id="8" name="TextBox 7"/>
+          <p:cNvSpPr txBox="1"/>
+          <p:nvPr/>
+        </p:nvSpPr>
+        <p:spPr>
+          <a:xfrm>
+            <a:off x="2536372" y="4780475"/>
+            <a:ext cx="2321276" cy="830997"/>
+          </a:xfrm>
+          <a:prstGeom prst="rect">
+            <a:avLst/>
+          </a:prstGeom>
+          <a:noFill/>
+        </p:spPr>
+        <p:txBody>
+          <a:bodyPr wrap="none" rtlCol="0">
+            <a:spAutoFit/>
+          </a:bodyPr>
+          <a:lstStyle/>
+          <a:p>
+            <a:pPr marL="342900" indent="-342900">
+              <a:buAutoNum type="arabicPeriod"/>
+            </a:pPr>
+            <a:r>
+              <a:rPr lang="en-US" sz="2400" dirty="0" smtClean="0"/>
+              <a:t>arguments?</a:t>
+            </a:r>
+          </a:p>
+          <a:p>
+            <a:pPr marL="342900" indent="-342900">
+              <a:buAutoNum type="arabicPeriod"/>
+            </a:pPr>
+            <a:r>
+              <a:rPr lang="en-US" sz="2400" dirty="0" smtClean="0"/>
+              <a:t>return values?</a:t>
+            </a:r>
+            <a:endParaRPr lang="en-US" sz="2400" dirty="0"/>
+          </a:p>
+        </p:txBody>
+      </p:sp>
     </p:spTree>
     <p:extLst>
       <p:ext uri="{BB962C8B-B14F-4D97-AF65-F5344CB8AC3E}">
-        <p14:creationId xmlns:p14="http://schemas.microsoft.com/office/powerpoint/2010/main" val="1589804547"/>
+        <p14:creationId xmlns:p14="http://schemas.microsoft.com/office/powerpoint/2010/main" val="542348565"/>
       </p:ext>
     </p:extLst>
   </p:cSld>
@@ -4993,7 +5703,7 @@
         </p:nvSpPr>
         <p:spPr>
           <a:xfrm>
-            <a:off x="0" y="2586816"/>
+            <a:off x="0" y="-7550"/>
             <a:ext cx="9144000" cy="1228835"/>
           </a:xfrm>
           <a:prstGeom prst="rect">
@@ -5025,12 +5735,15 @@
           <a:bodyPr rtlCol="0" anchor="ctr"/>
           <a:lstStyle/>
           <a:p>
-            <a:pPr algn="ctr"/>
-            <a:r>
-              <a:rPr lang="en-US" sz="4800" b="1" dirty="0" smtClean="0"/>
-              <a:t>Administrivia</a:t>
-            </a:r>
-            <a:endParaRPr lang="en-US" sz="4800" b="1" dirty="0"/>
+            <a:r>
+              <a:rPr lang="en-US" sz="4000" b="1" dirty="0" smtClean="0"/>
+              <a:t>   </a:t>
+            </a:r>
+            <a:r>
+              <a:rPr lang="en-US" sz="4000" i="1" dirty="0" smtClean="0"/>
+              <a:t>Example: Quadratic equation</a:t>
+            </a:r>
+            <a:endParaRPr lang="en-US" sz="4000" i="1" dirty="0"/>
           </a:p>
         </p:txBody>
       </p:sp>
@@ -5088,7 +5801,7 @@
         <p:spPr>
           <a:xfrm>
             <a:off x="0" y="6451738"/>
-            <a:ext cx="1037664" cy="276999"/>
+            <a:ext cx="705642" cy="276999"/>
           </a:xfrm>
           <a:prstGeom prst="rect">
             <a:avLst/>
@@ -5106,7 +5819,7 @@
                   <a:srgbClr val="118EB0"/>
                 </a:solidFill>
               </a:rPr>
-              <a:t>Administrivia</a:t>
+              <a:t>function</a:t>
             </a:r>
             <a:endParaRPr lang="en-US" sz="1200" dirty="0">
               <a:solidFill>
@@ -5155,10 +5868,661 @@
           </a:p>
         </p:txBody>
       </p:sp>
+      <p:sp>
+        <p:nvSpPr>
+          <p:cNvPr id="8" name="TextBox 7"/>
+          <p:cNvSpPr txBox="1"/>
+          <p:nvPr/>
+        </p:nvSpPr>
+        <p:spPr>
+          <a:xfrm>
+            <a:off x="1132114" y="1362361"/>
+            <a:ext cx="7326085" cy="5016758"/>
+          </a:xfrm>
+          <a:prstGeom prst="rect">
+            <a:avLst/>
+          </a:prstGeom>
+          <a:noFill/>
+        </p:spPr>
+        <p:txBody>
+          <a:bodyPr wrap="square" rtlCol="0">
+            <a:spAutoFit/>
+          </a:bodyPr>
+          <a:lstStyle/>
+          <a:p>
+            <a:pPr marL="342900" marR="0" lvl="0" indent="-342900" defTabSz="914400" eaLnBrk="1" fontAlgn="auto" latinLnBrk="0" hangingPunct="1">
+              <a:lnSpc>
+                <a:spcPct val="100000"/>
+              </a:lnSpc>
+              <a:spcBef>
+                <a:spcPts val="0"/>
+              </a:spcBef>
+              <a:spcAft>
+                <a:spcPts val="0"/>
+              </a:spcAft>
+              <a:buClrTx/>
+              <a:buSzTx/>
+              <a:buFontTx/>
+              <a:buNone/>
+              <a:tabLst/>
+              <a:defRPr/>
+            </a:pPr>
+            <a:r>
+              <a:rPr lang="en-US" sz="2000" dirty="0" smtClean="0">
+                <a:latin typeface="Courier" charset="0"/>
+                <a:ea typeface="Courier" charset="0"/>
+                <a:cs typeface="Courier" charset="0"/>
+              </a:rPr>
+              <a:t>def </a:t>
+            </a:r>
+            <a:r>
+              <a:rPr lang="en-US" sz="2000" dirty="0" err="1" smtClean="0">
+                <a:latin typeface="Courier" charset="0"/>
+                <a:ea typeface="Courier" charset="0"/>
+                <a:cs typeface="Courier" charset="0"/>
+              </a:rPr>
+              <a:t>quadraticSolver</a:t>
+            </a:r>
+            <a:r>
+              <a:rPr lang="en-US" sz="2000" dirty="0" smtClean="0">
+                <a:latin typeface="Courier" charset="0"/>
+                <a:ea typeface="Courier" charset="0"/>
+                <a:cs typeface="Courier" charset="0"/>
+              </a:rPr>
+              <a:t>():</a:t>
+            </a:r>
+          </a:p>
+          <a:p>
+            <a:pPr marL="342900" marR="0" lvl="0" indent="-342900" defTabSz="914400" eaLnBrk="1" fontAlgn="auto" latinLnBrk="0" hangingPunct="1">
+              <a:lnSpc>
+                <a:spcPct val="100000"/>
+              </a:lnSpc>
+              <a:spcBef>
+                <a:spcPts val="0"/>
+              </a:spcBef>
+              <a:spcAft>
+                <a:spcPts val="0"/>
+              </a:spcAft>
+              <a:buClrTx/>
+              <a:buSzTx/>
+              <a:buFontTx/>
+              <a:buNone/>
+              <a:tabLst/>
+              <a:defRPr/>
+            </a:pPr>
+            <a:r>
+              <a:rPr lang="en-US" sz="2000" dirty="0">
+                <a:latin typeface="Courier" charset="0"/>
+                <a:ea typeface="Courier" charset="0"/>
+                <a:cs typeface="Courier" charset="0"/>
+              </a:rPr>
+              <a:t>	</a:t>
+            </a:r>
+            <a:r>
+              <a:rPr lang="en-US" sz="2000" dirty="0" smtClean="0">
+                <a:latin typeface="Courier" charset="0"/>
+                <a:ea typeface="Courier" charset="0"/>
+                <a:cs typeface="Courier" charset="0"/>
+              </a:rPr>
+              <a:t>print( ‘Quadratic solver’)</a:t>
+            </a:r>
+          </a:p>
+          <a:p>
+            <a:pPr marL="342900" marR="0" lvl="0" indent="-342900" defTabSz="914400" eaLnBrk="1" fontAlgn="auto" latinLnBrk="0" hangingPunct="1">
+              <a:lnSpc>
+                <a:spcPct val="100000"/>
+              </a:lnSpc>
+              <a:spcBef>
+                <a:spcPts val="0"/>
+              </a:spcBef>
+              <a:spcAft>
+                <a:spcPts val="0"/>
+              </a:spcAft>
+              <a:buClrTx/>
+              <a:buSzTx/>
+              <a:buFontTx/>
+              <a:buNone/>
+              <a:tabLst/>
+              <a:defRPr/>
+            </a:pPr>
+            <a:r>
+              <a:rPr lang="en-US" sz="2000" dirty="0">
+                <a:latin typeface="Courier" charset="0"/>
+                <a:ea typeface="Courier" charset="0"/>
+                <a:cs typeface="Courier" charset="0"/>
+              </a:rPr>
+              <a:t>	</a:t>
+            </a:r>
+            <a:r>
+              <a:rPr lang="en-US" sz="2000" dirty="0" smtClean="0">
+                <a:latin typeface="Courier" charset="0"/>
+                <a:ea typeface="Courier" charset="0"/>
+                <a:cs typeface="Courier" charset="0"/>
+              </a:rPr>
+              <a:t>print(‘a x^2 + b x + c = 0’)</a:t>
+            </a:r>
+          </a:p>
+          <a:p>
+            <a:pPr marL="342900" marR="0" lvl="0" indent="-342900" defTabSz="914400" eaLnBrk="1" fontAlgn="auto" latinLnBrk="0" hangingPunct="1">
+              <a:lnSpc>
+                <a:spcPct val="100000"/>
+              </a:lnSpc>
+              <a:spcBef>
+                <a:spcPts val="0"/>
+              </a:spcBef>
+              <a:spcAft>
+                <a:spcPts val="0"/>
+              </a:spcAft>
+              <a:buClrTx/>
+              <a:buSzTx/>
+              <a:buFontTx/>
+              <a:buNone/>
+              <a:tabLst/>
+              <a:defRPr/>
+            </a:pPr>
+            <a:endParaRPr lang="en-US" sz="2000" dirty="0">
+              <a:latin typeface="Courier" charset="0"/>
+              <a:ea typeface="Courier" charset="0"/>
+              <a:cs typeface="Courier" charset="0"/>
+            </a:endParaRPr>
+          </a:p>
+          <a:p>
+            <a:pPr marL="342900" marR="0" lvl="0" indent="-342900" defTabSz="914400" eaLnBrk="1" fontAlgn="auto" latinLnBrk="0" hangingPunct="1">
+              <a:lnSpc>
+                <a:spcPct val="100000"/>
+              </a:lnSpc>
+              <a:spcBef>
+                <a:spcPts val="0"/>
+              </a:spcBef>
+              <a:spcAft>
+                <a:spcPts val="0"/>
+              </a:spcAft>
+              <a:buClrTx/>
+              <a:buSzTx/>
+              <a:buFontTx/>
+              <a:buNone/>
+              <a:tabLst/>
+              <a:defRPr/>
+            </a:pPr>
+            <a:r>
+              <a:rPr lang="en-US" sz="2000" dirty="0" smtClean="0">
+                <a:latin typeface="Courier" charset="0"/>
+                <a:ea typeface="Courier" charset="0"/>
+                <a:cs typeface="Courier" charset="0"/>
+              </a:rPr>
+              <a:t>	a = float(</a:t>
+            </a:r>
+            <a:r>
+              <a:rPr lang="en-US" sz="2000" dirty="0">
+                <a:latin typeface="Courier" charset="0"/>
+                <a:ea typeface="Courier" charset="0"/>
+                <a:cs typeface="Courier" charset="0"/>
+              </a:rPr>
+              <a:t> </a:t>
+            </a:r>
+            <a:r>
+              <a:rPr lang="en-US" sz="2000" dirty="0" smtClean="0">
+                <a:latin typeface="Courier" charset="0"/>
+                <a:ea typeface="Courier" charset="0"/>
+                <a:cs typeface="Courier" charset="0"/>
+              </a:rPr>
+              <a:t>input(‘a: ’) )</a:t>
+            </a:r>
+          </a:p>
+          <a:p>
+            <a:pPr marL="342900" lvl="0" indent="-342900" defTabSz="914400">
+              <a:defRPr/>
+            </a:pPr>
+            <a:r>
+              <a:rPr lang="en-US" sz="2000" dirty="0">
+                <a:latin typeface="Courier" charset="0"/>
+                <a:ea typeface="Courier" charset="0"/>
+                <a:cs typeface="Courier" charset="0"/>
+              </a:rPr>
+              <a:t>	</a:t>
+            </a:r>
+            <a:r>
+              <a:rPr lang="en-US" sz="2000" dirty="0" smtClean="0">
+                <a:latin typeface="Courier" charset="0"/>
+                <a:ea typeface="Courier" charset="0"/>
+                <a:cs typeface="Courier" charset="0"/>
+              </a:rPr>
+              <a:t>b </a:t>
+            </a:r>
+            <a:r>
+              <a:rPr lang="en-US" sz="2000" dirty="0">
+                <a:latin typeface="Courier" charset="0"/>
+                <a:ea typeface="Courier" charset="0"/>
+                <a:cs typeface="Courier" charset="0"/>
+              </a:rPr>
+              <a:t>= float( input</a:t>
+            </a:r>
+            <a:r>
+              <a:rPr lang="en-US" sz="2000" dirty="0" smtClean="0">
+                <a:latin typeface="Courier" charset="0"/>
+                <a:ea typeface="Courier" charset="0"/>
+                <a:cs typeface="Courier" charset="0"/>
+              </a:rPr>
+              <a:t>(‘b: </a:t>
+            </a:r>
+            <a:r>
+              <a:rPr lang="en-US" sz="2000" dirty="0">
+                <a:latin typeface="Courier" charset="0"/>
+                <a:ea typeface="Courier" charset="0"/>
+                <a:cs typeface="Courier" charset="0"/>
+              </a:rPr>
+              <a:t>’) )</a:t>
+            </a:r>
+          </a:p>
+          <a:p>
+            <a:pPr marL="342900" lvl="0" indent="-342900" defTabSz="914400">
+              <a:defRPr/>
+            </a:pPr>
+            <a:r>
+              <a:rPr lang="en-US" sz="2000" dirty="0">
+                <a:latin typeface="Courier" charset="0"/>
+                <a:ea typeface="Courier" charset="0"/>
+                <a:cs typeface="Courier" charset="0"/>
+              </a:rPr>
+              <a:t>	</a:t>
+            </a:r>
+            <a:r>
+              <a:rPr lang="en-US" sz="2000" dirty="0" smtClean="0">
+                <a:latin typeface="Courier" charset="0"/>
+                <a:ea typeface="Courier" charset="0"/>
+                <a:cs typeface="Courier" charset="0"/>
+              </a:rPr>
+              <a:t>c </a:t>
+            </a:r>
+            <a:r>
+              <a:rPr lang="en-US" sz="2000" dirty="0">
+                <a:latin typeface="Courier" charset="0"/>
+                <a:ea typeface="Courier" charset="0"/>
+                <a:cs typeface="Courier" charset="0"/>
+              </a:rPr>
+              <a:t>= float( input</a:t>
+            </a:r>
+            <a:r>
+              <a:rPr lang="en-US" sz="2000" dirty="0" smtClean="0">
+                <a:latin typeface="Courier" charset="0"/>
+                <a:ea typeface="Courier" charset="0"/>
+                <a:cs typeface="Courier" charset="0"/>
+              </a:rPr>
+              <a:t>(‘c: </a:t>
+            </a:r>
+            <a:r>
+              <a:rPr lang="en-US" sz="2000" dirty="0">
+                <a:latin typeface="Courier" charset="0"/>
+                <a:ea typeface="Courier" charset="0"/>
+                <a:cs typeface="Courier" charset="0"/>
+              </a:rPr>
+              <a:t>’) )</a:t>
+            </a:r>
+          </a:p>
+          <a:p>
+            <a:pPr marL="342900" lvl="0" indent="-342900" defTabSz="914400">
+              <a:defRPr/>
+            </a:pPr>
+            <a:r>
+              <a:rPr lang="en-US" sz="2000" dirty="0">
+                <a:latin typeface="Courier" charset="0"/>
+                <a:ea typeface="Courier" charset="0"/>
+                <a:cs typeface="Courier" charset="0"/>
+              </a:rPr>
+              <a:t>	</a:t>
+            </a:r>
+            <a:endParaRPr lang="en-US" sz="2000" dirty="0" smtClean="0">
+              <a:latin typeface="Courier" charset="0"/>
+              <a:ea typeface="Courier" charset="0"/>
+              <a:cs typeface="Courier" charset="0"/>
+            </a:endParaRPr>
+          </a:p>
+          <a:p>
+            <a:pPr marL="342900" lvl="0" indent="-342900" defTabSz="914400">
+              <a:defRPr/>
+            </a:pPr>
+            <a:r>
+              <a:rPr lang="en-US" sz="2000" dirty="0">
+                <a:latin typeface="Courier" charset="0"/>
+                <a:ea typeface="Courier" charset="0"/>
+                <a:cs typeface="Courier" charset="0"/>
+              </a:rPr>
+              <a:t>	</a:t>
+            </a:r>
+            <a:r>
+              <a:rPr lang="en-US" sz="2000" dirty="0" smtClean="0">
+                <a:latin typeface="Courier" charset="0"/>
+                <a:ea typeface="Courier" charset="0"/>
+                <a:cs typeface="Courier" charset="0"/>
+              </a:rPr>
+              <a:t>root = (b**2 </a:t>
+            </a:r>
+            <a:r>
+              <a:rPr lang="mr-IN" sz="2000" dirty="0" smtClean="0">
+                <a:latin typeface="Courier" charset="0"/>
+                <a:ea typeface="Courier" charset="0"/>
+                <a:cs typeface="Courier" charset="0"/>
+              </a:rPr>
+              <a:t>–</a:t>
+            </a:r>
+            <a:r>
+              <a:rPr lang="en-US" sz="2000" dirty="0" smtClean="0">
+                <a:latin typeface="Courier" charset="0"/>
+                <a:ea typeface="Courier" charset="0"/>
+                <a:cs typeface="Courier" charset="0"/>
+              </a:rPr>
+              <a:t> 4*a*c)**0.5</a:t>
+            </a:r>
+          </a:p>
+          <a:p>
+            <a:pPr marL="342900" lvl="0" indent="-342900" defTabSz="914400">
+              <a:defRPr/>
+            </a:pPr>
+            <a:r>
+              <a:rPr lang="en-US" sz="2000" dirty="0">
+                <a:latin typeface="Courier" charset="0"/>
+                <a:ea typeface="Courier" charset="0"/>
+                <a:cs typeface="Courier" charset="0"/>
+              </a:rPr>
+              <a:t>	</a:t>
+            </a:r>
+            <a:r>
+              <a:rPr lang="en-US" sz="2000" dirty="0" err="1" smtClean="0">
+                <a:latin typeface="Courier" charset="0"/>
+                <a:ea typeface="Courier" charset="0"/>
+                <a:cs typeface="Courier" charset="0"/>
+              </a:rPr>
+              <a:t>denom</a:t>
+            </a:r>
+            <a:r>
+              <a:rPr lang="en-US" sz="2000" dirty="0" smtClean="0">
+                <a:latin typeface="Courier" charset="0"/>
+                <a:ea typeface="Courier" charset="0"/>
+                <a:cs typeface="Courier" charset="0"/>
+              </a:rPr>
+              <a:t> = 2*a</a:t>
+            </a:r>
+          </a:p>
+          <a:p>
+            <a:pPr marL="342900" lvl="0" indent="-342900" defTabSz="914400">
+              <a:defRPr/>
+            </a:pPr>
+            <a:r>
+              <a:rPr lang="en-US" sz="2000" dirty="0">
+                <a:latin typeface="Courier" charset="0"/>
+                <a:ea typeface="Courier" charset="0"/>
+                <a:cs typeface="Courier" charset="0"/>
+              </a:rPr>
+              <a:t>	</a:t>
+            </a:r>
+            <a:r>
+              <a:rPr lang="en-US" sz="2000" dirty="0" err="1" smtClean="0">
+                <a:latin typeface="Courier" charset="0"/>
+                <a:ea typeface="Courier" charset="0"/>
+                <a:cs typeface="Courier" charset="0"/>
+              </a:rPr>
+              <a:t>pos</a:t>
+            </a:r>
+            <a:r>
+              <a:rPr lang="en-US" sz="2000" dirty="0" smtClean="0">
+                <a:latin typeface="Courier" charset="0"/>
+                <a:ea typeface="Courier" charset="0"/>
+                <a:cs typeface="Courier" charset="0"/>
+              </a:rPr>
+              <a:t> = (-b + root)/</a:t>
+            </a:r>
+            <a:r>
+              <a:rPr lang="en-US" sz="2000" dirty="0" err="1" smtClean="0">
+                <a:latin typeface="Courier" charset="0"/>
+                <a:ea typeface="Courier" charset="0"/>
+                <a:cs typeface="Courier" charset="0"/>
+              </a:rPr>
+              <a:t>denom</a:t>
+            </a:r>
+            <a:endParaRPr lang="en-US" sz="2000" dirty="0" smtClean="0">
+              <a:latin typeface="Courier" charset="0"/>
+              <a:ea typeface="Courier" charset="0"/>
+              <a:cs typeface="Courier" charset="0"/>
+            </a:endParaRPr>
+          </a:p>
+          <a:p>
+            <a:pPr marL="342900" lvl="0" indent="-342900" defTabSz="914400">
+              <a:defRPr/>
+            </a:pPr>
+            <a:r>
+              <a:rPr lang="en-US" sz="2000" dirty="0">
+                <a:latin typeface="Courier" charset="0"/>
+                <a:ea typeface="Courier" charset="0"/>
+                <a:cs typeface="Courier" charset="0"/>
+              </a:rPr>
+              <a:t>	</a:t>
+            </a:r>
+            <a:r>
+              <a:rPr lang="en-US" sz="2000" dirty="0" err="1" smtClean="0">
+                <a:latin typeface="Courier" charset="0"/>
+                <a:ea typeface="Courier" charset="0"/>
+                <a:cs typeface="Courier" charset="0"/>
+              </a:rPr>
+              <a:t>neg</a:t>
+            </a:r>
+            <a:r>
+              <a:rPr lang="en-US" sz="2000" dirty="0" smtClean="0">
+                <a:latin typeface="Courier" charset="0"/>
+                <a:ea typeface="Courier" charset="0"/>
+                <a:cs typeface="Courier" charset="0"/>
+              </a:rPr>
+              <a:t> = (-b - root)/</a:t>
+            </a:r>
+            <a:r>
+              <a:rPr lang="en-US" sz="2000" dirty="0" err="1" smtClean="0">
+                <a:latin typeface="Courier" charset="0"/>
+                <a:ea typeface="Courier" charset="0"/>
+                <a:cs typeface="Courier" charset="0"/>
+              </a:rPr>
+              <a:t>denom</a:t>
+            </a:r>
+            <a:endParaRPr lang="en-US" sz="2000" dirty="0" smtClean="0">
+              <a:latin typeface="Courier" charset="0"/>
+              <a:ea typeface="Courier" charset="0"/>
+              <a:cs typeface="Courier" charset="0"/>
+            </a:endParaRPr>
+          </a:p>
+          <a:p>
+            <a:pPr marL="342900" lvl="0" indent="-342900" defTabSz="914400">
+              <a:defRPr/>
+            </a:pPr>
+            <a:r>
+              <a:rPr lang="en-US" sz="2000" dirty="0">
+                <a:latin typeface="Courier" charset="0"/>
+                <a:ea typeface="Courier" charset="0"/>
+                <a:cs typeface="Courier" charset="0"/>
+              </a:rPr>
+              <a:t>	</a:t>
+            </a:r>
+            <a:r>
+              <a:rPr lang="en-US" sz="2000" dirty="0" err="1" smtClean="0">
+                <a:latin typeface="Courier" charset="0"/>
+                <a:ea typeface="Courier" charset="0"/>
+                <a:cs typeface="Courier" charset="0"/>
+              </a:rPr>
+              <a:t>msg</a:t>
+            </a:r>
+            <a:r>
+              <a:rPr lang="en-US" sz="2000" dirty="0" smtClean="0">
+                <a:latin typeface="Courier" charset="0"/>
+                <a:ea typeface="Courier" charset="0"/>
+                <a:cs typeface="Courier" charset="0"/>
+              </a:rPr>
+              <a:t> = ‘</a:t>
+            </a:r>
+            <a:r>
+              <a:rPr lang="en-US" sz="2000" dirty="0" err="1" smtClean="0">
+                <a:latin typeface="Courier" charset="0"/>
+                <a:ea typeface="Courier" charset="0"/>
+                <a:cs typeface="Courier" charset="0"/>
+              </a:rPr>
+              <a:t>pos</a:t>
+            </a:r>
+            <a:r>
+              <a:rPr lang="en-US" sz="2000" dirty="0" smtClean="0">
+                <a:latin typeface="Courier" charset="0"/>
+                <a:ea typeface="Courier" charset="0"/>
+                <a:cs typeface="Courier" charset="0"/>
+              </a:rPr>
+              <a:t>=%.3f\</a:t>
+            </a:r>
+            <a:r>
+              <a:rPr lang="en-US" sz="2000" dirty="0" err="1" smtClean="0">
+                <a:latin typeface="Courier" charset="0"/>
+                <a:ea typeface="Courier" charset="0"/>
+                <a:cs typeface="Courier" charset="0"/>
+              </a:rPr>
+              <a:t>nneg</a:t>
+            </a:r>
+            <a:r>
+              <a:rPr lang="en-US" sz="2000" dirty="0" smtClean="0">
+                <a:latin typeface="Courier" charset="0"/>
+                <a:ea typeface="Courier" charset="0"/>
+                <a:cs typeface="Courier" charset="0"/>
+              </a:rPr>
+              <a:t>=%.3f’%(</a:t>
+            </a:r>
+            <a:r>
+              <a:rPr lang="en-US" sz="2000" dirty="0" err="1" smtClean="0">
+                <a:latin typeface="Courier" charset="0"/>
+                <a:ea typeface="Courier" charset="0"/>
+                <a:cs typeface="Courier" charset="0"/>
+              </a:rPr>
+              <a:t>pos</a:t>
+            </a:r>
+            <a:r>
+              <a:rPr lang="en-US" sz="2000" dirty="0" smtClean="0">
+                <a:latin typeface="Courier" charset="0"/>
+                <a:ea typeface="Courier" charset="0"/>
+                <a:cs typeface="Courier" charset="0"/>
+              </a:rPr>
+              <a:t>, </a:t>
+            </a:r>
+            <a:r>
+              <a:rPr lang="en-US" sz="2000" dirty="0" err="1" smtClean="0">
+                <a:latin typeface="Courier" charset="0"/>
+                <a:ea typeface="Courier" charset="0"/>
+                <a:cs typeface="Courier" charset="0"/>
+              </a:rPr>
+              <a:t>neg</a:t>
+            </a:r>
+            <a:r>
+              <a:rPr lang="en-US" sz="2000" dirty="0" smtClean="0">
+                <a:latin typeface="Courier" charset="0"/>
+                <a:ea typeface="Courier" charset="0"/>
+                <a:cs typeface="Courier" charset="0"/>
+              </a:rPr>
+              <a:t>)</a:t>
+            </a:r>
+          </a:p>
+          <a:p>
+            <a:pPr marL="342900" lvl="0" indent="-342900" defTabSz="914400">
+              <a:defRPr/>
+            </a:pPr>
+            <a:r>
+              <a:rPr lang="en-US" sz="2000" dirty="0">
+                <a:latin typeface="Courier" charset="0"/>
+                <a:ea typeface="Courier" charset="0"/>
+                <a:cs typeface="Courier" charset="0"/>
+              </a:rPr>
+              <a:t>	</a:t>
+            </a:r>
+            <a:r>
+              <a:rPr lang="en-US" sz="2000" dirty="0" smtClean="0">
+                <a:latin typeface="Courier" charset="0"/>
+                <a:ea typeface="Courier" charset="0"/>
+                <a:cs typeface="Courier" charset="0"/>
+              </a:rPr>
+              <a:t>print(</a:t>
+            </a:r>
+            <a:r>
+              <a:rPr lang="en-US" sz="2000" dirty="0" err="1" smtClean="0">
+                <a:latin typeface="Courier" charset="0"/>
+                <a:ea typeface="Courier" charset="0"/>
+                <a:cs typeface="Courier" charset="0"/>
+              </a:rPr>
+              <a:t>msg</a:t>
+            </a:r>
+            <a:r>
+              <a:rPr lang="en-US" sz="2000" dirty="0" smtClean="0">
+                <a:latin typeface="Courier" charset="0"/>
+                <a:ea typeface="Courier" charset="0"/>
+                <a:cs typeface="Courier" charset="0"/>
+              </a:rPr>
+              <a:t>)</a:t>
+            </a:r>
+          </a:p>
+          <a:p>
+            <a:pPr marL="342900" lvl="0" indent="-342900" defTabSz="914400">
+              <a:defRPr/>
+            </a:pPr>
+            <a:endParaRPr lang="en-US" sz="2000" dirty="0">
+              <a:latin typeface="Courier" charset="0"/>
+              <a:ea typeface="Courier" charset="0"/>
+              <a:cs typeface="Courier" charset="0"/>
+            </a:endParaRPr>
+          </a:p>
+          <a:p>
+            <a:pPr marL="342900" lvl="0" indent="-342900" defTabSz="914400">
+              <a:defRPr/>
+            </a:pPr>
+            <a:r>
+              <a:rPr lang="en-US" sz="2000" dirty="0" smtClean="0">
+                <a:latin typeface="Courier" charset="0"/>
+                <a:ea typeface="Courier" charset="0"/>
+                <a:cs typeface="Courier" charset="0"/>
+              </a:rPr>
+              <a:t>	return (</a:t>
+            </a:r>
+            <a:r>
+              <a:rPr lang="en-US" sz="2000" dirty="0" err="1" smtClean="0">
+                <a:latin typeface="Courier" charset="0"/>
+                <a:ea typeface="Courier" charset="0"/>
+                <a:cs typeface="Courier" charset="0"/>
+              </a:rPr>
+              <a:t>pos</a:t>
+            </a:r>
+            <a:r>
+              <a:rPr lang="en-US" sz="2000" dirty="0" smtClean="0">
+                <a:latin typeface="Courier" charset="0"/>
+                <a:ea typeface="Courier" charset="0"/>
+                <a:cs typeface="Courier" charset="0"/>
+              </a:rPr>
+              <a:t>, </a:t>
+            </a:r>
+            <a:r>
+              <a:rPr lang="en-US" sz="2000" dirty="0" err="1" smtClean="0">
+                <a:latin typeface="Courier" charset="0"/>
+                <a:ea typeface="Courier" charset="0"/>
+                <a:cs typeface="Courier" charset="0"/>
+              </a:rPr>
+              <a:t>neg</a:t>
+            </a:r>
+            <a:r>
+              <a:rPr lang="en-US" sz="2000" dirty="0" smtClean="0">
+                <a:latin typeface="Courier" charset="0"/>
+                <a:ea typeface="Courier" charset="0"/>
+                <a:cs typeface="Courier" charset="0"/>
+              </a:rPr>
+              <a:t>)</a:t>
+            </a:r>
+            <a:endParaRPr lang="en-US" sz="2000" dirty="0">
+              <a:latin typeface="Courier" charset="0"/>
+              <a:ea typeface="Courier" charset="0"/>
+              <a:cs typeface="Courier" charset="0"/>
+            </a:endParaRPr>
+          </a:p>
+        </p:txBody>
+      </p:sp>
     </p:spTree>
     <p:extLst>
       <p:ext uri="{BB962C8B-B14F-4D97-AF65-F5344CB8AC3E}">
-        <p14:creationId xmlns:p14="http://schemas.microsoft.com/office/powerpoint/2010/main" val="1221384915"/>
+        <p14:creationId xmlns:p14="http://schemas.microsoft.com/office/powerpoint/2010/main" val="1944594077"/>
       </p:ext>
     </p:extLst>
   </p:cSld>
@@ -5194,6 +6558,238 @@
       </p:grpSpPr>
       <p:sp>
         <p:nvSpPr>
+          <p:cNvPr id="4" name="Rectangle 3"/>
+          <p:cNvSpPr/>
+          <p:nvPr/>
+        </p:nvSpPr>
+        <p:spPr>
+          <a:xfrm>
+            <a:off x="0" y="-7550"/>
+            <a:ext cx="9144000" cy="1228835"/>
+          </a:xfrm>
+          <a:prstGeom prst="rect">
+            <a:avLst/>
+          </a:prstGeom>
+          <a:solidFill>
+            <a:srgbClr val="3DBFDB"/>
+          </a:solidFill>
+          <a:ln>
+            <a:noFill/>
+          </a:ln>
+          <a:effectLst/>
+        </p:spPr>
+        <p:style>
+          <a:lnRef idx="1">
+            <a:schemeClr val="accent1"/>
+          </a:lnRef>
+          <a:fillRef idx="3">
+            <a:schemeClr val="accent1"/>
+          </a:fillRef>
+          <a:effectRef idx="2">
+            <a:schemeClr val="accent1"/>
+          </a:effectRef>
+          <a:fontRef idx="minor">
+            <a:schemeClr val="lt1"/>
+          </a:fontRef>
+        </p:style>
+        <p:txBody>
+          <a:bodyPr rtlCol="0" anchor="ctr"/>
+          <a:lstStyle/>
+          <a:p>
+            <a:endParaRPr lang="en-US" sz="4000" i="1" dirty="0"/>
+          </a:p>
+        </p:txBody>
+      </p:sp>
+      <p:sp>
+        <p:nvSpPr>
+          <p:cNvPr id="5" name="Rectangle 4"/>
+          <p:cNvSpPr/>
+          <p:nvPr/>
+        </p:nvSpPr>
+        <p:spPr>
+          <a:xfrm>
+            <a:off x="0" y="6737478"/>
+            <a:ext cx="9144000" cy="120522"/>
+          </a:xfrm>
+          <a:prstGeom prst="rect">
+            <a:avLst/>
+          </a:prstGeom>
+          <a:solidFill>
+            <a:srgbClr val="3DBFDB"/>
+          </a:solidFill>
+          <a:ln>
+            <a:noFill/>
+          </a:ln>
+          <a:effectLst/>
+        </p:spPr>
+        <p:style>
+          <a:lnRef idx="1">
+            <a:schemeClr val="accent1"/>
+          </a:lnRef>
+          <a:fillRef idx="3">
+            <a:schemeClr val="accent1"/>
+          </a:fillRef>
+          <a:effectRef idx="2">
+            <a:schemeClr val="accent1"/>
+          </a:effectRef>
+          <a:fontRef idx="minor">
+            <a:schemeClr val="lt1"/>
+          </a:fontRef>
+        </p:style>
+        <p:txBody>
+          <a:bodyPr rtlCol="0" anchor="ctr"/>
+          <a:lstStyle/>
+          <a:p>
+            <a:pPr algn="ctr"/>
+            <a:endParaRPr lang="en-US"/>
+          </a:p>
+        </p:txBody>
+      </p:sp>
+      <p:sp>
+        <p:nvSpPr>
+          <p:cNvPr id="6" name="Rectangle 5"/>
+          <p:cNvSpPr/>
+          <p:nvPr/>
+        </p:nvSpPr>
+        <p:spPr>
+          <a:xfrm>
+            <a:off x="0" y="6451738"/>
+            <a:ext cx="705642" cy="276999"/>
+          </a:xfrm>
+          <a:prstGeom prst="rect">
+            <a:avLst/>
+          </a:prstGeom>
+        </p:spPr>
+        <p:txBody>
+          <a:bodyPr wrap="none">
+            <a:spAutoFit/>
+          </a:bodyPr>
+          <a:lstStyle/>
+          <a:p>
+            <a:r>
+              <a:rPr lang="en-US" sz="1200" dirty="0" smtClean="0">
+                <a:solidFill>
+                  <a:srgbClr val="118EB0"/>
+                </a:solidFill>
+              </a:rPr>
+              <a:t>function</a:t>
+            </a:r>
+            <a:endParaRPr lang="en-US" sz="1200" dirty="0">
+              <a:solidFill>
+                <a:srgbClr val="118EB0"/>
+              </a:solidFill>
+            </a:endParaRPr>
+          </a:p>
+        </p:txBody>
+      </p:sp>
+      <p:sp>
+        <p:nvSpPr>
+          <p:cNvPr id="7" name="TextBox 6"/>
+          <p:cNvSpPr txBox="1"/>
+          <p:nvPr/>
+        </p:nvSpPr>
+        <p:spPr>
+          <a:xfrm>
+            <a:off x="8869998" y="6453063"/>
+            <a:ext cx="262662" cy="276999"/>
+          </a:xfrm>
+          <a:prstGeom prst="rect">
+            <a:avLst/>
+          </a:prstGeom>
+          <a:noFill/>
+        </p:spPr>
+        <p:txBody>
+          <a:bodyPr wrap="none" rtlCol="0">
+            <a:spAutoFit/>
+          </a:bodyPr>
+          <a:lstStyle/>
+          <a:p>
+            <a:pPr algn="r"/>
+            <a:r>
+              <a:rPr lang="en-US" sz="1200" dirty="0" smtClean="0">
+                <a:solidFill>
+                  <a:srgbClr val="118EB0"/>
+                </a:solidFill>
+              </a:rPr>
+              <a:t>1</a:t>
+            </a:r>
+            <a:endParaRPr lang="en-US" sz="1200" dirty="0">
+              <a:solidFill>
+                <a:srgbClr val="118EB0"/>
+              </a:solidFill>
+            </a:endParaRPr>
+          </a:p>
+        </p:txBody>
+      </p:sp>
+      <p:pic>
+        <p:nvPicPr>
+          <p:cNvPr id="2" name="Picture 1"/>
+          <p:cNvPicPr>
+            <a:picLocks noChangeAspect="1"/>
+          </p:cNvPicPr>
+          <p:nvPr/>
+        </p:nvPicPr>
+        <p:blipFill>
+          <a:blip r:embed="rId2">
+            <a:extLst>
+              <a:ext uri="{28A0092B-C50C-407E-A947-70E740481C1C}">
+                <a14:useLocalDpi xmlns:a14="http://schemas.microsoft.com/office/drawing/2010/main" val="0"/>
+              </a:ext>
+            </a:extLst>
+          </a:blip>
+          <a:stretch>
+            <a:fillRect/>
+          </a:stretch>
+        </p:blipFill>
+        <p:spPr>
+          <a:xfrm>
+            <a:off x="2225704" y="1221285"/>
+            <a:ext cx="4692592" cy="4684105"/>
+          </a:xfrm>
+          <a:prstGeom prst="rect">
+            <a:avLst/>
+          </a:prstGeom>
+        </p:spPr>
+      </p:pic>
+    </p:spTree>
+    <p:extLst>
+      <p:ext uri="{BB962C8B-B14F-4D97-AF65-F5344CB8AC3E}">
+        <p14:creationId xmlns:p14="http://schemas.microsoft.com/office/powerpoint/2010/main" val="1605549521"/>
+      </p:ext>
+    </p:extLst>
+  </p:cSld>
+  <p:clrMapOvr>
+    <a:masterClrMapping/>
+  </p:clrMapOvr>
+  <p:timing>
+    <p:tnLst>
+      <p:par>
+        <p:cTn id="1" dur="indefinite" restart="never" nodeType="tmRoot"/>
+      </p:par>
+    </p:tnLst>
+  </p:timing>
+</p:sld>
+</file>
+
+<file path=ppt/slides/slide18.xml><?xml version="1.0" encoding="utf-8"?>
+<p:sld xmlns:a="http://schemas.openxmlformats.org/drawingml/2006/main" xmlns:r="http://schemas.openxmlformats.org/officeDocument/2006/relationships" xmlns:p="http://schemas.openxmlformats.org/presentationml/2006/main">
+  <p:cSld>
+    <p:spTree>
+      <p:nvGrpSpPr>
+        <p:cNvPr id="1" name=""/>
+        <p:cNvGrpSpPr/>
+        <p:nvPr/>
+      </p:nvGrpSpPr>
+      <p:grpSpPr>
+        <a:xfrm>
+          <a:off x="0" y="0"/>
+          <a:ext cx="0" cy="0"/>
+          <a:chOff x="0" y="0"/>
+          <a:chExt cx="0" cy="0"/>
+        </a:xfrm>
+      </p:grpSpPr>
+      <p:sp>
+        <p:nvSpPr>
           <p:cNvPr id="3" name="Content Placeholder 2"/>
           <p:cNvSpPr>
             <a:spLocks noGrp="1"/>
@@ -5204,10 +6800,60 @@
         </p:nvSpPr>
         <p:spPr/>
         <p:txBody>
-          <a:bodyPr/>
-          <a:lstStyle/>
-          <a:p>
-            <a:endParaRPr lang="en-US"/>
+          <a:bodyPr>
+            <a:normAutofit/>
+          </a:bodyPr>
+          <a:lstStyle/>
+          <a:p>
+            <a:r>
+              <a:rPr lang="en-US" sz="2800" dirty="0" smtClean="0"/>
+              <a:t>Encapsulation (hide details)</a:t>
+            </a:r>
+          </a:p>
+          <a:p>
+            <a:r>
+              <a:rPr lang="en-US" sz="2800" dirty="0" smtClean="0"/>
+              <a:t>Abstraction (only </a:t>
+            </a:r>
+            <a:r>
+              <a:rPr lang="en-US" sz="2800" dirty="0" smtClean="0"/>
+              <a:t>show the interface</a:t>
+            </a:r>
+            <a:r>
+              <a:rPr lang="en-US" sz="2800" dirty="0" smtClean="0"/>
+              <a:t>)</a:t>
+            </a:r>
+          </a:p>
+          <a:p>
+            <a:r>
+              <a:rPr lang="en-US" sz="2800" dirty="0" smtClean="0"/>
+              <a:t>It defines some </a:t>
+            </a:r>
+            <a:r>
+              <a:rPr lang="en-US" sz="2800" dirty="0" smtClean="0"/>
+              <a:t>novel computational </a:t>
+            </a:r>
+            <a:r>
+              <a:rPr lang="en-US" sz="2800" dirty="0" smtClean="0"/>
+              <a:t>logic</a:t>
+            </a:r>
+          </a:p>
+          <a:p>
+            <a:pPr lvl="1"/>
+            <a:r>
+              <a:rPr lang="en-US" sz="2400" dirty="0" smtClean="0">
+                <a:solidFill>
+                  <a:srgbClr val="3DBFDB"/>
+                </a:solidFill>
+              </a:rPr>
+              <a:t>Hanoi Tower problem</a:t>
+            </a:r>
+          </a:p>
+          <a:p>
+            <a:endParaRPr lang="en-US" sz="2800" dirty="0"/>
+          </a:p>
+          <a:p>
+            <a:endParaRPr lang="en-US" sz="2800" dirty="0"/>
           </a:p>
         </p:txBody>
       </p:sp>
@@ -5257,7 +6903,7 @@
             </a:r>
             <a:r>
               <a:rPr lang="en-US" sz="4000" i="1" dirty="0" smtClean="0"/>
-              <a:t>Administrivia</a:t>
+              <a:t>Why having functions</a:t>
             </a:r>
             <a:endParaRPr lang="en-US" sz="4000" i="1" dirty="0"/>
           </a:p>
@@ -5317,7 +6963,7 @@
         <p:spPr>
           <a:xfrm>
             <a:off x="0" y="6451738"/>
-            <a:ext cx="1037664" cy="276999"/>
+            <a:ext cx="705642" cy="276999"/>
           </a:xfrm>
           <a:prstGeom prst="rect">
             <a:avLst/>
@@ -5330,70 +6976,319 @@
           <a:lstStyle/>
           <a:p>
             <a:r>
-              <a:rPr lang="en-US" sz="1200" dirty="0" smtClean="0">
+              <a:rPr lang="en-US" sz="1200" dirty="0">
                 <a:solidFill>
                   <a:srgbClr val="118EB0"/>
                 </a:solidFill>
               </a:rPr>
-              <a:t>Administrivia</a:t>
-            </a:r>
-            <a:endParaRPr lang="en-US" sz="1200" dirty="0">
-              <a:solidFill>
-                <a:srgbClr val="118EB0"/>
-              </a:solidFill>
-            </a:endParaRPr>
-          </a:p>
-        </p:txBody>
-      </p:sp>
-      <p:sp>
-        <p:nvSpPr>
-          <p:cNvPr id="7" name="TextBox 6"/>
-          <p:cNvSpPr txBox="1"/>
+              <a:t>function</a:t>
+            </a:r>
+          </a:p>
+        </p:txBody>
+      </p:sp>
+      <p:pic>
+        <p:nvPicPr>
+          <p:cNvPr id="2" name="Picture 1">
+            <a:hlinkClick r:id="rId2"/>
+          </p:cNvPr>
+          <p:cNvPicPr>
+            <a:picLocks noChangeAspect="1"/>
+          </p:cNvPicPr>
           <p:nvPr/>
-        </p:nvSpPr>
-        <p:spPr>
-          <a:xfrm>
-            <a:off x="8869998" y="6453063"/>
-            <a:ext cx="262662" cy="276999"/>
-          </a:xfrm>
-          <a:prstGeom prst="rect">
-            <a:avLst/>
-          </a:prstGeom>
-          <a:noFill/>
-        </p:spPr>
-        <p:txBody>
-          <a:bodyPr wrap="none" rtlCol="0">
-            <a:spAutoFit/>
-          </a:bodyPr>
-          <a:lstStyle/>
-          <a:p>
-            <a:pPr algn="r"/>
-            <a:r>
-              <a:rPr lang="en-US" sz="1200" dirty="0" smtClean="0">
-                <a:solidFill>
-                  <a:srgbClr val="118EB0"/>
-                </a:solidFill>
-              </a:rPr>
-              <a:t>1</a:t>
-            </a:r>
-            <a:endParaRPr lang="en-US" sz="1200" dirty="0">
-              <a:solidFill>
-                <a:srgbClr val="118EB0"/>
-              </a:solidFill>
-            </a:endParaRPr>
-          </a:p>
-        </p:txBody>
-      </p:sp>
+        </p:nvPicPr>
+        <p:blipFill>
+          <a:blip r:embed="rId3">
+            <a:extLst>
+              <a:ext uri="{28A0092B-C50C-407E-A947-70E740481C1C}">
+                <a14:useLocalDpi xmlns:a14="http://schemas.microsoft.com/office/drawing/2010/main" val="0"/>
+              </a:ext>
+            </a:extLst>
+          </a:blip>
+          <a:stretch>
+            <a:fillRect/>
+          </a:stretch>
+        </p:blipFill>
+        <p:spPr>
+          <a:xfrm>
+            <a:off x="1005006" y="3764831"/>
+            <a:ext cx="4064000" cy="1587500"/>
+          </a:xfrm>
+          <a:prstGeom prst="rect">
+            <a:avLst/>
+          </a:prstGeom>
+        </p:spPr>
+      </p:pic>
     </p:spTree>
     <p:extLst>
       <p:ext uri="{BB962C8B-B14F-4D97-AF65-F5344CB8AC3E}">
-        <p14:creationId xmlns:p14="http://schemas.microsoft.com/office/powerpoint/2010/main" val="2501662931"/>
+        <p14:creationId xmlns:p14="http://schemas.microsoft.com/office/powerpoint/2010/main" val="237130070"/>
       </p:ext>
     </p:extLst>
   </p:cSld>
   <p:clrMapOvr>
     <a:masterClrMapping/>
   </p:clrMapOvr>
+  <p:timing>
+    <p:tnLst>
+      <p:par>
+        <p:cTn id="1" dur="indefinite" restart="never" nodeType="tmRoot"/>
+      </p:par>
+    </p:tnLst>
+  </p:timing>
+</p:sld>
+</file>
+
+<file path=ppt/slides/slide19.xml><?xml version="1.0" encoding="utf-8"?>
+<p:sld xmlns:a="http://schemas.openxmlformats.org/drawingml/2006/main" xmlns:r="http://schemas.openxmlformats.org/officeDocument/2006/relationships" xmlns:p="http://schemas.openxmlformats.org/presentationml/2006/main">
+  <p:cSld>
+    <p:spTree>
+      <p:nvGrpSpPr>
+        <p:cNvPr id="1" name=""/>
+        <p:cNvGrpSpPr/>
+        <p:nvPr/>
+      </p:nvGrpSpPr>
+      <p:grpSpPr>
+        <a:xfrm>
+          <a:off x="0" y="0"/>
+          <a:ext cx="0" cy="0"/>
+          <a:chOff x="0" y="0"/>
+          <a:chExt cx="0" cy="0"/>
+        </a:xfrm>
+      </p:grpSpPr>
+      <p:sp>
+        <p:nvSpPr>
+          <p:cNvPr id="3" name="Content Placeholder 2"/>
+          <p:cNvSpPr>
+            <a:spLocks noGrp="1"/>
+          </p:cNvSpPr>
+          <p:nvPr>
+            <p:ph idx="1"/>
+          </p:nvPr>
+        </p:nvSpPr>
+        <p:spPr/>
+        <p:txBody>
+          <a:bodyPr>
+            <a:normAutofit/>
+          </a:bodyPr>
+          <a:lstStyle/>
+          <a:p>
+            <a:r>
+              <a:rPr lang="en-US" sz="2800" dirty="0" smtClean="0"/>
+              <a:t>Write a python script to compute the </a:t>
+            </a:r>
+            <a:r>
+              <a:rPr lang="en-US" sz="2800" b="1" i="1" dirty="0" smtClean="0">
+                <a:solidFill>
+                  <a:srgbClr val="3DBFDB"/>
+                </a:solidFill>
+              </a:rPr>
+              <a:t>F</a:t>
+            </a:r>
+            <a:r>
+              <a:rPr lang="en-US" sz="2800" b="1" i="1" dirty="0" smtClean="0">
+                <a:solidFill>
+                  <a:srgbClr val="3DBFDB"/>
+                </a:solidFill>
+              </a:rPr>
+              <a:t>ibonacci</a:t>
+            </a:r>
+            <a:r>
+              <a:rPr lang="en-US" sz="2800" dirty="0" smtClean="0">
+                <a:solidFill>
+                  <a:srgbClr val="3DBFDB"/>
+                </a:solidFill>
+              </a:rPr>
+              <a:t> </a:t>
+            </a:r>
+            <a:r>
+              <a:rPr lang="en-US" sz="2800" i="1" dirty="0" smtClean="0">
+                <a:solidFill>
+                  <a:srgbClr val="3DBFDB"/>
+                </a:solidFill>
+              </a:rPr>
+              <a:t>number</a:t>
+            </a:r>
+            <a:r>
+              <a:rPr lang="en-US" sz="2800" dirty="0" smtClean="0"/>
+              <a:t>: f(n)</a:t>
+            </a:r>
+            <a:endParaRPr lang="en-US" sz="2400" dirty="0" smtClean="0"/>
+          </a:p>
+          <a:p>
+            <a:pPr lvl="1"/>
+            <a:r>
+              <a:rPr lang="en-US" sz="2400" dirty="0" smtClean="0">
+                <a:solidFill>
+                  <a:srgbClr val="3DBFDB"/>
+                </a:solidFill>
+              </a:rPr>
+              <a:t>1, 1, 2, 3, 5, 8, 13, </a:t>
+            </a:r>
+            <a:r>
+              <a:rPr lang="mr-IN" sz="2400" dirty="0" smtClean="0">
+                <a:solidFill>
+                  <a:srgbClr val="3DBFDB"/>
+                </a:solidFill>
+              </a:rPr>
+              <a:t>…</a:t>
+            </a:r>
+            <a:endParaRPr lang="en-US" sz="2400" dirty="0">
+              <a:solidFill>
+                <a:srgbClr val="3DBFDB"/>
+              </a:solidFill>
+            </a:endParaRPr>
+          </a:p>
+          <a:p>
+            <a:endParaRPr lang="en-US" sz="2800" dirty="0"/>
+          </a:p>
+        </p:txBody>
+      </p:sp>
+      <p:sp>
+        <p:nvSpPr>
+          <p:cNvPr id="4" name="Rectangle 3"/>
+          <p:cNvSpPr/>
+          <p:nvPr/>
+        </p:nvSpPr>
+        <p:spPr>
+          <a:xfrm>
+            <a:off x="0" y="-7550"/>
+            <a:ext cx="9144000" cy="1228835"/>
+          </a:xfrm>
+          <a:prstGeom prst="rect">
+            <a:avLst/>
+          </a:prstGeom>
+          <a:solidFill>
+            <a:srgbClr val="3DBFDB"/>
+          </a:solidFill>
+          <a:ln>
+            <a:noFill/>
+          </a:ln>
+          <a:effectLst/>
+        </p:spPr>
+        <p:style>
+          <a:lnRef idx="1">
+            <a:schemeClr val="accent1"/>
+          </a:lnRef>
+          <a:fillRef idx="3">
+            <a:schemeClr val="accent1"/>
+          </a:fillRef>
+          <a:effectRef idx="2">
+            <a:schemeClr val="accent1"/>
+          </a:effectRef>
+          <a:fontRef idx="minor">
+            <a:schemeClr val="lt1"/>
+          </a:fontRef>
+        </p:style>
+        <p:txBody>
+          <a:bodyPr rtlCol="0" anchor="ctr"/>
+          <a:lstStyle/>
+          <a:p>
+            <a:r>
+              <a:rPr lang="en-US" sz="4000" b="1" dirty="0" smtClean="0"/>
+              <a:t>   </a:t>
+            </a:r>
+            <a:r>
+              <a:rPr lang="en-US" sz="4000" i="1" dirty="0" smtClean="0"/>
+              <a:t>After Class</a:t>
+            </a:r>
+            <a:endParaRPr lang="en-US" sz="4000" i="1" dirty="0"/>
+          </a:p>
+        </p:txBody>
+      </p:sp>
+      <p:sp>
+        <p:nvSpPr>
+          <p:cNvPr id="5" name="Rectangle 4"/>
+          <p:cNvSpPr/>
+          <p:nvPr/>
+        </p:nvSpPr>
+        <p:spPr>
+          <a:xfrm>
+            <a:off x="0" y="6737478"/>
+            <a:ext cx="9144000" cy="120522"/>
+          </a:xfrm>
+          <a:prstGeom prst="rect">
+            <a:avLst/>
+          </a:prstGeom>
+          <a:solidFill>
+            <a:srgbClr val="3DBFDB"/>
+          </a:solidFill>
+          <a:ln>
+            <a:noFill/>
+          </a:ln>
+          <a:effectLst/>
+        </p:spPr>
+        <p:style>
+          <a:lnRef idx="1">
+            <a:schemeClr val="accent1"/>
+          </a:lnRef>
+          <a:fillRef idx="3">
+            <a:schemeClr val="accent1"/>
+          </a:fillRef>
+          <a:effectRef idx="2">
+            <a:schemeClr val="accent1"/>
+          </a:effectRef>
+          <a:fontRef idx="minor">
+            <a:schemeClr val="lt1"/>
+          </a:fontRef>
+        </p:style>
+        <p:txBody>
+          <a:bodyPr rtlCol="0" anchor="ctr"/>
+          <a:lstStyle/>
+          <a:p>
+            <a:pPr algn="ctr"/>
+            <a:endParaRPr lang="en-US"/>
+          </a:p>
+        </p:txBody>
+      </p:sp>
+      <p:sp>
+        <p:nvSpPr>
+          <p:cNvPr id="6" name="Rectangle 5"/>
+          <p:cNvSpPr/>
+          <p:nvPr/>
+        </p:nvSpPr>
+        <p:spPr>
+          <a:xfrm>
+            <a:off x="0" y="6451738"/>
+            <a:ext cx="705642" cy="276999"/>
+          </a:xfrm>
+          <a:prstGeom prst="rect">
+            <a:avLst/>
+          </a:prstGeom>
+        </p:spPr>
+        <p:txBody>
+          <a:bodyPr wrap="none">
+            <a:spAutoFit/>
+          </a:bodyPr>
+          <a:lstStyle/>
+          <a:p>
+            <a:r>
+              <a:rPr lang="en-US" sz="1200" dirty="0">
+                <a:solidFill>
+                  <a:srgbClr val="118EB0"/>
+                </a:solidFill>
+              </a:rPr>
+              <a:t>function</a:t>
+            </a:r>
+          </a:p>
+        </p:txBody>
+      </p:sp>
+    </p:spTree>
+    <p:extLst>
+      <p:ext uri="{BB962C8B-B14F-4D97-AF65-F5344CB8AC3E}">
+        <p14:creationId xmlns:p14="http://schemas.microsoft.com/office/powerpoint/2010/main" val="292195709"/>
+      </p:ext>
+    </p:extLst>
+  </p:cSld>
+  <p:clrMapOvr>
+    <a:masterClrMapping/>
+  </p:clrMapOvr>
+  <p:timing>
+    <p:tnLst>
+      <p:par>
+        <p:cTn id="1" dur="indefinite" restart="never" nodeType="tmRoot"/>
+      </p:par>
+    </p:tnLst>
+  </p:timing>
 </p:sld>
 </file>
 
@@ -5588,6 +7483,2618 @@
     <p:extLst>
       <p:ext uri="{BB962C8B-B14F-4D97-AF65-F5344CB8AC3E}">
         <p14:creationId xmlns:p14="http://schemas.microsoft.com/office/powerpoint/2010/main" val="4095738846"/>
+      </p:ext>
+    </p:extLst>
+  </p:cSld>
+  <p:clrMapOvr>
+    <a:masterClrMapping/>
+  </p:clrMapOvr>
+  <p:timing>
+    <p:tnLst>
+      <p:par>
+        <p:cTn id="1" dur="indefinite" restart="never" nodeType="tmRoot"/>
+      </p:par>
+    </p:tnLst>
+  </p:timing>
+</p:sld>
+</file>
+
+<file path=ppt/slides/slide20.xml><?xml version="1.0" encoding="utf-8"?>
+<p:sld xmlns:a="http://schemas.openxmlformats.org/drawingml/2006/main" xmlns:r="http://schemas.openxmlformats.org/officeDocument/2006/relationships" xmlns:p="http://schemas.openxmlformats.org/presentationml/2006/main">
+  <p:cSld>
+    <p:spTree>
+      <p:nvGrpSpPr>
+        <p:cNvPr id="1" name=""/>
+        <p:cNvGrpSpPr/>
+        <p:nvPr/>
+      </p:nvGrpSpPr>
+      <p:grpSpPr>
+        <a:xfrm>
+          <a:off x="0" y="0"/>
+          <a:ext cx="0" cy="0"/>
+          <a:chOff x="0" y="0"/>
+          <a:chExt cx="0" cy="0"/>
+        </a:xfrm>
+      </p:grpSpPr>
+      <p:sp>
+        <p:nvSpPr>
+          <p:cNvPr id="4" name="Rectangle 3"/>
+          <p:cNvSpPr/>
+          <p:nvPr/>
+        </p:nvSpPr>
+        <p:spPr>
+          <a:xfrm>
+            <a:off x="0" y="2586816"/>
+            <a:ext cx="9144000" cy="1228835"/>
+          </a:xfrm>
+          <a:prstGeom prst="rect">
+            <a:avLst/>
+          </a:prstGeom>
+          <a:solidFill>
+            <a:srgbClr val="3DBFDB"/>
+          </a:solidFill>
+          <a:ln>
+            <a:noFill/>
+          </a:ln>
+          <a:effectLst/>
+        </p:spPr>
+        <p:style>
+          <a:lnRef idx="1">
+            <a:schemeClr val="accent1"/>
+          </a:lnRef>
+          <a:fillRef idx="3">
+            <a:schemeClr val="accent1"/>
+          </a:fillRef>
+          <a:effectRef idx="2">
+            <a:schemeClr val="accent1"/>
+          </a:effectRef>
+          <a:fontRef idx="minor">
+            <a:schemeClr val="lt1"/>
+          </a:fontRef>
+        </p:style>
+        <p:txBody>
+          <a:bodyPr rtlCol="0" anchor="ctr"/>
+          <a:lstStyle/>
+          <a:p>
+            <a:pPr algn="ctr"/>
+            <a:r>
+              <a:rPr lang="en-US" sz="4800" b="1" dirty="0" smtClean="0"/>
+              <a:t>Methods</a:t>
+            </a:r>
+            <a:endParaRPr lang="en-US" sz="4800" b="1" dirty="0"/>
+          </a:p>
+        </p:txBody>
+      </p:sp>
+      <p:sp>
+        <p:nvSpPr>
+          <p:cNvPr id="5" name="Rectangle 4"/>
+          <p:cNvSpPr/>
+          <p:nvPr/>
+        </p:nvSpPr>
+        <p:spPr>
+          <a:xfrm>
+            <a:off x="0" y="6737478"/>
+            <a:ext cx="9144000" cy="120522"/>
+          </a:xfrm>
+          <a:prstGeom prst="rect">
+            <a:avLst/>
+          </a:prstGeom>
+          <a:solidFill>
+            <a:srgbClr val="3DBFDB"/>
+          </a:solidFill>
+          <a:ln>
+            <a:noFill/>
+          </a:ln>
+          <a:effectLst/>
+        </p:spPr>
+        <p:style>
+          <a:lnRef idx="1">
+            <a:schemeClr val="accent1"/>
+          </a:lnRef>
+          <a:fillRef idx="3">
+            <a:schemeClr val="accent1"/>
+          </a:fillRef>
+          <a:effectRef idx="2">
+            <a:schemeClr val="accent1"/>
+          </a:effectRef>
+          <a:fontRef idx="minor">
+            <a:schemeClr val="lt1"/>
+          </a:fontRef>
+        </p:style>
+        <p:txBody>
+          <a:bodyPr rtlCol="0" anchor="ctr"/>
+          <a:lstStyle/>
+          <a:p>
+            <a:pPr algn="ctr"/>
+            <a:endParaRPr lang="en-US"/>
+          </a:p>
+        </p:txBody>
+      </p:sp>
+      <p:sp>
+        <p:nvSpPr>
+          <p:cNvPr id="6" name="Rectangle 5"/>
+          <p:cNvSpPr/>
+          <p:nvPr/>
+        </p:nvSpPr>
+        <p:spPr>
+          <a:xfrm>
+            <a:off x="0" y="6451738"/>
+            <a:ext cx="748923" cy="276999"/>
+          </a:xfrm>
+          <a:prstGeom prst="rect">
+            <a:avLst/>
+          </a:prstGeom>
+        </p:spPr>
+        <p:txBody>
+          <a:bodyPr wrap="none">
+            <a:spAutoFit/>
+          </a:bodyPr>
+          <a:lstStyle/>
+          <a:p>
+            <a:r>
+              <a:rPr lang="en-US" sz="1200" dirty="0" smtClean="0">
+                <a:solidFill>
+                  <a:srgbClr val="118EB0"/>
+                </a:solidFill>
+              </a:rPr>
+              <a:t>Methods</a:t>
+            </a:r>
+            <a:endParaRPr lang="en-US" sz="1200" dirty="0">
+              <a:solidFill>
+                <a:srgbClr val="118EB0"/>
+              </a:solidFill>
+            </a:endParaRPr>
+          </a:p>
+        </p:txBody>
+      </p:sp>
+    </p:spTree>
+    <p:extLst>
+      <p:ext uri="{BB962C8B-B14F-4D97-AF65-F5344CB8AC3E}">
+        <p14:creationId xmlns:p14="http://schemas.microsoft.com/office/powerpoint/2010/main" val="2785840309"/>
+      </p:ext>
+    </p:extLst>
+  </p:cSld>
+  <p:clrMapOvr>
+    <a:masterClrMapping/>
+  </p:clrMapOvr>
+  <p:timing>
+    <p:tnLst>
+      <p:par>
+        <p:cTn id="1" dur="indefinite" restart="never" nodeType="tmRoot"/>
+      </p:par>
+    </p:tnLst>
+  </p:timing>
+</p:sld>
+</file>
+
+<file path=ppt/slides/slide21.xml><?xml version="1.0" encoding="utf-8"?>
+<p:sld xmlns:a="http://schemas.openxmlformats.org/drawingml/2006/main" xmlns:r="http://schemas.openxmlformats.org/officeDocument/2006/relationships" xmlns:p="http://schemas.openxmlformats.org/presentationml/2006/main">
+  <p:cSld>
+    <p:spTree>
+      <p:nvGrpSpPr>
+        <p:cNvPr id="1" name=""/>
+        <p:cNvGrpSpPr/>
+        <p:nvPr/>
+      </p:nvGrpSpPr>
+      <p:grpSpPr>
+        <a:xfrm>
+          <a:off x="0" y="0"/>
+          <a:ext cx="0" cy="0"/>
+          <a:chOff x="0" y="0"/>
+          <a:chExt cx="0" cy="0"/>
+        </a:xfrm>
+      </p:grpSpPr>
+      <p:sp>
+        <p:nvSpPr>
+          <p:cNvPr id="3" name="Content Placeholder 2"/>
+          <p:cNvSpPr>
+            <a:spLocks noGrp="1"/>
+          </p:cNvSpPr>
+          <p:nvPr>
+            <p:ph idx="1"/>
+          </p:nvPr>
+        </p:nvSpPr>
+        <p:spPr/>
+        <p:txBody>
+          <a:bodyPr/>
+          <a:lstStyle/>
+          <a:p>
+            <a:r>
+              <a:rPr lang="en-US" sz="2800" dirty="0" smtClean="0"/>
+              <a:t>Functions stored inside a data type, like attributes</a:t>
+            </a:r>
+          </a:p>
+          <a:p>
+            <a:r>
+              <a:rPr lang="en-US" sz="2800" dirty="0" smtClean="0"/>
+              <a:t>Call a method from a data type using the attribute operator</a:t>
+            </a:r>
+          </a:p>
+          <a:p>
+            <a:pPr lvl="1"/>
+            <a:r>
+              <a:rPr lang="en-US" sz="2400" dirty="0" smtClean="0">
+                <a:latin typeface="Courier"/>
+                <a:cs typeface="Courier"/>
+              </a:rPr>
+              <a:t>“Brown </a:t>
+            </a:r>
+            <a:r>
+              <a:rPr lang="en-US" sz="2400" dirty="0" err="1" smtClean="0">
+                <a:latin typeface="Courier"/>
+                <a:cs typeface="Courier"/>
+              </a:rPr>
+              <a:t>Fox”.lower</a:t>
+            </a:r>
+            <a:r>
+              <a:rPr lang="en-US" sz="2400" dirty="0" smtClean="0">
+                <a:latin typeface="Courier"/>
+                <a:cs typeface="Courier"/>
+              </a:rPr>
+              <a:t>()</a:t>
+            </a:r>
+          </a:p>
+          <a:p>
+            <a:pPr lvl="1"/>
+            <a:r>
+              <a:rPr lang="en-US" sz="2400" dirty="0">
+                <a:latin typeface="Courier"/>
+                <a:cs typeface="Courier"/>
+              </a:rPr>
+              <a:t>(</a:t>
+            </a:r>
+            <a:r>
+              <a:rPr lang="en-US" sz="2400" dirty="0" smtClean="0">
+                <a:latin typeface="Courier"/>
+                <a:cs typeface="Courier"/>
+              </a:rPr>
+              <a:t>1+2j).conjugate()</a:t>
+            </a:r>
+          </a:p>
+          <a:p>
+            <a:r>
+              <a:rPr lang="en-US" sz="2800" dirty="0" smtClean="0">
+                <a:cs typeface="Courier"/>
+              </a:rPr>
+              <a:t>The data is treated as an argument to the method</a:t>
+            </a:r>
+          </a:p>
+        </p:txBody>
+      </p:sp>
+      <p:sp>
+        <p:nvSpPr>
+          <p:cNvPr id="4" name="Rectangle 3"/>
+          <p:cNvSpPr/>
+          <p:nvPr/>
+        </p:nvSpPr>
+        <p:spPr>
+          <a:xfrm>
+            <a:off x="0" y="-7550"/>
+            <a:ext cx="9144000" cy="1228835"/>
+          </a:xfrm>
+          <a:prstGeom prst="rect">
+            <a:avLst/>
+          </a:prstGeom>
+          <a:solidFill>
+            <a:srgbClr val="3DBFDB"/>
+          </a:solidFill>
+          <a:ln>
+            <a:noFill/>
+          </a:ln>
+          <a:effectLst/>
+        </p:spPr>
+        <p:style>
+          <a:lnRef idx="1">
+            <a:schemeClr val="accent1"/>
+          </a:lnRef>
+          <a:fillRef idx="3">
+            <a:schemeClr val="accent1"/>
+          </a:fillRef>
+          <a:effectRef idx="2">
+            <a:schemeClr val="accent1"/>
+          </a:effectRef>
+          <a:fontRef idx="minor">
+            <a:schemeClr val="lt1"/>
+          </a:fontRef>
+        </p:style>
+        <p:txBody>
+          <a:bodyPr rtlCol="0" anchor="ctr"/>
+          <a:lstStyle/>
+          <a:p>
+            <a:r>
+              <a:rPr lang="en-US" sz="4000" b="1" dirty="0" smtClean="0"/>
+              <a:t>   </a:t>
+            </a:r>
+            <a:r>
+              <a:rPr lang="en-US" sz="4000" i="1" dirty="0" smtClean="0"/>
+              <a:t>Methods</a:t>
+            </a:r>
+            <a:endParaRPr lang="en-US" sz="4000" i="1" dirty="0"/>
+          </a:p>
+        </p:txBody>
+      </p:sp>
+      <p:sp>
+        <p:nvSpPr>
+          <p:cNvPr id="5" name="Rectangle 4"/>
+          <p:cNvSpPr/>
+          <p:nvPr/>
+        </p:nvSpPr>
+        <p:spPr>
+          <a:xfrm>
+            <a:off x="0" y="6737478"/>
+            <a:ext cx="9144000" cy="120522"/>
+          </a:xfrm>
+          <a:prstGeom prst="rect">
+            <a:avLst/>
+          </a:prstGeom>
+          <a:solidFill>
+            <a:srgbClr val="3DBFDB"/>
+          </a:solidFill>
+          <a:ln>
+            <a:noFill/>
+          </a:ln>
+          <a:effectLst/>
+        </p:spPr>
+        <p:style>
+          <a:lnRef idx="1">
+            <a:schemeClr val="accent1"/>
+          </a:lnRef>
+          <a:fillRef idx="3">
+            <a:schemeClr val="accent1"/>
+          </a:fillRef>
+          <a:effectRef idx="2">
+            <a:schemeClr val="accent1"/>
+          </a:effectRef>
+          <a:fontRef idx="minor">
+            <a:schemeClr val="lt1"/>
+          </a:fontRef>
+        </p:style>
+        <p:txBody>
+          <a:bodyPr rtlCol="0" anchor="ctr"/>
+          <a:lstStyle/>
+          <a:p>
+            <a:pPr algn="ctr"/>
+            <a:endParaRPr lang="en-US"/>
+          </a:p>
+        </p:txBody>
+      </p:sp>
+      <p:sp>
+        <p:nvSpPr>
+          <p:cNvPr id="6" name="Rectangle 5"/>
+          <p:cNvSpPr/>
+          <p:nvPr/>
+        </p:nvSpPr>
+        <p:spPr>
+          <a:xfrm>
+            <a:off x="0" y="6451738"/>
+            <a:ext cx="748923" cy="276999"/>
+          </a:xfrm>
+          <a:prstGeom prst="rect">
+            <a:avLst/>
+          </a:prstGeom>
+        </p:spPr>
+        <p:txBody>
+          <a:bodyPr wrap="none">
+            <a:spAutoFit/>
+          </a:bodyPr>
+          <a:lstStyle/>
+          <a:p>
+            <a:r>
+              <a:rPr lang="en-US" sz="1200" dirty="0" smtClean="0">
+                <a:solidFill>
+                  <a:srgbClr val="118EB0"/>
+                </a:solidFill>
+              </a:rPr>
+              <a:t>methods</a:t>
+            </a:r>
+            <a:endParaRPr lang="en-US" sz="1200" dirty="0">
+              <a:solidFill>
+                <a:srgbClr val="118EB0"/>
+              </a:solidFill>
+            </a:endParaRPr>
+          </a:p>
+        </p:txBody>
+      </p:sp>
+      <p:sp>
+        <p:nvSpPr>
+          <p:cNvPr id="7" name="TextBox 6"/>
+          <p:cNvSpPr txBox="1"/>
+          <p:nvPr/>
+        </p:nvSpPr>
+        <p:spPr>
+          <a:xfrm>
+            <a:off x="8869998" y="6453063"/>
+            <a:ext cx="262662" cy="276999"/>
+          </a:xfrm>
+          <a:prstGeom prst="rect">
+            <a:avLst/>
+          </a:prstGeom>
+          <a:noFill/>
+        </p:spPr>
+        <p:txBody>
+          <a:bodyPr wrap="none" rtlCol="0">
+            <a:spAutoFit/>
+          </a:bodyPr>
+          <a:lstStyle/>
+          <a:p>
+            <a:pPr algn="r"/>
+            <a:r>
+              <a:rPr lang="en-US" sz="1200" dirty="0" smtClean="0">
+                <a:solidFill>
+                  <a:srgbClr val="118EB0"/>
+                </a:solidFill>
+              </a:rPr>
+              <a:t>1</a:t>
+            </a:r>
+            <a:endParaRPr lang="en-US" sz="1200" dirty="0">
+              <a:solidFill>
+                <a:srgbClr val="118EB0"/>
+              </a:solidFill>
+            </a:endParaRPr>
+          </a:p>
+        </p:txBody>
+      </p:sp>
+    </p:spTree>
+    <p:extLst>
+      <p:ext uri="{BB962C8B-B14F-4D97-AF65-F5344CB8AC3E}">
+        <p14:creationId xmlns:p14="http://schemas.microsoft.com/office/powerpoint/2010/main" val="3323541299"/>
+      </p:ext>
+    </p:extLst>
+  </p:cSld>
+  <p:clrMapOvr>
+    <a:masterClrMapping/>
+  </p:clrMapOvr>
+</p:sld>
+</file>
+
+<file path=ppt/slides/slide22.xml><?xml version="1.0" encoding="utf-8"?>
+<p:sld xmlns:a="http://schemas.openxmlformats.org/drawingml/2006/main" xmlns:r="http://schemas.openxmlformats.org/officeDocument/2006/relationships" xmlns:p="http://schemas.openxmlformats.org/presentationml/2006/main">
+  <p:cSld>
+    <p:spTree>
+      <p:nvGrpSpPr>
+        <p:cNvPr id="1" name=""/>
+        <p:cNvGrpSpPr/>
+        <p:nvPr/>
+      </p:nvGrpSpPr>
+      <p:grpSpPr>
+        <a:xfrm>
+          <a:off x="0" y="0"/>
+          <a:ext cx="0" cy="0"/>
+          <a:chOff x="0" y="0"/>
+          <a:chExt cx="0" cy="0"/>
+        </a:xfrm>
+      </p:grpSpPr>
+      <p:sp>
+        <p:nvSpPr>
+          <p:cNvPr id="3" name="Content Placeholder 2"/>
+          <p:cNvSpPr>
+            <a:spLocks noGrp="1"/>
+          </p:cNvSpPr>
+          <p:nvPr>
+            <p:ph idx="1"/>
+          </p:nvPr>
+        </p:nvSpPr>
+        <p:spPr/>
+        <p:txBody>
+          <a:bodyPr>
+            <a:normAutofit/>
+          </a:bodyPr>
+          <a:lstStyle/>
+          <a:p>
+            <a:r>
+              <a:rPr lang="en-US" sz="2400" dirty="0" smtClean="0">
+                <a:latin typeface="Courier"/>
+                <a:cs typeface="Courier"/>
+              </a:rPr>
+              <a:t>“</a:t>
+            </a:r>
+            <a:r>
+              <a:rPr lang="en-US" sz="2400" dirty="0" err="1" smtClean="0">
+                <a:latin typeface="Courier"/>
+                <a:cs typeface="Courier"/>
+              </a:rPr>
+              <a:t>GATTACA”.count</a:t>
+            </a:r>
+            <a:r>
+              <a:rPr lang="en-US" sz="2400" dirty="0" smtClean="0">
+                <a:latin typeface="Courier"/>
+                <a:cs typeface="Courier"/>
+              </a:rPr>
+              <a:t>(‘A’)</a:t>
+            </a:r>
+          </a:p>
+          <a:p>
+            <a:r>
+              <a:rPr lang="en-US" sz="2400" dirty="0" smtClean="0">
+                <a:latin typeface="Courier"/>
+                <a:cs typeface="Courier"/>
+              </a:rPr>
+              <a:t>“</a:t>
+            </a:r>
+            <a:r>
+              <a:rPr lang="en-US" sz="2400" dirty="0" err="1" smtClean="0">
+                <a:latin typeface="Courier"/>
+                <a:cs typeface="Courier"/>
+              </a:rPr>
+              <a:t>MVEMJSUN”.find</a:t>
+            </a:r>
+            <a:r>
+              <a:rPr lang="en-US" sz="2400" dirty="0" smtClean="0">
+                <a:latin typeface="Courier"/>
+                <a:cs typeface="Courier"/>
+              </a:rPr>
+              <a:t>(‘J’)</a:t>
+            </a:r>
+          </a:p>
+          <a:p>
+            <a:r>
+              <a:rPr lang="en-US" sz="2400" dirty="0" smtClean="0">
+                <a:latin typeface="Courier"/>
+                <a:cs typeface="Courier"/>
+              </a:rPr>
+              <a:t>“</a:t>
+            </a:r>
+            <a:r>
+              <a:rPr lang="en-US" sz="2400" dirty="0" err="1" smtClean="0">
+                <a:latin typeface="Courier"/>
+                <a:cs typeface="Courier"/>
+              </a:rPr>
+              <a:t>ABACADABRA”.replace</a:t>
+            </a:r>
+            <a:r>
+              <a:rPr lang="en-US" sz="2400" dirty="0" smtClean="0">
+                <a:latin typeface="Courier"/>
+                <a:cs typeface="Courier"/>
+              </a:rPr>
+              <a:t>(‘AB’, ‘G’)</a:t>
+            </a:r>
+          </a:p>
+          <a:p>
+            <a:r>
+              <a:rPr lang="en-US" sz="2400" dirty="0" smtClean="0">
+                <a:latin typeface="Courier"/>
+                <a:cs typeface="Courier"/>
+              </a:rPr>
+              <a:t>‘ FNORD ’.strip()</a:t>
+            </a:r>
+          </a:p>
+          <a:p>
+            <a:r>
+              <a:rPr lang="en-US" sz="2400" dirty="0" smtClean="0">
+                <a:latin typeface="Courier"/>
+                <a:cs typeface="Courier"/>
+              </a:rPr>
+              <a:t>‘high king of </a:t>
+            </a:r>
+            <a:r>
+              <a:rPr lang="en-US" sz="2400" dirty="0" err="1" smtClean="0">
+                <a:latin typeface="Courier"/>
+                <a:cs typeface="Courier"/>
+              </a:rPr>
+              <a:t>narnia</a:t>
+            </a:r>
+            <a:r>
+              <a:rPr lang="en-US" sz="2400" dirty="0" smtClean="0">
+                <a:latin typeface="Courier"/>
+                <a:cs typeface="Courier"/>
+              </a:rPr>
+              <a:t>’.title()</a:t>
+            </a:r>
+            <a:endParaRPr lang="en-US" sz="2400" dirty="0">
+              <a:latin typeface="Courier"/>
+              <a:cs typeface="Courier"/>
+            </a:endParaRPr>
+          </a:p>
+        </p:txBody>
+      </p:sp>
+      <p:sp>
+        <p:nvSpPr>
+          <p:cNvPr id="4" name="Rectangle 3"/>
+          <p:cNvSpPr/>
+          <p:nvPr/>
+        </p:nvSpPr>
+        <p:spPr>
+          <a:xfrm>
+            <a:off x="0" y="-7550"/>
+            <a:ext cx="9144000" cy="1228835"/>
+          </a:xfrm>
+          <a:prstGeom prst="rect">
+            <a:avLst/>
+          </a:prstGeom>
+          <a:solidFill>
+            <a:srgbClr val="3DBFDB"/>
+          </a:solidFill>
+          <a:ln>
+            <a:noFill/>
+          </a:ln>
+          <a:effectLst/>
+        </p:spPr>
+        <p:style>
+          <a:lnRef idx="1">
+            <a:schemeClr val="accent1"/>
+          </a:lnRef>
+          <a:fillRef idx="3">
+            <a:schemeClr val="accent1"/>
+          </a:fillRef>
+          <a:effectRef idx="2">
+            <a:schemeClr val="accent1"/>
+          </a:effectRef>
+          <a:fontRef idx="minor">
+            <a:schemeClr val="lt1"/>
+          </a:fontRef>
+        </p:style>
+        <p:txBody>
+          <a:bodyPr rtlCol="0" anchor="ctr"/>
+          <a:lstStyle/>
+          <a:p>
+            <a:r>
+              <a:rPr lang="en-US" sz="4000" b="1" dirty="0" smtClean="0"/>
+              <a:t>   </a:t>
+            </a:r>
+            <a:r>
+              <a:rPr lang="en-US" sz="4000" i="1" dirty="0" smtClean="0"/>
+              <a:t>String methods</a:t>
+            </a:r>
+            <a:endParaRPr lang="en-US" sz="4000" i="1" dirty="0"/>
+          </a:p>
+        </p:txBody>
+      </p:sp>
+      <p:sp>
+        <p:nvSpPr>
+          <p:cNvPr id="5" name="Rectangle 4"/>
+          <p:cNvSpPr/>
+          <p:nvPr/>
+        </p:nvSpPr>
+        <p:spPr>
+          <a:xfrm>
+            <a:off x="0" y="6737478"/>
+            <a:ext cx="9144000" cy="120522"/>
+          </a:xfrm>
+          <a:prstGeom prst="rect">
+            <a:avLst/>
+          </a:prstGeom>
+          <a:solidFill>
+            <a:srgbClr val="3DBFDB"/>
+          </a:solidFill>
+          <a:ln>
+            <a:noFill/>
+          </a:ln>
+          <a:effectLst/>
+        </p:spPr>
+        <p:style>
+          <a:lnRef idx="1">
+            <a:schemeClr val="accent1"/>
+          </a:lnRef>
+          <a:fillRef idx="3">
+            <a:schemeClr val="accent1"/>
+          </a:fillRef>
+          <a:effectRef idx="2">
+            <a:schemeClr val="accent1"/>
+          </a:effectRef>
+          <a:fontRef idx="minor">
+            <a:schemeClr val="lt1"/>
+          </a:fontRef>
+        </p:style>
+        <p:txBody>
+          <a:bodyPr rtlCol="0" anchor="ctr"/>
+          <a:lstStyle/>
+          <a:p>
+            <a:pPr algn="ctr"/>
+            <a:endParaRPr lang="en-US"/>
+          </a:p>
+        </p:txBody>
+      </p:sp>
+      <p:sp>
+        <p:nvSpPr>
+          <p:cNvPr id="6" name="Rectangle 5"/>
+          <p:cNvSpPr/>
+          <p:nvPr/>
+        </p:nvSpPr>
+        <p:spPr>
+          <a:xfrm>
+            <a:off x="0" y="6451738"/>
+            <a:ext cx="748923" cy="276999"/>
+          </a:xfrm>
+          <a:prstGeom prst="rect">
+            <a:avLst/>
+          </a:prstGeom>
+        </p:spPr>
+        <p:txBody>
+          <a:bodyPr wrap="none">
+            <a:spAutoFit/>
+          </a:bodyPr>
+          <a:lstStyle/>
+          <a:p>
+            <a:r>
+              <a:rPr lang="en-US" sz="1200" dirty="0" smtClean="0">
+                <a:solidFill>
+                  <a:srgbClr val="118EB0"/>
+                </a:solidFill>
+              </a:rPr>
+              <a:t>methods</a:t>
+            </a:r>
+            <a:endParaRPr lang="en-US" sz="1200" dirty="0">
+              <a:solidFill>
+                <a:srgbClr val="118EB0"/>
+              </a:solidFill>
+            </a:endParaRPr>
+          </a:p>
+        </p:txBody>
+      </p:sp>
+      <p:sp>
+        <p:nvSpPr>
+          <p:cNvPr id="7" name="TextBox 6"/>
+          <p:cNvSpPr txBox="1"/>
+          <p:nvPr/>
+        </p:nvSpPr>
+        <p:spPr>
+          <a:xfrm>
+            <a:off x="8869998" y="6453063"/>
+            <a:ext cx="262662" cy="276999"/>
+          </a:xfrm>
+          <a:prstGeom prst="rect">
+            <a:avLst/>
+          </a:prstGeom>
+          <a:noFill/>
+        </p:spPr>
+        <p:txBody>
+          <a:bodyPr wrap="none" rtlCol="0">
+            <a:spAutoFit/>
+          </a:bodyPr>
+          <a:lstStyle/>
+          <a:p>
+            <a:pPr algn="r"/>
+            <a:r>
+              <a:rPr lang="en-US" sz="1200" dirty="0" smtClean="0">
+                <a:solidFill>
+                  <a:srgbClr val="118EB0"/>
+                </a:solidFill>
+              </a:rPr>
+              <a:t>1</a:t>
+            </a:r>
+            <a:endParaRPr lang="en-US" sz="1200" dirty="0">
+              <a:solidFill>
+                <a:srgbClr val="118EB0"/>
+              </a:solidFill>
+            </a:endParaRPr>
+          </a:p>
+        </p:txBody>
+      </p:sp>
+    </p:spTree>
+    <p:extLst>
+      <p:ext uri="{BB962C8B-B14F-4D97-AF65-F5344CB8AC3E}">
+        <p14:creationId xmlns:p14="http://schemas.microsoft.com/office/powerpoint/2010/main" val="1928237067"/>
+      </p:ext>
+    </p:extLst>
+  </p:cSld>
+  <p:clrMapOvr>
+    <a:masterClrMapping/>
+  </p:clrMapOvr>
+</p:sld>
+</file>
+
+<file path=ppt/slides/slide23.xml><?xml version="1.0" encoding="utf-8"?>
+<p:sld xmlns:a="http://schemas.openxmlformats.org/drawingml/2006/main" xmlns:r="http://schemas.openxmlformats.org/officeDocument/2006/relationships" xmlns:p="http://schemas.openxmlformats.org/presentationml/2006/main">
+  <p:cSld>
+    <p:spTree>
+      <p:nvGrpSpPr>
+        <p:cNvPr id="1" name=""/>
+        <p:cNvGrpSpPr/>
+        <p:nvPr/>
+      </p:nvGrpSpPr>
+      <p:grpSpPr>
+        <a:xfrm>
+          <a:off x="0" y="0"/>
+          <a:ext cx="0" cy="0"/>
+          <a:chOff x="0" y="0"/>
+          <a:chExt cx="0" cy="0"/>
+        </a:xfrm>
+      </p:grpSpPr>
+      <p:sp>
+        <p:nvSpPr>
+          <p:cNvPr id="3" name="Content Placeholder 2"/>
+          <p:cNvSpPr>
+            <a:spLocks noGrp="1"/>
+          </p:cNvSpPr>
+          <p:nvPr>
+            <p:ph idx="1"/>
+          </p:nvPr>
+        </p:nvSpPr>
+        <p:spPr/>
+        <p:txBody>
+          <a:bodyPr>
+            <a:normAutofit/>
+          </a:bodyPr>
+          <a:lstStyle/>
+          <a:p>
+            <a:pPr marL="0" indent="0">
+              <a:buNone/>
+            </a:pPr>
+            <a:r>
+              <a:rPr lang="en-US" sz="2400" dirty="0">
+                <a:latin typeface="Courier"/>
+                <a:cs typeface="Courier"/>
+              </a:rPr>
+              <a:t>s</a:t>
+            </a:r>
+            <a:r>
+              <a:rPr lang="en-US" sz="2400" dirty="0" smtClean="0">
+                <a:latin typeface="Courier"/>
+                <a:cs typeface="Courier"/>
+              </a:rPr>
+              <a:t> = “WATER MAIN”</a:t>
+            </a:r>
+          </a:p>
+          <a:p>
+            <a:pPr marL="0" indent="0">
+              <a:buNone/>
+            </a:pPr>
+            <a:r>
+              <a:rPr lang="en-US" sz="2400" dirty="0" smtClean="0">
+                <a:latin typeface="Courier"/>
+                <a:cs typeface="Courier"/>
+              </a:rPr>
+              <a:t>x = s[0:s.find(‘’)].lower()</a:t>
+            </a:r>
+          </a:p>
+          <a:p>
+            <a:pPr marL="0" indent="0">
+              <a:buNone/>
+            </a:pPr>
+            <a:r>
+              <a:rPr lang="en-US" sz="2400" dirty="0" smtClean="0">
+                <a:latin typeface="Courier"/>
+                <a:cs typeface="Courier"/>
+              </a:rPr>
+              <a:t>x = </a:t>
+            </a:r>
+            <a:r>
+              <a:rPr lang="en-US" sz="2400" dirty="0" err="1" smtClean="0">
+                <a:latin typeface="Courier"/>
+                <a:cs typeface="Courier"/>
+              </a:rPr>
+              <a:t>x.title</a:t>
+            </a:r>
+            <a:r>
+              <a:rPr lang="en-US" sz="2400" dirty="0" smtClean="0">
+                <a:latin typeface="Courier"/>
+                <a:cs typeface="Courier"/>
+              </a:rPr>
+              <a:t>().</a:t>
+            </a:r>
+            <a:r>
+              <a:rPr lang="en-US" sz="2400" dirty="0" err="1" smtClean="0">
+                <a:latin typeface="Courier"/>
+                <a:cs typeface="Courier"/>
+              </a:rPr>
+              <a:t>swapcase</a:t>
+            </a:r>
+            <a:r>
+              <a:rPr lang="en-US" sz="2400" dirty="0" smtClean="0">
+                <a:latin typeface="Courier"/>
+                <a:cs typeface="Courier"/>
+              </a:rPr>
+              <a:t>()</a:t>
+            </a:r>
+          </a:p>
+          <a:p>
+            <a:pPr marL="0" indent="0">
+              <a:buNone/>
+            </a:pPr>
+            <a:endParaRPr lang="en-US" sz="2400" dirty="0">
+              <a:latin typeface="Courier"/>
+              <a:cs typeface="Courier"/>
+            </a:endParaRPr>
+          </a:p>
+          <a:p>
+            <a:pPr marL="0" indent="0">
+              <a:buNone/>
+            </a:pPr>
+            <a:r>
+              <a:rPr lang="en-US" sz="2400" dirty="0" smtClean="0">
+                <a:cs typeface="Courier"/>
+              </a:rPr>
+              <a:t>What is the value of x?</a:t>
+            </a:r>
+          </a:p>
+          <a:p>
+            <a:pPr marL="0" indent="0">
+              <a:buNone/>
+            </a:pPr>
+            <a:r>
+              <a:rPr lang="en-US" sz="2400" dirty="0" smtClean="0">
+                <a:latin typeface="Courier"/>
+                <a:cs typeface="Courier"/>
+              </a:rPr>
+              <a:t>A ‘</a:t>
+            </a:r>
+            <a:r>
+              <a:rPr lang="en-US" sz="2400" dirty="0" err="1" smtClean="0">
+                <a:latin typeface="Courier"/>
+                <a:cs typeface="Courier"/>
+              </a:rPr>
+              <a:t>wATER</a:t>
+            </a:r>
+            <a:r>
+              <a:rPr lang="en-US" sz="2400" dirty="0" smtClean="0">
+                <a:latin typeface="Courier"/>
+                <a:cs typeface="Courier"/>
+              </a:rPr>
+              <a:t>’</a:t>
+            </a:r>
+          </a:p>
+          <a:p>
+            <a:pPr marL="0" indent="0">
+              <a:buNone/>
+            </a:pPr>
+            <a:r>
+              <a:rPr lang="en-US" sz="2400" dirty="0" smtClean="0">
+                <a:latin typeface="Courier"/>
+                <a:cs typeface="Courier"/>
+              </a:rPr>
+              <a:t>B ‘Water’</a:t>
+            </a:r>
+          </a:p>
+          <a:p>
+            <a:pPr marL="0" indent="0">
+              <a:buNone/>
+            </a:pPr>
+            <a:r>
+              <a:rPr lang="en-US" sz="2400" dirty="0" smtClean="0">
+                <a:latin typeface="Courier"/>
+                <a:cs typeface="Courier"/>
+              </a:rPr>
+              <a:t>C ‘</a:t>
+            </a:r>
+            <a:r>
+              <a:rPr lang="en-US" sz="2400" dirty="0" err="1" smtClean="0">
+                <a:latin typeface="Courier"/>
+                <a:cs typeface="Courier"/>
+              </a:rPr>
+              <a:t>wATE</a:t>
+            </a:r>
+            <a:r>
+              <a:rPr lang="en-US" sz="2400" dirty="0" smtClean="0">
+                <a:latin typeface="Courier"/>
+                <a:cs typeface="Courier"/>
+              </a:rPr>
+              <a:t>’</a:t>
+            </a:r>
+          </a:p>
+          <a:p>
+            <a:pPr marL="0" indent="0">
+              <a:buNone/>
+            </a:pPr>
+            <a:r>
+              <a:rPr lang="en-US" sz="2400" dirty="0" smtClean="0">
+                <a:latin typeface="Courier"/>
+                <a:cs typeface="Courier"/>
+              </a:rPr>
+              <a:t>D ‘</a:t>
+            </a:r>
+            <a:r>
+              <a:rPr lang="en-US" sz="2400" dirty="0" err="1" smtClean="0">
+                <a:latin typeface="Courier"/>
+                <a:cs typeface="Courier"/>
+              </a:rPr>
+              <a:t>aTER</a:t>
+            </a:r>
+            <a:r>
+              <a:rPr lang="en-US" sz="2400" dirty="0" smtClean="0">
+                <a:latin typeface="Courier"/>
+                <a:cs typeface="Courier"/>
+              </a:rPr>
+              <a:t>’</a:t>
+            </a:r>
+            <a:endParaRPr lang="en-US" sz="2400" dirty="0">
+              <a:latin typeface="Courier"/>
+              <a:cs typeface="Courier"/>
+            </a:endParaRPr>
+          </a:p>
+        </p:txBody>
+      </p:sp>
+      <p:sp>
+        <p:nvSpPr>
+          <p:cNvPr id="4" name="Rectangle 3"/>
+          <p:cNvSpPr/>
+          <p:nvPr/>
+        </p:nvSpPr>
+        <p:spPr>
+          <a:xfrm>
+            <a:off x="0" y="-7550"/>
+            <a:ext cx="9144000" cy="1228835"/>
+          </a:xfrm>
+          <a:prstGeom prst="rect">
+            <a:avLst/>
+          </a:prstGeom>
+          <a:solidFill>
+            <a:srgbClr val="3DBFDB"/>
+          </a:solidFill>
+          <a:ln>
+            <a:noFill/>
+          </a:ln>
+          <a:effectLst/>
+        </p:spPr>
+        <p:style>
+          <a:lnRef idx="1">
+            <a:schemeClr val="accent1"/>
+          </a:lnRef>
+          <a:fillRef idx="3">
+            <a:schemeClr val="accent1"/>
+          </a:fillRef>
+          <a:effectRef idx="2">
+            <a:schemeClr val="accent1"/>
+          </a:effectRef>
+          <a:fontRef idx="minor">
+            <a:schemeClr val="lt1"/>
+          </a:fontRef>
+        </p:style>
+        <p:txBody>
+          <a:bodyPr rtlCol="0" anchor="ctr"/>
+          <a:lstStyle/>
+          <a:p>
+            <a:r>
+              <a:rPr lang="en-US" sz="4000" b="1" dirty="0" smtClean="0"/>
+              <a:t>   </a:t>
+            </a:r>
+            <a:r>
+              <a:rPr lang="en-US" sz="4000" i="1" dirty="0" smtClean="0"/>
+              <a:t>Example</a:t>
+            </a:r>
+            <a:endParaRPr lang="en-US" sz="4000" i="1" dirty="0"/>
+          </a:p>
+        </p:txBody>
+      </p:sp>
+      <p:sp>
+        <p:nvSpPr>
+          <p:cNvPr id="5" name="Rectangle 4"/>
+          <p:cNvSpPr/>
+          <p:nvPr/>
+        </p:nvSpPr>
+        <p:spPr>
+          <a:xfrm>
+            <a:off x="0" y="6737478"/>
+            <a:ext cx="9144000" cy="120522"/>
+          </a:xfrm>
+          <a:prstGeom prst="rect">
+            <a:avLst/>
+          </a:prstGeom>
+          <a:solidFill>
+            <a:srgbClr val="3DBFDB"/>
+          </a:solidFill>
+          <a:ln>
+            <a:noFill/>
+          </a:ln>
+          <a:effectLst/>
+        </p:spPr>
+        <p:style>
+          <a:lnRef idx="1">
+            <a:schemeClr val="accent1"/>
+          </a:lnRef>
+          <a:fillRef idx="3">
+            <a:schemeClr val="accent1"/>
+          </a:fillRef>
+          <a:effectRef idx="2">
+            <a:schemeClr val="accent1"/>
+          </a:effectRef>
+          <a:fontRef idx="minor">
+            <a:schemeClr val="lt1"/>
+          </a:fontRef>
+        </p:style>
+        <p:txBody>
+          <a:bodyPr rtlCol="0" anchor="ctr"/>
+          <a:lstStyle/>
+          <a:p>
+            <a:pPr algn="ctr"/>
+            <a:endParaRPr lang="en-US"/>
+          </a:p>
+        </p:txBody>
+      </p:sp>
+      <p:sp>
+        <p:nvSpPr>
+          <p:cNvPr id="6" name="Rectangle 5"/>
+          <p:cNvSpPr/>
+          <p:nvPr/>
+        </p:nvSpPr>
+        <p:spPr>
+          <a:xfrm>
+            <a:off x="0" y="6451738"/>
+            <a:ext cx="748923" cy="276999"/>
+          </a:xfrm>
+          <a:prstGeom prst="rect">
+            <a:avLst/>
+          </a:prstGeom>
+        </p:spPr>
+        <p:txBody>
+          <a:bodyPr wrap="none">
+            <a:spAutoFit/>
+          </a:bodyPr>
+          <a:lstStyle/>
+          <a:p>
+            <a:r>
+              <a:rPr lang="en-US" sz="1200" dirty="0" smtClean="0">
+                <a:solidFill>
+                  <a:srgbClr val="118EB0"/>
+                </a:solidFill>
+              </a:rPr>
+              <a:t>methods</a:t>
+            </a:r>
+          </a:p>
+        </p:txBody>
+      </p:sp>
+      <p:sp>
+        <p:nvSpPr>
+          <p:cNvPr id="7" name="TextBox 6"/>
+          <p:cNvSpPr txBox="1"/>
+          <p:nvPr/>
+        </p:nvSpPr>
+        <p:spPr>
+          <a:xfrm>
+            <a:off x="8869998" y="6453063"/>
+            <a:ext cx="262662" cy="276999"/>
+          </a:xfrm>
+          <a:prstGeom prst="rect">
+            <a:avLst/>
+          </a:prstGeom>
+          <a:noFill/>
+        </p:spPr>
+        <p:txBody>
+          <a:bodyPr wrap="none" rtlCol="0">
+            <a:spAutoFit/>
+          </a:bodyPr>
+          <a:lstStyle/>
+          <a:p>
+            <a:pPr algn="r"/>
+            <a:r>
+              <a:rPr lang="en-US" sz="1200" dirty="0" smtClean="0">
+                <a:solidFill>
+                  <a:srgbClr val="118EB0"/>
+                </a:solidFill>
+              </a:rPr>
+              <a:t>1</a:t>
+            </a:r>
+            <a:endParaRPr lang="en-US" sz="1200" dirty="0">
+              <a:solidFill>
+                <a:srgbClr val="118EB0"/>
+              </a:solidFill>
+            </a:endParaRPr>
+          </a:p>
+        </p:txBody>
+      </p:sp>
+    </p:spTree>
+    <p:extLst>
+      <p:ext uri="{BB962C8B-B14F-4D97-AF65-F5344CB8AC3E}">
+        <p14:creationId xmlns:p14="http://schemas.microsoft.com/office/powerpoint/2010/main" val="1223799003"/>
+      </p:ext>
+    </p:extLst>
+  </p:cSld>
+  <p:clrMapOvr>
+    <a:masterClrMapping/>
+  </p:clrMapOvr>
+</p:sld>
+</file>
+
+<file path=ppt/slides/slide24.xml><?xml version="1.0" encoding="utf-8"?>
+<p:sld xmlns:a="http://schemas.openxmlformats.org/drawingml/2006/main" xmlns:r="http://schemas.openxmlformats.org/officeDocument/2006/relationships" xmlns:p="http://schemas.openxmlformats.org/presentationml/2006/main">
+  <p:cSld>
+    <p:spTree>
+      <p:nvGrpSpPr>
+        <p:cNvPr id="1" name=""/>
+        <p:cNvGrpSpPr/>
+        <p:nvPr/>
+      </p:nvGrpSpPr>
+      <p:grpSpPr>
+        <a:xfrm>
+          <a:off x="0" y="0"/>
+          <a:ext cx="0" cy="0"/>
+          <a:chOff x="0" y="0"/>
+          <a:chExt cx="0" cy="0"/>
+        </a:xfrm>
+      </p:grpSpPr>
+      <p:sp>
+        <p:nvSpPr>
+          <p:cNvPr id="4" name="Rectangle 3"/>
+          <p:cNvSpPr/>
+          <p:nvPr/>
+        </p:nvSpPr>
+        <p:spPr>
+          <a:xfrm>
+            <a:off x="0" y="2586816"/>
+            <a:ext cx="9144000" cy="1228835"/>
+          </a:xfrm>
+          <a:prstGeom prst="rect">
+            <a:avLst/>
+          </a:prstGeom>
+          <a:solidFill>
+            <a:srgbClr val="3DBFDB"/>
+          </a:solidFill>
+          <a:ln>
+            <a:noFill/>
+          </a:ln>
+          <a:effectLst/>
+        </p:spPr>
+        <p:style>
+          <a:lnRef idx="1">
+            <a:schemeClr val="accent1"/>
+          </a:lnRef>
+          <a:fillRef idx="3">
+            <a:schemeClr val="accent1"/>
+          </a:fillRef>
+          <a:effectRef idx="2">
+            <a:schemeClr val="accent1"/>
+          </a:effectRef>
+          <a:fontRef idx="minor">
+            <a:schemeClr val="lt1"/>
+          </a:fontRef>
+        </p:style>
+        <p:txBody>
+          <a:bodyPr rtlCol="0" anchor="ctr"/>
+          <a:lstStyle/>
+          <a:p>
+            <a:pPr algn="ctr"/>
+            <a:r>
+              <a:rPr lang="en-US" sz="4800" b="1" dirty="0" smtClean="0"/>
+              <a:t>Comments</a:t>
+            </a:r>
+            <a:endParaRPr lang="en-US" sz="4800" b="1" dirty="0"/>
+          </a:p>
+        </p:txBody>
+      </p:sp>
+      <p:sp>
+        <p:nvSpPr>
+          <p:cNvPr id="5" name="Rectangle 4"/>
+          <p:cNvSpPr/>
+          <p:nvPr/>
+        </p:nvSpPr>
+        <p:spPr>
+          <a:xfrm>
+            <a:off x="0" y="6737478"/>
+            <a:ext cx="9144000" cy="120522"/>
+          </a:xfrm>
+          <a:prstGeom prst="rect">
+            <a:avLst/>
+          </a:prstGeom>
+          <a:solidFill>
+            <a:srgbClr val="3DBFDB"/>
+          </a:solidFill>
+          <a:ln>
+            <a:noFill/>
+          </a:ln>
+          <a:effectLst/>
+        </p:spPr>
+        <p:style>
+          <a:lnRef idx="1">
+            <a:schemeClr val="accent1"/>
+          </a:lnRef>
+          <a:fillRef idx="3">
+            <a:schemeClr val="accent1"/>
+          </a:fillRef>
+          <a:effectRef idx="2">
+            <a:schemeClr val="accent1"/>
+          </a:effectRef>
+          <a:fontRef idx="minor">
+            <a:schemeClr val="lt1"/>
+          </a:fontRef>
+        </p:style>
+        <p:txBody>
+          <a:bodyPr rtlCol="0" anchor="ctr"/>
+          <a:lstStyle/>
+          <a:p>
+            <a:pPr algn="ctr"/>
+            <a:endParaRPr lang="en-US"/>
+          </a:p>
+        </p:txBody>
+      </p:sp>
+      <p:sp>
+        <p:nvSpPr>
+          <p:cNvPr id="6" name="Rectangle 5"/>
+          <p:cNvSpPr/>
+          <p:nvPr/>
+        </p:nvSpPr>
+        <p:spPr>
+          <a:xfrm>
+            <a:off x="0" y="6451738"/>
+            <a:ext cx="864339" cy="276999"/>
+          </a:xfrm>
+          <a:prstGeom prst="rect">
+            <a:avLst/>
+          </a:prstGeom>
+        </p:spPr>
+        <p:txBody>
+          <a:bodyPr wrap="none">
+            <a:spAutoFit/>
+          </a:bodyPr>
+          <a:lstStyle/>
+          <a:p>
+            <a:r>
+              <a:rPr lang="en-US" sz="1200" dirty="0" smtClean="0">
+                <a:solidFill>
+                  <a:srgbClr val="118EB0"/>
+                </a:solidFill>
+              </a:rPr>
+              <a:t>Comments</a:t>
+            </a:r>
+            <a:endParaRPr lang="en-US" sz="1200" dirty="0">
+              <a:solidFill>
+                <a:srgbClr val="118EB0"/>
+              </a:solidFill>
+            </a:endParaRPr>
+          </a:p>
+        </p:txBody>
+      </p:sp>
+      <p:sp>
+        <p:nvSpPr>
+          <p:cNvPr id="7" name="TextBox 6"/>
+          <p:cNvSpPr txBox="1"/>
+          <p:nvPr/>
+        </p:nvSpPr>
+        <p:spPr>
+          <a:xfrm>
+            <a:off x="8869998" y="6453063"/>
+            <a:ext cx="262662" cy="276999"/>
+          </a:xfrm>
+          <a:prstGeom prst="rect">
+            <a:avLst/>
+          </a:prstGeom>
+          <a:noFill/>
+        </p:spPr>
+        <p:txBody>
+          <a:bodyPr wrap="none" rtlCol="0">
+            <a:spAutoFit/>
+          </a:bodyPr>
+          <a:lstStyle/>
+          <a:p>
+            <a:pPr algn="r"/>
+            <a:r>
+              <a:rPr lang="en-US" sz="1200" dirty="0" smtClean="0">
+                <a:solidFill>
+                  <a:srgbClr val="118EB0"/>
+                </a:solidFill>
+              </a:rPr>
+              <a:t>1</a:t>
+            </a:r>
+            <a:endParaRPr lang="en-US" sz="1200" dirty="0">
+              <a:solidFill>
+                <a:srgbClr val="118EB0"/>
+              </a:solidFill>
+            </a:endParaRPr>
+          </a:p>
+        </p:txBody>
+      </p:sp>
+    </p:spTree>
+    <p:extLst>
+      <p:ext uri="{BB962C8B-B14F-4D97-AF65-F5344CB8AC3E}">
+        <p14:creationId xmlns:p14="http://schemas.microsoft.com/office/powerpoint/2010/main" val="3177833125"/>
+      </p:ext>
+    </p:extLst>
+  </p:cSld>
+  <p:clrMapOvr>
+    <a:masterClrMapping/>
+  </p:clrMapOvr>
+  <p:timing>
+    <p:tnLst>
+      <p:par>
+        <p:cTn id="1" dur="indefinite" restart="never" nodeType="tmRoot"/>
+      </p:par>
+    </p:tnLst>
+  </p:timing>
+</p:sld>
+</file>
+
+<file path=ppt/slides/slide25.xml><?xml version="1.0" encoding="utf-8"?>
+<p:sld xmlns:a="http://schemas.openxmlformats.org/drawingml/2006/main" xmlns:r="http://schemas.openxmlformats.org/officeDocument/2006/relationships" xmlns:p="http://schemas.openxmlformats.org/presentationml/2006/main">
+  <p:cSld>
+    <p:spTree>
+      <p:nvGrpSpPr>
+        <p:cNvPr id="1" name=""/>
+        <p:cNvGrpSpPr/>
+        <p:nvPr/>
+      </p:nvGrpSpPr>
+      <p:grpSpPr>
+        <a:xfrm>
+          <a:off x="0" y="0"/>
+          <a:ext cx="0" cy="0"/>
+          <a:chOff x="0" y="0"/>
+          <a:chExt cx="0" cy="0"/>
+        </a:xfrm>
+      </p:grpSpPr>
+      <p:sp>
+        <p:nvSpPr>
+          <p:cNvPr id="3" name="Content Placeholder 2"/>
+          <p:cNvSpPr>
+            <a:spLocks noGrp="1"/>
+          </p:cNvSpPr>
+          <p:nvPr>
+            <p:ph idx="1"/>
+          </p:nvPr>
+        </p:nvSpPr>
+        <p:spPr/>
+        <p:txBody>
+          <a:bodyPr/>
+          <a:lstStyle/>
+          <a:p>
+            <a:r>
+              <a:rPr lang="en-US" sz="2400" dirty="0" smtClean="0"/>
+              <a:t>We can explain our code using comments</a:t>
+            </a:r>
+          </a:p>
+          <a:p>
+            <a:r>
+              <a:rPr lang="en-US" sz="2400" dirty="0" smtClean="0"/>
+              <a:t>Begin with a # sign</a:t>
+            </a:r>
+          </a:p>
+          <a:p>
+            <a:r>
+              <a:rPr lang="en-US" sz="2400" dirty="0" smtClean="0"/>
+              <a:t>Python interpreter ignores the rest of the line</a:t>
+            </a:r>
+          </a:p>
+          <a:p>
+            <a:r>
+              <a:rPr lang="en-US" sz="2400" dirty="0" smtClean="0"/>
+              <a:t>Long comments can also be stored as triple-quoted string </a:t>
+            </a:r>
+          </a:p>
+        </p:txBody>
+      </p:sp>
+      <p:sp>
+        <p:nvSpPr>
+          <p:cNvPr id="4" name="Rectangle 3"/>
+          <p:cNvSpPr/>
+          <p:nvPr/>
+        </p:nvSpPr>
+        <p:spPr>
+          <a:xfrm>
+            <a:off x="0" y="-7550"/>
+            <a:ext cx="9144000" cy="1228835"/>
+          </a:xfrm>
+          <a:prstGeom prst="rect">
+            <a:avLst/>
+          </a:prstGeom>
+          <a:solidFill>
+            <a:srgbClr val="3DBFDB"/>
+          </a:solidFill>
+          <a:ln>
+            <a:noFill/>
+          </a:ln>
+          <a:effectLst/>
+        </p:spPr>
+        <p:style>
+          <a:lnRef idx="1">
+            <a:schemeClr val="accent1"/>
+          </a:lnRef>
+          <a:fillRef idx="3">
+            <a:schemeClr val="accent1"/>
+          </a:fillRef>
+          <a:effectRef idx="2">
+            <a:schemeClr val="accent1"/>
+          </a:effectRef>
+          <a:fontRef idx="minor">
+            <a:schemeClr val="lt1"/>
+          </a:fontRef>
+        </p:style>
+        <p:txBody>
+          <a:bodyPr rtlCol="0" anchor="ctr"/>
+          <a:lstStyle/>
+          <a:p>
+            <a:r>
+              <a:rPr lang="en-US" sz="4000" b="1" dirty="0" smtClean="0"/>
+              <a:t>   </a:t>
+            </a:r>
+            <a:r>
+              <a:rPr lang="en-US" sz="4000" i="1" dirty="0" smtClean="0"/>
+              <a:t>Comments</a:t>
+            </a:r>
+            <a:endParaRPr lang="en-US" sz="4000" i="1" dirty="0"/>
+          </a:p>
+        </p:txBody>
+      </p:sp>
+      <p:sp>
+        <p:nvSpPr>
+          <p:cNvPr id="5" name="Rectangle 4"/>
+          <p:cNvSpPr/>
+          <p:nvPr/>
+        </p:nvSpPr>
+        <p:spPr>
+          <a:xfrm>
+            <a:off x="0" y="6737478"/>
+            <a:ext cx="9144000" cy="120522"/>
+          </a:xfrm>
+          <a:prstGeom prst="rect">
+            <a:avLst/>
+          </a:prstGeom>
+          <a:solidFill>
+            <a:srgbClr val="3DBFDB"/>
+          </a:solidFill>
+          <a:ln>
+            <a:noFill/>
+          </a:ln>
+          <a:effectLst/>
+        </p:spPr>
+        <p:style>
+          <a:lnRef idx="1">
+            <a:schemeClr val="accent1"/>
+          </a:lnRef>
+          <a:fillRef idx="3">
+            <a:schemeClr val="accent1"/>
+          </a:fillRef>
+          <a:effectRef idx="2">
+            <a:schemeClr val="accent1"/>
+          </a:effectRef>
+          <a:fontRef idx="minor">
+            <a:schemeClr val="lt1"/>
+          </a:fontRef>
+        </p:style>
+        <p:txBody>
+          <a:bodyPr rtlCol="0" anchor="ctr"/>
+          <a:lstStyle/>
+          <a:p>
+            <a:pPr algn="ctr"/>
+            <a:endParaRPr lang="en-US"/>
+          </a:p>
+        </p:txBody>
+      </p:sp>
+      <p:sp>
+        <p:nvSpPr>
+          <p:cNvPr id="6" name="Rectangle 5"/>
+          <p:cNvSpPr/>
+          <p:nvPr/>
+        </p:nvSpPr>
+        <p:spPr>
+          <a:xfrm>
+            <a:off x="0" y="6451738"/>
+            <a:ext cx="864339" cy="276999"/>
+          </a:xfrm>
+          <a:prstGeom prst="rect">
+            <a:avLst/>
+          </a:prstGeom>
+        </p:spPr>
+        <p:txBody>
+          <a:bodyPr wrap="none">
+            <a:spAutoFit/>
+          </a:bodyPr>
+          <a:lstStyle/>
+          <a:p>
+            <a:r>
+              <a:rPr lang="en-US" sz="1200" dirty="0" smtClean="0">
+                <a:solidFill>
+                  <a:srgbClr val="118EB0"/>
+                </a:solidFill>
+              </a:rPr>
+              <a:t>Comments</a:t>
+            </a:r>
+            <a:endParaRPr lang="en-US" sz="1200" dirty="0">
+              <a:solidFill>
+                <a:srgbClr val="118EB0"/>
+              </a:solidFill>
+            </a:endParaRPr>
+          </a:p>
+        </p:txBody>
+      </p:sp>
+      <p:sp>
+        <p:nvSpPr>
+          <p:cNvPr id="7" name="TextBox 6"/>
+          <p:cNvSpPr txBox="1"/>
+          <p:nvPr/>
+        </p:nvSpPr>
+        <p:spPr>
+          <a:xfrm>
+            <a:off x="8869998" y="6453063"/>
+            <a:ext cx="262662" cy="276999"/>
+          </a:xfrm>
+          <a:prstGeom prst="rect">
+            <a:avLst/>
+          </a:prstGeom>
+          <a:noFill/>
+        </p:spPr>
+        <p:txBody>
+          <a:bodyPr wrap="none" rtlCol="0">
+            <a:spAutoFit/>
+          </a:bodyPr>
+          <a:lstStyle/>
+          <a:p>
+            <a:pPr algn="r"/>
+            <a:r>
+              <a:rPr lang="en-US" sz="1200" dirty="0" smtClean="0">
+                <a:solidFill>
+                  <a:srgbClr val="118EB0"/>
+                </a:solidFill>
+              </a:rPr>
+              <a:t>1</a:t>
+            </a:r>
+            <a:endParaRPr lang="en-US" sz="1200" dirty="0">
+              <a:solidFill>
+                <a:srgbClr val="118EB0"/>
+              </a:solidFill>
+            </a:endParaRPr>
+          </a:p>
+        </p:txBody>
+      </p:sp>
+      <p:sp>
+        <p:nvSpPr>
+          <p:cNvPr id="2" name="TextBox 1"/>
+          <p:cNvSpPr txBox="1"/>
+          <p:nvPr/>
+        </p:nvSpPr>
+        <p:spPr>
+          <a:xfrm>
+            <a:off x="821201" y="3635199"/>
+            <a:ext cx="7612301" cy="2585323"/>
+          </a:xfrm>
+          <a:prstGeom prst="rect">
+            <a:avLst/>
+          </a:prstGeom>
+          <a:noFill/>
+        </p:spPr>
+        <p:txBody>
+          <a:bodyPr wrap="square" rtlCol="0">
+            <a:spAutoFit/>
+          </a:bodyPr>
+          <a:lstStyle/>
+          <a:p>
+            <a:r>
+              <a:rPr lang="en-US" dirty="0">
+                <a:latin typeface="Courier"/>
+                <a:cs typeface="Courier"/>
+              </a:rPr>
+              <a:t>d</a:t>
+            </a:r>
+            <a:r>
+              <a:rPr lang="en-US" dirty="0" smtClean="0">
+                <a:latin typeface="Courier"/>
+                <a:cs typeface="Courier"/>
+              </a:rPr>
+              <a:t>x 	= 0.01		# grid spacing, m</a:t>
+            </a:r>
+          </a:p>
+          <a:p>
+            <a:r>
+              <a:rPr lang="en-US" dirty="0" smtClean="0">
+                <a:latin typeface="Courier"/>
+                <a:cs typeface="Courier"/>
+              </a:rPr>
+              <a:t>V 	= 14.2		# voltage, V</a:t>
+            </a:r>
+          </a:p>
+          <a:p>
+            <a:r>
+              <a:rPr lang="en-US" dirty="0" smtClean="0">
+                <a:latin typeface="Courier"/>
+                <a:cs typeface="Courier"/>
+              </a:rPr>
+              <a:t>“““</a:t>
+            </a:r>
+          </a:p>
+          <a:p>
+            <a:r>
+              <a:rPr lang="en-US" dirty="0" smtClean="0">
+                <a:latin typeface="Courier"/>
+                <a:cs typeface="Courier"/>
+              </a:rPr>
+              <a:t>This is an extended comment.</a:t>
+            </a:r>
+          </a:p>
+          <a:p>
+            <a:r>
+              <a:rPr lang="en-US" dirty="0" smtClean="0">
+                <a:latin typeface="Courier"/>
+                <a:cs typeface="Courier"/>
+              </a:rPr>
+              <a:t>It can be many lines long.</a:t>
+            </a:r>
+          </a:p>
+          <a:p>
+            <a:r>
+              <a:rPr lang="en-US" dirty="0" smtClean="0">
+                <a:latin typeface="Courier"/>
+                <a:cs typeface="Courier"/>
+              </a:rPr>
+              <a:t>Use this to explain functions or formulae</a:t>
+            </a:r>
+          </a:p>
+          <a:p>
+            <a:r>
+              <a:rPr lang="en-US" dirty="0">
+                <a:latin typeface="Courier"/>
+                <a:cs typeface="Courier"/>
+              </a:rPr>
+              <a:t>t</a:t>
+            </a:r>
+            <a:r>
+              <a:rPr lang="en-US" dirty="0" smtClean="0">
+                <a:latin typeface="Courier"/>
+                <a:cs typeface="Courier"/>
+              </a:rPr>
+              <a:t>o document code</a:t>
+            </a:r>
+          </a:p>
+          <a:p>
+            <a:r>
+              <a:rPr lang="en-US" dirty="0" smtClean="0">
+                <a:latin typeface="Courier"/>
+                <a:cs typeface="Courier"/>
+              </a:rPr>
+              <a:t>Or to temporarily hide blocks you don’t want to run. </a:t>
+            </a:r>
+            <a:endParaRPr lang="en-US" dirty="0">
+              <a:latin typeface="Courier"/>
+              <a:cs typeface="Courier"/>
+            </a:endParaRPr>
+          </a:p>
+          <a:p>
+            <a:r>
+              <a:rPr lang="en-US" dirty="0" smtClean="0">
+                <a:latin typeface="Courier"/>
+                <a:cs typeface="Courier"/>
+              </a:rPr>
+              <a:t>””” 	</a:t>
+            </a:r>
+            <a:endParaRPr lang="en-US" dirty="0">
+              <a:latin typeface="Courier"/>
+              <a:cs typeface="Courier"/>
+            </a:endParaRPr>
+          </a:p>
+        </p:txBody>
+      </p:sp>
+    </p:spTree>
+    <p:extLst>
+      <p:ext uri="{BB962C8B-B14F-4D97-AF65-F5344CB8AC3E}">
+        <p14:creationId xmlns:p14="http://schemas.microsoft.com/office/powerpoint/2010/main" val="814027167"/>
+      </p:ext>
+    </p:extLst>
+  </p:cSld>
+  <p:clrMapOvr>
+    <a:masterClrMapping/>
+  </p:clrMapOvr>
+  <p:timing>
+    <p:tnLst>
+      <p:par>
+        <p:cTn id="1" dur="indefinite" restart="never" nodeType="tmRoot"/>
+      </p:par>
+    </p:tnLst>
+  </p:timing>
+</p:sld>
+</file>
+
+<file path=ppt/slides/slide26.xml><?xml version="1.0" encoding="utf-8"?>
+<p:sld xmlns:a="http://schemas.openxmlformats.org/drawingml/2006/main" xmlns:r="http://schemas.openxmlformats.org/officeDocument/2006/relationships" xmlns:p="http://schemas.openxmlformats.org/presentationml/2006/main">
+  <p:cSld>
+    <p:spTree>
+      <p:nvGrpSpPr>
+        <p:cNvPr id="1" name=""/>
+        <p:cNvGrpSpPr/>
+        <p:nvPr/>
+      </p:nvGrpSpPr>
+      <p:grpSpPr>
+        <a:xfrm>
+          <a:off x="0" y="0"/>
+          <a:ext cx="0" cy="0"/>
+          <a:chOff x="0" y="0"/>
+          <a:chExt cx="0" cy="0"/>
+        </a:xfrm>
+      </p:grpSpPr>
+      <p:sp>
+        <p:nvSpPr>
+          <p:cNvPr id="4" name="Rectangle 3"/>
+          <p:cNvSpPr/>
+          <p:nvPr/>
+        </p:nvSpPr>
+        <p:spPr>
+          <a:xfrm>
+            <a:off x="0" y="2586816"/>
+            <a:ext cx="9144000" cy="1228835"/>
+          </a:xfrm>
+          <a:prstGeom prst="rect">
+            <a:avLst/>
+          </a:prstGeom>
+          <a:solidFill>
+            <a:srgbClr val="3DBFDB"/>
+          </a:solidFill>
+          <a:ln>
+            <a:noFill/>
+          </a:ln>
+          <a:effectLst/>
+        </p:spPr>
+        <p:style>
+          <a:lnRef idx="1">
+            <a:schemeClr val="accent1"/>
+          </a:lnRef>
+          <a:fillRef idx="3">
+            <a:schemeClr val="accent1"/>
+          </a:fillRef>
+          <a:effectRef idx="2">
+            <a:schemeClr val="accent1"/>
+          </a:effectRef>
+          <a:fontRef idx="minor">
+            <a:schemeClr val="lt1"/>
+          </a:fontRef>
+        </p:style>
+        <p:txBody>
+          <a:bodyPr rtlCol="0" anchor="ctr"/>
+          <a:lstStyle/>
+          <a:p>
+            <a:pPr algn="ctr"/>
+            <a:r>
+              <a:rPr lang="en-US" sz="4800" b="1" dirty="0" smtClean="0"/>
+              <a:t>Reminders</a:t>
+            </a:r>
+            <a:endParaRPr lang="en-US" sz="4800" b="1" dirty="0"/>
+          </a:p>
+        </p:txBody>
+      </p:sp>
+      <p:sp>
+        <p:nvSpPr>
+          <p:cNvPr id="5" name="Rectangle 4"/>
+          <p:cNvSpPr/>
+          <p:nvPr/>
+        </p:nvSpPr>
+        <p:spPr>
+          <a:xfrm>
+            <a:off x="0" y="6737478"/>
+            <a:ext cx="9144000" cy="120522"/>
+          </a:xfrm>
+          <a:prstGeom prst="rect">
+            <a:avLst/>
+          </a:prstGeom>
+          <a:solidFill>
+            <a:srgbClr val="3DBFDB"/>
+          </a:solidFill>
+          <a:ln>
+            <a:noFill/>
+          </a:ln>
+          <a:effectLst/>
+        </p:spPr>
+        <p:style>
+          <a:lnRef idx="1">
+            <a:schemeClr val="accent1"/>
+          </a:lnRef>
+          <a:fillRef idx="3">
+            <a:schemeClr val="accent1"/>
+          </a:fillRef>
+          <a:effectRef idx="2">
+            <a:schemeClr val="accent1"/>
+          </a:effectRef>
+          <a:fontRef idx="minor">
+            <a:schemeClr val="lt1"/>
+          </a:fontRef>
+        </p:style>
+        <p:txBody>
+          <a:bodyPr rtlCol="0" anchor="ctr"/>
+          <a:lstStyle/>
+          <a:p>
+            <a:pPr algn="ctr"/>
+            <a:endParaRPr lang="en-US"/>
+          </a:p>
+        </p:txBody>
+      </p:sp>
+      <p:sp>
+        <p:nvSpPr>
+          <p:cNvPr id="6" name="Rectangle 5"/>
+          <p:cNvSpPr/>
+          <p:nvPr/>
+        </p:nvSpPr>
+        <p:spPr>
+          <a:xfrm>
+            <a:off x="0" y="6451738"/>
+            <a:ext cx="864339" cy="276999"/>
+          </a:xfrm>
+          <a:prstGeom prst="rect">
+            <a:avLst/>
+          </a:prstGeom>
+        </p:spPr>
+        <p:txBody>
+          <a:bodyPr wrap="none">
+            <a:spAutoFit/>
+          </a:bodyPr>
+          <a:lstStyle/>
+          <a:p>
+            <a:r>
+              <a:rPr lang="en-US" sz="1200" dirty="0" smtClean="0">
+                <a:solidFill>
+                  <a:srgbClr val="118EB0"/>
+                </a:solidFill>
+              </a:rPr>
+              <a:t>Reminders</a:t>
+            </a:r>
+            <a:endParaRPr lang="en-US" sz="1200" dirty="0">
+              <a:solidFill>
+                <a:srgbClr val="118EB0"/>
+              </a:solidFill>
+            </a:endParaRPr>
+          </a:p>
+        </p:txBody>
+      </p:sp>
+      <p:sp>
+        <p:nvSpPr>
+          <p:cNvPr id="7" name="TextBox 6"/>
+          <p:cNvSpPr txBox="1"/>
+          <p:nvPr/>
+        </p:nvSpPr>
+        <p:spPr>
+          <a:xfrm>
+            <a:off x="8869998" y="6453063"/>
+            <a:ext cx="262662" cy="276999"/>
+          </a:xfrm>
+          <a:prstGeom prst="rect">
+            <a:avLst/>
+          </a:prstGeom>
+          <a:noFill/>
+        </p:spPr>
+        <p:txBody>
+          <a:bodyPr wrap="none" rtlCol="0">
+            <a:spAutoFit/>
+          </a:bodyPr>
+          <a:lstStyle/>
+          <a:p>
+            <a:pPr algn="r"/>
+            <a:r>
+              <a:rPr lang="en-US" sz="1200" dirty="0" smtClean="0">
+                <a:solidFill>
+                  <a:srgbClr val="118EB0"/>
+                </a:solidFill>
+              </a:rPr>
+              <a:t>1</a:t>
+            </a:r>
+            <a:endParaRPr lang="en-US" sz="1200" dirty="0">
+              <a:solidFill>
+                <a:srgbClr val="118EB0"/>
+              </a:solidFill>
+            </a:endParaRPr>
+          </a:p>
+        </p:txBody>
+      </p:sp>
+    </p:spTree>
+    <p:extLst>
+      <p:ext uri="{BB962C8B-B14F-4D97-AF65-F5344CB8AC3E}">
+        <p14:creationId xmlns:p14="http://schemas.microsoft.com/office/powerpoint/2010/main" val="2502909782"/>
+      </p:ext>
+    </p:extLst>
+  </p:cSld>
+  <p:clrMapOvr>
+    <a:masterClrMapping/>
+  </p:clrMapOvr>
+  <p:timing>
+    <p:tnLst>
+      <p:par>
+        <p:cTn id="1" dur="indefinite" restart="never" nodeType="tmRoot"/>
+      </p:par>
+    </p:tnLst>
+  </p:timing>
+</p:sld>
+</file>
+
+<file path=ppt/slides/slide27.xml><?xml version="1.0" encoding="utf-8"?>
+<p:sld xmlns:a="http://schemas.openxmlformats.org/drawingml/2006/main" xmlns:r="http://schemas.openxmlformats.org/officeDocument/2006/relationships" xmlns:p="http://schemas.openxmlformats.org/presentationml/2006/main">
+  <p:cSld>
+    <p:spTree>
+      <p:nvGrpSpPr>
+        <p:cNvPr id="1" name=""/>
+        <p:cNvGrpSpPr/>
+        <p:nvPr/>
+      </p:nvGrpSpPr>
+      <p:grpSpPr>
+        <a:xfrm>
+          <a:off x="0" y="0"/>
+          <a:ext cx="0" cy="0"/>
+          <a:chOff x="0" y="0"/>
+          <a:chExt cx="0" cy="0"/>
+        </a:xfrm>
+      </p:grpSpPr>
+      <p:sp>
+        <p:nvSpPr>
+          <p:cNvPr id="3" name="Content Placeholder 2"/>
+          <p:cNvSpPr>
+            <a:spLocks noGrp="1"/>
+          </p:cNvSpPr>
+          <p:nvPr>
+            <p:ph idx="1"/>
+          </p:nvPr>
+        </p:nvSpPr>
+        <p:spPr/>
+        <p:txBody>
+          <a:bodyPr/>
+          <a:lstStyle/>
+          <a:p>
+            <a:r>
+              <a:rPr lang="en-US" dirty="0" smtClean="0"/>
+              <a:t>Labs this Wednesday</a:t>
+            </a:r>
+            <a:endParaRPr lang="en-US" dirty="0"/>
+          </a:p>
+        </p:txBody>
+      </p:sp>
+      <p:sp>
+        <p:nvSpPr>
+          <p:cNvPr id="4" name="Rectangle 3"/>
+          <p:cNvSpPr/>
+          <p:nvPr/>
+        </p:nvSpPr>
+        <p:spPr>
+          <a:xfrm>
+            <a:off x="0" y="-7550"/>
+            <a:ext cx="9144000" cy="1228835"/>
+          </a:xfrm>
+          <a:prstGeom prst="rect">
+            <a:avLst/>
+          </a:prstGeom>
+          <a:solidFill>
+            <a:srgbClr val="3DBFDB"/>
+          </a:solidFill>
+          <a:ln>
+            <a:noFill/>
+          </a:ln>
+          <a:effectLst/>
+        </p:spPr>
+        <p:style>
+          <a:lnRef idx="1">
+            <a:schemeClr val="accent1"/>
+          </a:lnRef>
+          <a:fillRef idx="3">
+            <a:schemeClr val="accent1"/>
+          </a:fillRef>
+          <a:effectRef idx="2">
+            <a:schemeClr val="accent1"/>
+          </a:effectRef>
+          <a:fontRef idx="minor">
+            <a:schemeClr val="lt1"/>
+          </a:fontRef>
+        </p:style>
+        <p:txBody>
+          <a:bodyPr rtlCol="0" anchor="ctr"/>
+          <a:lstStyle/>
+          <a:p>
+            <a:r>
+              <a:rPr lang="en-US" sz="4000" b="1" dirty="0" smtClean="0"/>
+              <a:t>   </a:t>
+            </a:r>
+            <a:r>
+              <a:rPr lang="en-US" sz="4000" i="1" dirty="0" smtClean="0"/>
+              <a:t>Reminders</a:t>
+            </a:r>
+            <a:endParaRPr lang="en-US" sz="4000" i="1" dirty="0"/>
+          </a:p>
+        </p:txBody>
+      </p:sp>
+      <p:sp>
+        <p:nvSpPr>
+          <p:cNvPr id="5" name="Rectangle 4"/>
+          <p:cNvSpPr/>
+          <p:nvPr/>
+        </p:nvSpPr>
+        <p:spPr>
+          <a:xfrm>
+            <a:off x="0" y="6737478"/>
+            <a:ext cx="9144000" cy="120522"/>
+          </a:xfrm>
+          <a:prstGeom prst="rect">
+            <a:avLst/>
+          </a:prstGeom>
+          <a:solidFill>
+            <a:srgbClr val="3DBFDB"/>
+          </a:solidFill>
+          <a:ln>
+            <a:noFill/>
+          </a:ln>
+          <a:effectLst/>
+        </p:spPr>
+        <p:style>
+          <a:lnRef idx="1">
+            <a:schemeClr val="accent1"/>
+          </a:lnRef>
+          <a:fillRef idx="3">
+            <a:schemeClr val="accent1"/>
+          </a:fillRef>
+          <a:effectRef idx="2">
+            <a:schemeClr val="accent1"/>
+          </a:effectRef>
+          <a:fontRef idx="minor">
+            <a:schemeClr val="lt1"/>
+          </a:fontRef>
+        </p:style>
+        <p:txBody>
+          <a:bodyPr rtlCol="0" anchor="ctr"/>
+          <a:lstStyle/>
+          <a:p>
+            <a:pPr algn="ctr"/>
+            <a:endParaRPr lang="en-US"/>
+          </a:p>
+        </p:txBody>
+      </p:sp>
+      <p:sp>
+        <p:nvSpPr>
+          <p:cNvPr id="6" name="Rectangle 5"/>
+          <p:cNvSpPr/>
+          <p:nvPr/>
+        </p:nvSpPr>
+        <p:spPr>
+          <a:xfrm>
+            <a:off x="0" y="6451738"/>
+            <a:ext cx="864339" cy="276999"/>
+          </a:xfrm>
+          <a:prstGeom prst="rect">
+            <a:avLst/>
+          </a:prstGeom>
+        </p:spPr>
+        <p:txBody>
+          <a:bodyPr wrap="none">
+            <a:spAutoFit/>
+          </a:bodyPr>
+          <a:lstStyle/>
+          <a:p>
+            <a:r>
+              <a:rPr lang="en-US" sz="1200" dirty="0" smtClean="0">
+                <a:solidFill>
+                  <a:srgbClr val="118EB0"/>
+                </a:solidFill>
+              </a:rPr>
+              <a:t>Reminders</a:t>
+            </a:r>
+            <a:endParaRPr lang="en-US" sz="1200" dirty="0">
+              <a:solidFill>
+                <a:srgbClr val="118EB0"/>
+              </a:solidFill>
+            </a:endParaRPr>
+          </a:p>
+        </p:txBody>
+      </p:sp>
+      <p:sp>
+        <p:nvSpPr>
+          <p:cNvPr id="7" name="TextBox 6"/>
+          <p:cNvSpPr txBox="1"/>
+          <p:nvPr/>
+        </p:nvSpPr>
+        <p:spPr>
+          <a:xfrm>
+            <a:off x="8869998" y="6453063"/>
+            <a:ext cx="262662" cy="276999"/>
+          </a:xfrm>
+          <a:prstGeom prst="rect">
+            <a:avLst/>
+          </a:prstGeom>
+          <a:noFill/>
+        </p:spPr>
+        <p:txBody>
+          <a:bodyPr wrap="none" rtlCol="0">
+            <a:spAutoFit/>
+          </a:bodyPr>
+          <a:lstStyle/>
+          <a:p>
+            <a:pPr algn="r"/>
+            <a:r>
+              <a:rPr lang="en-US" sz="1200" dirty="0" smtClean="0">
+                <a:solidFill>
+                  <a:srgbClr val="118EB0"/>
+                </a:solidFill>
+              </a:rPr>
+              <a:t>1</a:t>
+            </a:r>
+            <a:endParaRPr lang="en-US" sz="1200" dirty="0">
+              <a:solidFill>
+                <a:srgbClr val="118EB0"/>
+              </a:solidFill>
+            </a:endParaRPr>
+          </a:p>
+        </p:txBody>
+      </p:sp>
+    </p:spTree>
+    <p:extLst>
+      <p:ext uri="{BB962C8B-B14F-4D97-AF65-F5344CB8AC3E}">
+        <p14:creationId xmlns:p14="http://schemas.microsoft.com/office/powerpoint/2010/main" val="3514834713"/>
+      </p:ext>
+    </p:extLst>
+  </p:cSld>
+  <p:clrMapOvr>
+    <a:masterClrMapping/>
+  </p:clrMapOvr>
+  <p:timing>
+    <p:tnLst>
+      <p:par>
+        <p:cTn id="1" dur="indefinite" restart="never" nodeType="tmRoot"/>
+      </p:par>
+    </p:tnLst>
+  </p:timing>
+</p:sld>
+</file>
+
+<file path=ppt/slides/slide28.xml><?xml version="1.0" encoding="utf-8"?>
+<p:sld xmlns:a="http://schemas.openxmlformats.org/drawingml/2006/main" xmlns:r="http://schemas.openxmlformats.org/officeDocument/2006/relationships" xmlns:p="http://schemas.openxmlformats.org/presentationml/2006/main">
+  <p:cSld>
+    <p:spTree>
+      <p:nvGrpSpPr>
+        <p:cNvPr id="1" name=""/>
+        <p:cNvGrpSpPr/>
+        <p:nvPr/>
+      </p:nvGrpSpPr>
+      <p:grpSpPr>
+        <a:xfrm>
+          <a:off x="0" y="0"/>
+          <a:ext cx="0" cy="0"/>
+          <a:chOff x="0" y="0"/>
+          <a:chExt cx="0" cy="0"/>
+        </a:xfrm>
+      </p:grpSpPr>
+      <p:sp>
+        <p:nvSpPr>
+          <p:cNvPr id="4" name="Rectangle 3"/>
+          <p:cNvSpPr/>
+          <p:nvPr/>
+        </p:nvSpPr>
+        <p:spPr>
+          <a:xfrm>
+            <a:off x="0" y="0"/>
+            <a:ext cx="9144000" cy="3886200"/>
+          </a:xfrm>
+          <a:prstGeom prst="rect">
+            <a:avLst/>
+          </a:prstGeom>
+          <a:solidFill>
+            <a:srgbClr val="1ACFFF"/>
+          </a:solidFill>
+          <a:ln>
+            <a:noFill/>
+          </a:ln>
+          <a:effectLst/>
+        </p:spPr>
+        <p:style>
+          <a:lnRef idx="1">
+            <a:schemeClr val="accent1"/>
+          </a:lnRef>
+          <a:fillRef idx="3">
+            <a:schemeClr val="accent1"/>
+          </a:fillRef>
+          <a:effectRef idx="2">
+            <a:schemeClr val="accent1"/>
+          </a:effectRef>
+          <a:fontRef idx="minor">
+            <a:schemeClr val="lt1"/>
+          </a:fontRef>
+        </p:style>
+        <p:txBody>
+          <a:bodyPr rtlCol="0" anchor="ctr"/>
+          <a:lstStyle/>
+          <a:p>
+            <a:pPr algn="ctr"/>
+            <a:endParaRPr lang="en-US"/>
+          </a:p>
+        </p:txBody>
+      </p:sp>
+      <p:sp>
+        <p:nvSpPr>
+          <p:cNvPr id="2" name="Title 1"/>
+          <p:cNvSpPr>
+            <a:spLocks noGrp="1"/>
+          </p:cNvSpPr>
+          <p:nvPr>
+            <p:ph type="ctrTitle"/>
+          </p:nvPr>
+        </p:nvSpPr>
+        <p:spPr/>
+        <p:txBody>
+          <a:bodyPr/>
+          <a:lstStyle/>
+          <a:p>
+            <a:pPr algn="l"/>
+            <a:r>
+              <a:rPr lang="en-US" dirty="0" smtClean="0">
+                <a:solidFill>
+                  <a:schemeClr val="bg1"/>
+                </a:solidFill>
+              </a:rPr>
+              <a:t>Python Basics</a:t>
+            </a:r>
+            <a:endParaRPr lang="en-US" dirty="0">
+              <a:solidFill>
+                <a:schemeClr val="bg1"/>
+              </a:solidFill>
+            </a:endParaRPr>
+          </a:p>
+        </p:txBody>
+      </p:sp>
+      <p:sp>
+        <p:nvSpPr>
+          <p:cNvPr id="3" name="Subtitle 2"/>
+          <p:cNvSpPr>
+            <a:spLocks noGrp="1"/>
+          </p:cNvSpPr>
+          <p:nvPr>
+            <p:ph type="subTitle" idx="1"/>
+          </p:nvPr>
+        </p:nvSpPr>
+        <p:spPr>
+          <a:xfrm>
+            <a:off x="0" y="3886200"/>
+            <a:ext cx="9144000" cy="1752600"/>
+          </a:xfrm>
+        </p:spPr>
+        <p:txBody>
+          <a:bodyPr/>
+          <a:lstStyle/>
+          <a:p>
+            <a:pPr algn="r"/>
+            <a:r>
+              <a:rPr lang="en-US" sz="2000" dirty="0" smtClean="0">
+                <a:solidFill>
+                  <a:srgbClr val="118EB0"/>
+                </a:solidFill>
+              </a:rPr>
+              <a:t>Arguments, parameters, methods, commends</a:t>
+            </a:r>
+          </a:p>
+          <a:p>
+            <a:pPr algn="r"/>
+            <a:endParaRPr lang="en-US" sz="2000" dirty="0">
+              <a:solidFill>
+                <a:srgbClr val="1ACFFF"/>
+              </a:solidFill>
+            </a:endParaRPr>
+          </a:p>
+          <a:p>
+            <a:r>
+              <a:rPr lang="en-US" sz="3600" dirty="0" smtClean="0">
+                <a:solidFill>
+                  <a:srgbClr val="000000"/>
+                </a:solidFill>
+              </a:rPr>
+              <a:t>CS101 Lecture #5</a:t>
+            </a:r>
+            <a:endParaRPr lang="en-US" sz="4800" dirty="0">
+              <a:solidFill>
+                <a:srgbClr val="000000"/>
+              </a:solidFill>
+            </a:endParaRPr>
+          </a:p>
+        </p:txBody>
+      </p:sp>
+      <p:sp>
+        <p:nvSpPr>
+          <p:cNvPr id="7" name="TextBox 6"/>
+          <p:cNvSpPr txBox="1"/>
+          <p:nvPr/>
+        </p:nvSpPr>
+        <p:spPr>
+          <a:xfrm>
+            <a:off x="8001740" y="6488668"/>
+            <a:ext cx="1142260" cy="338554"/>
+          </a:xfrm>
+          <a:prstGeom prst="rect">
+            <a:avLst/>
+          </a:prstGeom>
+          <a:noFill/>
+        </p:spPr>
+        <p:txBody>
+          <a:bodyPr wrap="none" rtlCol="0">
+            <a:spAutoFit/>
+          </a:bodyPr>
+          <a:lstStyle/>
+          <a:p>
+            <a:r>
+              <a:rPr lang="en-US" sz="1600" dirty="0" smtClean="0">
+                <a:solidFill>
+                  <a:srgbClr val="118EB0"/>
+                </a:solidFill>
+              </a:rPr>
+              <a:t>2016-10-10</a:t>
+            </a:r>
+            <a:endParaRPr lang="en-US" sz="1600" dirty="0">
+              <a:solidFill>
+                <a:srgbClr val="118EB0"/>
+              </a:solidFill>
+            </a:endParaRPr>
+          </a:p>
+        </p:txBody>
+      </p:sp>
+    </p:spTree>
+    <p:extLst>
+      <p:ext uri="{BB962C8B-B14F-4D97-AF65-F5344CB8AC3E}">
+        <p14:creationId xmlns:p14="http://schemas.microsoft.com/office/powerpoint/2010/main" val="1589804547"/>
+      </p:ext>
+    </p:extLst>
+  </p:cSld>
+  <p:clrMapOvr>
+    <a:masterClrMapping/>
+  </p:clrMapOvr>
+  <p:timing>
+    <p:tnLst>
+      <p:par>
+        <p:cTn id="1" dur="indefinite" restart="never" nodeType="tmRoot"/>
+      </p:par>
+    </p:tnLst>
+  </p:timing>
+</p:sld>
+</file>
+
+<file path=ppt/slides/slide29.xml><?xml version="1.0" encoding="utf-8"?>
+<p:sld xmlns:a="http://schemas.openxmlformats.org/drawingml/2006/main" xmlns:r="http://schemas.openxmlformats.org/officeDocument/2006/relationships" xmlns:p="http://schemas.openxmlformats.org/presentationml/2006/main">
+  <p:cSld>
+    <p:spTree>
+      <p:nvGrpSpPr>
+        <p:cNvPr id="1" name=""/>
+        <p:cNvGrpSpPr/>
+        <p:nvPr/>
+      </p:nvGrpSpPr>
+      <p:grpSpPr>
+        <a:xfrm>
+          <a:off x="0" y="0"/>
+          <a:ext cx="0" cy="0"/>
+          <a:chOff x="0" y="0"/>
+          <a:chExt cx="0" cy="0"/>
+        </a:xfrm>
+      </p:grpSpPr>
+      <p:sp>
+        <p:nvSpPr>
+          <p:cNvPr id="4" name="Rectangle 3"/>
+          <p:cNvSpPr/>
+          <p:nvPr/>
+        </p:nvSpPr>
+        <p:spPr>
+          <a:xfrm>
+            <a:off x="0" y="2586816"/>
+            <a:ext cx="9144000" cy="1228835"/>
+          </a:xfrm>
+          <a:prstGeom prst="rect">
+            <a:avLst/>
+          </a:prstGeom>
+          <a:solidFill>
+            <a:srgbClr val="3DBFDB"/>
+          </a:solidFill>
+          <a:ln>
+            <a:noFill/>
+          </a:ln>
+          <a:effectLst/>
+        </p:spPr>
+        <p:style>
+          <a:lnRef idx="1">
+            <a:schemeClr val="accent1"/>
+          </a:lnRef>
+          <a:fillRef idx="3">
+            <a:schemeClr val="accent1"/>
+          </a:fillRef>
+          <a:effectRef idx="2">
+            <a:schemeClr val="accent1"/>
+          </a:effectRef>
+          <a:fontRef idx="minor">
+            <a:schemeClr val="lt1"/>
+          </a:fontRef>
+        </p:style>
+        <p:txBody>
+          <a:bodyPr rtlCol="0" anchor="ctr"/>
+          <a:lstStyle/>
+          <a:p>
+            <a:pPr algn="ctr"/>
+            <a:r>
+              <a:rPr lang="en-US" sz="4800" b="1" dirty="0" smtClean="0"/>
+              <a:t>Administrivia</a:t>
+            </a:r>
+            <a:endParaRPr lang="en-US" sz="4800" b="1" dirty="0"/>
+          </a:p>
+        </p:txBody>
+      </p:sp>
+      <p:sp>
+        <p:nvSpPr>
+          <p:cNvPr id="5" name="Rectangle 4"/>
+          <p:cNvSpPr/>
+          <p:nvPr/>
+        </p:nvSpPr>
+        <p:spPr>
+          <a:xfrm>
+            <a:off x="0" y="6737478"/>
+            <a:ext cx="9144000" cy="120522"/>
+          </a:xfrm>
+          <a:prstGeom prst="rect">
+            <a:avLst/>
+          </a:prstGeom>
+          <a:solidFill>
+            <a:srgbClr val="3DBFDB"/>
+          </a:solidFill>
+          <a:ln>
+            <a:noFill/>
+          </a:ln>
+          <a:effectLst/>
+        </p:spPr>
+        <p:style>
+          <a:lnRef idx="1">
+            <a:schemeClr val="accent1"/>
+          </a:lnRef>
+          <a:fillRef idx="3">
+            <a:schemeClr val="accent1"/>
+          </a:fillRef>
+          <a:effectRef idx="2">
+            <a:schemeClr val="accent1"/>
+          </a:effectRef>
+          <a:fontRef idx="minor">
+            <a:schemeClr val="lt1"/>
+          </a:fontRef>
+        </p:style>
+        <p:txBody>
+          <a:bodyPr rtlCol="0" anchor="ctr"/>
+          <a:lstStyle/>
+          <a:p>
+            <a:pPr algn="ctr"/>
+            <a:endParaRPr lang="en-US"/>
+          </a:p>
+        </p:txBody>
+      </p:sp>
+      <p:sp>
+        <p:nvSpPr>
+          <p:cNvPr id="6" name="Rectangle 5"/>
+          <p:cNvSpPr/>
+          <p:nvPr/>
+        </p:nvSpPr>
+        <p:spPr>
+          <a:xfrm>
+            <a:off x="0" y="6451738"/>
+            <a:ext cx="1037664" cy="276999"/>
+          </a:xfrm>
+          <a:prstGeom prst="rect">
+            <a:avLst/>
+          </a:prstGeom>
+        </p:spPr>
+        <p:txBody>
+          <a:bodyPr wrap="none">
+            <a:spAutoFit/>
+          </a:bodyPr>
+          <a:lstStyle/>
+          <a:p>
+            <a:r>
+              <a:rPr lang="en-US" sz="1200" dirty="0" smtClean="0">
+                <a:solidFill>
+                  <a:srgbClr val="118EB0"/>
+                </a:solidFill>
+              </a:rPr>
+              <a:t>Administrivia</a:t>
+            </a:r>
+            <a:endParaRPr lang="en-US" sz="1200" dirty="0">
+              <a:solidFill>
+                <a:srgbClr val="118EB0"/>
+              </a:solidFill>
+            </a:endParaRPr>
+          </a:p>
+        </p:txBody>
+      </p:sp>
+      <p:sp>
+        <p:nvSpPr>
+          <p:cNvPr id="7" name="TextBox 6"/>
+          <p:cNvSpPr txBox="1"/>
+          <p:nvPr/>
+        </p:nvSpPr>
+        <p:spPr>
+          <a:xfrm>
+            <a:off x="8869998" y="6453063"/>
+            <a:ext cx="262662" cy="276999"/>
+          </a:xfrm>
+          <a:prstGeom prst="rect">
+            <a:avLst/>
+          </a:prstGeom>
+          <a:noFill/>
+        </p:spPr>
+        <p:txBody>
+          <a:bodyPr wrap="none" rtlCol="0">
+            <a:spAutoFit/>
+          </a:bodyPr>
+          <a:lstStyle/>
+          <a:p>
+            <a:pPr algn="r"/>
+            <a:r>
+              <a:rPr lang="en-US" sz="1200" dirty="0" smtClean="0">
+                <a:solidFill>
+                  <a:srgbClr val="118EB0"/>
+                </a:solidFill>
+              </a:rPr>
+              <a:t>1</a:t>
+            </a:r>
+            <a:endParaRPr lang="en-US" sz="1200" dirty="0">
+              <a:solidFill>
+                <a:srgbClr val="118EB0"/>
+              </a:solidFill>
+            </a:endParaRPr>
+          </a:p>
+        </p:txBody>
+      </p:sp>
+    </p:spTree>
+    <p:extLst>
+      <p:ext uri="{BB962C8B-B14F-4D97-AF65-F5344CB8AC3E}">
+        <p14:creationId xmlns:p14="http://schemas.microsoft.com/office/powerpoint/2010/main" val="1221384915"/>
       </p:ext>
     </p:extLst>
   </p:cSld>
@@ -5814,6 +10321,228 @@
       </p:par>
     </p:tnLst>
   </p:timing>
+</p:sld>
+</file>
+
+<file path=ppt/slides/slide30.xml><?xml version="1.0" encoding="utf-8"?>
+<p:sld xmlns:a="http://schemas.openxmlformats.org/drawingml/2006/main" xmlns:r="http://schemas.openxmlformats.org/officeDocument/2006/relationships" xmlns:p="http://schemas.openxmlformats.org/presentationml/2006/main">
+  <p:cSld>
+    <p:spTree>
+      <p:nvGrpSpPr>
+        <p:cNvPr id="1" name=""/>
+        <p:cNvGrpSpPr/>
+        <p:nvPr/>
+      </p:nvGrpSpPr>
+      <p:grpSpPr>
+        <a:xfrm>
+          <a:off x="0" y="0"/>
+          <a:ext cx="0" cy="0"/>
+          <a:chOff x="0" y="0"/>
+          <a:chExt cx="0" cy="0"/>
+        </a:xfrm>
+      </p:grpSpPr>
+      <p:sp>
+        <p:nvSpPr>
+          <p:cNvPr id="3" name="Content Placeholder 2"/>
+          <p:cNvSpPr>
+            <a:spLocks noGrp="1"/>
+          </p:cNvSpPr>
+          <p:nvPr>
+            <p:ph idx="1"/>
+          </p:nvPr>
+        </p:nvSpPr>
+        <p:spPr/>
+        <p:txBody>
+          <a:bodyPr/>
+          <a:lstStyle/>
+          <a:p>
+            <a:endParaRPr lang="en-US"/>
+          </a:p>
+        </p:txBody>
+      </p:sp>
+      <p:sp>
+        <p:nvSpPr>
+          <p:cNvPr id="4" name="Rectangle 3"/>
+          <p:cNvSpPr/>
+          <p:nvPr/>
+        </p:nvSpPr>
+        <p:spPr>
+          <a:xfrm>
+            <a:off x="0" y="-7550"/>
+            <a:ext cx="9144000" cy="1228835"/>
+          </a:xfrm>
+          <a:prstGeom prst="rect">
+            <a:avLst/>
+          </a:prstGeom>
+          <a:solidFill>
+            <a:srgbClr val="3DBFDB"/>
+          </a:solidFill>
+          <a:ln>
+            <a:noFill/>
+          </a:ln>
+          <a:effectLst/>
+        </p:spPr>
+        <p:style>
+          <a:lnRef idx="1">
+            <a:schemeClr val="accent1"/>
+          </a:lnRef>
+          <a:fillRef idx="3">
+            <a:schemeClr val="accent1"/>
+          </a:fillRef>
+          <a:effectRef idx="2">
+            <a:schemeClr val="accent1"/>
+          </a:effectRef>
+          <a:fontRef idx="minor">
+            <a:schemeClr val="lt1"/>
+          </a:fontRef>
+        </p:style>
+        <p:txBody>
+          <a:bodyPr rtlCol="0" anchor="ctr"/>
+          <a:lstStyle/>
+          <a:p>
+            <a:r>
+              <a:rPr lang="en-US" sz="4000" b="1" dirty="0" smtClean="0"/>
+              <a:t>   </a:t>
+            </a:r>
+            <a:r>
+              <a:rPr lang="en-US" sz="4000" i="1" dirty="0" smtClean="0"/>
+              <a:t>Administrivia</a:t>
+            </a:r>
+            <a:endParaRPr lang="en-US" sz="4000" i="1" dirty="0"/>
+          </a:p>
+        </p:txBody>
+      </p:sp>
+      <p:sp>
+        <p:nvSpPr>
+          <p:cNvPr id="5" name="Rectangle 4"/>
+          <p:cNvSpPr/>
+          <p:nvPr/>
+        </p:nvSpPr>
+        <p:spPr>
+          <a:xfrm>
+            <a:off x="0" y="6737478"/>
+            <a:ext cx="9144000" cy="120522"/>
+          </a:xfrm>
+          <a:prstGeom prst="rect">
+            <a:avLst/>
+          </a:prstGeom>
+          <a:solidFill>
+            <a:srgbClr val="3DBFDB"/>
+          </a:solidFill>
+          <a:ln>
+            <a:noFill/>
+          </a:ln>
+          <a:effectLst/>
+        </p:spPr>
+        <p:style>
+          <a:lnRef idx="1">
+            <a:schemeClr val="accent1"/>
+          </a:lnRef>
+          <a:fillRef idx="3">
+            <a:schemeClr val="accent1"/>
+          </a:fillRef>
+          <a:effectRef idx="2">
+            <a:schemeClr val="accent1"/>
+          </a:effectRef>
+          <a:fontRef idx="minor">
+            <a:schemeClr val="lt1"/>
+          </a:fontRef>
+        </p:style>
+        <p:txBody>
+          <a:bodyPr rtlCol="0" anchor="ctr"/>
+          <a:lstStyle/>
+          <a:p>
+            <a:pPr algn="ctr"/>
+            <a:endParaRPr lang="en-US"/>
+          </a:p>
+        </p:txBody>
+      </p:sp>
+      <p:sp>
+        <p:nvSpPr>
+          <p:cNvPr id="6" name="Rectangle 5"/>
+          <p:cNvSpPr/>
+          <p:nvPr/>
+        </p:nvSpPr>
+        <p:spPr>
+          <a:xfrm>
+            <a:off x="0" y="6451738"/>
+            <a:ext cx="1037664" cy="276999"/>
+          </a:xfrm>
+          <a:prstGeom prst="rect">
+            <a:avLst/>
+          </a:prstGeom>
+        </p:spPr>
+        <p:txBody>
+          <a:bodyPr wrap="none">
+            <a:spAutoFit/>
+          </a:bodyPr>
+          <a:lstStyle/>
+          <a:p>
+            <a:r>
+              <a:rPr lang="en-US" sz="1200" dirty="0" smtClean="0">
+                <a:solidFill>
+                  <a:srgbClr val="118EB0"/>
+                </a:solidFill>
+              </a:rPr>
+              <a:t>Administrivia</a:t>
+            </a:r>
+            <a:endParaRPr lang="en-US" sz="1200" dirty="0">
+              <a:solidFill>
+                <a:srgbClr val="118EB0"/>
+              </a:solidFill>
+            </a:endParaRPr>
+          </a:p>
+        </p:txBody>
+      </p:sp>
+      <p:sp>
+        <p:nvSpPr>
+          <p:cNvPr id="7" name="TextBox 6"/>
+          <p:cNvSpPr txBox="1"/>
+          <p:nvPr/>
+        </p:nvSpPr>
+        <p:spPr>
+          <a:xfrm>
+            <a:off x="8869998" y="6453063"/>
+            <a:ext cx="262662" cy="276999"/>
+          </a:xfrm>
+          <a:prstGeom prst="rect">
+            <a:avLst/>
+          </a:prstGeom>
+          <a:noFill/>
+        </p:spPr>
+        <p:txBody>
+          <a:bodyPr wrap="none" rtlCol="0">
+            <a:spAutoFit/>
+          </a:bodyPr>
+          <a:lstStyle/>
+          <a:p>
+            <a:pPr algn="r"/>
+            <a:r>
+              <a:rPr lang="en-US" sz="1200" dirty="0" smtClean="0">
+                <a:solidFill>
+                  <a:srgbClr val="118EB0"/>
+                </a:solidFill>
+              </a:rPr>
+              <a:t>1</a:t>
+            </a:r>
+            <a:endParaRPr lang="en-US" sz="1200" dirty="0">
+              <a:solidFill>
+                <a:srgbClr val="118EB0"/>
+              </a:solidFill>
+            </a:endParaRPr>
+          </a:p>
+        </p:txBody>
+      </p:sp>
+    </p:spTree>
+    <p:extLst>
+      <p:ext uri="{BB962C8B-B14F-4D97-AF65-F5344CB8AC3E}">
+        <p14:creationId xmlns:p14="http://schemas.microsoft.com/office/powerpoint/2010/main" val="2501662931"/>
+      </p:ext>
+    </p:extLst>
+  </p:cSld>
+  <p:clrMapOvr>
+    <a:masterClrMapping/>
+  </p:clrMapOvr>
 </p:sld>
 </file>
 
@@ -6047,7 +10776,15 @@
             <a:pPr lvl="1"/>
             <a:r>
               <a:rPr lang="en-US" sz="2400" dirty="0" smtClean="0"/>
-              <a:t>Saves us from writing code</a:t>
+              <a:t>Saves us from </a:t>
+            </a:r>
+            <a:r>
+              <a:rPr lang="en-US" sz="2400" dirty="0" smtClean="0"/>
+              <a:t>rewriting </a:t>
+            </a:r>
+            <a:r>
+              <a:rPr lang="en-US" sz="2400" dirty="0" smtClean="0"/>
+              <a:t>code</a:t>
             </a:r>
           </a:p>
           <a:p>
@@ -6118,7 +10855,7 @@
             </a:r>
             <a:r>
               <a:rPr lang="en-US" sz="4000" i="1" dirty="0" smtClean="0"/>
-              <a:t>Administrivia</a:t>
+              <a:t>Function</a:t>
             </a:r>
             <a:endParaRPr lang="en-US" sz="4000" i="1" dirty="0"/>
           </a:p>
@@ -6178,7 +10915,7 @@
         <p:spPr>
           <a:xfrm>
             <a:off x="0" y="6451738"/>
-            <a:ext cx="1037664" cy="276999"/>
+            <a:ext cx="705642" cy="276999"/>
           </a:xfrm>
           <a:prstGeom prst="rect">
             <a:avLst/>
@@ -6191,18 +10928,13 @@
           <a:lstStyle/>
           <a:p>
             <a:r>
-              <a:rPr lang="en-US" sz="1200" dirty="0" smtClean="0">
+              <a:rPr lang="en-US" sz="1200" dirty="0">
                 <a:solidFill>
                   <a:srgbClr val="118EB0"/>
                 </a:solidFill>
               </a:rPr>
-              <a:t>Administrivia</a:t>
-            </a:r>
-            <a:endParaRPr lang="en-US" sz="1200" dirty="0">
-              <a:solidFill>
-                <a:srgbClr val="118EB0"/>
-              </a:solidFill>
-            </a:endParaRPr>
+              <a:t>function</a:t>
+            </a:r>
           </a:p>
         </p:txBody>
       </p:sp>
@@ -6255,20 +10987,47 @@
         </p:nvSpPr>
         <p:spPr/>
         <p:txBody>
-          <a:bodyPr/>
-          <a:lstStyle/>
-          <a:p>
-            <a:r>
-              <a:rPr lang="en-US" dirty="0" smtClean="0"/>
-              <a:t>A program should achieve a goal</a:t>
-            </a:r>
-          </a:p>
-          <a:p>
-            <a:r>
-              <a:rPr lang="en-US" dirty="0" smtClean="0"/>
-              <a:t>Let’s implement the quadratic equation</a:t>
-            </a:r>
-            <a:endParaRPr lang="en-US" dirty="0"/>
+          <a:bodyPr>
+            <a:normAutofit/>
+          </a:bodyPr>
+          <a:lstStyle/>
+          <a:p>
+            <a:r>
+              <a:rPr lang="en-US" sz="2800" dirty="0" smtClean="0"/>
+              <a:t>Use the name of the function with parentheses</a:t>
+            </a:r>
+          </a:p>
+          <a:p>
+            <a:pPr lvl="1"/>
+            <a:r>
+              <a:rPr lang="en-US" sz="2400" dirty="0">
+                <a:latin typeface="Courier" charset="0"/>
+                <a:ea typeface="Courier" charset="0"/>
+                <a:cs typeface="Courier" charset="0"/>
+              </a:rPr>
+              <a:t>p</a:t>
+            </a:r>
+            <a:r>
+              <a:rPr lang="en-US" sz="2400" dirty="0" smtClean="0">
+                <a:latin typeface="Courier" charset="0"/>
+                <a:ea typeface="Courier" charset="0"/>
+                <a:cs typeface="Courier" charset="0"/>
+              </a:rPr>
+              <a:t>rint()</a:t>
+            </a:r>
+          </a:p>
+          <a:p>
+            <a:r>
+              <a:rPr lang="en-US" sz="2800" dirty="0" smtClean="0"/>
+              <a:t>Many functions come built-in to Python or in the standard libraries</a:t>
+            </a:r>
+          </a:p>
+          <a:p>
+            <a:r>
+              <a:rPr lang="en-US" sz="2800" dirty="0" smtClean="0"/>
+              <a:t>Others we will compose at need</a:t>
+            </a:r>
+            <a:endParaRPr lang="en-US" sz="2800" dirty="0"/>
           </a:p>
         </p:txBody>
       </p:sp>
@@ -6318,7 +11077,7 @@
             </a:r>
             <a:r>
               <a:rPr lang="en-US" sz="4000" i="1" dirty="0" smtClean="0"/>
-              <a:t>Goal</a:t>
+              <a:t>Function Calls</a:t>
             </a:r>
             <a:endParaRPr lang="en-US" sz="4000" i="1" dirty="0"/>
           </a:p>
@@ -6378,7 +11137,7 @@
         <p:spPr>
           <a:xfrm>
             <a:off x="0" y="6451738"/>
-            <a:ext cx="1037664" cy="276999"/>
+            <a:ext cx="705642" cy="276999"/>
           </a:xfrm>
           <a:prstGeom prst="rect">
             <a:avLst/>
@@ -6391,226 +11150,33 @@
           <a:lstStyle/>
           <a:p>
             <a:r>
-              <a:rPr lang="en-US" sz="1200" dirty="0" smtClean="0">
+              <a:rPr lang="en-US" sz="1200" dirty="0">
                 <a:solidFill>
                   <a:srgbClr val="118EB0"/>
                 </a:solidFill>
               </a:rPr>
-              <a:t>Administrivia</a:t>
-            </a:r>
-            <a:endParaRPr lang="en-US" sz="1200" dirty="0">
-              <a:solidFill>
-                <a:srgbClr val="118EB0"/>
-              </a:solidFill>
-            </a:endParaRPr>
-          </a:p>
-        </p:txBody>
-      </p:sp>
-      <p:sp>
-        <p:nvSpPr>
-          <p:cNvPr id="7" name="TextBox 6"/>
-          <p:cNvSpPr txBox="1"/>
-          <p:nvPr/>
-        </p:nvSpPr>
-        <p:spPr>
-          <a:xfrm>
-            <a:off x="8869998" y="6453063"/>
-            <a:ext cx="262662" cy="276999"/>
-          </a:xfrm>
-          <a:prstGeom prst="rect">
-            <a:avLst/>
-          </a:prstGeom>
-          <a:noFill/>
-        </p:spPr>
-        <p:txBody>
-          <a:bodyPr wrap="none" rtlCol="0">
-            <a:spAutoFit/>
-          </a:bodyPr>
-          <a:lstStyle/>
-          <a:p>
-            <a:pPr algn="r"/>
-            <a:r>
-              <a:rPr lang="en-US" sz="1200" dirty="0" smtClean="0">
-                <a:solidFill>
-                  <a:srgbClr val="118EB0"/>
-                </a:solidFill>
-              </a:rPr>
-              <a:t>1</a:t>
-            </a:r>
-            <a:endParaRPr lang="en-US" sz="1200" dirty="0">
-              <a:solidFill>
-                <a:srgbClr val="118EB0"/>
-              </a:solidFill>
-            </a:endParaRPr>
-          </a:p>
-        </p:txBody>
-      </p:sp>
-      <mc:AlternateContent xmlns:mc="http://schemas.openxmlformats.org/markup-compatibility/2006">
-        <mc:Choice xmlns:a14="http://schemas.microsoft.com/office/drawing/2010/main" Requires="a14">
-          <p:sp>
-            <p:nvSpPr>
-              <p:cNvPr id="2" name="TextBox 1"/>
-              <p:cNvSpPr txBox="1"/>
-              <p:nvPr/>
-            </p:nvSpPr>
-            <p:spPr>
-              <a:xfrm>
-                <a:off x="2651739" y="3647738"/>
-                <a:ext cx="2926122" cy="430887"/>
-              </a:xfrm>
-              <a:prstGeom prst="rect">
-                <a:avLst/>
-              </a:prstGeom>
-              <a:noFill/>
-            </p:spPr>
-            <p:txBody>
-              <a:bodyPr wrap="none" lIns="0" tIns="0" rIns="0" bIns="0" rtlCol="0">
-                <a:spAutoFit/>
-              </a:bodyPr>
-              <a:lstStyle/>
-              <a:p>
-                <a14:m>
-                  <m:oMathPara xmlns:m="http://schemas.openxmlformats.org/officeDocument/2006/math">
-                    <m:oMathParaPr>
-                      <m:jc m:val="centerGroup"/>
-                    </m:oMathParaPr>
-                    <m:oMath xmlns:m="http://schemas.openxmlformats.org/officeDocument/2006/math">
-                      <m:r>
-                        <a:rPr lang="en-US" altLang="zh-CN" sz="2800" b="0" i="1" smtClean="0">
-                          <a:latin typeface="Cambria Math" panose="02040503050406030204" pitchFamily="18" charset="0"/>
-                        </a:rPr>
-                        <m:t>𝑎</m:t>
-                      </m:r>
-                      <m:r>
-                        <a:rPr lang="en-US" altLang="zh-CN" sz="2800" b="0" i="1" smtClean="0">
-                          <a:latin typeface="Cambria Math" panose="02040503050406030204" pitchFamily="18" charset="0"/>
-                        </a:rPr>
-                        <m:t> </m:t>
-                      </m:r>
-                      <m:sSup>
-                        <m:sSupPr>
-                          <m:ctrlPr>
-                            <a:rPr lang="en-US" altLang="zh-CN" sz="2800" b="0" i="1" smtClean="0">
-                              <a:latin typeface="Cambria Math" panose="02040503050406030204" pitchFamily="18" charset="0"/>
-                            </a:rPr>
-                          </m:ctrlPr>
-                        </m:sSupPr>
-                        <m:e>
-                          <m:r>
-                            <a:rPr lang="en-US" altLang="zh-CN" sz="2800" b="0" i="1" smtClean="0">
-                              <a:latin typeface="Cambria Math" panose="02040503050406030204" pitchFamily="18" charset="0"/>
-                            </a:rPr>
-                            <m:t>𝑥</m:t>
-                          </m:r>
-                        </m:e>
-                        <m:sup>
-                          <m:r>
-                            <a:rPr lang="en-US" altLang="zh-CN" sz="2800" b="0" i="1" smtClean="0">
-                              <a:latin typeface="Cambria Math" panose="02040503050406030204" pitchFamily="18" charset="0"/>
-                            </a:rPr>
-                            <m:t>2</m:t>
-                          </m:r>
-                        </m:sup>
-                      </m:sSup>
-                      <m:r>
-                        <a:rPr lang="en-US" altLang="zh-CN" sz="2800" b="0" i="1" smtClean="0">
-                          <a:latin typeface="Cambria Math" panose="02040503050406030204" pitchFamily="18" charset="0"/>
-                        </a:rPr>
-                        <m:t>+</m:t>
-                      </m:r>
-                      <m:r>
-                        <a:rPr lang="en-US" altLang="zh-CN" sz="2800" b="0" i="1" smtClean="0">
-                          <a:latin typeface="Cambria Math" panose="02040503050406030204" pitchFamily="18" charset="0"/>
-                        </a:rPr>
-                        <m:t>𝑏</m:t>
-                      </m:r>
-                      <m:r>
-                        <a:rPr lang="en-US" altLang="zh-CN" sz="2800" b="0" i="1" smtClean="0">
-                          <a:latin typeface="Cambria Math" panose="02040503050406030204" pitchFamily="18" charset="0"/>
-                        </a:rPr>
-                        <m:t> </m:t>
-                      </m:r>
-                      <m:r>
-                        <a:rPr lang="en-US" altLang="zh-CN" sz="2800" b="0" i="1" smtClean="0">
-                          <a:latin typeface="Cambria Math" panose="02040503050406030204" pitchFamily="18" charset="0"/>
-                        </a:rPr>
-                        <m:t>𝑥</m:t>
-                      </m:r>
-                      <m:r>
-                        <a:rPr lang="en-US" altLang="zh-CN" sz="2800" b="0" i="1" smtClean="0">
-                          <a:latin typeface="Cambria Math" panose="02040503050406030204" pitchFamily="18" charset="0"/>
-                        </a:rPr>
-                        <m:t>+</m:t>
-                      </m:r>
-                      <m:r>
-                        <a:rPr lang="en-US" altLang="zh-CN" sz="2800" b="0" i="1" smtClean="0">
-                          <a:latin typeface="Cambria Math" panose="02040503050406030204" pitchFamily="18" charset="0"/>
-                        </a:rPr>
-                        <m:t>𝑐</m:t>
-                      </m:r>
-                      <m:r>
-                        <a:rPr lang="en-US" altLang="zh-CN" sz="2800" b="0" i="1" smtClean="0">
-                          <a:latin typeface="Cambria Math" panose="02040503050406030204" pitchFamily="18" charset="0"/>
-                        </a:rPr>
-                        <m:t>=0</m:t>
-                      </m:r>
-                    </m:oMath>
-                  </m:oMathPara>
-                </a14:m>
-                <a:endParaRPr lang="zh-CN" altLang="en-US" sz="2800" dirty="0"/>
-              </a:p>
-            </p:txBody>
-          </p:sp>
-        </mc:Choice>
-        <mc:Fallback>
-          <p:sp>
-            <p:nvSpPr>
-              <p:cNvPr id="2" name="TextBox 1"/>
-              <p:cNvSpPr txBox="1">
-                <a:spLocks noRot="1" noChangeAspect="1" noMove="1" noResize="1" noEditPoints="1" noAdjustHandles="1" noChangeArrowheads="1" noChangeShapeType="1" noTextEdit="1"/>
-              </p:cNvSpPr>
-              <p:nvPr/>
-            </p:nvSpPr>
-            <p:spPr>
-              <a:xfrm>
-                <a:off x="2651739" y="3647738"/>
-                <a:ext cx="2926122" cy="430887"/>
-              </a:xfrm>
-              <a:prstGeom prst="rect">
-                <a:avLst/>
-              </a:prstGeom>
-              <a:blipFill rotWithShape="0">
-                <a:blip r:embed="rId2"/>
-                <a:stretch>
-                  <a:fillRect/>
-                </a:stretch>
-              </a:blipFill>
-            </p:spPr>
-            <p:txBody>
-              <a:bodyPr/>
-              <a:lstStyle/>
-              <a:p>
-                <a:r>
-                  <a:rPr lang="zh-CN" altLang="en-US">
-                    <a:noFill/>
-                  </a:rPr>
-                  <a:t> </a:t>
-                </a:r>
-              </a:p>
-            </p:txBody>
-          </p:sp>
-        </mc:Fallback>
-      </mc:AlternateContent>
+              <a:t>function</a:t>
+            </a:r>
+          </a:p>
+        </p:txBody>
+      </p:sp>
     </p:spTree>
     <p:extLst>
       <p:ext uri="{BB962C8B-B14F-4D97-AF65-F5344CB8AC3E}">
-        <p14:creationId xmlns:p14="http://schemas.microsoft.com/office/powerpoint/2010/main" val="4039663373"/>
+        <p14:creationId xmlns:p14="http://schemas.microsoft.com/office/powerpoint/2010/main" val="768360973"/>
       </p:ext>
     </p:extLst>
   </p:cSld>
   <p:clrMapOvr>
     <a:masterClrMapping/>
   </p:clrMapOvr>
+  <p:timing>
+    <p:tnLst>
+      <p:par>
+        <p:cTn id="1" dur="indefinite" restart="never" nodeType="tmRoot"/>
+      </p:par>
+    </p:tnLst>
+  </p:timing>
 </p:sld>
 </file>
 
@@ -6633,13 +11199,181 @@
       </p:grpSpPr>
       <p:sp>
         <p:nvSpPr>
+          <p:cNvPr id="3" name="Content Placeholder 2"/>
+          <p:cNvSpPr>
+            <a:spLocks noGrp="1"/>
+          </p:cNvSpPr>
+          <p:nvPr>
+            <p:ph idx="1"/>
+          </p:nvPr>
+        </p:nvSpPr>
+        <p:spPr/>
+        <p:txBody>
+          <a:bodyPr>
+            <a:normAutofit lnSpcReduction="10000"/>
+          </a:bodyPr>
+          <a:lstStyle/>
+          <a:p>
+            <a:r>
+              <a:rPr lang="en-US" sz="2800" dirty="0" smtClean="0"/>
+              <a:t>Data that are passed into a function as input</a:t>
+            </a:r>
+          </a:p>
+          <a:p>
+            <a:pPr lvl="1"/>
+            <a:r>
+              <a:rPr lang="en-US" sz="2400" dirty="0">
+                <a:latin typeface="Courier" charset="0"/>
+                <a:ea typeface="Courier" charset="0"/>
+                <a:cs typeface="Courier" charset="0"/>
+              </a:rPr>
+              <a:t>p</a:t>
+            </a:r>
+            <a:r>
+              <a:rPr lang="en-US" sz="2400" dirty="0" smtClean="0">
+                <a:latin typeface="Courier" charset="0"/>
+                <a:ea typeface="Courier" charset="0"/>
+                <a:cs typeface="Courier" charset="0"/>
+              </a:rPr>
+              <a:t>rint(5)</a:t>
+            </a:r>
+          </a:p>
+          <a:p>
+            <a:pPr lvl="1"/>
+            <a:r>
+              <a:rPr lang="en-US" sz="2400" dirty="0" err="1">
+                <a:latin typeface="Courier" charset="0"/>
+                <a:ea typeface="Courier" charset="0"/>
+                <a:cs typeface="Courier" charset="0"/>
+              </a:rPr>
+              <a:t>l</a:t>
+            </a:r>
+            <a:r>
+              <a:rPr lang="en-US" sz="2400" dirty="0" err="1" smtClean="0">
+                <a:latin typeface="Courier" charset="0"/>
+                <a:ea typeface="Courier" charset="0"/>
+                <a:cs typeface="Courier" charset="0"/>
+              </a:rPr>
+              <a:t>en</a:t>
+            </a:r>
+            <a:r>
+              <a:rPr lang="en-US" sz="2400" dirty="0" smtClean="0">
+                <a:latin typeface="Courier" charset="0"/>
+                <a:ea typeface="Courier" charset="0"/>
+                <a:cs typeface="Courier" charset="0"/>
+              </a:rPr>
+              <a:t>(‘Rex Kwon Do’)</a:t>
+            </a:r>
+          </a:p>
+          <a:p>
+            <a:pPr lvl="1"/>
+            <a:r>
+              <a:rPr lang="en-US" sz="2400" dirty="0">
+                <a:latin typeface="Courier" charset="0"/>
+                <a:ea typeface="Courier" charset="0"/>
+                <a:cs typeface="Courier" charset="0"/>
+              </a:rPr>
+              <a:t>a</a:t>
+            </a:r>
+            <a:r>
+              <a:rPr lang="en-US" sz="2400" dirty="0" smtClean="0">
+                <a:latin typeface="Courier" charset="0"/>
+                <a:ea typeface="Courier" charset="0"/>
+                <a:cs typeface="Courier" charset="0"/>
+              </a:rPr>
+              <a:t>bs(-123)</a:t>
+            </a:r>
+            <a:endParaRPr lang="en-US" sz="2400" dirty="0">
+              <a:latin typeface="Courier" charset="0"/>
+              <a:ea typeface="Courier" charset="0"/>
+              <a:cs typeface="Courier" charset="0"/>
+            </a:endParaRPr>
+          </a:p>
+          <a:p>
+            <a:r>
+              <a:rPr lang="en-US" sz="2800" dirty="0" smtClean="0"/>
+              <a:t>Can take zero to many arguments</a:t>
+            </a:r>
+          </a:p>
+          <a:p>
+            <a:pPr lvl="1"/>
+            <a:r>
+              <a:rPr lang="en-US" sz="2400" dirty="0">
+                <a:latin typeface="Courier" charset="0"/>
+                <a:ea typeface="Courier" charset="0"/>
+                <a:cs typeface="Courier" charset="0"/>
+              </a:rPr>
+              <a:t>m</a:t>
+            </a:r>
+            <a:r>
+              <a:rPr lang="en-US" sz="2400" dirty="0" smtClean="0">
+                <a:latin typeface="Courier" charset="0"/>
+                <a:ea typeface="Courier" charset="0"/>
+                <a:cs typeface="Courier" charset="0"/>
+              </a:rPr>
+              <a:t>in(1, 4, 5)</a:t>
+            </a:r>
+          </a:p>
+          <a:p>
+            <a:pPr lvl="1"/>
+            <a:r>
+              <a:rPr lang="en-US" sz="2400" dirty="0">
+                <a:latin typeface="Courier" charset="0"/>
+                <a:ea typeface="Courier" charset="0"/>
+                <a:cs typeface="Courier" charset="0"/>
+              </a:rPr>
+              <a:t>m</a:t>
+            </a:r>
+            <a:r>
+              <a:rPr lang="en-US" sz="2400" dirty="0" smtClean="0">
+                <a:latin typeface="Courier" charset="0"/>
+                <a:ea typeface="Courier" charset="0"/>
+                <a:cs typeface="Courier" charset="0"/>
+              </a:rPr>
+              <a:t>ax(1, 4, 5)</a:t>
+            </a:r>
+          </a:p>
+          <a:p>
+            <a:pPr lvl="1"/>
+            <a:r>
+              <a:rPr lang="en-US" sz="2400" dirty="0" smtClean="0">
+                <a:latin typeface="Courier" charset="0"/>
+                <a:ea typeface="Courier" charset="0"/>
+                <a:cs typeface="Courier" charset="0"/>
+              </a:rPr>
+              <a:t>input()</a:t>
+            </a:r>
+          </a:p>
+          <a:p>
+            <a:endParaRPr lang="en-US" dirty="0" smtClean="0">
+              <a:ea typeface="Courier" charset="0"/>
+              <a:cs typeface="Courier" charset="0"/>
+            </a:endParaRPr>
+          </a:p>
+          <a:p>
+            <a:r>
+              <a:rPr lang="en-US" dirty="0" smtClean="0">
+                <a:ea typeface="Courier" charset="0"/>
+                <a:cs typeface="Courier" charset="0"/>
+              </a:rPr>
+              <a:t>The parentheses matters!</a:t>
+            </a:r>
+            <a:endParaRPr lang="en-US" dirty="0">
+              <a:ea typeface="Courier" charset="0"/>
+              <a:cs typeface="Courier" charset="0"/>
+            </a:endParaRPr>
+          </a:p>
+        </p:txBody>
+      </p:sp>
+      <p:sp>
+        <p:nvSpPr>
           <p:cNvPr id="4" name="Rectangle 3"/>
           <p:cNvSpPr/>
           <p:nvPr/>
         </p:nvSpPr>
         <p:spPr>
           <a:xfrm>
-            <a:off x="0" y="2586816"/>
+            <a:off x="0" y="-7550"/>
             <a:ext cx="9144000" cy="1228835"/>
           </a:xfrm>
           <a:prstGeom prst="rect">
@@ -6671,12 +11405,15 @@
           <a:bodyPr rtlCol="0" anchor="ctr"/>
           <a:lstStyle/>
           <a:p>
-            <a:pPr algn="ctr"/>
-            <a:r>
-              <a:rPr lang="en-US" sz="4800" b="1" dirty="0" smtClean="0"/>
-              <a:t>Methods</a:t>
-            </a:r>
-            <a:endParaRPr lang="en-US" sz="4800" b="1" dirty="0"/>
+            <a:r>
+              <a:rPr lang="en-US" sz="4000" b="1" dirty="0" smtClean="0"/>
+              <a:t>   </a:t>
+            </a:r>
+            <a:r>
+              <a:rPr lang="en-US" sz="4000" i="1" dirty="0" smtClean="0"/>
+              <a:t>Arguments</a:t>
+            </a:r>
+            <a:endParaRPr lang="en-US" sz="4000" i="1" dirty="0"/>
           </a:p>
         </p:txBody>
       </p:sp>
@@ -6734,7 +11471,7 @@
         <p:spPr>
           <a:xfrm>
             <a:off x="0" y="6451738"/>
-            <a:ext cx="748923" cy="276999"/>
+            <a:ext cx="705642" cy="276999"/>
           </a:xfrm>
           <a:prstGeom prst="rect">
             <a:avLst/>
@@ -6747,25 +11484,20 @@
           <a:lstStyle/>
           <a:p>
             <a:r>
-              <a:rPr lang="en-US" sz="1200" dirty="0" smtClean="0">
+              <a:rPr lang="en-US" sz="1200" dirty="0">
                 <a:solidFill>
                   <a:srgbClr val="118EB0"/>
                 </a:solidFill>
               </a:rPr>
-              <a:t>Methods</a:t>
-            </a:r>
-            <a:endParaRPr lang="en-US" sz="1200" dirty="0">
-              <a:solidFill>
-                <a:srgbClr val="118EB0"/>
-              </a:solidFill>
-            </a:endParaRPr>
+              <a:t>function</a:t>
+            </a:r>
           </a:p>
         </p:txBody>
       </p:sp>
     </p:spTree>
     <p:extLst>
       <p:ext uri="{BB962C8B-B14F-4D97-AF65-F5344CB8AC3E}">
-        <p14:creationId xmlns:p14="http://schemas.microsoft.com/office/powerpoint/2010/main" val="2785840309"/>
+        <p14:creationId xmlns:p14="http://schemas.microsoft.com/office/powerpoint/2010/main" val="1462083738"/>
       </p:ext>
     </p:extLst>
   </p:cSld>
@@ -6811,67 +11543,64 @@
         </p:nvSpPr>
         <p:spPr/>
         <p:txBody>
-          <a:bodyPr/>
+          <a:bodyPr>
+            <a:normAutofit/>
+          </a:bodyPr>
           <a:lstStyle/>
           <a:p>
             <a:r>
               <a:rPr lang="en-US" sz="2800" dirty="0" smtClean="0"/>
-              <a:t>Functions stored inside a data type, like attributes</a:t>
+              <a:t>Actions done within the code block</a:t>
             </a:r>
           </a:p>
           <a:p>
             <a:r>
               <a:rPr lang="en-US" sz="2800" dirty="0" smtClean="0"/>
-              <a:t>Call a method from a data type using the attribute operator</a:t>
+              <a:t>Values returned to the caller</a:t>
             </a:r>
           </a:p>
           <a:p>
             <a:pPr lvl="1"/>
             <a:r>
               <a:rPr lang="en-US" sz="2400" dirty="0" smtClean="0">
-                <a:latin typeface="Courier"/>
-                <a:cs typeface="Courier"/>
-              </a:rPr>
-              <a:t>“Brown </a:t>
-            </a:r>
-            <a:r>
-              <a:rPr lang="en-US" sz="2400" dirty="0" err="1" smtClean="0">
-                <a:latin typeface="Courier"/>
-                <a:cs typeface="Courier"/>
-              </a:rPr>
-              <a:t>Fox”.lower</a:t>
-            </a:r>
+                <a:latin typeface="Courier" charset="0"/>
+                <a:ea typeface="Courier" charset="0"/>
+                <a:cs typeface="Courier" charset="0"/>
+              </a:rPr>
+              <a:t>a = min(1, 4, 5)</a:t>
+            </a:r>
+          </a:p>
+          <a:p>
+            <a:pPr lvl="1"/>
             <a:r>
               <a:rPr lang="en-US" sz="2400" dirty="0" smtClean="0">
-                <a:latin typeface="Courier"/>
-                <a:cs typeface="Courier"/>
-              </a:rPr>
-              <a:t>()</a:t>
+                <a:latin typeface="Courier" charset="0"/>
+                <a:ea typeface="Courier" charset="0"/>
+                <a:cs typeface="Courier" charset="0"/>
+              </a:rPr>
+              <a:t>B = max(1, 4, 5)</a:t>
+            </a:r>
+            <a:endParaRPr lang="en-US" sz="2400" dirty="0">
+              <a:latin typeface="Courier" charset="0"/>
+              <a:ea typeface="Courier" charset="0"/>
+              <a:cs typeface="Courier" charset="0"/>
+            </a:endParaRPr>
+          </a:p>
+          <a:p>
+            <a:r>
+              <a:rPr lang="en-US" sz="2800" dirty="0" smtClean="0"/>
+              <a:t>Can return nothing</a:t>
             </a:r>
           </a:p>
           <a:p>
             <a:pPr lvl="1"/>
             <a:r>
-              <a:rPr lang="en-US" sz="2400" dirty="0">
-                <a:latin typeface="Courier"/>
-                <a:cs typeface="Courier"/>
-              </a:rPr>
-              <a:t>(</a:t>
-            </a:r>
-            <a:r>
               <a:rPr lang="en-US" sz="2400" dirty="0" smtClean="0">
-                <a:latin typeface="Courier"/>
-                <a:cs typeface="Courier"/>
-              </a:rPr>
-              <a:t>1+2j).conjugate()</a:t>
-            </a:r>
-          </a:p>
-          <a:p>
-            <a:r>
-              <a:rPr lang="en-US" sz="2800" dirty="0" smtClean="0">
-                <a:cs typeface="Courier"/>
-              </a:rPr>
-              <a:t>The data is treated as an argument to the method</a:t>
+                <a:latin typeface="Courier" charset="0"/>
+                <a:ea typeface="Courier" charset="0"/>
+                <a:cs typeface="Courier" charset="0"/>
+              </a:rPr>
+              <a:t>print(5)</a:t>
             </a:r>
           </a:p>
         </p:txBody>
@@ -6922,7 +11651,7 @@
             </a:r>
             <a:r>
               <a:rPr lang="en-US" sz="4000" i="1" dirty="0" smtClean="0"/>
-              <a:t>Methods</a:t>
+              <a:t>Return value</a:t>
             </a:r>
             <a:endParaRPr lang="en-US" sz="4000" i="1" dirty="0"/>
           </a:p>
@@ -6982,7 +11711,7 @@
         <p:spPr>
           <a:xfrm>
             <a:off x="0" y="6451738"/>
-            <a:ext cx="748923" cy="276999"/>
+            <a:ext cx="705642" cy="276999"/>
           </a:xfrm>
           <a:prstGeom prst="rect">
             <a:avLst/>
@@ -6995,70 +11724,33 @@
           <a:lstStyle/>
           <a:p>
             <a:r>
-              <a:rPr lang="en-US" sz="1200" dirty="0" smtClean="0">
+              <a:rPr lang="en-US" sz="1200" dirty="0">
                 <a:solidFill>
                   <a:srgbClr val="118EB0"/>
                 </a:solidFill>
               </a:rPr>
-              <a:t>methods</a:t>
-            </a:r>
-            <a:endParaRPr lang="en-US" sz="1200" dirty="0">
-              <a:solidFill>
-                <a:srgbClr val="118EB0"/>
-              </a:solidFill>
-            </a:endParaRPr>
-          </a:p>
-        </p:txBody>
-      </p:sp>
-      <p:sp>
-        <p:nvSpPr>
-          <p:cNvPr id="7" name="TextBox 6"/>
-          <p:cNvSpPr txBox="1"/>
-          <p:nvPr/>
-        </p:nvSpPr>
-        <p:spPr>
-          <a:xfrm>
-            <a:off x="8869998" y="6453063"/>
-            <a:ext cx="262662" cy="276999"/>
-          </a:xfrm>
-          <a:prstGeom prst="rect">
-            <a:avLst/>
-          </a:prstGeom>
-          <a:noFill/>
-        </p:spPr>
-        <p:txBody>
-          <a:bodyPr wrap="none" rtlCol="0">
-            <a:spAutoFit/>
-          </a:bodyPr>
-          <a:lstStyle/>
-          <a:p>
-            <a:pPr algn="r"/>
-            <a:r>
-              <a:rPr lang="en-US" sz="1200" dirty="0" smtClean="0">
-                <a:solidFill>
-                  <a:srgbClr val="118EB0"/>
-                </a:solidFill>
-              </a:rPr>
-              <a:t>1</a:t>
-            </a:r>
-            <a:endParaRPr lang="en-US" sz="1200" dirty="0">
-              <a:solidFill>
-                <a:srgbClr val="118EB0"/>
-              </a:solidFill>
-            </a:endParaRPr>
+              <a:t>function</a:t>
+            </a:r>
           </a:p>
         </p:txBody>
       </p:sp>
     </p:spTree>
     <p:extLst>
       <p:ext uri="{BB962C8B-B14F-4D97-AF65-F5344CB8AC3E}">
-        <p14:creationId xmlns:p14="http://schemas.microsoft.com/office/powerpoint/2010/main" val="3323541299"/>
+        <p14:creationId xmlns:p14="http://schemas.microsoft.com/office/powerpoint/2010/main" val="2097259542"/>
       </p:ext>
     </p:extLst>
   </p:cSld>
   <p:clrMapOvr>
     <a:masterClrMapping/>
   </p:clrMapOvr>
+  <p:timing>
+    <p:tnLst>
+      <p:par>
+        <p:cTn id="1" dur="indefinite" restart="never" nodeType="tmRoot"/>
+      </p:par>
+    </p:tnLst>
+  </p:timing>
 </p:sld>
 </file>
 
@@ -7081,129 +11773,6 @@
       </p:grpSpPr>
       <p:sp>
         <p:nvSpPr>
-          <p:cNvPr id="3" name="Content Placeholder 2"/>
-          <p:cNvSpPr>
-            <a:spLocks noGrp="1"/>
-          </p:cNvSpPr>
-          <p:nvPr>
-            <p:ph idx="1"/>
-          </p:nvPr>
-        </p:nvSpPr>
-        <p:spPr/>
-        <p:txBody>
-          <a:bodyPr>
-            <a:normAutofit/>
-          </a:bodyPr>
-          <a:lstStyle/>
-          <a:p>
-            <a:r>
-              <a:rPr lang="en-US" sz="2400" dirty="0" smtClean="0">
-                <a:latin typeface="Courier"/>
-                <a:cs typeface="Courier"/>
-              </a:rPr>
-              <a:t>“</a:t>
-            </a:r>
-            <a:r>
-              <a:rPr lang="en-US" sz="2400" dirty="0" err="1" smtClean="0">
-                <a:latin typeface="Courier"/>
-                <a:cs typeface="Courier"/>
-              </a:rPr>
-              <a:t>GATTACA”.count</a:t>
-            </a:r>
-            <a:r>
-              <a:rPr lang="en-US" sz="2400" dirty="0" smtClean="0">
-                <a:latin typeface="Courier"/>
-                <a:cs typeface="Courier"/>
-              </a:rPr>
-              <a:t>(‘A’)</a:t>
-            </a:r>
-          </a:p>
-          <a:p>
-            <a:r>
-              <a:rPr lang="en-US" sz="2400" dirty="0" smtClean="0">
-                <a:latin typeface="Courier"/>
-                <a:cs typeface="Courier"/>
-              </a:rPr>
-              <a:t>“</a:t>
-            </a:r>
-            <a:r>
-              <a:rPr lang="en-US" sz="2400" dirty="0" err="1" smtClean="0">
-                <a:latin typeface="Courier"/>
-                <a:cs typeface="Courier"/>
-              </a:rPr>
-              <a:t>MVEMJSUN”.find</a:t>
-            </a:r>
-            <a:r>
-              <a:rPr lang="en-US" sz="2400" dirty="0" smtClean="0">
-                <a:latin typeface="Courier"/>
-                <a:cs typeface="Courier"/>
-              </a:rPr>
-              <a:t>(‘J’)</a:t>
-            </a:r>
-          </a:p>
-          <a:p>
-            <a:r>
-              <a:rPr lang="en-US" sz="2400" dirty="0" smtClean="0">
-                <a:latin typeface="Courier"/>
-                <a:cs typeface="Courier"/>
-              </a:rPr>
-              <a:t>“</a:t>
-            </a:r>
-            <a:r>
-              <a:rPr lang="en-US" sz="2400" dirty="0" err="1" smtClean="0">
-                <a:latin typeface="Courier"/>
-                <a:cs typeface="Courier"/>
-              </a:rPr>
-              <a:t>ABACADABRA”.replace</a:t>
-            </a:r>
-            <a:r>
-              <a:rPr lang="en-US" sz="2400" dirty="0" smtClean="0">
-                <a:latin typeface="Courier"/>
-                <a:cs typeface="Courier"/>
-              </a:rPr>
-              <a:t>(‘AB’, ‘G’)</a:t>
-            </a:r>
-          </a:p>
-          <a:p>
-            <a:r>
-              <a:rPr lang="en-US" sz="2400" dirty="0" smtClean="0">
-                <a:latin typeface="Courier"/>
-                <a:cs typeface="Courier"/>
-              </a:rPr>
-              <a:t>‘ FNORD ’.strip()</a:t>
-            </a:r>
-          </a:p>
-          <a:p>
-            <a:r>
-              <a:rPr lang="en-US" sz="2400" dirty="0" smtClean="0">
-                <a:latin typeface="Courier"/>
-                <a:cs typeface="Courier"/>
-              </a:rPr>
-              <a:t>‘high king of </a:t>
-            </a:r>
-            <a:r>
-              <a:rPr lang="en-US" sz="2400" dirty="0" err="1" smtClean="0">
-                <a:latin typeface="Courier"/>
-                <a:cs typeface="Courier"/>
-              </a:rPr>
-              <a:t>narnia</a:t>
-            </a:r>
-            <a:r>
-              <a:rPr lang="en-US" sz="2400" dirty="0" smtClean="0">
-                <a:latin typeface="Courier"/>
-                <a:cs typeface="Courier"/>
-              </a:rPr>
-              <a:t>’.title()</a:t>
-            </a:r>
-            <a:endParaRPr lang="en-US" sz="2400" dirty="0">
-              <a:latin typeface="Courier"/>
-              <a:cs typeface="Courier"/>
-            </a:endParaRPr>
-          </a:p>
-        </p:txBody>
-      </p:sp>
-      <p:sp>
-        <p:nvSpPr>
           <p:cNvPr id="4" name="Rectangle 3"/>
           <p:cNvSpPr/>
           <p:nvPr/>
@@ -7248,7 +11817,7 @@
             </a:r>
             <a:r>
               <a:rPr lang="en-US" sz="4000" i="1" dirty="0" smtClean="0"/>
-              <a:t>String methods</a:t>
+              <a:t>Example</a:t>
             </a:r>
             <a:endParaRPr lang="en-US" sz="4000" i="1" dirty="0"/>
           </a:p>
@@ -7308,7 +11877,7 @@
         <p:spPr>
           <a:xfrm>
             <a:off x="0" y="6451738"/>
-            <a:ext cx="748923" cy="276999"/>
+            <a:ext cx="705642" cy="276999"/>
           </a:xfrm>
           <a:prstGeom prst="rect">
             <a:avLst/>
@@ -7320,13 +11889,47 @@
           </a:bodyPr>
           <a:lstStyle/>
           <a:p>
+            <a:r>
+              <a:rPr lang="en-US" sz="1200" dirty="0">
+                <a:solidFill>
+                  <a:srgbClr val="118EB0"/>
+                </a:solidFill>
+              </a:rPr>
+              <a:t>function</a:t>
+            </a:r>
+          </a:p>
+        </p:txBody>
+      </p:sp>
+      <p:sp>
+        <p:nvSpPr>
+          <p:cNvPr id="7" name="TextBox 6"/>
+          <p:cNvSpPr txBox="1"/>
+          <p:nvPr/>
+        </p:nvSpPr>
+        <p:spPr>
+          <a:xfrm>
+            <a:off x="8869998" y="6453063"/>
+            <a:ext cx="262662" cy="276999"/>
+          </a:xfrm>
+          <a:prstGeom prst="rect">
+            <a:avLst/>
+          </a:prstGeom>
+          <a:noFill/>
+        </p:spPr>
+        <p:txBody>
+          <a:bodyPr wrap="none" rtlCol="0">
+            <a:spAutoFit/>
+          </a:bodyPr>
+          <a:lstStyle/>
+          <a:p>
+            <a:pPr algn="r"/>
             <a:r>
               <a:rPr lang="en-US" sz="1200" dirty="0" smtClean="0">
                 <a:solidFill>
                   <a:srgbClr val="118EB0"/>
                 </a:solidFill>
               </a:rPr>
-              <a:t>methods</a:t>
+              <a:t>1</a:t>
             </a:r>
             <a:endParaRPr lang="en-US" sz="1200" dirty="0">
               <a:solidFill>
@@ -7338,14 +11941,14 @@
       </p:sp>
       <p:sp>
         <p:nvSpPr>
-          <p:cNvPr id="7" name="TextBox 6"/>
+          <p:cNvPr id="8" name="TextBox 7"/>
           <p:cNvSpPr txBox="1"/>
           <p:nvPr/>
         </p:nvSpPr>
         <p:spPr>
           <a:xfrm>
-            <a:off x="8869998" y="6453063"/>
-            <a:ext cx="262662" cy="276999"/>
+            <a:off x="2036690" y="2551122"/>
+            <a:ext cx="5070619" cy="1569660"/>
           </a:xfrm>
           <a:prstGeom prst="rect">
             <a:avLst/>
@@ -7358,19 +11961,96 @@
           </a:bodyPr>
           <a:lstStyle/>
           <a:p>
-            <a:pPr algn="r"/>
-            <a:r>
-              <a:rPr lang="en-US" sz="1200" dirty="0" smtClean="0">
-                <a:solidFill>
-                  <a:srgbClr val="118EB0"/>
-                </a:solidFill>
-              </a:rPr>
-              <a:t>1</a:t>
-            </a:r>
-            <a:endParaRPr lang="en-US" sz="1200" dirty="0">
-              <a:solidFill>
-                <a:srgbClr val="118EB0"/>
-              </a:solidFill>
+            <a:r>
+              <a:rPr lang="en-US" sz="2400" b="1" dirty="0">
+                <a:latin typeface="Courier" charset="0"/>
+                <a:ea typeface="Courier" charset="0"/>
+                <a:cs typeface="Courier" charset="0"/>
+              </a:rPr>
+              <a:t>d</a:t>
+            </a:r>
+            <a:r>
+              <a:rPr lang="en-US" sz="2400" b="1" dirty="0" smtClean="0">
+                <a:latin typeface="Courier" charset="0"/>
+                <a:ea typeface="Courier" charset="0"/>
+                <a:cs typeface="Courier" charset="0"/>
+              </a:rPr>
+              <a:t>ef</a:t>
+            </a:r>
+            <a:r>
+              <a:rPr lang="en-US" sz="2400" dirty="0" smtClean="0">
+                <a:latin typeface="Courier" charset="0"/>
+                <a:ea typeface="Courier" charset="0"/>
+                <a:cs typeface="Courier" charset="0"/>
+              </a:rPr>
+              <a:t> f(x):</a:t>
+            </a:r>
+          </a:p>
+          <a:p>
+            <a:r>
+              <a:rPr lang="en-US" sz="2400" dirty="0">
+                <a:latin typeface="Courier" charset="0"/>
+                <a:ea typeface="Courier" charset="0"/>
+                <a:cs typeface="Courier" charset="0"/>
+              </a:rPr>
+              <a:t>	</a:t>
+            </a:r>
+            <a:r>
+              <a:rPr lang="en-US" sz="2400" dirty="0" smtClean="0">
+                <a:latin typeface="Courier" charset="0"/>
+                <a:ea typeface="Courier" charset="0"/>
+                <a:cs typeface="Courier" charset="0"/>
+              </a:rPr>
+              <a:t>y = x ** 2</a:t>
+            </a:r>
+          </a:p>
+          <a:p>
+            <a:r>
+              <a:rPr lang="en-US" sz="2400" dirty="0">
+                <a:latin typeface="Courier" charset="0"/>
+                <a:ea typeface="Courier" charset="0"/>
+                <a:cs typeface="Courier" charset="0"/>
+              </a:rPr>
+              <a:t>	</a:t>
+            </a:r>
+            <a:r>
+              <a:rPr lang="en-US" sz="2400" dirty="0" smtClean="0">
+                <a:latin typeface="Courier" charset="0"/>
+                <a:ea typeface="Courier" charset="0"/>
+                <a:cs typeface="Courier" charset="0"/>
+              </a:rPr>
+              <a:t>area = 0.5 * math.pi * y</a:t>
+            </a:r>
+          </a:p>
+          <a:p>
+            <a:r>
+              <a:rPr lang="en-US" sz="2400" dirty="0">
+                <a:latin typeface="Courier" charset="0"/>
+                <a:ea typeface="Courier" charset="0"/>
+                <a:cs typeface="Courier" charset="0"/>
+              </a:rPr>
+              <a:t>	</a:t>
+            </a:r>
+            <a:r>
+              <a:rPr lang="en-US" sz="2400" b="1" dirty="0" smtClean="0">
+                <a:latin typeface="Courier" charset="0"/>
+                <a:ea typeface="Courier" charset="0"/>
+                <a:cs typeface="Courier" charset="0"/>
+              </a:rPr>
+              <a:t>return</a:t>
+            </a:r>
+            <a:r>
+              <a:rPr lang="en-US" sz="2400" dirty="0" smtClean="0">
+                <a:latin typeface="Courier" charset="0"/>
+                <a:ea typeface="Courier" charset="0"/>
+                <a:cs typeface="Courier" charset="0"/>
+              </a:rPr>
+              <a:t> area</a:t>
+            </a:r>
+            <a:endParaRPr lang="en-US" sz="2400" dirty="0">
+              <a:latin typeface="Courier" charset="0"/>
+              <a:ea typeface="Courier" charset="0"/>
+              <a:cs typeface="Courier" charset="0"/>
             </a:endParaRPr>
           </a:p>
         </p:txBody>
@@ -7378,7 +12058,7 @@
     </p:spTree>
     <p:extLst>
       <p:ext uri="{BB962C8B-B14F-4D97-AF65-F5344CB8AC3E}">
-        <p14:creationId xmlns:p14="http://schemas.microsoft.com/office/powerpoint/2010/main" val="1928237067"/>
+        <p14:creationId xmlns:p14="http://schemas.microsoft.com/office/powerpoint/2010/main" val="4039663373"/>
       </p:ext>
     </p:extLst>
   </p:cSld>

--- a/lectures/lec05/lec05.pptx
+++ b/lectures/lec05/lec05.pptx
@@ -27,11 +27,11 @@
     <p:sldId id="334" r:id="rId21"/>
     <p:sldId id="280" r:id="rId22"/>
     <p:sldId id="281" r:id="rId23"/>
-    <p:sldId id="282" r:id="rId24"/>
-    <p:sldId id="284" r:id="rId25"/>
-    <p:sldId id="285" r:id="rId26"/>
-    <p:sldId id="332" r:id="rId27"/>
-    <p:sldId id="283" r:id="rId28"/>
+    <p:sldId id="285" r:id="rId24"/>
+    <p:sldId id="282" r:id="rId25"/>
+    <p:sldId id="332" r:id="rId26"/>
+    <p:sldId id="283" r:id="rId27"/>
+    <p:sldId id="339" r:id="rId28"/>
     <p:sldId id="286" r:id="rId29"/>
     <p:sldId id="288" r:id="rId30"/>
     <p:sldId id="291" r:id="rId31"/>
@@ -45,22 +45,20 @@
     <p:sldId id="298" r:id="rId39"/>
     <p:sldId id="299" r:id="rId40"/>
     <p:sldId id="300" r:id="rId41"/>
-    <p:sldId id="303" r:id="rId42"/>
+    <p:sldId id="340" r:id="rId42"/>
     <p:sldId id="302" r:id="rId43"/>
     <p:sldId id="287" r:id="rId44"/>
     <p:sldId id="304" r:id="rId45"/>
-    <p:sldId id="305" r:id="rId46"/>
-    <p:sldId id="309" r:id="rId47"/>
-    <p:sldId id="306" r:id="rId48"/>
-    <p:sldId id="307" r:id="rId49"/>
-    <p:sldId id="308" r:id="rId50"/>
-    <p:sldId id="310" r:id="rId51"/>
-    <p:sldId id="311" r:id="rId52"/>
-    <p:sldId id="312" r:id="rId53"/>
-    <p:sldId id="313" r:id="rId54"/>
-    <p:sldId id="337" r:id="rId55"/>
-    <p:sldId id="320" r:id="rId56"/>
-    <p:sldId id="321" r:id="rId57"/>
+    <p:sldId id="342" r:id="rId46"/>
+    <p:sldId id="306" r:id="rId47"/>
+    <p:sldId id="307" r:id="rId48"/>
+    <p:sldId id="338" r:id="rId49"/>
+    <p:sldId id="305" r:id="rId50"/>
+    <p:sldId id="309" r:id="rId51"/>
+    <p:sldId id="308" r:id="rId52"/>
+    <p:sldId id="311" r:id="rId53"/>
+    <p:sldId id="312" r:id="rId54"/>
+    <p:sldId id="313" r:id="rId55"/>
   </p:sldIdLst>
   <p:sldSz cx="9144000" cy="6858000" type="screen4x3"/>
   <p:notesSz cx="6858000" cy="9144000"/>
@@ -186,11 +184,11 @@
             <p14:sldId id="334"/>
             <p14:sldId id="280"/>
             <p14:sldId id="281"/>
+            <p14:sldId id="285"/>
             <p14:sldId id="282"/>
-            <p14:sldId id="284"/>
-            <p14:sldId id="285"/>
             <p14:sldId id="332"/>
             <p14:sldId id="283"/>
+            <p14:sldId id="339"/>
             <p14:sldId id="286"/>
             <p14:sldId id="288"/>
             <p14:sldId id="291"/>
@@ -204,22 +202,20 @@
             <p14:sldId id="298"/>
             <p14:sldId id="299"/>
             <p14:sldId id="300"/>
-            <p14:sldId id="303"/>
+            <p14:sldId id="340"/>
             <p14:sldId id="302"/>
             <p14:sldId id="287"/>
             <p14:sldId id="304"/>
+            <p14:sldId id="342"/>
+            <p14:sldId id="306"/>
+            <p14:sldId id="307"/>
+            <p14:sldId id="338"/>
             <p14:sldId id="305"/>
             <p14:sldId id="309"/>
-            <p14:sldId id="306"/>
-            <p14:sldId id="307"/>
             <p14:sldId id="308"/>
-            <p14:sldId id="310"/>
             <p14:sldId id="311"/>
             <p14:sldId id="312"/>
             <p14:sldId id="313"/>
-            <p14:sldId id="337"/>
-            <p14:sldId id="320"/>
-            <p14:sldId id="321"/>
           </p14:sldIdLst>
         </p14:section>
         <p14:section name="Untitled Section" id="{448F6AA1-7E66-BC44-9E32-295021B39B4B}">
@@ -426,7 +422,7 @@
           <a:p>
             <a:fld id="{5ECE4D60-05A1-A640-A7CD-C0D17F809990}" type="datetimeFigureOut">
               <a:rPr lang="en-US" smtClean="0"/>
-              <a:t>10/9/17</a:t>
+              <a:t>10/12/17</a:t>
             </a:fld>
             <a:endParaRPr lang="en-US"/>
           </a:p>
@@ -596,7 +592,7 @@
           <a:p>
             <a:fld id="{5ECE4D60-05A1-A640-A7CD-C0D17F809990}" type="datetimeFigureOut">
               <a:rPr lang="en-US" smtClean="0"/>
-              <a:t>10/9/17</a:t>
+              <a:t>10/12/17</a:t>
             </a:fld>
             <a:endParaRPr lang="en-US"/>
           </a:p>
@@ -776,7 +772,7 @@
           <a:p>
             <a:fld id="{5ECE4D60-05A1-A640-A7CD-C0D17F809990}" type="datetimeFigureOut">
               <a:rPr lang="en-US" smtClean="0"/>
-              <a:t>10/9/17</a:t>
+              <a:t>10/12/17</a:t>
             </a:fld>
             <a:endParaRPr lang="en-US"/>
           </a:p>
@@ -946,7 +942,7 @@
           <a:p>
             <a:fld id="{5ECE4D60-05A1-A640-A7CD-C0D17F809990}" type="datetimeFigureOut">
               <a:rPr lang="en-US" smtClean="0"/>
-              <a:t>10/9/17</a:t>
+              <a:t>10/12/17</a:t>
             </a:fld>
             <a:endParaRPr lang="en-US"/>
           </a:p>
@@ -1192,7 +1188,7 @@
           <a:p>
             <a:fld id="{5ECE4D60-05A1-A640-A7CD-C0D17F809990}" type="datetimeFigureOut">
               <a:rPr lang="en-US" smtClean="0"/>
-              <a:t>10/9/17</a:t>
+              <a:t>10/12/17</a:t>
             </a:fld>
             <a:endParaRPr lang="en-US"/>
           </a:p>
@@ -1480,7 +1476,7 @@
           <a:p>
             <a:fld id="{5ECE4D60-05A1-A640-A7CD-C0D17F809990}" type="datetimeFigureOut">
               <a:rPr lang="en-US" smtClean="0"/>
-              <a:t>10/9/17</a:t>
+              <a:t>10/12/17</a:t>
             </a:fld>
             <a:endParaRPr lang="en-US"/>
           </a:p>
@@ -1907,7 +1903,7 @@
           <a:p>
             <a:fld id="{5ECE4D60-05A1-A640-A7CD-C0D17F809990}" type="datetimeFigureOut">
               <a:rPr lang="en-US" smtClean="0"/>
-              <a:t>10/9/17</a:t>
+              <a:t>10/12/17</a:t>
             </a:fld>
             <a:endParaRPr lang="en-US"/>
           </a:p>
@@ -2025,7 +2021,7 @@
           <a:p>
             <a:fld id="{5ECE4D60-05A1-A640-A7CD-C0D17F809990}" type="datetimeFigureOut">
               <a:rPr lang="en-US" smtClean="0"/>
-              <a:t>10/9/17</a:t>
+              <a:t>10/12/17</a:t>
             </a:fld>
             <a:endParaRPr lang="en-US"/>
           </a:p>
@@ -2120,7 +2116,7 @@
           <a:p>
             <a:fld id="{5ECE4D60-05A1-A640-A7CD-C0D17F809990}" type="datetimeFigureOut">
               <a:rPr lang="en-US" smtClean="0"/>
-              <a:t>10/9/17</a:t>
+              <a:t>10/12/17</a:t>
             </a:fld>
             <a:endParaRPr lang="en-US"/>
           </a:p>
@@ -2397,7 +2393,7 @@
           <a:p>
             <a:fld id="{5ECE4D60-05A1-A640-A7CD-C0D17F809990}" type="datetimeFigureOut">
               <a:rPr lang="en-US" smtClean="0"/>
-              <a:t>10/9/17</a:t>
+              <a:t>10/12/17</a:t>
             </a:fld>
             <a:endParaRPr lang="en-US"/>
           </a:p>
@@ -2650,7 +2646,7 @@
           <a:p>
             <a:fld id="{5ECE4D60-05A1-A640-A7CD-C0D17F809990}" type="datetimeFigureOut">
               <a:rPr lang="en-US" smtClean="0"/>
-              <a:t>10/9/17</a:t>
+              <a:t>10/12/17</a:t>
             </a:fld>
             <a:endParaRPr lang="en-US"/>
           </a:p>
@@ -2863,7 +2859,7 @@
           <a:p>
             <a:fld id="{5ECE4D60-05A1-A640-A7CD-C0D17F809990}" type="datetimeFigureOut">
               <a:rPr lang="en-US" smtClean="0"/>
-              <a:t>10/9/17</a:t>
+              <a:t>10/12/17</a:t>
             </a:fld>
             <a:endParaRPr lang="en-US"/>
           </a:p>
@@ -3342,15 +3338,7 @@
                   <a:srgbClr val="118EB0"/>
                 </a:solidFill>
               </a:rPr>
-              <a:t>Functions, </a:t>
-            </a:r>
-            <a:r>
-              <a:rPr lang="en-US" sz="2000" dirty="0" smtClean="0">
-                <a:solidFill>
-                  <a:srgbClr val="118EB0"/>
-                </a:solidFill>
-              </a:rPr>
-              <a:t>control, </a:t>
+              <a:t>Functions, control, </a:t>
             </a:r>
             <a:r>
               <a:rPr lang="en-US" sz="2000" dirty="0">
@@ -3499,7 +3487,7 @@
             </a:pPr>
             <a:r>
               <a:rPr lang="en-US" dirty="0" smtClean="0"/>
-              <a:t>Starts with a :</a:t>
+              <a:t>Starts after a :</a:t>
             </a:r>
           </a:p>
           <a:p>
@@ -3520,7 +3508,6 @@
               <a:rPr lang="en-US" i="1" dirty="0" smtClean="0"/>
               <a:t> at the same level</a:t>
             </a:r>
-            <a:endParaRPr lang="en-US" i="1" dirty="0" smtClean="0"/>
           </a:p>
         </p:txBody>
       </p:sp>
@@ -4271,7 +4258,7 @@
                 <a:ea typeface="Courier" charset="0"/>
                 <a:cs typeface="Courier" charset="0"/>
               </a:rPr>
-              <a:t>fun(a)</a:t>
+              <a:t>fun()</a:t>
             </a:r>
             <a:endParaRPr lang="en-US" sz="3200" dirty="0">
               <a:latin typeface="Courier" charset="0"/>
@@ -4785,7 +4772,7 @@
                 <a:ea typeface="Courier" charset="0"/>
                 <a:cs typeface="Courier" charset="0"/>
               </a:rPr>
-              <a:t>fun(a)</a:t>
+              <a:t>fun()</a:t>
             </a:r>
             <a:endParaRPr lang="en-US" sz="3200" dirty="0">
               <a:latin typeface="Courier" charset="0"/>
@@ -6157,11 +6144,6 @@
               </a:rPr>
               <a:t>5</a:t>
             </a:r>
-            <a:endParaRPr lang="en-US" sz="3200" dirty="0" smtClean="0">
-              <a:latin typeface="Courier" charset="0"/>
-              <a:ea typeface="Courier" charset="0"/>
-              <a:cs typeface="Courier" charset="0"/>
-            </a:endParaRPr>
           </a:p>
           <a:p>
             <a:r>
@@ -6206,15 +6188,7 @@
                 <a:ea typeface="Courier" charset="0"/>
                 <a:cs typeface="Courier" charset="0"/>
               </a:rPr>
-              <a:t>b </a:t>
-            </a:r>
-            <a:r>
-              <a:rPr lang="en-US" sz="3200" dirty="0" smtClean="0">
-                <a:latin typeface="Courier" charset="0"/>
-                <a:ea typeface="Courier" charset="0"/>
-                <a:cs typeface="Courier" charset="0"/>
-              </a:rPr>
-              <a:t>= 4</a:t>
+              <a:t>b = 4</a:t>
             </a:r>
           </a:p>
           <a:p>
@@ -6721,11 +6695,6 @@
               </a:rPr>
               <a:t> = 5</a:t>
             </a:r>
-            <a:endParaRPr lang="en-US" sz="3200" dirty="0" smtClean="0">
-              <a:latin typeface="Courier" charset="0"/>
-              <a:ea typeface="Courier" charset="0"/>
-              <a:cs typeface="Courier" charset="0"/>
-            </a:endParaRPr>
           </a:p>
           <a:p>
             <a:r>
@@ -7285,11 +7254,6 @@
               </a:rPr>
               <a:t> = 5</a:t>
             </a:r>
-            <a:endParaRPr lang="en-US" sz="3200" dirty="0" smtClean="0">
-              <a:latin typeface="Courier" charset="0"/>
-              <a:ea typeface="Courier" charset="0"/>
-              <a:cs typeface="Courier" charset="0"/>
-            </a:endParaRPr>
           </a:p>
           <a:p>
             <a:r>
@@ -7352,15 +7316,36 @@
                 <a:ea typeface="Courier" charset="0"/>
                 <a:cs typeface="Courier" charset="0"/>
               </a:rPr>
-              <a:t>a = a + </a:t>
+              <a:t>a = a + b</a:t>
+            </a:r>
+          </a:p>
+          <a:p>
+            <a:r>
+              <a:rPr lang="en-US" sz="3200" dirty="0">
+                <a:latin typeface="Courier" charset="0"/>
+                <a:ea typeface="Courier" charset="0"/>
+                <a:cs typeface="Courier" charset="0"/>
+              </a:rPr>
+              <a:t>	</a:t>
             </a:r>
             <a:r>
               <a:rPr lang="en-US" sz="3200" dirty="0" smtClean="0">
-                <a:latin typeface="Courier" charset="0"/>
-                <a:ea typeface="Courier" charset="0"/>
-                <a:cs typeface="Courier" charset="0"/>
-              </a:rPr>
-              <a:t>b</a:t>
+                <a:solidFill>
+                  <a:srgbClr val="118EB0"/>
+                </a:solidFill>
+                <a:latin typeface="Courier" charset="0"/>
+                <a:ea typeface="Courier" charset="0"/>
+                <a:cs typeface="Courier" charset="0"/>
+              </a:rPr>
+              <a:t>return</a:t>
+            </a:r>
+            <a:r>
+              <a:rPr lang="en-US" sz="3200" dirty="0" smtClean="0">
+                <a:latin typeface="Courier" charset="0"/>
+                <a:ea typeface="Courier" charset="0"/>
+                <a:cs typeface="Courier" charset="0"/>
+              </a:rPr>
+              <a:t> a</a:t>
             </a:r>
           </a:p>
           <a:p>
@@ -7370,57 +7355,15 @@
                 <a:ea typeface="Courier" charset="0"/>
                 <a:cs typeface="Courier" charset="0"/>
               </a:rPr>
-              <a:t>	</a:t>
+              <a:t>a</a:t>
             </a:r>
             <a:r>
               <a:rPr lang="en-US" sz="3200" dirty="0" smtClean="0">
-                <a:solidFill>
-                  <a:srgbClr val="118EB0"/>
-                </a:solidFill>
-                <a:latin typeface="Courier" charset="0"/>
-                <a:ea typeface="Courier" charset="0"/>
-                <a:cs typeface="Courier" charset="0"/>
-              </a:rPr>
-              <a:t>return</a:t>
-            </a:r>
-            <a:r>
-              <a:rPr lang="en-US" sz="3200" dirty="0" smtClean="0">
-                <a:latin typeface="Courier" charset="0"/>
-                <a:ea typeface="Courier" charset="0"/>
-                <a:cs typeface="Courier" charset="0"/>
-              </a:rPr>
-              <a:t> a</a:t>
-            </a:r>
-            <a:endParaRPr lang="en-US" sz="3200" dirty="0" smtClean="0">
-              <a:latin typeface="Courier" charset="0"/>
-              <a:ea typeface="Courier" charset="0"/>
-              <a:cs typeface="Courier" charset="0"/>
-            </a:endParaRPr>
-          </a:p>
-          <a:p>
-            <a:r>
-              <a:rPr lang="en-US" sz="3200" dirty="0">
-                <a:latin typeface="Courier" charset="0"/>
-                <a:ea typeface="Courier" charset="0"/>
-                <a:cs typeface="Courier" charset="0"/>
-              </a:rPr>
-              <a:t>a</a:t>
-            </a:r>
-            <a:r>
-              <a:rPr lang="en-US" sz="3200" dirty="0" smtClean="0">
-                <a:latin typeface="Courier" charset="0"/>
-                <a:ea typeface="Courier" charset="0"/>
-                <a:cs typeface="Courier" charset="0"/>
-              </a:rPr>
-              <a:t> = fun</a:t>
-            </a:r>
-            <a:r>
-              <a:rPr lang="en-US" sz="3200" dirty="0" smtClean="0">
-                <a:latin typeface="Courier" charset="0"/>
-                <a:ea typeface="Courier" charset="0"/>
-                <a:cs typeface="Courier" charset="0"/>
-              </a:rPr>
-              <a:t>()</a:t>
+                <a:latin typeface="Courier" charset="0"/>
+                <a:ea typeface="Courier" charset="0"/>
+                <a:cs typeface="Courier" charset="0"/>
+              </a:rPr>
+              <a:t> = fun()</a:t>
             </a:r>
           </a:p>
           <a:p>
@@ -8472,11 +8415,6 @@
               </a:rPr>
               <a:t> = 5</a:t>
             </a:r>
-            <a:endParaRPr lang="en-US" sz="3200" dirty="0" smtClean="0">
-              <a:latin typeface="Courier" charset="0"/>
-              <a:ea typeface="Courier" charset="0"/>
-              <a:cs typeface="Courier" charset="0"/>
-            </a:endParaRPr>
           </a:p>
           <a:p>
             <a:r>
@@ -8539,50 +8477,37 @@
                 <a:ea typeface="Courier" charset="0"/>
                 <a:cs typeface="Courier" charset="0"/>
               </a:rPr>
-              <a:t>a = a + </a:t>
+              <a:t>a = a + b</a:t>
+            </a:r>
+          </a:p>
+          <a:p>
+            <a:r>
+              <a:rPr lang="en-US" sz="3200" dirty="0">
+                <a:latin typeface="Courier" charset="0"/>
+                <a:ea typeface="Courier" charset="0"/>
+                <a:cs typeface="Courier" charset="0"/>
+              </a:rPr>
+              <a:t>	</a:t>
             </a:r>
             <a:r>
               <a:rPr lang="en-US" sz="3200" dirty="0" smtClean="0">
-                <a:latin typeface="Courier" charset="0"/>
-                <a:ea typeface="Courier" charset="0"/>
-                <a:cs typeface="Courier" charset="0"/>
-              </a:rPr>
-              <a:t>b</a:t>
-            </a:r>
-          </a:p>
-          <a:p>
-            <a:r>
-              <a:rPr lang="en-US" sz="3200" dirty="0">
-                <a:latin typeface="Courier" charset="0"/>
-                <a:ea typeface="Courier" charset="0"/>
-                <a:cs typeface="Courier" charset="0"/>
-              </a:rPr>
-              <a:t>	</a:t>
+                <a:solidFill>
+                  <a:srgbClr val="118EB0"/>
+                </a:solidFill>
+                <a:latin typeface="Courier" charset="0"/>
+                <a:ea typeface="Courier" charset="0"/>
+                <a:cs typeface="Courier" charset="0"/>
+              </a:rPr>
+              <a:t>return</a:t>
             </a:r>
             <a:r>
               <a:rPr lang="en-US" sz="3200" dirty="0" smtClean="0">
-                <a:solidFill>
-                  <a:srgbClr val="118EB0"/>
-                </a:solidFill>
-                <a:latin typeface="Courier" charset="0"/>
-                <a:ea typeface="Courier" charset="0"/>
-                <a:cs typeface="Courier" charset="0"/>
-              </a:rPr>
-              <a:t>return</a:t>
-            </a:r>
-            <a:r>
-              <a:rPr lang="en-US" sz="3200" dirty="0" smtClean="0">
                 <a:latin typeface="Courier" charset="0"/>
                 <a:ea typeface="Courier" charset="0"/>
                 <a:cs typeface="Courier" charset="0"/>
               </a:rPr>
               <a:t> a</a:t>
             </a:r>
-            <a:endParaRPr lang="en-US" sz="3200" dirty="0" smtClean="0">
-              <a:latin typeface="Courier" charset="0"/>
-              <a:ea typeface="Courier" charset="0"/>
-              <a:cs typeface="Courier" charset="0"/>
-            </a:endParaRPr>
           </a:p>
           <a:p>
             <a:r>
@@ -9295,7 +9220,17 @@
                 <a:ea typeface="Courier" charset="0"/>
                 <a:cs typeface="Courier" charset="0"/>
               </a:rPr>
-              <a:t>a = </a:t>
+              <a:t>a = 3</a:t>
+            </a:r>
+          </a:p>
+          <a:p>
+            <a:r>
+              <a:rPr lang="en-US" sz="3200" dirty="0">
+                <a:latin typeface="Courier" charset="0"/>
+                <a:ea typeface="Courier" charset="0"/>
+                <a:cs typeface="Courier" charset="0"/>
+              </a:rPr>
+              <a:t>	</a:t>
             </a:r>
             <a:r>
               <a:rPr lang="en-US" sz="3200" dirty="0" smtClean="0">
@@ -9303,7 +9238,7 @@
                 <a:ea typeface="Courier" charset="0"/>
                 <a:cs typeface="Courier" charset="0"/>
               </a:rPr>
-              <a:t>3</a:t>
+              <a:t>return a</a:t>
             </a:r>
           </a:p>
           <a:p>
@@ -9314,14 +9249,6 @@
                 <a:cs typeface="Courier" charset="0"/>
               </a:rPr>
               <a:t>	</a:t>
-            </a:r>
-            <a:r>
-              <a:rPr lang="en-US" sz="3200" dirty="0" smtClean="0">
-                <a:latin typeface="Courier" charset="0"/>
-                <a:ea typeface="Courier" charset="0"/>
-                <a:cs typeface="Courier" charset="0"/>
-              </a:rPr>
-              <a:t>return a</a:t>
             </a:r>
             <a:endParaRPr lang="en-US" sz="3200" dirty="0" smtClean="0">
               <a:latin typeface="Courier" charset="0"/>
@@ -9336,21 +9263,6 @@
                 <a:ea typeface="Courier" charset="0"/>
                 <a:cs typeface="Courier" charset="0"/>
               </a:rPr>
-              <a:t>	</a:t>
-            </a:r>
-            <a:endParaRPr lang="en-US" sz="3200" dirty="0" smtClean="0">
-              <a:latin typeface="Courier" charset="0"/>
-              <a:ea typeface="Courier" charset="0"/>
-              <a:cs typeface="Courier" charset="0"/>
-            </a:endParaRPr>
-          </a:p>
-          <a:p>
-            <a:r>
-              <a:rPr lang="en-US" sz="3200" dirty="0">
-                <a:latin typeface="Courier" charset="0"/>
-                <a:ea typeface="Courier" charset="0"/>
-                <a:cs typeface="Courier" charset="0"/>
-              </a:rPr>
               <a:t>b</a:t>
             </a:r>
             <a:r>
@@ -9359,15 +9271,7 @@
                 <a:ea typeface="Courier" charset="0"/>
                 <a:cs typeface="Courier" charset="0"/>
               </a:rPr>
-              <a:t> = fun</a:t>
-            </a:r>
-            <a:r>
-              <a:rPr lang="en-US" sz="3200" dirty="0" smtClean="0">
-                <a:latin typeface="Courier" charset="0"/>
-                <a:ea typeface="Courier" charset="0"/>
-                <a:cs typeface="Courier" charset="0"/>
-              </a:rPr>
-              <a:t>()</a:t>
+              <a:t> = fun()</a:t>
             </a:r>
           </a:p>
           <a:p>
@@ -11234,8 +11138,8 @@
         </p:nvSpPr>
         <p:spPr>
           <a:xfrm>
-            <a:off x="1037663" y="1712669"/>
-            <a:ext cx="6346810" cy="3046988"/>
+            <a:off x="747431" y="1354803"/>
+            <a:ext cx="7649137" cy="5509200"/>
           </a:xfrm>
           <a:prstGeom prst="rect">
             <a:avLst/>
@@ -11257,7 +11161,7 @@
                 <a:ea typeface="Courier" charset="0"/>
                 <a:cs typeface="Courier" charset="0"/>
               </a:rPr>
-              <a:t>def fun(a):</a:t>
+              <a:t>def fun(a, b):</a:t>
             </a:r>
           </a:p>
           <a:p>
@@ -11275,7 +11179,25 @@
                 <a:ea typeface="Courier" charset="0"/>
                 <a:cs typeface="Courier" charset="0"/>
               </a:rPr>
-              <a:t>return a+2</a:t>
+              <a:t>c = (a+‘ ’)*len(b)</a:t>
+            </a:r>
+          </a:p>
+          <a:p>
+            <a:r>
+              <a:rPr lang="en-US" sz="3200" dirty="0">
+                <a:latin typeface="Courier" charset="0"/>
+                <a:ea typeface="Courier" charset="0"/>
+                <a:cs typeface="Courier" charset="0"/>
+              </a:rPr>
+              <a:t>	</a:t>
+            </a:r>
+            <a:r>
+              <a:rPr lang="en-US" sz="3200" dirty="0" smtClean="0">
+                <a:latin typeface="Courier" charset="0"/>
+                <a:ea typeface="Courier" charset="0"/>
+                <a:cs typeface="Courier" charset="0"/>
+              </a:rPr>
+              <a:t>return c</a:t>
             </a:r>
           </a:p>
           <a:p>
@@ -11300,7 +11222,23 @@
                 <a:ea typeface="Courier" charset="0"/>
                 <a:cs typeface="Courier" charset="0"/>
               </a:rPr>
-              <a:t> = fun(2)*fun(3+1)</a:t>
+              <a:t> = fun(‘ab’, ‘</a:t>
+            </a:r>
+            <a:r>
+              <a:rPr lang="en-US" sz="3200" dirty="0" err="1" smtClean="0">
+                <a:latin typeface="Courier" charset="0"/>
+                <a:ea typeface="Courier" charset="0"/>
+                <a:cs typeface="Courier" charset="0"/>
+              </a:rPr>
+              <a:t>caa</a:t>
+            </a:r>
+            <a:r>
+              <a:rPr lang="en-US" sz="3200" dirty="0" smtClean="0">
+                <a:latin typeface="Courier" charset="0"/>
+                <a:ea typeface="Courier" charset="0"/>
+                <a:cs typeface="Courier" charset="0"/>
+              </a:rPr>
+              <a:t>’)</a:t>
             </a:r>
           </a:p>
           <a:p>
@@ -11319,6 +11257,70 @@
               <a:t>What is the value of x?</a:t>
             </a:r>
           </a:p>
+          <a:p>
+            <a:r>
+              <a:rPr lang="en-US" sz="3200" dirty="0">
+                <a:ea typeface="Courier" charset="0"/>
+                <a:cs typeface="Courier" charset="0"/>
+              </a:rPr>
+              <a:t> </a:t>
+            </a:r>
+            <a:r>
+              <a:rPr lang="en-US" sz="3200" dirty="0" smtClean="0">
+                <a:ea typeface="Courier" charset="0"/>
+                <a:cs typeface="Courier" charset="0"/>
+              </a:rPr>
+              <a:t>A ‘ab ab ab’</a:t>
+            </a:r>
+          </a:p>
+          <a:p>
+            <a:r>
+              <a:rPr lang="en-US" sz="3200" dirty="0">
+                <a:ea typeface="Courier" charset="0"/>
+                <a:cs typeface="Courier" charset="0"/>
+              </a:rPr>
+              <a:t> </a:t>
+            </a:r>
+            <a:r>
+              <a:rPr lang="en-US" sz="3200" dirty="0" smtClean="0">
+                <a:ea typeface="Courier" charset="0"/>
+                <a:cs typeface="Courier" charset="0"/>
+              </a:rPr>
+              <a:t>B ‘Ab Ab Ab’</a:t>
+            </a:r>
+          </a:p>
+          <a:p>
+            <a:r>
+              <a:rPr lang="en-US" sz="3200" dirty="0">
+                <a:ea typeface="Courier" charset="0"/>
+                <a:cs typeface="Courier" charset="0"/>
+              </a:rPr>
+              <a:t> </a:t>
+            </a:r>
+            <a:r>
+              <a:rPr lang="en-US" sz="3200" dirty="0" smtClean="0">
+                <a:ea typeface="Courier" charset="0"/>
+                <a:cs typeface="Courier" charset="0"/>
+              </a:rPr>
+              <a:t>C ‘AB AB AB’</a:t>
+            </a:r>
+          </a:p>
+          <a:p>
+            <a:r>
+              <a:rPr lang="en-US" sz="3200" dirty="0">
+                <a:ea typeface="Courier" charset="0"/>
+                <a:cs typeface="Courier" charset="0"/>
+              </a:rPr>
+              <a:t> </a:t>
+            </a:r>
+            <a:r>
+              <a:rPr lang="en-US" sz="3200" dirty="0" smtClean="0">
+                <a:ea typeface="Courier" charset="0"/>
+                <a:cs typeface="Courier" charset="0"/>
+              </a:rPr>
+              <a:t>D None of the above</a:t>
+            </a:r>
+          </a:p>
         </p:txBody>
       </p:sp>
       <p:sp>
@@ -11361,7 +11363,7 @@
     </p:spTree>
     <p:extLst>
       <p:ext uri="{BB962C8B-B14F-4D97-AF65-F5344CB8AC3E}">
-        <p14:creationId xmlns:p14="http://schemas.microsoft.com/office/powerpoint/2010/main" val="115585356"/>
+        <p14:creationId xmlns:p14="http://schemas.microsoft.com/office/powerpoint/2010/main" val="469657111"/>
       </p:ext>
     </p:extLst>
   </p:cSld>
@@ -11747,8 +11749,8 @@
         </p:nvSpPr>
         <p:spPr>
           <a:xfrm>
-            <a:off x="747431" y="1354803"/>
-            <a:ext cx="7649137" cy="5016758"/>
+            <a:off x="1037663" y="1712669"/>
+            <a:ext cx="6346810" cy="3046988"/>
           </a:xfrm>
           <a:prstGeom prst="rect">
             <a:avLst/>
@@ -11788,39 +11790,7 @@
                 <a:ea typeface="Courier" charset="0"/>
                 <a:cs typeface="Courier" charset="0"/>
               </a:rPr>
-              <a:t>return </a:t>
-            </a:r>
-            <a:r>
-              <a:rPr lang="en-US" sz="3200" dirty="0" err="1" smtClean="0">
-                <a:latin typeface="Courier" charset="0"/>
-                <a:ea typeface="Courier" charset="0"/>
-                <a:cs typeface="Courier" charset="0"/>
-              </a:rPr>
-              <a:t>m.title</a:t>
-            </a:r>
-            <a:r>
-              <a:rPr lang="en-US" sz="3200" dirty="0" smtClean="0">
-                <a:latin typeface="Courier" charset="0"/>
-                <a:ea typeface="Courier" charset="0"/>
-                <a:cs typeface="Courier" charset="0"/>
-              </a:rPr>
-              <a:t>().</a:t>
-            </a:r>
-            <a:r>
-              <a:rPr lang="en-US" sz="3200" dirty="0" err="1" smtClean="0">
-                <a:latin typeface="Courier" charset="0"/>
-                <a:ea typeface="Courier" charset="0"/>
-                <a:cs typeface="Courier" charset="0"/>
-              </a:rPr>
-              <a:t>swapcase</a:t>
-            </a:r>
-            <a:r>
-              <a:rPr lang="en-US" sz="3200" dirty="0" smtClean="0">
-                <a:latin typeface="Courier" charset="0"/>
-                <a:ea typeface="Courier" charset="0"/>
-                <a:cs typeface="Courier" charset="0"/>
-              </a:rPr>
-              <a:t>()</a:t>
+              <a:t>return a+2</a:t>
             </a:r>
           </a:p>
           <a:p>
@@ -11845,39 +11815,7 @@
                 <a:ea typeface="Courier" charset="0"/>
                 <a:cs typeface="Courier" charset="0"/>
               </a:rPr>
-              <a:t> = fun(‘</a:t>
-            </a:r>
-            <a:r>
-              <a:rPr lang="en-US" sz="3200" dirty="0" err="1" smtClean="0">
-                <a:latin typeface="Courier" charset="0"/>
-                <a:ea typeface="Courier" charset="0"/>
-                <a:cs typeface="Courier" charset="0"/>
-              </a:rPr>
-              <a:t>abc</a:t>
-            </a:r>
-            <a:r>
-              <a:rPr lang="en-US" sz="3200" dirty="0" smtClean="0">
-                <a:latin typeface="Courier" charset="0"/>
-                <a:ea typeface="Courier" charset="0"/>
-                <a:cs typeface="Courier" charset="0"/>
-              </a:rPr>
-              <a:t>’)*fun(‘</a:t>
-            </a:r>
-            <a:r>
-              <a:rPr lang="en-US" sz="3200" dirty="0" err="1" smtClean="0">
-                <a:latin typeface="Courier" charset="0"/>
-                <a:ea typeface="Courier" charset="0"/>
-                <a:cs typeface="Courier" charset="0"/>
-              </a:rPr>
-              <a:t>acab</a:t>
-            </a:r>
-            <a:r>
-              <a:rPr lang="en-US" sz="3200" dirty="0" smtClean="0">
-                <a:latin typeface="Courier" charset="0"/>
-                <a:ea typeface="Courier" charset="0"/>
-                <a:cs typeface="Courier" charset="0"/>
-              </a:rPr>
-              <a:t>’)</a:t>
+              <a:t> = fun(2)*fun(3+1)</a:t>
             </a:r>
           </a:p>
           <a:p>
@@ -11896,112 +11834,6 @@
               <a:t>What is the value of x?</a:t>
             </a:r>
           </a:p>
-          <a:p>
-            <a:r>
-              <a:rPr lang="en-US" sz="3200" dirty="0">
-                <a:ea typeface="Courier" charset="0"/>
-                <a:cs typeface="Courier" charset="0"/>
-              </a:rPr>
-              <a:t> </a:t>
-            </a:r>
-            <a:r>
-              <a:rPr lang="en-US" sz="3200" dirty="0" smtClean="0">
-                <a:ea typeface="Courier" charset="0"/>
-                <a:cs typeface="Courier" charset="0"/>
-              </a:rPr>
-              <a:t>A ‘</a:t>
-            </a:r>
-            <a:r>
-              <a:rPr lang="en-US" sz="3200" dirty="0" err="1" smtClean="0">
-                <a:ea typeface="Courier" charset="0"/>
-                <a:cs typeface="Courier" charset="0"/>
-              </a:rPr>
-              <a:t>AbbAcab</a:t>
-            </a:r>
-            <a:r>
-              <a:rPr lang="en-US" sz="3200" dirty="0" smtClean="0">
-                <a:ea typeface="Courier" charset="0"/>
-                <a:cs typeface="Courier" charset="0"/>
-              </a:rPr>
-              <a:t>’</a:t>
-            </a:r>
-          </a:p>
-          <a:p>
-            <a:r>
-              <a:rPr lang="en-US" sz="3200" dirty="0">
-                <a:ea typeface="Courier" charset="0"/>
-                <a:cs typeface="Courier" charset="0"/>
-              </a:rPr>
-              <a:t> </a:t>
-            </a:r>
-            <a:r>
-              <a:rPr lang="en-US" sz="3200" dirty="0" smtClean="0">
-                <a:ea typeface="Courier" charset="0"/>
-                <a:cs typeface="Courier" charset="0"/>
-              </a:rPr>
-              <a:t>B ‘</a:t>
-            </a:r>
-            <a:r>
-              <a:rPr lang="en-US" sz="3200" dirty="0" err="1" smtClean="0">
-                <a:ea typeface="Courier" charset="0"/>
-                <a:cs typeface="Courier" charset="0"/>
-              </a:rPr>
-              <a:t>aBBaCAB</a:t>
-            </a:r>
-            <a:r>
-              <a:rPr lang="en-US" sz="3200" dirty="0" smtClean="0">
-                <a:ea typeface="Courier" charset="0"/>
-                <a:cs typeface="Courier" charset="0"/>
-              </a:rPr>
-              <a:t>’</a:t>
-            </a:r>
-          </a:p>
-          <a:p>
-            <a:r>
-              <a:rPr lang="en-US" sz="3200" dirty="0">
-                <a:ea typeface="Courier" charset="0"/>
-                <a:cs typeface="Courier" charset="0"/>
-              </a:rPr>
-              <a:t> </a:t>
-            </a:r>
-            <a:r>
-              <a:rPr lang="en-US" sz="3200" dirty="0" smtClean="0">
-                <a:ea typeface="Courier" charset="0"/>
-                <a:cs typeface="Courier" charset="0"/>
-              </a:rPr>
-              <a:t>C ‘</a:t>
-            </a:r>
-            <a:r>
-              <a:rPr lang="en-US" sz="3200" dirty="0" err="1" smtClean="0">
-                <a:ea typeface="Courier" charset="0"/>
-                <a:cs typeface="Courier" charset="0"/>
-              </a:rPr>
-              <a:t>abbacab</a:t>
-            </a:r>
-            <a:r>
-              <a:rPr lang="en-US" sz="3200" dirty="0" smtClean="0">
-                <a:ea typeface="Courier" charset="0"/>
-                <a:cs typeface="Courier" charset="0"/>
-              </a:rPr>
-              <a:t>’</a:t>
-            </a:r>
-          </a:p>
-          <a:p>
-            <a:r>
-              <a:rPr lang="en-US" sz="3200" dirty="0">
-                <a:ea typeface="Courier" charset="0"/>
-                <a:cs typeface="Courier" charset="0"/>
-              </a:rPr>
-              <a:t> </a:t>
-            </a:r>
-            <a:r>
-              <a:rPr lang="en-US" sz="3200" dirty="0" smtClean="0">
-                <a:ea typeface="Courier" charset="0"/>
-                <a:cs typeface="Courier" charset="0"/>
-              </a:rPr>
-              <a:t>D ‘ABBACAB’</a:t>
-            </a:r>
-          </a:p>
         </p:txBody>
       </p:sp>
       <p:sp>
@@ -12044,7 +11876,7 @@
     </p:spTree>
     <p:extLst>
       <p:ext uri="{BB962C8B-B14F-4D97-AF65-F5344CB8AC3E}">
-        <p14:creationId xmlns:p14="http://schemas.microsoft.com/office/powerpoint/2010/main" val="208509412"/>
+        <p14:creationId xmlns:p14="http://schemas.microsoft.com/office/powerpoint/2010/main" val="115585356"/>
       </p:ext>
     </p:extLst>
   </p:cSld>
@@ -12163,10 +11995,23 @@
               <a:t>   </a:t>
             </a:r>
             <a:r>
-              <a:rPr lang="en-US" sz="4000" i="1" dirty="0" smtClean="0"/>
-              <a:t>Example</a:t>
-            </a:r>
-            <a:endParaRPr lang="en-US" sz="4000" i="1" dirty="0"/>
+              <a:rPr lang="en-US" sz="4000" i="1" dirty="0">
+                <a:ea typeface="Courier" charset="0"/>
+                <a:cs typeface="Courier" charset="0"/>
+              </a:rPr>
+              <a:t>R</a:t>
+            </a:r>
+            <a:r>
+              <a:rPr lang="en-US" sz="4000" i="1" dirty="0" smtClean="0">
+                <a:ea typeface="Courier" charset="0"/>
+                <a:cs typeface="Courier" charset="0"/>
+              </a:rPr>
+              <a:t>eturn value as argument</a:t>
+            </a:r>
+            <a:endParaRPr lang="en-US" sz="4000" i="1" dirty="0">
+              <a:ea typeface="Courier" charset="0"/>
+              <a:cs typeface="Courier" charset="0"/>
+            </a:endParaRPr>
           </a:p>
         </p:txBody>
       </p:sp>
@@ -12264,7 +12109,7 @@
         </p:nvSpPr>
         <p:spPr>
           <a:xfrm>
-            <a:off x="457200" y="1600201"/>
+            <a:off x="457200" y="1415113"/>
             <a:ext cx="8229600" cy="4842796"/>
           </a:xfrm>
           <a:prstGeom prst="rect">
@@ -12418,20 +12263,39 @@
                 <a:spcPts val="0"/>
               </a:spcBef>
             </a:pPr>
+            <a:r>
+              <a:rPr lang="en-US" dirty="0" smtClean="0"/>
+              <a:t>The returned value of a function call can be passed to another function as argument</a:t>
+            </a:r>
+          </a:p>
+          <a:p>
+            <a:pPr defTabSz="914400">
+              <a:spcBef>
+                <a:spcPts val="0"/>
+              </a:spcBef>
+            </a:pPr>
             <a:endParaRPr lang="en-US" dirty="0"/>
           </a:p>
-        </p:txBody>
-      </p:sp>
-      <p:sp>
-        <p:nvSpPr>
-          <p:cNvPr id="9" name="TextBox 8"/>
+          <a:p>
+            <a:pPr defTabSz="914400">
+              <a:spcBef>
+                <a:spcPts val="0"/>
+              </a:spcBef>
+            </a:pPr>
+            <a:endParaRPr lang="en-US" dirty="0"/>
+          </a:p>
+        </p:txBody>
+      </p:sp>
+      <p:sp>
+        <p:nvSpPr>
+          <p:cNvPr id="12" name="TextBox 11"/>
           <p:cNvSpPr txBox="1"/>
           <p:nvPr/>
         </p:nvSpPr>
         <p:spPr>
           <a:xfrm>
-            <a:off x="747431" y="1354803"/>
-            <a:ext cx="7649137" cy="5016758"/>
+            <a:off x="790601" y="2842859"/>
+            <a:ext cx="5386855" cy="3046988"/>
           </a:xfrm>
           <a:prstGeom prst="rect">
             <a:avLst/>
@@ -12448,34 +12312,36 @@
           <a:lstStyle/>
           <a:p>
             <a:r>
-              <a:rPr lang="en-US" sz="3200" dirty="0" smtClean="0">
-                <a:latin typeface="Courier" charset="0"/>
-                <a:ea typeface="Courier" charset="0"/>
-                <a:cs typeface="Courier" charset="0"/>
-              </a:rPr>
-              <a:t>def fun(a, b):</a:t>
-            </a:r>
-          </a:p>
-          <a:p>
-            <a:r>
-              <a:rPr lang="en-US" sz="3200" dirty="0">
-                <a:latin typeface="Courier" charset="0"/>
-                <a:ea typeface="Courier" charset="0"/>
-                <a:cs typeface="Courier" charset="0"/>
-              </a:rPr>
-              <a:t>	</a:t>
-            </a:r>
-            <a:r>
-              <a:rPr lang="en-US" sz="3200" dirty="0" smtClean="0">
-                <a:latin typeface="Courier" charset="0"/>
-                <a:ea typeface="Courier" charset="0"/>
-                <a:cs typeface="Courier" charset="0"/>
-              </a:rPr>
-              <a:t>c = ((a+‘ ’)*len(b)).title()</a:t>
-            </a:r>
-          </a:p>
-          <a:p>
-            <a:endParaRPr lang="en-US" sz="3200" dirty="0">
+              <a:rPr lang="en-US" sz="2400" dirty="0">
+                <a:latin typeface="Courier" charset="0"/>
+                <a:ea typeface="Courier" charset="0"/>
+                <a:cs typeface="Courier" charset="0"/>
+              </a:rPr>
+              <a:t>def pow(a, b):</a:t>
+            </a:r>
+          </a:p>
+          <a:p>
+            <a:r>
+              <a:rPr lang="en-US" sz="2400" dirty="0">
+                <a:latin typeface="Courier" charset="0"/>
+                <a:ea typeface="Courier" charset="0"/>
+                <a:cs typeface="Courier" charset="0"/>
+              </a:rPr>
+              <a:t>	y = a ** b</a:t>
+            </a:r>
+          </a:p>
+          <a:p>
+            <a:r>
+              <a:rPr lang="en-US" sz="2400" dirty="0">
+                <a:latin typeface="Courier" charset="0"/>
+                <a:ea typeface="Courier" charset="0"/>
+                <a:cs typeface="Courier" charset="0"/>
+              </a:rPr>
+              <a:t>	return y</a:t>
+            </a:r>
+          </a:p>
+          <a:p>
+            <a:endParaRPr lang="en-US" sz="2400" dirty="0" smtClean="0">
               <a:latin typeface="Courier" charset="0"/>
               <a:ea typeface="Courier" charset="0"/>
               <a:cs typeface="Courier" charset="0"/>
@@ -12483,40 +12349,45 @@
           </a:p>
           <a:p>
             <a:r>
-              <a:rPr lang="en-US" sz="3200" dirty="0">
-                <a:latin typeface="Courier" charset="0"/>
-                <a:ea typeface="Courier" charset="0"/>
-                <a:cs typeface="Courier" charset="0"/>
-              </a:rPr>
-              <a:t>x</a:t>
-            </a:r>
-            <a:r>
-              <a:rPr lang="en-US" sz="3200" dirty="0" smtClean="0">
-                <a:latin typeface="Courier" charset="0"/>
-                <a:ea typeface="Courier" charset="0"/>
-                <a:cs typeface="Courier" charset="0"/>
-              </a:rPr>
-              <a:t> = fun(‘ab’, ‘</a:t>
-            </a:r>
-            <a:r>
-              <a:rPr lang="en-US" sz="3200" dirty="0" err="1" smtClean="0">
-                <a:latin typeface="Courier" charset="0"/>
-                <a:ea typeface="Courier" charset="0"/>
-                <a:cs typeface="Courier" charset="0"/>
-              </a:rPr>
-              <a:t>caa</a:t>
-            </a:r>
-            <a:r>
-              <a:rPr lang="en-US" sz="3200" dirty="0" smtClean="0">
-                <a:latin typeface="Courier" charset="0"/>
-                <a:ea typeface="Courier" charset="0"/>
-                <a:cs typeface="Courier" charset="0"/>
-              </a:rPr>
-              <a:t>’)</a:t>
-            </a:r>
-          </a:p>
-          <a:p>
-            <a:endParaRPr lang="en-US" sz="3200" dirty="0">
+              <a:rPr lang="en-US" sz="2400" dirty="0" smtClean="0">
+                <a:latin typeface="Courier" charset="0"/>
+                <a:ea typeface="Courier" charset="0"/>
+                <a:cs typeface="Courier" charset="0"/>
+              </a:rPr>
+              <a:t>def three():</a:t>
+            </a:r>
+          </a:p>
+          <a:p>
+            <a:r>
+              <a:rPr lang="en-US" sz="2400" dirty="0" smtClean="0">
+                <a:latin typeface="Courier" charset="0"/>
+                <a:ea typeface="Courier" charset="0"/>
+                <a:cs typeface="Courier" charset="0"/>
+              </a:rPr>
+              <a:t>	</a:t>
+            </a:r>
+            <a:r>
+              <a:rPr lang="en-US" sz="2400" dirty="0" smtClean="0">
+                <a:solidFill>
+                  <a:srgbClr val="118EB0"/>
+                </a:solidFill>
+                <a:latin typeface="Courier" charset="0"/>
+                <a:ea typeface="Courier" charset="0"/>
+                <a:cs typeface="Courier" charset="0"/>
+              </a:rPr>
+              <a:t>return</a:t>
+            </a:r>
+            <a:r>
+              <a:rPr lang="en-US" sz="2400" dirty="0" smtClean="0">
+                <a:latin typeface="Courier" charset="0"/>
+                <a:ea typeface="Courier" charset="0"/>
+                <a:cs typeface="Courier" charset="0"/>
+              </a:rPr>
+              <a:t> 3</a:t>
+            </a:r>
+          </a:p>
+          <a:p>
+            <a:endParaRPr lang="en-US" sz="2400" dirty="0">
               <a:latin typeface="Courier" charset="0"/>
               <a:ea typeface="Courier" charset="0"/>
               <a:cs typeface="Courier" charset="0"/>
@@ -12524,82 +12395,19 @@
           </a:p>
           <a:p>
             <a:r>
-              <a:rPr lang="en-US" sz="3200" dirty="0" smtClean="0">
-                <a:ea typeface="Courier" charset="0"/>
-                <a:cs typeface="Courier" charset="0"/>
-              </a:rPr>
-              <a:t>What is the value of x?</a:t>
-            </a:r>
-          </a:p>
-          <a:p>
-            <a:r>
-              <a:rPr lang="en-US" sz="3200" dirty="0">
-                <a:ea typeface="Courier" charset="0"/>
-                <a:cs typeface="Courier" charset="0"/>
-              </a:rPr>
-              <a:t> </a:t>
-            </a:r>
-            <a:r>
-              <a:rPr lang="en-US" sz="3200" dirty="0" smtClean="0">
-                <a:ea typeface="Courier" charset="0"/>
-                <a:cs typeface="Courier" charset="0"/>
-              </a:rPr>
-              <a:t>A ‘ab ab ab ’</a:t>
-            </a:r>
-          </a:p>
-          <a:p>
-            <a:r>
-              <a:rPr lang="en-US" sz="3200" dirty="0">
-                <a:ea typeface="Courier" charset="0"/>
-                <a:cs typeface="Courier" charset="0"/>
-              </a:rPr>
-              <a:t> </a:t>
-            </a:r>
-            <a:r>
-              <a:rPr lang="en-US" sz="3200" dirty="0" smtClean="0">
-                <a:ea typeface="Courier" charset="0"/>
-                <a:cs typeface="Courier" charset="0"/>
-              </a:rPr>
-              <a:t>B ‘Ab Ab Ab’</a:t>
-            </a:r>
-          </a:p>
-          <a:p>
-            <a:r>
-              <a:rPr lang="en-US" sz="3200" dirty="0">
-                <a:ea typeface="Courier" charset="0"/>
-                <a:cs typeface="Courier" charset="0"/>
-              </a:rPr>
-              <a:t> </a:t>
-            </a:r>
-            <a:r>
-              <a:rPr lang="en-US" sz="3200" dirty="0" smtClean="0">
-                <a:ea typeface="Courier" charset="0"/>
-                <a:cs typeface="Courier" charset="0"/>
-              </a:rPr>
-              <a:t>C ‘AB AB AB’</a:t>
-            </a:r>
-          </a:p>
-          <a:p>
-            <a:r>
-              <a:rPr lang="en-US" sz="3200" dirty="0">
-                <a:ea typeface="Courier" charset="0"/>
-                <a:cs typeface="Courier" charset="0"/>
-              </a:rPr>
-              <a:t> </a:t>
-            </a:r>
-            <a:r>
-              <a:rPr lang="en-US" sz="3200" dirty="0" smtClean="0">
-                <a:ea typeface="Courier" charset="0"/>
-                <a:cs typeface="Courier" charset="0"/>
-              </a:rPr>
-              <a:t>D None of the above</a:t>
-            </a:r>
-          </a:p>
-        </p:txBody>
-      </p:sp>
-      <p:sp>
-        <p:nvSpPr>
-          <p:cNvPr id="10" name="Rectangle 9"/>
+              <a:rPr lang="en-US" sz="2400" dirty="0" smtClean="0">
+                <a:latin typeface="Courier" charset="0"/>
+                <a:ea typeface="Courier" charset="0"/>
+                <a:cs typeface="Courier" charset="0"/>
+              </a:rPr>
+              <a:t>a = pow(three(), three()+2)</a:t>
+            </a:r>
+          </a:p>
+        </p:txBody>
+      </p:sp>
+      <p:sp>
+        <p:nvSpPr>
+          <p:cNvPr id="9" name="Rectangle 8"/>
           <p:cNvSpPr/>
           <p:nvPr/>
         </p:nvSpPr>
@@ -12637,7 +12445,7 @@
     </p:spTree>
     <p:extLst>
       <p:ext uri="{BB962C8B-B14F-4D97-AF65-F5344CB8AC3E}">
-        <p14:creationId xmlns:p14="http://schemas.microsoft.com/office/powerpoint/2010/main" val="469657111"/>
+        <p14:creationId xmlns:p14="http://schemas.microsoft.com/office/powerpoint/2010/main" val="1691413938"/>
       </p:ext>
     </p:extLst>
   </p:cSld>
@@ -12756,23 +12564,10 @@
               <a:t>   </a:t>
             </a:r>
             <a:r>
-              <a:rPr lang="en-US" sz="4000" i="1" dirty="0">
-                <a:ea typeface="Courier" charset="0"/>
-                <a:cs typeface="Courier" charset="0"/>
-              </a:rPr>
-              <a:t>R</a:t>
-            </a:r>
-            <a:r>
-              <a:rPr lang="en-US" sz="4000" i="1" dirty="0" smtClean="0">
-                <a:ea typeface="Courier" charset="0"/>
-                <a:cs typeface="Courier" charset="0"/>
-              </a:rPr>
-              <a:t>eturn value as argument</a:t>
-            </a:r>
-            <a:endParaRPr lang="en-US" sz="4000" i="1" dirty="0">
-              <a:ea typeface="Courier" charset="0"/>
-              <a:cs typeface="Courier" charset="0"/>
-            </a:endParaRPr>
+              <a:rPr lang="en-US" sz="4000" i="1" dirty="0" smtClean="0"/>
+              <a:t>Example</a:t>
+            </a:r>
+            <a:endParaRPr lang="en-US" sz="4000" i="1" dirty="0"/>
           </a:p>
         </p:txBody>
       </p:sp>
@@ -12870,7 +12665,7 @@
         </p:nvSpPr>
         <p:spPr>
           <a:xfrm>
-            <a:off x="457200" y="1415113"/>
+            <a:off x="457200" y="1600201"/>
             <a:ext cx="8229600" cy="4842796"/>
           </a:xfrm>
           <a:prstGeom prst="rect">
@@ -13024,40 +12819,20 @@
                 <a:spcPts val="0"/>
               </a:spcBef>
             </a:pPr>
-            <a:r>
-              <a:rPr lang="en-US" dirty="0" smtClean="0"/>
-              <a:t>The returned value of a function call can be passed to another function as argument</a:t>
-            </a:r>
-            <a:endParaRPr lang="en-US" dirty="0" smtClean="0"/>
-          </a:p>
-          <a:p>
-            <a:pPr defTabSz="914400">
-              <a:spcBef>
-                <a:spcPts val="0"/>
-              </a:spcBef>
-            </a:pPr>
             <a:endParaRPr lang="en-US" dirty="0"/>
           </a:p>
-          <a:p>
-            <a:pPr defTabSz="914400">
-              <a:spcBef>
-                <a:spcPts val="0"/>
-              </a:spcBef>
-            </a:pPr>
-            <a:endParaRPr lang="en-US" dirty="0"/>
-          </a:p>
-        </p:txBody>
-      </p:sp>
-      <p:sp>
-        <p:nvSpPr>
-          <p:cNvPr id="12" name="TextBox 11"/>
+        </p:txBody>
+      </p:sp>
+      <p:sp>
+        <p:nvSpPr>
+          <p:cNvPr id="9" name="TextBox 8"/>
           <p:cNvSpPr txBox="1"/>
           <p:nvPr/>
         </p:nvSpPr>
         <p:spPr>
           <a:xfrm>
-            <a:off x="843824" y="3194551"/>
-            <a:ext cx="5386855" cy="1569660"/>
+            <a:off x="1037663" y="1712669"/>
+            <a:ext cx="6346810" cy="3046988"/>
           </a:xfrm>
           <a:prstGeom prst="rect">
             <a:avLst/>
@@ -13074,30 +12849,34 @@
           <a:lstStyle/>
           <a:p>
             <a:r>
-              <a:rPr lang="en-US" sz="2400" dirty="0">
-                <a:latin typeface="Courier" charset="0"/>
-                <a:ea typeface="Courier" charset="0"/>
-                <a:cs typeface="Courier" charset="0"/>
-              </a:rPr>
-              <a:t>d</a:t>
-            </a:r>
-            <a:r>
-              <a:rPr lang="en-US" sz="2400" dirty="0" smtClean="0">
-                <a:latin typeface="Courier" charset="0"/>
-                <a:ea typeface="Courier" charset="0"/>
-                <a:cs typeface="Courier" charset="0"/>
-              </a:rPr>
-              <a:t>ef </a:t>
-            </a:r>
-            <a:r>
-              <a:rPr lang="en-US" sz="2400" dirty="0" smtClean="0">
-                <a:latin typeface="Courier" charset="0"/>
-                <a:ea typeface="Courier" charset="0"/>
-                <a:cs typeface="Courier" charset="0"/>
-              </a:rPr>
-              <a:t>three():</a:t>
-            </a:r>
-            <a:endParaRPr lang="en-US" sz="2400" dirty="0" smtClean="0">
+              <a:rPr lang="en-US" sz="3200" dirty="0" smtClean="0">
+                <a:latin typeface="Courier" charset="0"/>
+                <a:ea typeface="Courier" charset="0"/>
+                <a:cs typeface="Courier" charset="0"/>
+              </a:rPr>
+              <a:t>def fun(a):</a:t>
+            </a:r>
+          </a:p>
+          <a:p>
+            <a:r>
+              <a:rPr lang="en-US" sz="3200" dirty="0">
+                <a:latin typeface="Courier" charset="0"/>
+                <a:ea typeface="Courier" charset="0"/>
+                <a:cs typeface="Courier" charset="0"/>
+              </a:rPr>
+              <a:t>	</a:t>
+            </a:r>
+            <a:r>
+              <a:rPr lang="en-US" sz="3200" dirty="0" smtClean="0">
+                <a:latin typeface="Courier" charset="0"/>
+                <a:ea typeface="Courier" charset="0"/>
+                <a:cs typeface="Courier" charset="0"/>
+              </a:rPr>
+              <a:t>return a+2</a:t>
+            </a:r>
+          </a:p>
+          <a:p>
+            <a:endParaRPr lang="en-US" sz="3200" dirty="0">
               <a:latin typeface="Courier" charset="0"/>
               <a:ea typeface="Courier" charset="0"/>
               <a:cs typeface="Courier" charset="0"/>
@@ -13105,35 +12884,24 @@
           </a:p>
           <a:p>
             <a:r>
-              <a:rPr lang="en-US" sz="2400" dirty="0" smtClean="0">
-                <a:latin typeface="Courier" charset="0"/>
-                <a:ea typeface="Courier" charset="0"/>
-                <a:cs typeface="Courier" charset="0"/>
-              </a:rPr>
-              <a:t>	</a:t>
-            </a:r>
-            <a:r>
-              <a:rPr lang="en-US" sz="2400" dirty="0" smtClean="0">
-                <a:solidFill>
-                  <a:srgbClr val="118EB0"/>
-                </a:solidFill>
-                <a:latin typeface="Courier" charset="0"/>
-                <a:ea typeface="Courier" charset="0"/>
-                <a:cs typeface="Courier" charset="0"/>
-              </a:rPr>
-              <a:t>return</a:t>
-            </a:r>
-            <a:r>
-              <a:rPr lang="en-US" sz="2400" dirty="0" smtClean="0">
-                <a:latin typeface="Courier" charset="0"/>
-                <a:ea typeface="Courier" charset="0"/>
-                <a:cs typeface="Courier" charset="0"/>
-              </a:rPr>
-              <a:t> 3</a:t>
-            </a:r>
-          </a:p>
-          <a:p>
-            <a:endParaRPr lang="en-US" sz="2400" dirty="0">
+              <a:rPr lang="en-US" sz="3200" dirty="0">
+                <a:latin typeface="Courier" charset="0"/>
+                <a:ea typeface="Courier" charset="0"/>
+                <a:cs typeface="Courier" charset="0"/>
+              </a:rPr>
+              <a:t>x</a:t>
+            </a:r>
+            <a:r>
+              <a:rPr lang="en-US" sz="3200" dirty="0" smtClean="0">
+                <a:latin typeface="Courier" charset="0"/>
+                <a:ea typeface="Courier" charset="0"/>
+                <a:cs typeface="Courier" charset="0"/>
+              </a:rPr>
+              <a:t> = fun(2)*fun(fun(2))</a:t>
+            </a:r>
+          </a:p>
+          <a:p>
+            <a:endParaRPr lang="en-US" sz="3200" dirty="0">
               <a:latin typeface="Courier" charset="0"/>
               <a:ea typeface="Courier" charset="0"/>
               <a:cs typeface="Courier" charset="0"/>
@@ -13141,24 +12909,18 @@
           </a:p>
           <a:p>
             <a:r>
-              <a:rPr lang="en-US" sz="2400" dirty="0" smtClean="0">
-                <a:latin typeface="Courier" charset="0"/>
-                <a:ea typeface="Courier" charset="0"/>
-                <a:cs typeface="Courier" charset="0"/>
-              </a:rPr>
-              <a:t>a = pow(three(), three()+2)</a:t>
-            </a:r>
-            <a:endParaRPr lang="en-US" sz="2400" dirty="0" smtClean="0">
-              <a:latin typeface="Courier" charset="0"/>
-              <a:ea typeface="Courier" charset="0"/>
-              <a:cs typeface="Courier" charset="0"/>
-            </a:endParaRPr>
-          </a:p>
-        </p:txBody>
-      </p:sp>
-      <p:sp>
-        <p:nvSpPr>
-          <p:cNvPr id="9" name="Rectangle 8"/>
+              <a:rPr lang="en-US" sz="3200" dirty="0" smtClean="0">
+                <a:ea typeface="Courier" charset="0"/>
+                <a:cs typeface="Courier" charset="0"/>
+              </a:rPr>
+              <a:t>What is the value of x?</a:t>
+            </a:r>
+          </a:p>
+        </p:txBody>
+      </p:sp>
+      <p:sp>
+        <p:nvSpPr>
+          <p:cNvPr id="10" name="Rectangle 9"/>
           <p:cNvSpPr/>
           <p:nvPr/>
         </p:nvSpPr>
@@ -13196,7 +12958,7 @@
     </p:spTree>
     <p:extLst>
       <p:ext uri="{BB962C8B-B14F-4D97-AF65-F5344CB8AC3E}">
-        <p14:creationId xmlns:p14="http://schemas.microsoft.com/office/powerpoint/2010/main" val="1691413938"/>
+        <p14:creationId xmlns:p14="http://schemas.microsoft.com/office/powerpoint/2010/main" val="138870764"/>
       </p:ext>
     </p:extLst>
   </p:cSld>
@@ -13316,7 +13078,7 @@
             </a:r>
             <a:r>
               <a:rPr lang="en-US" sz="4000" i="1" dirty="0" smtClean="0"/>
-              <a:t>Example</a:t>
+              <a:t>Summary</a:t>
             </a:r>
             <a:endParaRPr lang="en-US" sz="4000" i="1" dirty="0"/>
           </a:p>
@@ -13570,102 +13332,62 @@
                 <a:spcPts val="0"/>
               </a:spcBef>
             </a:pPr>
+            <a:r>
+              <a:rPr lang="en-US" dirty="0" smtClean="0"/>
+              <a:t>Header and body</a:t>
+            </a:r>
+          </a:p>
+          <a:p>
+            <a:pPr defTabSz="914400">
+              <a:spcBef>
+                <a:spcPts val="0"/>
+              </a:spcBef>
+            </a:pPr>
+            <a:r>
+              <a:rPr lang="en-US" dirty="0" smtClean="0"/>
+              <a:t>Code block</a:t>
+            </a:r>
+          </a:p>
+          <a:p>
+            <a:pPr defTabSz="914400">
+              <a:spcBef>
+                <a:spcPts val="0"/>
+              </a:spcBef>
+            </a:pPr>
+            <a:r>
+              <a:rPr lang="en-US" dirty="0" smtClean="0"/>
+              <a:t>Scope</a:t>
+            </a:r>
+          </a:p>
+          <a:p>
+            <a:pPr defTabSz="914400">
+              <a:spcBef>
+                <a:spcPts val="0"/>
+              </a:spcBef>
+            </a:pPr>
+            <a:r>
+              <a:rPr lang="en-US" dirty="0" smtClean="0"/>
+              <a:t>Return value</a:t>
+            </a:r>
+          </a:p>
+          <a:p>
+            <a:pPr defTabSz="914400">
+              <a:spcBef>
+                <a:spcPts val="0"/>
+              </a:spcBef>
+            </a:pPr>
+            <a:r>
+              <a:rPr lang="en-US" dirty="0" smtClean="0"/>
+              <a:t>Argument (input, parameter)</a:t>
+            </a:r>
+          </a:p>
+          <a:p>
+            <a:pPr defTabSz="914400">
+              <a:spcBef>
+                <a:spcPts val="0"/>
+              </a:spcBef>
+            </a:pPr>
             <a:endParaRPr lang="en-US" dirty="0"/>
-          </a:p>
-        </p:txBody>
-      </p:sp>
-      <p:sp>
-        <p:nvSpPr>
-          <p:cNvPr id="9" name="TextBox 8"/>
-          <p:cNvSpPr txBox="1"/>
-          <p:nvPr/>
-        </p:nvSpPr>
-        <p:spPr>
-          <a:xfrm>
-            <a:off x="1037663" y="1712669"/>
-            <a:ext cx="6346810" cy="3046988"/>
-          </a:xfrm>
-          <a:prstGeom prst="rect">
-            <a:avLst/>
-          </a:prstGeom>
-          <a:noFill/>
-          <a:ln>
-            <a:noFill/>
-          </a:ln>
-        </p:spPr>
-        <p:txBody>
-          <a:bodyPr wrap="square" rtlCol="0">
-            <a:spAutoFit/>
-          </a:bodyPr>
-          <a:lstStyle/>
-          <a:p>
-            <a:r>
-              <a:rPr lang="en-US" sz="3200" dirty="0" smtClean="0">
-                <a:latin typeface="Courier" charset="0"/>
-                <a:ea typeface="Courier" charset="0"/>
-                <a:cs typeface="Courier" charset="0"/>
-              </a:rPr>
-              <a:t>def fun(a):</a:t>
-            </a:r>
-          </a:p>
-          <a:p>
-            <a:r>
-              <a:rPr lang="en-US" sz="3200" dirty="0">
-                <a:latin typeface="Courier" charset="0"/>
-                <a:ea typeface="Courier" charset="0"/>
-                <a:cs typeface="Courier" charset="0"/>
-              </a:rPr>
-              <a:t>	</a:t>
-            </a:r>
-            <a:r>
-              <a:rPr lang="en-US" sz="3200" dirty="0" smtClean="0">
-                <a:latin typeface="Courier" charset="0"/>
-                <a:ea typeface="Courier" charset="0"/>
-                <a:cs typeface="Courier" charset="0"/>
-              </a:rPr>
-              <a:t>return a+2</a:t>
-            </a:r>
-          </a:p>
-          <a:p>
-            <a:endParaRPr lang="en-US" sz="3200" dirty="0">
-              <a:latin typeface="Courier" charset="0"/>
-              <a:ea typeface="Courier" charset="0"/>
-              <a:cs typeface="Courier" charset="0"/>
-            </a:endParaRPr>
-          </a:p>
-          <a:p>
-            <a:r>
-              <a:rPr lang="en-US" sz="3200" dirty="0">
-                <a:latin typeface="Courier" charset="0"/>
-                <a:ea typeface="Courier" charset="0"/>
-                <a:cs typeface="Courier" charset="0"/>
-              </a:rPr>
-              <a:t>x</a:t>
-            </a:r>
-            <a:r>
-              <a:rPr lang="en-US" sz="3200" dirty="0" smtClean="0">
-                <a:latin typeface="Courier" charset="0"/>
-                <a:ea typeface="Courier" charset="0"/>
-                <a:cs typeface="Courier" charset="0"/>
-              </a:rPr>
-              <a:t> = fun(2)*fun(fun(2))</a:t>
-            </a:r>
-          </a:p>
-          <a:p>
-            <a:endParaRPr lang="en-US" sz="3200" dirty="0">
-              <a:latin typeface="Courier" charset="0"/>
-              <a:ea typeface="Courier" charset="0"/>
-              <a:cs typeface="Courier" charset="0"/>
-            </a:endParaRPr>
-          </a:p>
-          <a:p>
-            <a:r>
-              <a:rPr lang="en-US" sz="3200" dirty="0" smtClean="0">
-                <a:ea typeface="Courier" charset="0"/>
-                <a:cs typeface="Courier" charset="0"/>
-              </a:rPr>
-              <a:t>What is the value of x?</a:t>
-            </a:r>
           </a:p>
         </p:txBody>
       </p:sp>
@@ -13709,7 +13431,7 @@
     </p:spTree>
     <p:extLst>
       <p:ext uri="{BB962C8B-B14F-4D97-AF65-F5344CB8AC3E}">
-        <p14:creationId xmlns:p14="http://schemas.microsoft.com/office/powerpoint/2010/main" val="138870764"/>
+        <p14:creationId xmlns:p14="http://schemas.microsoft.com/office/powerpoint/2010/main" val="1987924961"/>
       </p:ext>
     </p:extLst>
   </p:cSld>
@@ -14080,7 +13802,7 @@
         <p:spPr>
           <a:xfrm>
             <a:off x="1037663" y="3238571"/>
-            <a:ext cx="3946931" cy="2677656"/>
+            <a:ext cx="4734984" cy="2677656"/>
           </a:xfrm>
           <a:prstGeom prst="rect">
             <a:avLst/>
@@ -14252,8 +13974,21 @@
                 <a:ea typeface="Courier" charset="0"/>
                 <a:cs typeface="Courier" charset="0"/>
               </a:rPr>
-              <a:t>print(pow(a, b))</a:t>
-            </a:r>
+              <a:t>print(pow(a, </a:t>
+            </a:r>
+            <a:r>
+              <a:rPr lang="en-US" sz="2400" smtClean="0">
+                <a:latin typeface="Courier" charset="0"/>
+                <a:ea typeface="Courier" charset="0"/>
+                <a:cs typeface="Courier" charset="0"/>
+              </a:rPr>
+              <a:t>b))</a:t>
+            </a:r>
+            <a:endParaRPr lang="en-US" sz="2400" dirty="0" smtClean="0">
+              <a:latin typeface="Courier" charset="0"/>
+              <a:ea typeface="Courier" charset="0"/>
+              <a:cs typeface="Courier" charset="0"/>
+            </a:endParaRPr>
           </a:p>
         </p:txBody>
       </p:sp>
@@ -17116,14 +16851,18 @@
           <a:lstStyle/>
           <a:p>
             <a:r>
+              <a:rPr lang="en-US" altLang="zh-CN" dirty="0" smtClean="0"/>
+              <a:t>Allows </a:t>
+            </a:r>
+            <a:r>
               <a:rPr lang="en-US" dirty="0" smtClean="0"/>
-              <a:t>Let us make decisions during the program execution</a:t>
+              <a:t>us to make decisions during the program execution</a:t>
             </a:r>
           </a:p>
           <a:p>
             <a:r>
               <a:rPr lang="en-US" dirty="0" smtClean="0"/>
-              <a:t>Change program behavior based on different execution conditions</a:t>
+              <a:t>Change program behavior based on different conditions during program execution</a:t>
             </a:r>
           </a:p>
           <a:p>
@@ -18881,28 +18620,6 @@
       </p:grpSpPr>
       <p:sp>
         <p:nvSpPr>
-          <p:cNvPr id="3" name="Content Placeholder 2"/>
-          <p:cNvSpPr>
-            <a:spLocks noGrp="1"/>
-          </p:cNvSpPr>
-          <p:nvPr>
-            <p:ph idx="1"/>
-          </p:nvPr>
-        </p:nvSpPr>
-        <p:spPr/>
-        <p:txBody>
-          <a:bodyPr/>
-          <a:lstStyle/>
-          <a:p>
-            <a:r>
-              <a:rPr lang="en-US" dirty="0" smtClean="0"/>
-              <a:t>More control flow syntaxes to come!</a:t>
-            </a:r>
-          </a:p>
-        </p:txBody>
-      </p:sp>
-      <p:sp>
-        <p:nvSpPr>
           <p:cNvPr id="4" name="Rectangle 3"/>
           <p:cNvSpPr/>
           <p:nvPr/>
@@ -18947,7 +18664,19 @@
             </a:r>
             <a:r>
               <a:rPr lang="en-US" sz="4000" i="1" dirty="0" smtClean="0"/>
-              <a:t>Control flow</a:t>
+              <a:t>Example: </a:t>
+            </a:r>
+            <a:r>
+              <a:rPr lang="en-US" sz="4000" i="1" dirty="0" smtClean="0">
+                <a:latin typeface="Courier" charset="0"/>
+                <a:ea typeface="Courier" charset="0"/>
+                <a:cs typeface="Courier" charset="0"/>
+              </a:rPr>
+              <a:t>if-else</a:t>
+            </a:r>
+            <a:r>
+              <a:rPr lang="en-US" sz="4000" i="1" dirty="0" smtClean="0"/>
+              <a:t> statement</a:t>
             </a:r>
             <a:endParaRPr lang="en-US" sz="4000" i="1" dirty="0"/>
           </a:p>
@@ -19037,40 +18766,240 @@
           </a:p>
         </p:txBody>
       </p:sp>
-      <p:pic>
-        <p:nvPicPr>
-          <p:cNvPr id="2" name="Picture 1"/>
-          <p:cNvPicPr>
-            <a:picLocks noChangeAspect="1"/>
-          </p:cNvPicPr>
-          <p:nvPr/>
-        </p:nvPicPr>
-        <p:blipFill>
-          <a:blip r:embed="rId2">
-            <a:extLst>
-              <a:ext uri="{28A0092B-C50C-407E-A947-70E740481C1C}">
-                <a14:useLocalDpi xmlns:a14="http://schemas.microsoft.com/office/drawing/2010/main" val="0"/>
-              </a:ext>
-            </a:extLst>
-          </a:blip>
-          <a:stretch>
-            <a:fillRect/>
-          </a:stretch>
-        </p:blipFill>
-        <p:spPr>
-          <a:xfrm>
-            <a:off x="723900" y="2588793"/>
-            <a:ext cx="7696200" cy="3162300"/>
+      <p:sp>
+        <p:nvSpPr>
+          <p:cNvPr id="8" name="TextBox 7"/>
+          <p:cNvSpPr txBox="1"/>
+          <p:nvPr/>
+        </p:nvSpPr>
+        <p:spPr>
+          <a:xfrm>
+            <a:off x="831271" y="2315688"/>
+            <a:ext cx="7096877" cy="2308324"/>
           </a:xfrm>
           <a:prstGeom prst="rect">
             <a:avLst/>
           </a:prstGeom>
-        </p:spPr>
-      </p:pic>
+          <a:noFill/>
+        </p:spPr>
+        <p:txBody>
+          <a:bodyPr wrap="square" rtlCol="0">
+            <a:spAutoFit/>
+          </a:bodyPr>
+          <a:lstStyle/>
+          <a:p>
+            <a:r>
+              <a:rPr lang="en-US" dirty="0">
+                <a:latin typeface="Courier" charset="0"/>
+                <a:ea typeface="Courier" charset="0"/>
+                <a:cs typeface="Courier" charset="0"/>
+              </a:rPr>
+              <a:t>d</a:t>
+            </a:r>
+            <a:r>
+              <a:rPr lang="en-US" dirty="0" smtClean="0">
+                <a:latin typeface="Courier" charset="0"/>
+                <a:ea typeface="Courier" charset="0"/>
+                <a:cs typeface="Courier" charset="0"/>
+              </a:rPr>
+              <a:t>ef printNumber():</a:t>
+            </a:r>
+          </a:p>
+          <a:p>
+            <a:r>
+              <a:rPr lang="en-US" dirty="0" smtClean="0">
+                <a:latin typeface="Courier" charset="0"/>
+                <a:ea typeface="Courier" charset="0"/>
+                <a:cs typeface="Courier" charset="0"/>
+              </a:rPr>
+              <a:t>	ans = input(‘Enter a number: ’)</a:t>
+            </a:r>
+          </a:p>
+          <a:p>
+            <a:r>
+              <a:rPr lang="en-US" b="1" dirty="0" smtClean="0">
+                <a:solidFill>
+                  <a:srgbClr val="118EB0"/>
+                </a:solidFill>
+                <a:latin typeface="Courier" charset="0"/>
+                <a:ea typeface="Courier" charset="0"/>
+                <a:cs typeface="Courier" charset="0"/>
+              </a:rPr>
+              <a:t>	if</a:t>
+            </a:r>
+            <a:r>
+              <a:rPr lang="en-US" dirty="0" smtClean="0">
+                <a:latin typeface="Courier" charset="0"/>
+                <a:ea typeface="Courier" charset="0"/>
+                <a:cs typeface="Courier" charset="0"/>
+              </a:rPr>
+              <a:t> float(ans) &lt; 0</a:t>
+            </a:r>
+            <a:r>
+              <a:rPr lang="en-US" dirty="0" smtClean="0">
+                <a:solidFill>
+                  <a:srgbClr val="118EB0"/>
+                </a:solidFill>
+                <a:latin typeface="Courier" charset="0"/>
+                <a:ea typeface="Courier" charset="0"/>
+                <a:cs typeface="Courier" charset="0"/>
+              </a:rPr>
+              <a:t>:</a:t>
+            </a:r>
+          </a:p>
+          <a:p>
+            <a:r>
+              <a:rPr lang="en-US" dirty="0">
+                <a:latin typeface="Courier" charset="0"/>
+                <a:ea typeface="Courier" charset="0"/>
+                <a:cs typeface="Courier" charset="0"/>
+              </a:rPr>
+              <a:t>	</a:t>
+            </a:r>
+            <a:r>
+              <a:rPr lang="en-US" dirty="0" smtClean="0">
+                <a:latin typeface="Courier" charset="0"/>
+                <a:ea typeface="Courier" charset="0"/>
+                <a:cs typeface="Courier" charset="0"/>
+              </a:rPr>
+              <a:t>	print(‘the input number is negative.’)</a:t>
+            </a:r>
+          </a:p>
+          <a:p>
+            <a:r>
+              <a:rPr lang="en-US" b="1" dirty="0" smtClean="0">
+                <a:solidFill>
+                  <a:srgbClr val="118EB0"/>
+                </a:solidFill>
+                <a:latin typeface="Courier" charset="0"/>
+                <a:ea typeface="Courier" charset="0"/>
+                <a:cs typeface="Courier" charset="0"/>
+              </a:rPr>
+              <a:t>	elif</a:t>
+            </a:r>
+            <a:r>
+              <a:rPr lang="en-US" dirty="0" smtClean="0">
+                <a:latin typeface="Courier" charset="0"/>
+                <a:ea typeface="Courier" charset="0"/>
+                <a:cs typeface="Courier" charset="0"/>
+              </a:rPr>
+              <a:t> </a:t>
+            </a:r>
+            <a:r>
+              <a:rPr lang="en-US" dirty="0">
+                <a:latin typeface="Courier" charset="0"/>
+                <a:ea typeface="Courier" charset="0"/>
+                <a:cs typeface="Courier" charset="0"/>
+              </a:rPr>
+              <a:t>float(ans) </a:t>
+            </a:r>
+            <a:r>
+              <a:rPr lang="en-US" dirty="0" smtClean="0">
+                <a:latin typeface="Courier" charset="0"/>
+                <a:ea typeface="Courier" charset="0"/>
+                <a:cs typeface="Courier" charset="0"/>
+              </a:rPr>
+              <a:t>&gt; </a:t>
+            </a:r>
+            <a:r>
+              <a:rPr lang="en-US" dirty="0">
+                <a:latin typeface="Courier" charset="0"/>
+                <a:ea typeface="Courier" charset="0"/>
+                <a:cs typeface="Courier" charset="0"/>
+              </a:rPr>
+              <a:t>0</a:t>
+            </a:r>
+            <a:r>
+              <a:rPr lang="en-US" dirty="0">
+                <a:solidFill>
+                  <a:srgbClr val="118EB0"/>
+                </a:solidFill>
+                <a:latin typeface="Courier" charset="0"/>
+                <a:ea typeface="Courier" charset="0"/>
+                <a:cs typeface="Courier" charset="0"/>
+              </a:rPr>
+              <a:t>:</a:t>
+            </a:r>
+          </a:p>
+          <a:p>
+            <a:r>
+              <a:rPr lang="en-US" dirty="0">
+                <a:latin typeface="Courier" charset="0"/>
+                <a:ea typeface="Courier" charset="0"/>
+                <a:cs typeface="Courier" charset="0"/>
+              </a:rPr>
+              <a:t>	</a:t>
+            </a:r>
+            <a:r>
+              <a:rPr lang="en-US" dirty="0" smtClean="0">
+                <a:latin typeface="Courier" charset="0"/>
+                <a:ea typeface="Courier" charset="0"/>
+                <a:cs typeface="Courier" charset="0"/>
+              </a:rPr>
+              <a:t>	print</a:t>
+            </a:r>
+            <a:r>
+              <a:rPr lang="en-US" dirty="0">
+                <a:latin typeface="Courier" charset="0"/>
+                <a:ea typeface="Courier" charset="0"/>
+                <a:cs typeface="Courier" charset="0"/>
+              </a:rPr>
+              <a:t>(‘the input number is </a:t>
+            </a:r>
+            <a:r>
+              <a:rPr lang="en-US" dirty="0" smtClean="0">
+                <a:latin typeface="Courier" charset="0"/>
+                <a:ea typeface="Courier" charset="0"/>
+                <a:cs typeface="Courier" charset="0"/>
+              </a:rPr>
+              <a:t>positive.’)</a:t>
+            </a:r>
+          </a:p>
+          <a:p>
+            <a:r>
+              <a:rPr lang="en-US" b="1" dirty="0" smtClean="0">
+                <a:solidFill>
+                  <a:srgbClr val="118EB0"/>
+                </a:solidFill>
+                <a:latin typeface="Courier" charset="0"/>
+                <a:ea typeface="Courier" charset="0"/>
+                <a:cs typeface="Courier" charset="0"/>
+              </a:rPr>
+              <a:t>	else</a:t>
+            </a:r>
+            <a:r>
+              <a:rPr lang="en-US" dirty="0" smtClean="0">
+                <a:solidFill>
+                  <a:srgbClr val="118EB0"/>
+                </a:solidFill>
+                <a:latin typeface="Courier" charset="0"/>
+                <a:ea typeface="Courier" charset="0"/>
+                <a:cs typeface="Courier" charset="0"/>
+              </a:rPr>
+              <a:t>:</a:t>
+            </a:r>
+          </a:p>
+          <a:p>
+            <a:r>
+              <a:rPr lang="en-US" dirty="0" smtClean="0">
+                <a:latin typeface="Courier" charset="0"/>
+                <a:ea typeface="Courier" charset="0"/>
+                <a:cs typeface="Courier" charset="0"/>
+              </a:rPr>
+              <a:t>		print(‘the input number is zero.’)</a:t>
+            </a:r>
+            <a:endParaRPr lang="en-US" dirty="0">
+              <a:latin typeface="Courier" charset="0"/>
+              <a:ea typeface="Courier" charset="0"/>
+              <a:cs typeface="Courier" charset="0"/>
+            </a:endParaRPr>
+          </a:p>
+        </p:txBody>
+      </p:sp>
     </p:spTree>
     <p:extLst>
       <p:ext uri="{BB962C8B-B14F-4D97-AF65-F5344CB8AC3E}">
-        <p14:creationId xmlns:p14="http://schemas.microsoft.com/office/powerpoint/2010/main" val="1968131316"/>
+        <p14:creationId xmlns:p14="http://schemas.microsoft.com/office/powerpoint/2010/main" val="1698704127"/>
       </p:ext>
     </p:extLst>
   </p:cSld>
@@ -19211,12 +19140,8 @@
           <a:lstStyle/>
           <a:p>
             <a:r>
-              <a:rPr lang="en-US" sz="4000" b="1" dirty="0" smtClean="0"/>
-              <a:t>   </a:t>
-            </a:r>
-            <a:r>
               <a:rPr lang="en-US" sz="4000" i="1" dirty="0" smtClean="0"/>
-              <a:t>Control flow</a:t>
+              <a:t> </a:t>
             </a:r>
             <a:endParaRPr lang="en-US" sz="4000" i="1" dirty="0"/>
           </a:p>
@@ -19591,12 +19516,23 @@
           <a:lstStyle/>
           <a:p>
             <a:r>
-              <a:rPr lang="en-US" sz="4000" b="1" dirty="0" smtClean="0"/>
-              <a:t>   </a:t>
-            </a:r>
-            <a:r>
               <a:rPr lang="en-US" sz="4000" i="1" dirty="0" smtClean="0"/>
-              <a:t>Boolean</a:t>
+              <a:t>	</a:t>
+            </a:r>
+            <a:r>
+              <a:rPr lang="en-US" sz="4000" i="1" dirty="0" smtClean="0">
+                <a:latin typeface="Courier" charset="0"/>
+                <a:ea typeface="Courier" charset="0"/>
+                <a:cs typeface="Courier" charset="0"/>
+              </a:rPr>
+              <a:t>bool</a:t>
+            </a:r>
+            <a:r>
+              <a:rPr lang="en-US" sz="4000" i="1" dirty="0" smtClean="0">
+                <a:ea typeface="Courier" charset="0"/>
+                <a:cs typeface="Courier" charset="0"/>
+              </a:rPr>
+              <a:t> Data type</a:t>
             </a:r>
             <a:endParaRPr lang="en-US" sz="4000" i="1" dirty="0"/>
           </a:p>
@@ -19940,20 +19876,23 @@
           <a:lstStyle/>
           <a:p>
             <a:r>
-              <a:rPr lang="en-US" sz="4000" b="1" dirty="0" smtClean="0"/>
-              <a:t>   </a:t>
-            </a:r>
-            <a:r>
-              <a:rPr lang="en-US" sz="4000" i="1" dirty="0" smtClean="0"/>
-              <a:t>Example: </a:t>
-            </a:r>
-            <a:r>
-              <a:rPr lang="en-US" sz="4000" i="1" dirty="0" smtClean="0">
-                <a:latin typeface="Courier" charset="0"/>
-                <a:ea typeface="Courier" charset="0"/>
-                <a:cs typeface="Courier" charset="0"/>
-              </a:rPr>
-              <a:t>Boolean logic</a:t>
+              <a:rPr lang="en-US" sz="4000" i="1" dirty="0"/>
+              <a:t>	</a:t>
+            </a:r>
+            <a:r>
+              <a:rPr lang="en-US" sz="4000" i="1" dirty="0">
+                <a:latin typeface="Courier" charset="0"/>
+                <a:ea typeface="Courier" charset="0"/>
+                <a:cs typeface="Courier" charset="0"/>
+              </a:rPr>
+              <a:t>bool</a:t>
+            </a:r>
+            <a:r>
+              <a:rPr lang="en-US" sz="4000" i="1" dirty="0">
+                <a:ea typeface="Courier" charset="0"/>
+                <a:cs typeface="Courier" charset="0"/>
+              </a:rPr>
+              <a:t> Data type</a:t>
             </a:r>
             <a:endParaRPr lang="en-US" sz="4000" i="1" dirty="0"/>
           </a:p>
@@ -20045,105 +19984,75 @@
       </p:sp>
       <p:sp>
         <p:nvSpPr>
-          <p:cNvPr id="8" name="TextBox 7"/>
-          <p:cNvSpPr txBox="1"/>
-          <p:nvPr/>
-        </p:nvSpPr>
-        <p:spPr>
-          <a:xfrm>
-            <a:off x="831272" y="2315688"/>
-            <a:ext cx="6032666" cy="3231654"/>
-          </a:xfrm>
-          <a:prstGeom prst="rect">
-            <a:avLst/>
-          </a:prstGeom>
-          <a:noFill/>
-        </p:spPr>
-        <p:txBody>
-          <a:bodyPr wrap="square" rtlCol="0">
-            <a:spAutoFit/>
+          <p:cNvPr id="10" name="Content Placeholder 2"/>
+          <p:cNvSpPr>
+            <a:spLocks noGrp="1"/>
+          </p:cNvSpPr>
+          <p:nvPr>
+            <p:ph idx="1"/>
+          </p:nvPr>
+        </p:nvSpPr>
+        <p:spPr>
+          <a:xfrm>
+            <a:off x="457200" y="1600201"/>
+            <a:ext cx="8057408" cy="4525963"/>
+          </a:xfrm>
+        </p:spPr>
+        <p:txBody>
+          <a:bodyPr>
+            <a:normAutofit/>
           </a:bodyPr>
           <a:lstStyle/>
           <a:p>
             <a:r>
-              <a:rPr lang="en-US" sz="2400" dirty="0" smtClean="0">
-                <a:latin typeface="Courier" charset="0"/>
-                <a:ea typeface="Courier" charset="0"/>
-                <a:cs typeface="Courier" charset="0"/>
-              </a:rPr>
-              <a:t>x &gt; 0</a:t>
-            </a:r>
-          </a:p>
-          <a:p>
-            <a:endParaRPr lang="en-US" sz="2400" dirty="0">
-              <a:latin typeface="Courier" charset="0"/>
-              <a:ea typeface="Courier" charset="0"/>
-              <a:cs typeface="Courier" charset="0"/>
-            </a:endParaRPr>
-          </a:p>
-          <a:p>
-            <a:r>
-              <a:rPr lang="en-US" sz="2400" dirty="0" smtClean="0">
-                <a:latin typeface="Courier" charset="0"/>
-                <a:ea typeface="Courier" charset="0"/>
-                <a:cs typeface="Courier" charset="0"/>
-              </a:rPr>
-              <a:t>(x &gt; 0) or (x &lt; -10)</a:t>
-            </a:r>
-          </a:p>
-          <a:p>
-            <a:endParaRPr lang="en-US" sz="2400" dirty="0" smtClean="0">
-              <a:latin typeface="Courier" charset="0"/>
-              <a:ea typeface="Courier" charset="0"/>
-              <a:cs typeface="Courier" charset="0"/>
-            </a:endParaRPr>
-          </a:p>
-          <a:p>
-            <a:r>
-              <a:rPr lang="en-US" sz="2400" dirty="0">
-                <a:latin typeface="Courier" charset="0"/>
-                <a:ea typeface="Courier" charset="0"/>
-                <a:cs typeface="Courier" charset="0"/>
-              </a:rPr>
-              <a:t>(x &gt; 0) and (x &lt;= 10)</a:t>
-            </a:r>
-          </a:p>
-          <a:p>
-            <a:endParaRPr lang="en-US" sz="2400" dirty="0" smtClean="0">
-              <a:latin typeface="Courier" charset="0"/>
-              <a:ea typeface="Courier" charset="0"/>
-              <a:cs typeface="Courier" charset="0"/>
-            </a:endParaRPr>
-          </a:p>
-          <a:p>
-            <a:r>
-              <a:rPr lang="en-US" sz="2400" dirty="0" smtClean="0">
-                <a:latin typeface="Courier" charset="0"/>
-                <a:ea typeface="Courier" charset="0"/>
-                <a:cs typeface="Courier" charset="0"/>
-              </a:rPr>
-              <a:t>0 &lt; x &lt;= 10</a:t>
-            </a:r>
-          </a:p>
-          <a:p>
+              <a:rPr lang="en-US" dirty="0" smtClean="0">
+                <a:latin typeface="Courier" charset="0"/>
+                <a:ea typeface="Courier" charset="0"/>
+                <a:cs typeface="Courier" charset="0"/>
+              </a:rPr>
+              <a:t>bool</a:t>
+            </a:r>
+            <a:r>
+              <a:rPr lang="en-US" dirty="0" smtClean="0">
+                <a:ea typeface="Courier" charset="0"/>
+                <a:cs typeface="Courier" charset="0"/>
+              </a:rPr>
+              <a:t> vs. bit</a:t>
+            </a:r>
+          </a:p>
+          <a:p>
+            <a:pPr lvl="1"/>
+            <a:r>
+              <a:rPr lang="en-US" dirty="0" smtClean="0">
+                <a:ea typeface="Courier" charset="0"/>
+                <a:cs typeface="Courier" charset="0"/>
+              </a:rPr>
+              <a:t>A bool is not equal to a bit!</a:t>
+            </a:r>
+          </a:p>
+          <a:p>
+            <a:pPr lvl="1"/>
+            <a:r>
+              <a:rPr lang="en-US" dirty="0" smtClean="0">
+                <a:ea typeface="Courier" charset="0"/>
+                <a:cs typeface="Courier" charset="0"/>
+              </a:rPr>
+              <a:t>Data representation in computer is always byte-based</a:t>
+            </a:r>
+          </a:p>
+          <a:p>
+            <a:pPr lvl="1"/>
             <a:endParaRPr lang="en-US" dirty="0" smtClean="0">
               <a:latin typeface="Courier" charset="0"/>
               <a:ea typeface="Courier" charset="0"/>
               <a:cs typeface="Courier" charset="0"/>
             </a:endParaRPr>
           </a:p>
-          <a:p>
-            <a:endParaRPr lang="en-US" dirty="0">
-              <a:latin typeface="Courier" charset="0"/>
-              <a:ea typeface="Courier" charset="0"/>
-              <a:cs typeface="Courier" charset="0"/>
-            </a:endParaRPr>
-          </a:p>
-        </p:txBody>
-      </p:sp>
-      <p:sp>
-        <p:nvSpPr>
-          <p:cNvPr id="9" name="Rectangle 8"/>
+        </p:txBody>
+      </p:sp>
+      <p:sp>
+        <p:nvSpPr>
+          <p:cNvPr id="8" name="Rectangle 7"/>
           <p:cNvSpPr/>
           <p:nvPr/>
         </p:nvSpPr>
@@ -20181,7 +20090,7 @@
     </p:spTree>
     <p:extLst>
       <p:ext uri="{BB962C8B-B14F-4D97-AF65-F5344CB8AC3E}">
-        <p14:creationId xmlns:p14="http://schemas.microsoft.com/office/powerpoint/2010/main" val="1772073129"/>
+        <p14:creationId xmlns:p14="http://schemas.microsoft.com/office/powerpoint/2010/main" val="1232192456"/>
       </p:ext>
     </p:extLst>
   </p:cSld>
@@ -20191,7 +20100,134 @@
   <p:timing>
     <p:tnLst>
       <p:par>
-        <p:cTn id="1" dur="indefinite" restart="never" nodeType="tmRoot"/>
+        <p:cTn id="1" dur="indefinite" restart="never" nodeType="tmRoot">
+          <p:childTnLst>
+            <p:seq concurrent="1" nextAc="seek">
+              <p:cTn id="2" dur="indefinite" nodeType="mainSeq">
+                <p:childTnLst>
+                  <p:par>
+                    <p:cTn id="3" fill="hold">
+                      <p:stCondLst>
+                        <p:cond delay="indefinite"/>
+                      </p:stCondLst>
+                      <p:childTnLst>
+                        <p:par>
+                          <p:cTn id="4" fill="hold">
+                            <p:stCondLst>
+                              <p:cond delay="0"/>
+                            </p:stCondLst>
+                            <p:childTnLst>
+                              <p:par>
+                                <p:cTn id="5" presetID="10" presetClass="entr" presetSubtype="0" fill="hold" nodeType="clickEffect">
+                                  <p:stCondLst>
+                                    <p:cond delay="0"/>
+                                  </p:stCondLst>
+                                  <p:childTnLst>
+                                    <p:set>
+                                      <p:cBhvr>
+                                        <p:cTn id="6" dur="1" fill="hold">
+                                          <p:stCondLst>
+                                            <p:cond delay="0"/>
+                                          </p:stCondLst>
+                                        </p:cTn>
+                                        <p:tgtEl>
+                                          <p:spTgt spid="10">
+                                            <p:txEl>
+                                              <p:pRg st="1" end="1"/>
+                                            </p:txEl>
+                                          </p:spTgt>
+                                        </p:tgtEl>
+                                        <p:attrNameLst>
+                                          <p:attrName>style.visibility</p:attrName>
+                                        </p:attrNameLst>
+                                      </p:cBhvr>
+                                      <p:to>
+                                        <p:strVal val="visible"/>
+                                      </p:to>
+                                    </p:set>
+                                    <p:animEffect transition="in" filter="fade">
+                                      <p:cBhvr>
+                                        <p:cTn id="7" dur="500"/>
+                                        <p:tgtEl>
+                                          <p:spTgt spid="10">
+                                            <p:txEl>
+                                              <p:pRg st="1" end="1"/>
+                                            </p:txEl>
+                                          </p:spTgt>
+                                        </p:tgtEl>
+                                      </p:cBhvr>
+                                    </p:animEffect>
+                                  </p:childTnLst>
+                                </p:cTn>
+                              </p:par>
+                              <p:par>
+                                <p:cTn id="8" presetID="10" presetClass="entr" presetSubtype="0" fill="hold" nodeType="withEffect">
+                                  <p:stCondLst>
+                                    <p:cond delay="0"/>
+                                  </p:stCondLst>
+                                  <p:childTnLst>
+                                    <p:set>
+                                      <p:cBhvr>
+                                        <p:cTn id="9" dur="1" fill="hold">
+                                          <p:stCondLst>
+                                            <p:cond delay="0"/>
+                                          </p:stCondLst>
+                                        </p:cTn>
+                                        <p:tgtEl>
+                                          <p:spTgt spid="10">
+                                            <p:txEl>
+                                              <p:pRg st="2" end="2"/>
+                                            </p:txEl>
+                                          </p:spTgt>
+                                        </p:tgtEl>
+                                        <p:attrNameLst>
+                                          <p:attrName>style.visibility</p:attrName>
+                                        </p:attrNameLst>
+                                      </p:cBhvr>
+                                      <p:to>
+                                        <p:strVal val="visible"/>
+                                      </p:to>
+                                    </p:set>
+                                    <p:animEffect transition="in" filter="fade">
+                                      <p:cBhvr>
+                                        <p:cTn id="10" dur="500"/>
+                                        <p:tgtEl>
+                                          <p:spTgt spid="10">
+                                            <p:txEl>
+                                              <p:pRg st="2" end="2"/>
+                                            </p:txEl>
+                                          </p:spTgt>
+                                        </p:tgtEl>
+                                      </p:cBhvr>
+                                    </p:animEffect>
+                                  </p:childTnLst>
+                                </p:cTn>
+                              </p:par>
+                            </p:childTnLst>
+                          </p:cTn>
+                        </p:par>
+                      </p:childTnLst>
+                    </p:cTn>
+                  </p:par>
+                </p:childTnLst>
+              </p:cTn>
+              <p:prevCondLst>
+                <p:cond evt="onPrev" delay="0">
+                  <p:tgtEl>
+                    <p:sldTgt/>
+                  </p:tgtEl>
+                </p:cond>
+              </p:prevCondLst>
+              <p:nextCondLst>
+                <p:cond evt="onNext" delay="0">
+                  <p:tgtEl>
+                    <p:sldTgt/>
+                  </p:tgtEl>
+                </p:cond>
+              </p:nextCondLst>
+            </p:seq>
+          </p:childTnLst>
+        </p:cTn>
       </p:par>
     </p:tnLst>
   </p:timing>
@@ -20261,390 +20297,6 @@
             </a:r>
             <a:r>
               <a:rPr lang="en-US" sz="4000" i="1" dirty="0" smtClean="0"/>
-              <a:t>Boolean</a:t>
-            </a:r>
-            <a:endParaRPr lang="en-US" sz="4000" i="1" dirty="0"/>
-          </a:p>
-        </p:txBody>
-      </p:sp>
-      <p:sp>
-        <p:nvSpPr>
-          <p:cNvPr id="5" name="Rectangle 4"/>
-          <p:cNvSpPr/>
-          <p:nvPr/>
-        </p:nvSpPr>
-        <p:spPr>
-          <a:xfrm>
-            <a:off x="0" y="6737478"/>
-            <a:ext cx="9144000" cy="120522"/>
-          </a:xfrm>
-          <a:prstGeom prst="rect">
-            <a:avLst/>
-          </a:prstGeom>
-          <a:solidFill>
-            <a:srgbClr val="3DBFDB"/>
-          </a:solidFill>
-          <a:ln>
-            <a:noFill/>
-          </a:ln>
-          <a:effectLst/>
-        </p:spPr>
-        <p:style>
-          <a:lnRef idx="1">
-            <a:schemeClr val="accent1"/>
-          </a:lnRef>
-          <a:fillRef idx="3">
-            <a:schemeClr val="accent1"/>
-          </a:fillRef>
-          <a:effectRef idx="2">
-            <a:schemeClr val="accent1"/>
-          </a:effectRef>
-          <a:fontRef idx="minor">
-            <a:schemeClr val="lt1"/>
-          </a:fontRef>
-        </p:style>
-        <p:txBody>
-          <a:bodyPr rtlCol="0" anchor="ctr"/>
-          <a:lstStyle/>
-          <a:p>
-            <a:pPr algn="ctr"/>
-            <a:endParaRPr lang="en-US"/>
-          </a:p>
-        </p:txBody>
-      </p:sp>
-      <p:sp>
-        <p:nvSpPr>
-          <p:cNvPr id="7" name="TextBox 6"/>
-          <p:cNvSpPr txBox="1"/>
-          <p:nvPr/>
-        </p:nvSpPr>
-        <p:spPr>
-          <a:xfrm>
-            <a:off x="8869998" y="6453063"/>
-            <a:ext cx="262662" cy="276999"/>
-          </a:xfrm>
-          <a:prstGeom prst="rect">
-            <a:avLst/>
-          </a:prstGeom>
-          <a:noFill/>
-        </p:spPr>
-        <p:txBody>
-          <a:bodyPr wrap="none" rtlCol="0">
-            <a:spAutoFit/>
-          </a:bodyPr>
-          <a:lstStyle/>
-          <a:p>
-            <a:pPr algn="r"/>
-            <a:r>
-              <a:rPr lang="en-US" sz="1200" dirty="0" smtClean="0">
-                <a:solidFill>
-                  <a:srgbClr val="118EB0"/>
-                </a:solidFill>
-              </a:rPr>
-              <a:t>1</a:t>
-            </a:r>
-            <a:endParaRPr lang="en-US" sz="1200" dirty="0">
-              <a:solidFill>
-                <a:srgbClr val="118EB0"/>
-              </a:solidFill>
-            </a:endParaRPr>
-          </a:p>
-        </p:txBody>
-      </p:sp>
-      <p:sp>
-        <p:nvSpPr>
-          <p:cNvPr id="10" name="Content Placeholder 2"/>
-          <p:cNvSpPr>
-            <a:spLocks noGrp="1"/>
-          </p:cNvSpPr>
-          <p:nvPr>
-            <p:ph idx="1"/>
-          </p:nvPr>
-        </p:nvSpPr>
-        <p:spPr>
-          <a:xfrm>
-            <a:off x="457200" y="1600201"/>
-            <a:ext cx="8057408" cy="4525963"/>
-          </a:xfrm>
-        </p:spPr>
-        <p:txBody>
-          <a:bodyPr>
-            <a:normAutofit/>
-          </a:bodyPr>
-          <a:lstStyle/>
-          <a:p>
-            <a:r>
-              <a:rPr lang="en-US" dirty="0" smtClean="0">
-                <a:ea typeface="Courier" charset="0"/>
-                <a:cs typeface="Courier" charset="0"/>
-              </a:rPr>
-              <a:t>Assign a boolean operation to a variable</a:t>
-            </a:r>
-          </a:p>
-          <a:p>
-            <a:pPr lvl="1"/>
-            <a:endParaRPr lang="en-US" dirty="0" smtClean="0">
-              <a:latin typeface="Courier" charset="0"/>
-              <a:ea typeface="Courier" charset="0"/>
-              <a:cs typeface="Courier" charset="0"/>
-            </a:endParaRPr>
-          </a:p>
-        </p:txBody>
-      </p:sp>
-      <p:sp>
-        <p:nvSpPr>
-          <p:cNvPr id="2" name="Rectangle 1"/>
-          <p:cNvSpPr/>
-          <p:nvPr/>
-        </p:nvSpPr>
-        <p:spPr>
-          <a:xfrm>
-            <a:off x="518831" y="2724145"/>
-            <a:ext cx="5011111" cy="1938992"/>
-          </a:xfrm>
-          <a:prstGeom prst="rect">
-            <a:avLst/>
-          </a:prstGeom>
-        </p:spPr>
-        <p:txBody>
-          <a:bodyPr wrap="square">
-            <a:spAutoFit/>
-          </a:bodyPr>
-          <a:lstStyle/>
-          <a:p>
-            <a:pPr lvl="1"/>
-            <a:r>
-              <a:rPr lang="en-US" sz="2400" dirty="0">
-                <a:latin typeface="Courier" charset="0"/>
-                <a:ea typeface="Courier" charset="0"/>
-                <a:cs typeface="Courier" charset="0"/>
-              </a:rPr>
-              <a:t>x = 5</a:t>
-            </a:r>
-          </a:p>
-          <a:p>
-            <a:pPr lvl="1"/>
-            <a:r>
-              <a:rPr lang="en-US" sz="2400" dirty="0">
-                <a:latin typeface="Courier" charset="0"/>
-                <a:ea typeface="Courier" charset="0"/>
-                <a:cs typeface="Courier" charset="0"/>
-              </a:rPr>
-              <a:t>y = </a:t>
-            </a:r>
-            <a:r>
-              <a:rPr lang="en-US" sz="2400" dirty="0" smtClean="0">
-                <a:latin typeface="Courier" charset="0"/>
-                <a:ea typeface="Courier" charset="0"/>
-                <a:cs typeface="Courier" charset="0"/>
-              </a:rPr>
-              <a:t>(x </a:t>
-            </a:r>
-            <a:r>
-              <a:rPr lang="en-US" sz="2400" dirty="0">
-                <a:latin typeface="Courier" charset="0"/>
-                <a:ea typeface="Courier" charset="0"/>
-                <a:cs typeface="Courier" charset="0"/>
-              </a:rPr>
-              <a:t>&lt; </a:t>
-            </a:r>
-            <a:r>
-              <a:rPr lang="en-US" sz="2400" dirty="0" smtClean="0">
-                <a:latin typeface="Courier" charset="0"/>
-                <a:ea typeface="Courier" charset="0"/>
-                <a:cs typeface="Courier" charset="0"/>
-              </a:rPr>
-              <a:t>0) </a:t>
-            </a:r>
-            <a:r>
-              <a:rPr lang="en-US" sz="2400" dirty="0">
-                <a:latin typeface="Courier" charset="0"/>
-                <a:ea typeface="Courier" charset="0"/>
-                <a:cs typeface="Courier" charset="0"/>
-              </a:rPr>
-              <a:t>or </a:t>
-            </a:r>
-            <a:r>
-              <a:rPr lang="en-US" sz="2400" dirty="0" smtClean="0">
-                <a:latin typeface="Courier" charset="0"/>
-                <a:ea typeface="Courier" charset="0"/>
-                <a:cs typeface="Courier" charset="0"/>
-              </a:rPr>
-              <a:t>(x </a:t>
-            </a:r>
-            <a:r>
-              <a:rPr lang="en-US" sz="2400" dirty="0">
-                <a:latin typeface="Courier" charset="0"/>
-                <a:ea typeface="Courier" charset="0"/>
-                <a:cs typeface="Courier" charset="0"/>
-              </a:rPr>
-              <a:t>&gt; -</a:t>
-            </a:r>
-            <a:r>
-              <a:rPr lang="en-US" sz="2400" dirty="0" smtClean="0">
-                <a:latin typeface="Courier" charset="0"/>
-                <a:ea typeface="Courier" charset="0"/>
-                <a:cs typeface="Courier" charset="0"/>
-              </a:rPr>
-              <a:t>2)</a:t>
-            </a:r>
-          </a:p>
-          <a:p>
-            <a:pPr lvl="1"/>
-            <a:r>
-              <a:rPr lang="en-US" sz="2400" dirty="0" smtClean="0">
-                <a:latin typeface="Courier" charset="0"/>
-                <a:ea typeface="Courier" charset="0"/>
-                <a:cs typeface="Courier" charset="0"/>
-              </a:rPr>
-              <a:t>type (x)</a:t>
-            </a:r>
-          </a:p>
-          <a:p>
-            <a:pPr lvl="1"/>
-            <a:r>
-              <a:rPr lang="en-US" sz="2400" dirty="0" smtClean="0">
-                <a:latin typeface="Courier" charset="0"/>
-                <a:ea typeface="Courier" charset="0"/>
-                <a:cs typeface="Courier" charset="0"/>
-              </a:rPr>
-              <a:t>type (y)</a:t>
-            </a:r>
-          </a:p>
-          <a:p>
-            <a:pPr lvl="1"/>
-            <a:r>
-              <a:rPr lang="en-US" sz="2400" dirty="0" smtClean="0">
-                <a:latin typeface="Courier" charset="0"/>
-                <a:ea typeface="Courier" charset="0"/>
-                <a:cs typeface="Courier" charset="0"/>
-              </a:rPr>
-              <a:t>print(y)</a:t>
-            </a:r>
-            <a:endParaRPr lang="en-US" sz="2400" dirty="0"/>
-          </a:p>
-        </p:txBody>
-      </p:sp>
-      <p:sp>
-        <p:nvSpPr>
-          <p:cNvPr id="8" name="Rectangle 7"/>
-          <p:cNvSpPr/>
-          <p:nvPr/>
-        </p:nvSpPr>
-        <p:spPr>
-          <a:xfrm>
-            <a:off x="0" y="6451738"/>
-            <a:ext cx="697627" cy="276999"/>
-          </a:xfrm>
-          <a:prstGeom prst="rect">
-            <a:avLst/>
-          </a:prstGeom>
-        </p:spPr>
-        <p:txBody>
-          <a:bodyPr wrap="none">
-            <a:spAutoFit/>
-          </a:bodyPr>
-          <a:lstStyle/>
-          <a:p>
-            <a:r>
-              <a:rPr lang="en-US" sz="1200" dirty="0" smtClean="0">
-                <a:solidFill>
-                  <a:srgbClr val="118EB0"/>
-                </a:solidFill>
-              </a:rPr>
-              <a:t>Boolean</a:t>
-            </a:r>
-            <a:endParaRPr lang="en-US" sz="1200" dirty="0">
-              <a:solidFill>
-                <a:srgbClr val="118EB0"/>
-              </a:solidFill>
-            </a:endParaRPr>
-          </a:p>
-        </p:txBody>
-      </p:sp>
-    </p:spTree>
-    <p:extLst>
-      <p:ext uri="{BB962C8B-B14F-4D97-AF65-F5344CB8AC3E}">
-        <p14:creationId xmlns:p14="http://schemas.microsoft.com/office/powerpoint/2010/main" val="216356378"/>
-      </p:ext>
-    </p:extLst>
-  </p:cSld>
-  <p:clrMapOvr>
-    <a:masterClrMapping/>
-  </p:clrMapOvr>
-  <p:timing>
-    <p:tnLst>
-      <p:par>
-        <p:cTn id="1" dur="indefinite" restart="never" nodeType="tmRoot"/>
-      </p:par>
-    </p:tnLst>
-  </p:timing>
-</p:sld>
-</file>
-
-<file path=ppt/slides/slide47.xml><?xml version="1.0" encoding="utf-8"?>
-<p:sld xmlns:a="http://schemas.openxmlformats.org/drawingml/2006/main" xmlns:r="http://schemas.openxmlformats.org/officeDocument/2006/relationships" xmlns:p="http://schemas.openxmlformats.org/presentationml/2006/main">
-  <p:cSld>
-    <p:spTree>
-      <p:nvGrpSpPr>
-        <p:cNvPr id="1" name=""/>
-        <p:cNvGrpSpPr/>
-        <p:nvPr/>
-      </p:nvGrpSpPr>
-      <p:grpSpPr>
-        <a:xfrm>
-          <a:off x="0" y="0"/>
-          <a:ext cx="0" cy="0"/>
-          <a:chOff x="0" y="0"/>
-          <a:chExt cx="0" cy="0"/>
-        </a:xfrm>
-      </p:grpSpPr>
-      <p:sp>
-        <p:nvSpPr>
-          <p:cNvPr id="4" name="Rectangle 3"/>
-          <p:cNvSpPr/>
-          <p:nvPr/>
-        </p:nvSpPr>
-        <p:spPr>
-          <a:xfrm>
-            <a:off x="0" y="-7550"/>
-            <a:ext cx="9144000" cy="1228835"/>
-          </a:xfrm>
-          <a:prstGeom prst="rect">
-            <a:avLst/>
-          </a:prstGeom>
-          <a:solidFill>
-            <a:srgbClr val="3DBFDB"/>
-          </a:solidFill>
-          <a:ln>
-            <a:noFill/>
-          </a:ln>
-          <a:effectLst/>
-        </p:spPr>
-        <p:style>
-          <a:lnRef idx="1">
-            <a:schemeClr val="accent1"/>
-          </a:lnRef>
-          <a:fillRef idx="3">
-            <a:schemeClr val="accent1"/>
-          </a:fillRef>
-          <a:effectRef idx="2">
-            <a:schemeClr val="accent1"/>
-          </a:effectRef>
-          <a:fontRef idx="minor">
-            <a:schemeClr val="lt1"/>
-          </a:fontRef>
-        </p:style>
-        <p:txBody>
-          <a:bodyPr rtlCol="0" anchor="ctr"/>
-          <a:lstStyle/>
-          <a:p>
-            <a:r>
-              <a:rPr lang="en-US" sz="4000" b="1" dirty="0" smtClean="0"/>
-              <a:t>   </a:t>
-            </a:r>
-            <a:r>
-              <a:rPr lang="en-US" sz="4000" i="1" dirty="0" smtClean="0"/>
               <a:t>Boolean operators (review)</a:t>
             </a:r>
             <a:endParaRPr lang="en-US" sz="4000" i="1" dirty="0"/>
@@ -20744,7 +20396,7 @@
           <p:nvPr>
             <p:extLst>
               <p:ext uri="{D42A27DB-BD31-4B8C-83A1-F6EECF244321}">
-                <p14:modId xmlns:p14="http://schemas.microsoft.com/office/powerpoint/2010/main" val="1763212705"/>
+                <p14:modId xmlns:p14="http://schemas.microsoft.com/office/powerpoint/2010/main" val="123406548"/>
               </p:ext>
             </p:extLst>
           </p:nvPr>
@@ -20873,14 +20525,14 @@
                     <a:lstStyle/>
                     <a:p>
                       <a:r>
-                        <a:rPr lang="en-US" b="1" dirty="0" smtClean="0">
+                        <a:rPr lang="en-US" b="0" dirty="0" smtClean="0">
                           <a:solidFill>
                             <a:schemeClr val="tx1"/>
                           </a:solidFill>
                         </a:rPr>
                         <a:t>True</a:t>
                       </a:r>
-                      <a:endParaRPr lang="en-US" b="1" dirty="0">
+                      <a:endParaRPr lang="en-US" b="0" dirty="0">
                         <a:solidFill>
                           <a:schemeClr val="tx1"/>
                         </a:solidFill>
@@ -21027,7 +20679,7 @@
           <p:nvPr>
             <p:extLst>
               <p:ext uri="{D42A27DB-BD31-4B8C-83A1-F6EECF244321}">
-                <p14:modId xmlns:p14="http://schemas.microsoft.com/office/powerpoint/2010/main" val="1626400757"/>
+                <p14:modId xmlns:p14="http://schemas.microsoft.com/office/powerpoint/2010/main" val="786630724"/>
               </p:ext>
             </p:extLst>
           </p:nvPr>
@@ -21250,14 +20902,14 @@
                     <a:lstStyle/>
                     <a:p>
                       <a:r>
-                        <a:rPr lang="en-US" b="1" dirty="0" smtClean="0">
+                        <a:rPr lang="en-US" b="0" dirty="0" smtClean="0">
                           <a:solidFill>
                             <a:schemeClr val="tx1"/>
                           </a:solidFill>
                         </a:rPr>
                         <a:t>False</a:t>
                       </a:r>
-                      <a:endParaRPr lang="en-US" b="1" dirty="0">
+                      <a:endParaRPr lang="en-US" b="0" dirty="0">
                         <a:solidFill>
                           <a:schemeClr val="tx1"/>
                         </a:solidFill>
@@ -21358,7 +21010,7 @@
 </p:sld>
 </file>
 
-<file path=ppt/slides/slide48.xml><?xml version="1.0" encoding="utf-8"?>
+<file path=ppt/slides/slide47.xml><?xml version="1.0" encoding="utf-8"?>
 <p:sld xmlns:a="http://schemas.openxmlformats.org/drawingml/2006/main" xmlns:r="http://schemas.openxmlformats.org/officeDocument/2006/relationships" xmlns:p="http://schemas.openxmlformats.org/presentationml/2006/main">
   <p:cSld>
     <p:spTree>
@@ -21520,7 +21172,7 @@
           <p:nvPr>
             <p:extLst>
               <p:ext uri="{D42A27DB-BD31-4B8C-83A1-F6EECF244321}">
-                <p14:modId xmlns:p14="http://schemas.microsoft.com/office/powerpoint/2010/main" val="61261082"/>
+                <p14:modId xmlns:p14="http://schemas.microsoft.com/office/powerpoint/2010/main" val="1204856713"/>
               </p:ext>
             </p:extLst>
           </p:nvPr>
@@ -21618,14 +21270,14 @@
                     <a:lstStyle/>
                     <a:p>
                       <a:r>
-                        <a:rPr lang="en-US" b="1" dirty="0" smtClean="0">
+                        <a:rPr lang="en-US" b="0" dirty="0" smtClean="0">
                           <a:solidFill>
                             <a:schemeClr val="tx1"/>
                           </a:solidFill>
                         </a:rPr>
                         <a:t>False</a:t>
                       </a:r>
-                      <a:endParaRPr lang="en-US" b="1" dirty="0">
+                      <a:endParaRPr lang="en-US" b="0" dirty="0">
                         <a:solidFill>
                           <a:schemeClr val="tx1"/>
                         </a:solidFill>
@@ -21776,6 +21428,326 @@
 </p:sld>
 </file>
 
+<file path=ppt/slides/slide48.xml><?xml version="1.0" encoding="utf-8"?>
+<p:sld xmlns:a="http://schemas.openxmlformats.org/drawingml/2006/main" xmlns:r="http://schemas.openxmlformats.org/officeDocument/2006/relationships" xmlns:p="http://schemas.openxmlformats.org/presentationml/2006/main">
+  <p:cSld>
+    <p:spTree>
+      <p:nvGrpSpPr>
+        <p:cNvPr id="1" name=""/>
+        <p:cNvGrpSpPr/>
+        <p:nvPr/>
+      </p:nvGrpSpPr>
+      <p:grpSpPr>
+        <a:xfrm>
+          <a:off x="0" y="0"/>
+          <a:ext cx="0" cy="0"/>
+          <a:chOff x="0" y="0"/>
+          <a:chExt cx="0" cy="0"/>
+        </a:xfrm>
+      </p:grpSpPr>
+      <p:sp>
+        <p:nvSpPr>
+          <p:cNvPr id="4" name="Rectangle 3"/>
+          <p:cNvSpPr/>
+          <p:nvPr/>
+        </p:nvSpPr>
+        <p:spPr>
+          <a:xfrm>
+            <a:off x="0" y="-7550"/>
+            <a:ext cx="9144000" cy="1228835"/>
+          </a:xfrm>
+          <a:prstGeom prst="rect">
+            <a:avLst/>
+          </a:prstGeom>
+          <a:solidFill>
+            <a:srgbClr val="3DBFDB"/>
+          </a:solidFill>
+          <a:ln>
+            <a:noFill/>
+          </a:ln>
+          <a:effectLst/>
+        </p:spPr>
+        <p:style>
+          <a:lnRef idx="1">
+            <a:schemeClr val="accent1"/>
+          </a:lnRef>
+          <a:fillRef idx="3">
+            <a:schemeClr val="accent1"/>
+          </a:fillRef>
+          <a:effectRef idx="2">
+            <a:schemeClr val="accent1"/>
+          </a:effectRef>
+          <a:fontRef idx="minor">
+            <a:schemeClr val="lt1"/>
+          </a:fontRef>
+        </p:style>
+        <p:txBody>
+          <a:bodyPr rtlCol="0" anchor="ctr"/>
+          <a:lstStyle/>
+          <a:p>
+            <a:r>
+              <a:rPr lang="en-US" sz="4000" b="1" dirty="0" smtClean="0"/>
+              <a:t>   </a:t>
+            </a:r>
+            <a:r>
+              <a:rPr lang="en-US" sz="4000" i="1" dirty="0" smtClean="0"/>
+              <a:t>Comparison operators</a:t>
+            </a:r>
+            <a:endParaRPr lang="en-US" sz="4000" i="1" dirty="0"/>
+          </a:p>
+        </p:txBody>
+      </p:sp>
+      <p:sp>
+        <p:nvSpPr>
+          <p:cNvPr id="5" name="Rectangle 4"/>
+          <p:cNvSpPr/>
+          <p:nvPr/>
+        </p:nvSpPr>
+        <p:spPr>
+          <a:xfrm>
+            <a:off x="0" y="6737478"/>
+            <a:ext cx="9144000" cy="120522"/>
+          </a:xfrm>
+          <a:prstGeom prst="rect">
+            <a:avLst/>
+          </a:prstGeom>
+          <a:solidFill>
+            <a:srgbClr val="3DBFDB"/>
+          </a:solidFill>
+          <a:ln>
+            <a:noFill/>
+          </a:ln>
+          <a:effectLst/>
+        </p:spPr>
+        <p:style>
+          <a:lnRef idx="1">
+            <a:schemeClr val="accent1"/>
+          </a:lnRef>
+          <a:fillRef idx="3">
+            <a:schemeClr val="accent1"/>
+          </a:fillRef>
+          <a:effectRef idx="2">
+            <a:schemeClr val="accent1"/>
+          </a:effectRef>
+          <a:fontRef idx="minor">
+            <a:schemeClr val="lt1"/>
+          </a:fontRef>
+        </p:style>
+        <p:txBody>
+          <a:bodyPr rtlCol="0" anchor="ctr"/>
+          <a:lstStyle/>
+          <a:p>
+            <a:pPr algn="ctr"/>
+            <a:endParaRPr lang="en-US"/>
+          </a:p>
+        </p:txBody>
+      </p:sp>
+      <p:sp>
+        <p:nvSpPr>
+          <p:cNvPr id="7" name="TextBox 6"/>
+          <p:cNvSpPr txBox="1"/>
+          <p:nvPr/>
+        </p:nvSpPr>
+        <p:spPr>
+          <a:xfrm>
+            <a:off x="8869998" y="6453063"/>
+            <a:ext cx="262662" cy="276999"/>
+          </a:xfrm>
+          <a:prstGeom prst="rect">
+            <a:avLst/>
+          </a:prstGeom>
+          <a:noFill/>
+        </p:spPr>
+        <p:txBody>
+          <a:bodyPr wrap="none" rtlCol="0">
+            <a:spAutoFit/>
+          </a:bodyPr>
+          <a:lstStyle/>
+          <a:p>
+            <a:pPr algn="r"/>
+            <a:r>
+              <a:rPr lang="en-US" sz="1200" dirty="0" smtClean="0">
+                <a:solidFill>
+                  <a:srgbClr val="118EB0"/>
+                </a:solidFill>
+              </a:rPr>
+              <a:t>1</a:t>
+            </a:r>
+            <a:endParaRPr lang="en-US" sz="1200" dirty="0">
+              <a:solidFill>
+                <a:srgbClr val="118EB0"/>
+              </a:solidFill>
+            </a:endParaRPr>
+          </a:p>
+        </p:txBody>
+      </p:sp>
+      <p:sp>
+        <p:nvSpPr>
+          <p:cNvPr id="10" name="Content Placeholder 2"/>
+          <p:cNvSpPr>
+            <a:spLocks noGrp="1"/>
+          </p:cNvSpPr>
+          <p:nvPr>
+            <p:ph idx="1"/>
+          </p:nvPr>
+        </p:nvSpPr>
+        <p:spPr>
+          <a:xfrm>
+            <a:off x="457199" y="1600201"/>
+            <a:ext cx="8577943" cy="4525963"/>
+          </a:xfrm>
+        </p:spPr>
+        <p:txBody>
+          <a:bodyPr>
+            <a:normAutofit/>
+          </a:bodyPr>
+          <a:lstStyle/>
+          <a:p>
+            <a:r>
+              <a:rPr lang="en-US" dirty="0" smtClean="0">
+                <a:ea typeface="Courier" charset="0"/>
+                <a:cs typeface="Courier" charset="0"/>
+              </a:rPr>
+              <a:t>Comparison operators produces </a:t>
+            </a:r>
+            <a:r>
+              <a:rPr lang="en-US" b="1" dirty="0" smtClean="0">
+                <a:latin typeface="Courier" charset="0"/>
+                <a:ea typeface="Courier" charset="0"/>
+                <a:cs typeface="Courier" charset="0"/>
+              </a:rPr>
+              <a:t>bool</a:t>
+            </a:r>
+            <a:r>
+              <a:rPr lang="en-US" dirty="0" smtClean="0">
+                <a:ea typeface="Courier" charset="0"/>
+                <a:cs typeface="Courier" charset="0"/>
+              </a:rPr>
+              <a:t> type</a:t>
+            </a:r>
+          </a:p>
+          <a:p>
+            <a:pPr lvl="1"/>
+            <a:r>
+              <a:rPr lang="en-US" dirty="0" smtClean="0">
+                <a:ea typeface="Courier" charset="0"/>
+                <a:cs typeface="Courier" charset="0"/>
+              </a:rPr>
+              <a:t>Less than, &lt;</a:t>
+            </a:r>
+          </a:p>
+          <a:p>
+            <a:pPr lvl="1"/>
+            <a:r>
+              <a:rPr lang="en-US" dirty="0" smtClean="0">
+                <a:ea typeface="Courier" charset="0"/>
+                <a:cs typeface="Courier" charset="0"/>
+              </a:rPr>
+              <a:t>Greater than, &gt;</a:t>
+            </a:r>
+          </a:p>
+          <a:p>
+            <a:pPr lvl="1"/>
+            <a:r>
+              <a:rPr lang="en-US" dirty="0" smtClean="0">
+                <a:ea typeface="Courier" charset="0"/>
+                <a:cs typeface="Courier" charset="0"/>
+              </a:rPr>
+              <a:t>Less than or equal to, &lt;=</a:t>
+            </a:r>
+          </a:p>
+          <a:p>
+            <a:pPr lvl="1"/>
+            <a:r>
+              <a:rPr lang="en-US" dirty="0" smtClean="0">
+                <a:ea typeface="Courier" charset="0"/>
+                <a:cs typeface="Courier" charset="0"/>
+              </a:rPr>
+              <a:t>Greater than or equal to, &gt;=</a:t>
+            </a:r>
+          </a:p>
+          <a:p>
+            <a:pPr lvl="1"/>
+            <a:r>
+              <a:rPr lang="en-US" dirty="0" smtClean="0">
+                <a:solidFill>
+                  <a:srgbClr val="FF0000"/>
+                </a:solidFill>
+                <a:ea typeface="Courier" charset="0"/>
+                <a:cs typeface="Courier" charset="0"/>
+              </a:rPr>
+              <a:t>Equal to, ==</a:t>
+            </a:r>
+          </a:p>
+          <a:p>
+            <a:pPr lvl="1"/>
+            <a:r>
+              <a:rPr lang="en-US" dirty="0" smtClean="0">
+                <a:ea typeface="Courier" charset="0"/>
+                <a:cs typeface="Courier" charset="0"/>
+              </a:rPr>
+              <a:t>Not equal to, !=</a:t>
+            </a:r>
+          </a:p>
+        </p:txBody>
+      </p:sp>
+      <p:sp>
+        <p:nvSpPr>
+          <p:cNvPr id="8" name="Rectangle 7"/>
+          <p:cNvSpPr/>
+          <p:nvPr/>
+        </p:nvSpPr>
+        <p:spPr>
+          <a:xfrm>
+            <a:off x="0" y="6451738"/>
+            <a:ext cx="697627" cy="276999"/>
+          </a:xfrm>
+          <a:prstGeom prst="rect">
+            <a:avLst/>
+          </a:prstGeom>
+        </p:spPr>
+        <p:txBody>
+          <a:bodyPr wrap="none">
+            <a:spAutoFit/>
+          </a:bodyPr>
+          <a:lstStyle/>
+          <a:p>
+            <a:r>
+              <a:rPr lang="en-US" sz="1200" dirty="0" smtClean="0">
+                <a:solidFill>
+                  <a:srgbClr val="118EB0"/>
+                </a:solidFill>
+              </a:rPr>
+              <a:t>Boolean</a:t>
+            </a:r>
+            <a:endParaRPr lang="en-US" sz="1200" dirty="0">
+              <a:solidFill>
+                <a:srgbClr val="118EB0"/>
+              </a:solidFill>
+            </a:endParaRPr>
+          </a:p>
+        </p:txBody>
+      </p:sp>
+    </p:spTree>
+    <p:extLst>
+      <p:ext uri="{BB962C8B-B14F-4D97-AF65-F5344CB8AC3E}">
+        <p14:creationId xmlns:p14="http://schemas.microsoft.com/office/powerpoint/2010/main" val="142655621"/>
+      </p:ext>
+    </p:extLst>
+  </p:cSld>
+  <p:clrMapOvr>
+    <a:masterClrMapping/>
+  </p:clrMapOvr>
+  <p:timing>
+    <p:tnLst>
+      <p:par>
+        <p:cTn id="1" dur="indefinite" restart="never" nodeType="tmRoot"/>
+      </p:par>
+    </p:tnLst>
+  </p:timing>
+</p:sld>
+</file>
+
 <file path=ppt/slides/slide49.xml><?xml version="1.0" encoding="utf-8"?>
 <p:sld xmlns:a="http://schemas.openxmlformats.org/drawingml/2006/main" xmlns:r="http://schemas.openxmlformats.org/officeDocument/2006/relationships" xmlns:p="http://schemas.openxmlformats.org/presentationml/2006/main">
   <p:cSld>
@@ -21839,7 +21811,22 @@
             </a:r>
             <a:r>
               <a:rPr lang="en-US" sz="4000" i="1" dirty="0" smtClean="0"/>
-              <a:t>Example</a:t>
+              <a:t>Examples: </a:t>
+            </a:r>
+            <a:r>
+              <a:rPr lang="en-US" sz="4000" i="1" dirty="0" smtClean="0">
+                <a:latin typeface="Courier" charset="0"/>
+                <a:ea typeface="Courier" charset="0"/>
+                <a:cs typeface="Courier" charset="0"/>
+              </a:rPr>
+              <a:t>Boolean </a:t>
+            </a:r>
+            <a:r>
+              <a:rPr lang="en-US" sz="4000" i="1" dirty="0" smtClean="0">
+                <a:ea typeface="Courier" charset="0"/>
+                <a:cs typeface="Courier" charset="0"/>
+              </a:rPr>
+              <a:t>logic</a:t>
             </a:r>
             <a:endParaRPr lang="en-US" sz="4000" i="1" dirty="0"/>
           </a:p>
@@ -21938,7 +21925,7 @@
         <p:spPr>
           <a:xfrm>
             <a:off x="831272" y="2315688"/>
-            <a:ext cx="6032666" cy="2308324"/>
+            <a:ext cx="6032666" cy="3231654"/>
           </a:xfrm>
           <a:prstGeom prst="rect">
             <a:avLst/>
@@ -21952,31 +21939,71 @@
           <a:lstStyle/>
           <a:p>
             <a:r>
-              <a:rPr lang="en-US" dirty="0">
-                <a:latin typeface="Courier" charset="0"/>
-                <a:ea typeface="Courier" charset="0"/>
-                <a:cs typeface="Courier" charset="0"/>
-              </a:rPr>
-              <a:t>d</a:t>
-            </a:r>
-            <a:r>
-              <a:rPr lang="en-US" dirty="0" smtClean="0">
-                <a:latin typeface="Courier" charset="0"/>
-                <a:ea typeface="Courier" charset="0"/>
-                <a:cs typeface="Courier" charset="0"/>
-              </a:rPr>
-              <a:t>ef fun():</a:t>
-            </a:r>
-          </a:p>
-          <a:p>
-            <a:r>
-              <a:rPr lang="en-US" dirty="0" smtClean="0">
-                <a:latin typeface="Courier" charset="0"/>
-                <a:ea typeface="Courier" charset="0"/>
-                <a:cs typeface="Courier" charset="0"/>
-              </a:rPr>
-              <a:t>	return True and False</a:t>
-            </a:r>
+              <a:rPr lang="en-US" sz="2400" dirty="0" smtClean="0">
+                <a:latin typeface="Courier" charset="0"/>
+                <a:ea typeface="Courier" charset="0"/>
+                <a:cs typeface="Courier" charset="0"/>
+              </a:rPr>
+              <a:t>x &gt; 0</a:t>
+            </a:r>
+          </a:p>
+          <a:p>
+            <a:endParaRPr lang="en-US" sz="2400" dirty="0">
+              <a:latin typeface="Courier" charset="0"/>
+              <a:ea typeface="Courier" charset="0"/>
+              <a:cs typeface="Courier" charset="0"/>
+            </a:endParaRPr>
+          </a:p>
+          <a:p>
+            <a:r>
+              <a:rPr lang="en-US" sz="2400" dirty="0" smtClean="0">
+                <a:latin typeface="Courier" charset="0"/>
+                <a:ea typeface="Courier" charset="0"/>
+                <a:cs typeface="Courier" charset="0"/>
+              </a:rPr>
+              <a:t>(x &gt; 0) or (x &lt; -10)</a:t>
+            </a:r>
+          </a:p>
+          <a:p>
+            <a:endParaRPr lang="en-US" sz="2400" dirty="0" smtClean="0">
+              <a:latin typeface="Courier" charset="0"/>
+              <a:ea typeface="Courier" charset="0"/>
+              <a:cs typeface="Courier" charset="0"/>
+            </a:endParaRPr>
+          </a:p>
+          <a:p>
+            <a:r>
+              <a:rPr lang="en-US" sz="2400" dirty="0">
+                <a:latin typeface="Courier" charset="0"/>
+                <a:ea typeface="Courier" charset="0"/>
+                <a:cs typeface="Courier" charset="0"/>
+              </a:rPr>
+              <a:t>(x &gt; 0) and (x &lt;= 10)</a:t>
+            </a:r>
+          </a:p>
+          <a:p>
+            <a:endParaRPr lang="en-US" sz="2400" dirty="0" smtClean="0">
+              <a:latin typeface="Courier" charset="0"/>
+              <a:ea typeface="Courier" charset="0"/>
+              <a:cs typeface="Courier" charset="0"/>
+            </a:endParaRPr>
+          </a:p>
+          <a:p>
+            <a:r>
+              <a:rPr lang="en-US" sz="2400" dirty="0" smtClean="0">
+                <a:latin typeface="Courier" charset="0"/>
+                <a:ea typeface="Courier" charset="0"/>
+                <a:cs typeface="Courier" charset="0"/>
+              </a:rPr>
+              <a:t>0 &lt; x &lt;= 10</a:t>
+            </a:r>
+          </a:p>
+          <a:p>
+            <a:endParaRPr lang="en-US" dirty="0" smtClean="0">
+              <a:latin typeface="Courier" charset="0"/>
+              <a:ea typeface="Courier" charset="0"/>
+              <a:cs typeface="Courier" charset="0"/>
+            </a:endParaRPr>
           </a:p>
           <a:p>
             <a:endParaRPr lang="en-US" dirty="0">
@@ -21985,61 +22012,6 @@
               <a:cs typeface="Courier" charset="0"/>
             </a:endParaRPr>
           </a:p>
-          <a:p>
-            <a:r>
-              <a:rPr lang="en-US" dirty="0" smtClean="0">
-                <a:latin typeface="Courier" charset="0"/>
-                <a:ea typeface="Courier" charset="0"/>
-                <a:cs typeface="Courier" charset="0"/>
-              </a:rPr>
-              <a:t>x = fun() and not (True or False)</a:t>
-            </a:r>
-          </a:p>
-          <a:p>
-            <a:endParaRPr lang="en-US" dirty="0">
-              <a:latin typeface="Courier" charset="0"/>
-              <a:ea typeface="Courier" charset="0"/>
-              <a:cs typeface="Courier" charset="0"/>
-            </a:endParaRPr>
-          </a:p>
-          <a:p>
-            <a:r>
-              <a:rPr lang="en-US" dirty="0" smtClean="0">
-                <a:ea typeface="Courier" charset="0"/>
-                <a:cs typeface="Courier" charset="0"/>
-              </a:rPr>
-              <a:t>What is the value of x?</a:t>
-            </a:r>
-          </a:p>
-          <a:p>
-            <a:r>
-              <a:rPr lang="en-US" dirty="0" smtClean="0">
-                <a:ea typeface="Courier" charset="0"/>
-                <a:cs typeface="Courier" charset="0"/>
-              </a:rPr>
-              <a:t>  A True</a:t>
-            </a:r>
-          </a:p>
-          <a:p>
-            <a:r>
-              <a:rPr lang="en-US" dirty="0">
-                <a:ea typeface="Courier" charset="0"/>
-                <a:cs typeface="Courier" charset="0"/>
-              </a:rPr>
-              <a:t> </a:t>
-            </a:r>
-            <a:r>
-              <a:rPr lang="en-US" dirty="0" smtClean="0">
-                <a:ea typeface="Courier" charset="0"/>
-                <a:cs typeface="Courier" charset="0"/>
-              </a:rPr>
-              <a:t> B False</a:t>
-            </a:r>
-            <a:endParaRPr lang="en-US" dirty="0">
-              <a:ea typeface="Courier" charset="0"/>
-              <a:cs typeface="Courier" charset="0"/>
-            </a:endParaRPr>
-          </a:p>
         </p:txBody>
       </p:sp>
       <p:sp>
@@ -22082,7 +22054,7 @@
     </p:spTree>
     <p:extLst>
       <p:ext uri="{BB962C8B-B14F-4D97-AF65-F5344CB8AC3E}">
-        <p14:creationId xmlns:p14="http://schemas.microsoft.com/office/powerpoint/2010/main" val="1976916747"/>
+        <p14:creationId xmlns:p14="http://schemas.microsoft.com/office/powerpoint/2010/main" val="1772073129"/>
       </p:ext>
     </p:extLst>
   </p:cSld>
@@ -22493,7 +22465,7 @@
             </a:r>
             <a:r>
               <a:rPr lang="en-US" sz="4000" i="1" dirty="0" smtClean="0"/>
-              <a:t>Comparison operators</a:t>
+              <a:t>Boolean logic</a:t>
             </a:r>
             <a:endParaRPr lang="en-US" sz="4000" i="1" dirty="0"/>
           </a:p>
@@ -22595,8 +22567,8 @@
         </p:nvSpPr>
         <p:spPr>
           <a:xfrm>
-            <a:off x="457199" y="1600201"/>
-            <a:ext cx="8577943" cy="4525963"/>
+            <a:off x="457200" y="1600201"/>
+            <a:ext cx="8057408" cy="4525963"/>
           </a:xfrm>
         </p:spPr>
         <p:txBody>
@@ -22610,86 +22582,180 @@
                 <a:ea typeface="Courier" charset="0"/>
                 <a:cs typeface="Courier" charset="0"/>
               </a:rPr>
-              <a:t>Comparison operators also produces </a:t>
-            </a:r>
-            <a:r>
-              <a:rPr lang="en-US" b="1" dirty="0" smtClean="0">
-                <a:latin typeface="Courier" charset="0"/>
-                <a:ea typeface="Courier" charset="0"/>
-                <a:cs typeface="Courier" charset="0"/>
-              </a:rPr>
-              <a:t>bool</a:t>
-            </a:r>
-            <a:r>
-              <a:rPr lang="en-US" dirty="0" smtClean="0">
-                <a:ea typeface="Courier" charset="0"/>
-                <a:cs typeface="Courier" charset="0"/>
-              </a:rPr>
-              <a:t> type</a:t>
+              <a:t>Assign a boolean type to a variable</a:t>
             </a:r>
           </a:p>
           <a:p>
             <a:pPr lvl="1"/>
-            <a:r>
-              <a:rPr lang="en-US" dirty="0" smtClean="0">
-                <a:ea typeface="Courier" charset="0"/>
-                <a:cs typeface="Courier" charset="0"/>
-              </a:rPr>
-              <a:t>Less than, &lt;</a:t>
-            </a:r>
-          </a:p>
+            <a:endParaRPr lang="en-US" dirty="0" smtClean="0">
+              <a:latin typeface="Courier" charset="0"/>
+              <a:ea typeface="Courier" charset="0"/>
+              <a:cs typeface="Courier" charset="0"/>
+            </a:endParaRPr>
+          </a:p>
+        </p:txBody>
+      </p:sp>
+      <p:sp>
+        <p:nvSpPr>
+          <p:cNvPr id="2" name="Rectangle 1"/>
+          <p:cNvSpPr/>
+          <p:nvPr/>
+        </p:nvSpPr>
+        <p:spPr>
+          <a:xfrm>
+            <a:off x="518831" y="2724145"/>
+            <a:ext cx="5011111" cy="3046988"/>
+          </a:xfrm>
+          <a:prstGeom prst="rect">
+            <a:avLst/>
+          </a:prstGeom>
+        </p:spPr>
+        <p:txBody>
+          <a:bodyPr wrap="square">
+            <a:spAutoFit/>
+          </a:bodyPr>
+          <a:lstStyle/>
           <a:p>
             <a:pPr lvl="1"/>
             <a:r>
-              <a:rPr lang="en-US" dirty="0" smtClean="0">
-                <a:ea typeface="Courier" charset="0"/>
-                <a:cs typeface="Courier" charset="0"/>
-              </a:rPr>
-              <a:t>Greater than, &gt;</a:t>
+              <a:rPr lang="en-US" sz="2400" dirty="0">
+                <a:latin typeface="Courier" charset="0"/>
+                <a:ea typeface="Courier" charset="0"/>
+                <a:cs typeface="Courier" charset="0"/>
+              </a:rPr>
+              <a:t>x = 5</a:t>
             </a:r>
           </a:p>
           <a:p>
             <a:pPr lvl="1"/>
             <a:r>
-              <a:rPr lang="en-US" dirty="0" smtClean="0">
-                <a:ea typeface="Courier" charset="0"/>
-                <a:cs typeface="Courier" charset="0"/>
-              </a:rPr>
-              <a:t>Less than or equal to, &lt;=</a:t>
+              <a:rPr lang="en-US" sz="2400" dirty="0">
+                <a:latin typeface="Courier" charset="0"/>
+                <a:ea typeface="Courier" charset="0"/>
+                <a:cs typeface="Courier" charset="0"/>
+              </a:rPr>
+              <a:t>y = </a:t>
+            </a:r>
+            <a:r>
+              <a:rPr lang="en-US" sz="2400" dirty="0" smtClean="0">
+                <a:latin typeface="Courier" charset="0"/>
+                <a:ea typeface="Courier" charset="0"/>
+                <a:cs typeface="Courier" charset="0"/>
+              </a:rPr>
+              <a:t>(x </a:t>
+            </a:r>
+            <a:r>
+              <a:rPr lang="en-US" sz="2400" dirty="0">
+                <a:latin typeface="Courier" charset="0"/>
+                <a:ea typeface="Courier" charset="0"/>
+                <a:cs typeface="Courier" charset="0"/>
+              </a:rPr>
+              <a:t>&lt; </a:t>
+            </a:r>
+            <a:r>
+              <a:rPr lang="en-US" sz="2400" dirty="0" smtClean="0">
+                <a:latin typeface="Courier" charset="0"/>
+                <a:ea typeface="Courier" charset="0"/>
+                <a:cs typeface="Courier" charset="0"/>
+              </a:rPr>
+              <a:t>0) </a:t>
+            </a:r>
+            <a:r>
+              <a:rPr lang="en-US" sz="2400" dirty="0">
+                <a:latin typeface="Courier" charset="0"/>
+                <a:ea typeface="Courier" charset="0"/>
+                <a:cs typeface="Courier" charset="0"/>
+              </a:rPr>
+              <a:t>or </a:t>
+            </a:r>
+            <a:r>
+              <a:rPr lang="en-US" sz="2400" dirty="0" smtClean="0">
+                <a:latin typeface="Courier" charset="0"/>
+                <a:ea typeface="Courier" charset="0"/>
+                <a:cs typeface="Courier" charset="0"/>
+              </a:rPr>
+              <a:t>(x </a:t>
+            </a:r>
+            <a:r>
+              <a:rPr lang="en-US" sz="2400" dirty="0">
+                <a:latin typeface="Courier" charset="0"/>
+                <a:ea typeface="Courier" charset="0"/>
+                <a:cs typeface="Courier" charset="0"/>
+              </a:rPr>
+              <a:t>&gt; -</a:t>
+            </a:r>
+            <a:r>
+              <a:rPr lang="en-US" sz="2400" dirty="0" smtClean="0">
+                <a:latin typeface="Courier" charset="0"/>
+                <a:ea typeface="Courier" charset="0"/>
+                <a:cs typeface="Courier" charset="0"/>
+              </a:rPr>
+              <a:t>2)</a:t>
             </a:r>
           </a:p>
           <a:p>
             <a:pPr lvl="1"/>
             <a:r>
-              <a:rPr lang="en-US" dirty="0" smtClean="0">
-                <a:ea typeface="Courier" charset="0"/>
-                <a:cs typeface="Courier" charset="0"/>
-              </a:rPr>
-              <a:t>Greater than or equal to, &gt;=</a:t>
+              <a:rPr lang="en-US" sz="2400" dirty="0" smtClean="0">
+                <a:latin typeface="Courier" charset="0"/>
+                <a:ea typeface="Courier" charset="0"/>
+                <a:cs typeface="Courier" charset="0"/>
+              </a:rPr>
+              <a:t>type (x)</a:t>
             </a:r>
           </a:p>
           <a:p>
             <a:pPr lvl="1"/>
             <a:r>
-              <a:rPr lang="en-US" dirty="0" smtClean="0">
-                <a:solidFill>
-                  <a:srgbClr val="FF0000"/>
-                </a:solidFill>
-                <a:ea typeface="Courier" charset="0"/>
-                <a:cs typeface="Courier" charset="0"/>
-              </a:rPr>
-              <a:t>Equal to, ==</a:t>
+              <a:rPr lang="en-US" sz="2400" dirty="0" smtClean="0">
+                <a:latin typeface="Courier" charset="0"/>
+                <a:ea typeface="Courier" charset="0"/>
+                <a:cs typeface="Courier" charset="0"/>
+              </a:rPr>
+              <a:t>type (y)</a:t>
             </a:r>
           </a:p>
           <a:p>
             <a:pPr lvl="1"/>
             <a:r>
-              <a:rPr lang="en-US" dirty="0" smtClean="0">
-                <a:ea typeface="Courier" charset="0"/>
-                <a:cs typeface="Courier" charset="0"/>
-              </a:rPr>
-              <a:t>Not equal to, !=</a:t>
-            </a:r>
+              <a:rPr lang="en-US" sz="2400" dirty="0" smtClean="0">
+                <a:latin typeface="Courier" charset="0"/>
+                <a:ea typeface="Courier" charset="0"/>
+                <a:cs typeface="Courier" charset="0"/>
+              </a:rPr>
+              <a:t>print(y)</a:t>
+            </a:r>
+          </a:p>
+          <a:p>
+            <a:pPr lvl="1"/>
+            <a:endParaRPr lang="en-US" sz="2400" dirty="0">
+              <a:latin typeface="Courier" charset="0"/>
+              <a:ea typeface="Courier" charset="0"/>
+              <a:cs typeface="Courier" charset="0"/>
+            </a:endParaRPr>
+          </a:p>
+          <a:p>
+            <a:pPr lvl="1"/>
+            <a:r>
+              <a:rPr lang="en-US" sz="2400" dirty="0" smtClean="0">
+                <a:latin typeface="Courier" charset="0"/>
+                <a:ea typeface="Courier" charset="0"/>
+                <a:cs typeface="Courier" charset="0"/>
+              </a:rPr>
+              <a:t>x = 3 &gt; 5</a:t>
+            </a:r>
+          </a:p>
+          <a:p>
+            <a:pPr lvl="1"/>
+            <a:r>
+              <a:rPr lang="en-US" sz="2400" dirty="0" smtClean="0">
+                <a:latin typeface="Courier" charset="0"/>
+                <a:ea typeface="Courier" charset="0"/>
+                <a:cs typeface="Courier" charset="0"/>
+              </a:rPr>
+              <a:t>type(x)</a:t>
+            </a:r>
+            <a:endParaRPr lang="en-US" sz="2400" dirty="0"/>
           </a:p>
         </p:txBody>
       </p:sp>
@@ -22733,7 +22799,7 @@
     </p:spTree>
     <p:extLst>
       <p:ext uri="{BB962C8B-B14F-4D97-AF65-F5344CB8AC3E}">
-        <p14:creationId xmlns:p14="http://schemas.microsoft.com/office/powerpoint/2010/main" val="317419285"/>
+        <p14:creationId xmlns:p14="http://schemas.microsoft.com/office/powerpoint/2010/main" val="216356378"/>
       </p:ext>
     </p:extLst>
   </p:cSld>
@@ -22931,7 +22997,7 @@
                 <a:ea typeface="Courier" charset="0"/>
                 <a:cs typeface="Courier" charset="0"/>
               </a:rPr>
-              <a:t>a</a:t>
+              <a:t>d</a:t>
             </a:r>
             <a:r>
               <a:rPr lang="en-US" dirty="0" smtClean="0">
@@ -22939,7 +23005,7 @@
                 <a:ea typeface="Courier" charset="0"/>
                 <a:cs typeface="Courier" charset="0"/>
               </a:rPr>
-              <a:t> = 5</a:t>
+              <a:t>ef fun():</a:t>
             </a:r>
           </a:p>
           <a:p>
@@ -22949,7 +23015,7 @@
                 <a:ea typeface="Courier" charset="0"/>
                 <a:cs typeface="Courier" charset="0"/>
               </a:rPr>
-              <a:t>b = 3</a:t>
+              <a:t>	return True and False</a:t>
             </a:r>
           </a:p>
           <a:p>
@@ -22966,23 +23032,7 @@
                 <a:ea typeface="Courier" charset="0"/>
                 <a:cs typeface="Courier" charset="0"/>
               </a:rPr>
-              <a:t>x = (a &lt; 5) or ((b &lt;= </a:t>
-            </a:r>
-            <a:r>
-              <a:rPr lang="en-US" dirty="0" smtClean="0">
-                <a:latin typeface="Courier" charset="0"/>
-                <a:ea typeface="Courier" charset="0"/>
-                <a:cs typeface="Courier" charset="0"/>
-              </a:rPr>
-              <a:t>3) </a:t>
-            </a:r>
-            <a:r>
-              <a:rPr lang="en-US" dirty="0" smtClean="0">
-                <a:latin typeface="Courier" charset="0"/>
-                <a:ea typeface="Courier" charset="0"/>
-                <a:cs typeface="Courier" charset="0"/>
-              </a:rPr>
-              <a:t>and (a != b))</a:t>
+              <a:t>x = fun() or not (True or False)</a:t>
             </a:r>
           </a:p>
           <a:p>
@@ -23072,7 +23122,7 @@
     </p:spTree>
     <p:extLst>
       <p:ext uri="{BB962C8B-B14F-4D97-AF65-F5344CB8AC3E}">
-        <p14:creationId xmlns:p14="http://schemas.microsoft.com/office/powerpoint/2010/main" val="1907710451"/>
+        <p14:creationId xmlns:p14="http://schemas.microsoft.com/office/powerpoint/2010/main" val="1976916747"/>
       </p:ext>
     </p:extLst>
   </p:cSld>
@@ -23288,7 +23338,7 @@
                 <a:ea typeface="Courier" charset="0"/>
                 <a:cs typeface="Courier" charset="0"/>
               </a:rPr>
-              <a:t>b = ‘hello world!’</a:t>
+              <a:t>b = 3</a:t>
             </a:r>
           </a:p>
           <a:p>
@@ -23300,50 +23350,13 @@
           </a:p>
           <a:p>
             <a:r>
-              <a:rPr lang="en-US" dirty="0">
-                <a:latin typeface="Courier" charset="0"/>
-                <a:ea typeface="Courier" charset="0"/>
-                <a:cs typeface="Courier" charset="0"/>
-              </a:rPr>
-              <a:t>x = (a &lt; 5) </a:t>
-            </a:r>
-            <a:r>
               <a:rPr lang="en-US" dirty="0" smtClean="0">
                 <a:latin typeface="Courier" charset="0"/>
                 <a:ea typeface="Courier" charset="0"/>
                 <a:cs typeface="Courier" charset="0"/>
               </a:rPr>
-              <a:t>or </a:t>
-            </a:r>
-            <a:r>
-              <a:rPr lang="en-US" dirty="0" smtClean="0">
-                <a:latin typeface="Courier" charset="0"/>
-                <a:ea typeface="Courier" charset="0"/>
-                <a:cs typeface="Courier" charset="0"/>
-              </a:rPr>
-              <a:t> (</a:t>
-            </a:r>
-            <a:r>
-              <a:rPr lang="en-US" dirty="0" smtClean="0">
-                <a:latin typeface="Courier" charset="0"/>
-                <a:ea typeface="Courier" charset="0"/>
-                <a:cs typeface="Courier" charset="0"/>
-              </a:rPr>
-              <a:t>b[len(b</a:t>
-            </a:r>
-            <a:r>
-              <a:rPr lang="en-US" dirty="0">
-                <a:latin typeface="Courier" charset="0"/>
-                <a:ea typeface="Courier" charset="0"/>
-                <a:cs typeface="Courier" charset="0"/>
-              </a:rPr>
-              <a:t>)] == ‘!’)</a:t>
-            </a:r>
-            <a:endParaRPr lang="en-US" dirty="0" smtClean="0">
-              <a:latin typeface="Courier" charset="0"/>
-              <a:ea typeface="Courier" charset="0"/>
-              <a:cs typeface="Courier" charset="0"/>
-            </a:endParaRPr>
+              <a:t>x = (a &lt; 5) or ((b &lt;= 3) and (a != b))</a:t>
+            </a:r>
           </a:p>
           <a:p>
             <a:endParaRPr lang="en-US" dirty="0">
@@ -23385,6 +23398,10 @@
               </a:rPr>
               <a:t> B False</a:t>
             </a:r>
+            <a:endParaRPr lang="en-US" dirty="0">
+              <a:ea typeface="Courier" charset="0"/>
+              <a:cs typeface="Courier" charset="0"/>
+            </a:endParaRPr>
           </a:p>
         </p:txBody>
       </p:sp>
@@ -23428,7 +23445,7 @@
     </p:spTree>
     <p:extLst>
       <p:ext uri="{BB962C8B-B14F-4D97-AF65-F5344CB8AC3E}">
-        <p14:creationId xmlns:p14="http://schemas.microsoft.com/office/powerpoint/2010/main" val="1479099968"/>
+        <p14:creationId xmlns:p14="http://schemas.microsoft.com/office/powerpoint/2010/main" val="1907710451"/>
       </p:ext>
     </p:extLst>
   </p:cSld>
@@ -23656,29 +23673,34 @@
           </a:p>
           <a:p>
             <a:r>
+              <a:rPr lang="en-US" dirty="0">
+                <a:latin typeface="Courier" charset="0"/>
+                <a:ea typeface="Courier" charset="0"/>
+                <a:cs typeface="Courier" charset="0"/>
+              </a:rPr>
+              <a:t>x = (a &lt; 5) </a:t>
+            </a:r>
+            <a:r>
               <a:rPr lang="en-US" dirty="0" smtClean="0">
                 <a:latin typeface="Courier" charset="0"/>
                 <a:ea typeface="Courier" charset="0"/>
                 <a:cs typeface="Courier" charset="0"/>
               </a:rPr>
-              <a:t>x = (a &lt; 5) and </a:t>
-            </a:r>
-            <a:r>
-              <a:rPr lang="en-US" dirty="0" smtClean="0">
-                <a:latin typeface="Courier" charset="0"/>
-                <a:ea typeface="Courier" charset="0"/>
-                <a:cs typeface="Courier" charset="0"/>
-              </a:rPr>
-              <a:t>(</a:t>
-            </a:r>
-            <a:r>
-              <a:rPr lang="en-US" dirty="0" smtClean="0">
-                <a:latin typeface="Courier" charset="0"/>
-                <a:ea typeface="Courier" charset="0"/>
-                <a:cs typeface="Courier" charset="0"/>
-              </a:rPr>
-              <a:t>b[len(b)] == ‘!’)</a:t>
-            </a:r>
+              <a:t>or  (b[len(b</a:t>
+            </a:r>
+            <a:r>
+              <a:rPr lang="en-US" dirty="0">
+                <a:latin typeface="Courier" charset="0"/>
+                <a:ea typeface="Courier" charset="0"/>
+                <a:cs typeface="Courier" charset="0"/>
+              </a:rPr>
+              <a:t>)] == ‘!’)</a:t>
+            </a:r>
+            <a:endParaRPr lang="en-US" dirty="0" smtClean="0">
+              <a:latin typeface="Courier" charset="0"/>
+              <a:ea typeface="Courier" charset="0"/>
+              <a:cs typeface="Courier" charset="0"/>
+            </a:endParaRPr>
           </a:p>
           <a:p>
             <a:endParaRPr lang="en-US" dirty="0">
@@ -23763,7 +23785,7 @@
     </p:spTree>
     <p:extLst>
       <p:ext uri="{BB962C8B-B14F-4D97-AF65-F5344CB8AC3E}">
-        <p14:creationId xmlns:p14="http://schemas.microsoft.com/office/powerpoint/2010/main" val="1984635803"/>
+        <p14:creationId xmlns:p14="http://schemas.microsoft.com/office/powerpoint/2010/main" val="1479099968"/>
       </p:ext>
     </p:extLst>
   </p:cSld>
@@ -23843,7 +23865,7 @@
             </a:r>
             <a:r>
               <a:rPr lang="en-US" sz="4000" i="1" dirty="0" smtClean="0"/>
-              <a:t>Try out this..</a:t>
+              <a:t>Example</a:t>
             </a:r>
             <a:endParaRPr lang="en-US" sz="4000" i="1" dirty="0"/>
           </a:p>
@@ -23942,7 +23964,7 @@
         <p:spPr>
           <a:xfrm>
             <a:off x="831272" y="2315688"/>
-            <a:ext cx="6032666" cy="1477328"/>
+            <a:ext cx="6032666" cy="2585323"/>
           </a:xfrm>
           <a:prstGeom prst="rect">
             <a:avLst/>
@@ -23996,42 +24018,7 @@
                 <a:ea typeface="Courier" charset="0"/>
                 <a:cs typeface="Courier" charset="0"/>
               </a:rPr>
-              <a:t>x = (a &lt; 5) </a:t>
-            </a:r>
-            <a:r>
-              <a:rPr lang="en-US" dirty="0" smtClean="0">
-                <a:latin typeface="Courier" charset="0"/>
-                <a:ea typeface="Courier" charset="0"/>
-                <a:cs typeface="Courier" charset="0"/>
-              </a:rPr>
-              <a:t> </a:t>
-            </a:r>
-            <a:r>
-              <a:rPr lang="en-US" dirty="0" smtClean="0">
-                <a:solidFill>
-                  <a:srgbClr val="FF0000"/>
-                </a:solidFill>
-                <a:latin typeface="Courier" charset="0"/>
-                <a:ea typeface="Courier" charset="0"/>
-                <a:cs typeface="Courier" charset="0"/>
-              </a:rPr>
-              <a:t>&amp;</a:t>
-            </a:r>
-            <a:r>
-              <a:rPr lang="en-US" dirty="0" smtClean="0">
-                <a:latin typeface="Courier" charset="0"/>
-                <a:ea typeface="Courier" charset="0"/>
-                <a:cs typeface="Courier" charset="0"/>
-              </a:rPr>
-              <a:t>  (</a:t>
-            </a:r>
-            <a:r>
-              <a:rPr lang="en-US" dirty="0" smtClean="0">
-                <a:latin typeface="Courier" charset="0"/>
-                <a:ea typeface="Courier" charset="0"/>
-                <a:cs typeface="Courier" charset="0"/>
-              </a:rPr>
-              <a:t>b[len(b)] == ‘!’)</a:t>
+              <a:t>x = (a &lt; 5) and (b[len(b)] == ‘!’)</a:t>
             </a:r>
           </a:p>
           <a:p>
@@ -24041,6 +24028,74 @@
               <a:cs typeface="Courier" charset="0"/>
             </a:endParaRPr>
           </a:p>
+          <a:p>
+            <a:r>
+              <a:rPr lang="en-US" dirty="0" smtClean="0">
+                <a:ea typeface="Courier" charset="0"/>
+                <a:cs typeface="Courier" charset="0"/>
+              </a:rPr>
+              <a:t>What is the value of x?</a:t>
+            </a:r>
+          </a:p>
+          <a:p>
+            <a:r>
+              <a:rPr lang="en-US" dirty="0" smtClean="0">
+                <a:ea typeface="Courier" charset="0"/>
+                <a:cs typeface="Courier" charset="0"/>
+              </a:rPr>
+              <a:t>  A True</a:t>
+            </a:r>
+          </a:p>
+          <a:p>
+            <a:r>
+              <a:rPr lang="en-US" dirty="0">
+                <a:ea typeface="Courier" charset="0"/>
+                <a:cs typeface="Courier" charset="0"/>
+              </a:rPr>
+              <a:t> </a:t>
+            </a:r>
+            <a:r>
+              <a:rPr lang="en-US" dirty="0" smtClean="0">
+                <a:ea typeface="Courier" charset="0"/>
+                <a:cs typeface="Courier" charset="0"/>
+              </a:rPr>
+              <a:t> B </a:t>
+            </a:r>
+            <a:r>
+              <a:rPr lang="en-US" dirty="0" smtClean="0">
+                <a:ea typeface="Courier" charset="0"/>
+                <a:cs typeface="Courier" charset="0"/>
+              </a:rPr>
+              <a:t>False</a:t>
+            </a:r>
+          </a:p>
+          <a:p>
+            <a:r>
+              <a:rPr lang="en-US" dirty="0">
+                <a:ea typeface="Courier" charset="0"/>
+                <a:cs typeface="Courier" charset="0"/>
+              </a:rPr>
+              <a:t> </a:t>
+            </a:r>
+            <a:r>
+              <a:rPr lang="en-US" dirty="0" smtClean="0">
+                <a:ea typeface="Courier" charset="0"/>
+                <a:cs typeface="Courier" charset="0"/>
+              </a:rPr>
+              <a:t> C ‘Out-of-Index</a:t>
+            </a:r>
+            <a:r>
+              <a:rPr lang="en-US" smtClean="0">
+                <a:ea typeface="Courier" charset="0"/>
+                <a:cs typeface="Courier" charset="0"/>
+              </a:rPr>
+              <a:t>’ Error</a:t>
+            </a:r>
+            <a:endParaRPr lang="en-US" dirty="0" smtClean="0">
+              <a:ea typeface="Courier" charset="0"/>
+              <a:cs typeface="Courier" charset="0"/>
+            </a:endParaRPr>
+          </a:p>
         </p:txBody>
       </p:sp>
       <p:sp>
@@ -24083,443 +24138,7 @@
     </p:spTree>
     <p:extLst>
       <p:ext uri="{BB962C8B-B14F-4D97-AF65-F5344CB8AC3E}">
-        <p14:creationId xmlns:p14="http://schemas.microsoft.com/office/powerpoint/2010/main" val="1851201313"/>
-      </p:ext>
-    </p:extLst>
-  </p:cSld>
-  <p:clrMapOvr>
-    <a:masterClrMapping/>
-  </p:clrMapOvr>
-  <p:timing>
-    <p:tnLst>
-      <p:par>
-        <p:cTn id="1" dur="indefinite" restart="never" nodeType="tmRoot"/>
-      </p:par>
-    </p:tnLst>
-  </p:timing>
-</p:sld>
-</file>
-
-<file path=ppt/slides/slide55.xml><?xml version="1.0" encoding="utf-8"?>
-<p:sld xmlns:a="http://schemas.openxmlformats.org/drawingml/2006/main" xmlns:r="http://schemas.openxmlformats.org/officeDocument/2006/relationships" xmlns:p="http://schemas.openxmlformats.org/presentationml/2006/main">
-  <p:cSld>
-    <p:spTree>
-      <p:nvGrpSpPr>
-        <p:cNvPr id="1" name=""/>
-        <p:cNvGrpSpPr/>
-        <p:nvPr/>
-      </p:nvGrpSpPr>
-      <p:grpSpPr>
-        <a:xfrm>
-          <a:off x="0" y="0"/>
-          <a:ext cx="0" cy="0"/>
-          <a:chOff x="0" y="0"/>
-          <a:chExt cx="0" cy="0"/>
-        </a:xfrm>
-      </p:grpSpPr>
-      <p:sp>
-        <p:nvSpPr>
-          <p:cNvPr id="4" name="Rectangle 3"/>
-          <p:cNvSpPr/>
-          <p:nvPr/>
-        </p:nvSpPr>
-        <p:spPr>
-          <a:xfrm>
-            <a:off x="0" y="2586816"/>
-            <a:ext cx="9144000" cy="1228835"/>
-          </a:xfrm>
-          <a:prstGeom prst="rect">
-            <a:avLst/>
-          </a:prstGeom>
-          <a:solidFill>
-            <a:srgbClr val="3DBFDB"/>
-          </a:solidFill>
-          <a:ln>
-            <a:noFill/>
-          </a:ln>
-          <a:effectLst/>
-        </p:spPr>
-        <p:style>
-          <a:lnRef idx="1">
-            <a:schemeClr val="accent1"/>
-          </a:lnRef>
-          <a:fillRef idx="3">
-            <a:schemeClr val="accent1"/>
-          </a:fillRef>
-          <a:effectRef idx="2">
-            <a:schemeClr val="accent1"/>
-          </a:effectRef>
-          <a:fontRef idx="minor">
-            <a:schemeClr val="lt1"/>
-          </a:fontRef>
-        </p:style>
-        <p:txBody>
-          <a:bodyPr rtlCol="0" anchor="ctr"/>
-          <a:lstStyle/>
-          <a:p>
-            <a:pPr algn="ctr"/>
-            <a:r>
-              <a:rPr lang="en-US" sz="4800" b="1" dirty="0" smtClean="0"/>
-              <a:t>Reminder</a:t>
-            </a:r>
-            <a:endParaRPr lang="en-US" sz="4800" b="1" dirty="0"/>
-          </a:p>
-        </p:txBody>
-      </p:sp>
-      <p:sp>
-        <p:nvSpPr>
-          <p:cNvPr id="5" name="Rectangle 4"/>
-          <p:cNvSpPr/>
-          <p:nvPr/>
-        </p:nvSpPr>
-        <p:spPr>
-          <a:xfrm>
-            <a:off x="0" y="6737478"/>
-            <a:ext cx="9144000" cy="120522"/>
-          </a:xfrm>
-          <a:prstGeom prst="rect">
-            <a:avLst/>
-          </a:prstGeom>
-          <a:solidFill>
-            <a:srgbClr val="3DBFDB"/>
-          </a:solidFill>
-          <a:ln>
-            <a:noFill/>
-          </a:ln>
-          <a:effectLst/>
-        </p:spPr>
-        <p:style>
-          <a:lnRef idx="1">
-            <a:schemeClr val="accent1"/>
-          </a:lnRef>
-          <a:fillRef idx="3">
-            <a:schemeClr val="accent1"/>
-          </a:fillRef>
-          <a:effectRef idx="2">
-            <a:schemeClr val="accent1"/>
-          </a:effectRef>
-          <a:fontRef idx="minor">
-            <a:schemeClr val="lt1"/>
-          </a:fontRef>
-        </p:style>
-        <p:txBody>
-          <a:bodyPr rtlCol="0" anchor="ctr"/>
-          <a:lstStyle/>
-          <a:p>
-            <a:pPr algn="ctr"/>
-            <a:endParaRPr lang="en-US"/>
-          </a:p>
-        </p:txBody>
-      </p:sp>
-      <p:sp>
-        <p:nvSpPr>
-          <p:cNvPr id="6" name="Rectangle 5"/>
-          <p:cNvSpPr/>
-          <p:nvPr/>
-        </p:nvSpPr>
-        <p:spPr>
-          <a:xfrm>
-            <a:off x="0" y="6451738"/>
-            <a:ext cx="791179" cy="276999"/>
-          </a:xfrm>
-          <a:prstGeom prst="rect">
-            <a:avLst/>
-          </a:prstGeom>
-        </p:spPr>
-        <p:txBody>
-          <a:bodyPr wrap="none">
-            <a:spAutoFit/>
-          </a:bodyPr>
-          <a:lstStyle/>
-          <a:p>
-            <a:r>
-              <a:rPr lang="en-US" sz="1200" dirty="0" smtClean="0">
-                <a:solidFill>
-                  <a:srgbClr val="118EB0"/>
-                </a:solidFill>
-              </a:rPr>
-              <a:t>Reminder</a:t>
-            </a:r>
-            <a:endParaRPr lang="en-US" sz="1200" dirty="0">
-              <a:solidFill>
-                <a:srgbClr val="118EB0"/>
-              </a:solidFill>
-            </a:endParaRPr>
-          </a:p>
-        </p:txBody>
-      </p:sp>
-      <p:sp>
-        <p:nvSpPr>
-          <p:cNvPr id="7" name="TextBox 6"/>
-          <p:cNvSpPr txBox="1"/>
-          <p:nvPr/>
-        </p:nvSpPr>
-        <p:spPr>
-          <a:xfrm>
-            <a:off x="8869998" y="6453063"/>
-            <a:ext cx="262662" cy="276999"/>
-          </a:xfrm>
-          <a:prstGeom prst="rect">
-            <a:avLst/>
-          </a:prstGeom>
-          <a:noFill/>
-        </p:spPr>
-        <p:txBody>
-          <a:bodyPr wrap="none" rtlCol="0">
-            <a:spAutoFit/>
-          </a:bodyPr>
-          <a:lstStyle/>
-          <a:p>
-            <a:pPr algn="r"/>
-            <a:r>
-              <a:rPr lang="en-US" sz="1200" dirty="0" smtClean="0">
-                <a:solidFill>
-                  <a:srgbClr val="118EB0"/>
-                </a:solidFill>
-              </a:rPr>
-              <a:t>1</a:t>
-            </a:r>
-            <a:endParaRPr lang="en-US" sz="1200" dirty="0">
-              <a:solidFill>
-                <a:srgbClr val="118EB0"/>
-              </a:solidFill>
-            </a:endParaRPr>
-          </a:p>
-        </p:txBody>
-      </p:sp>
-    </p:spTree>
-    <p:extLst>
-      <p:ext uri="{BB962C8B-B14F-4D97-AF65-F5344CB8AC3E}">
-        <p14:creationId xmlns:p14="http://schemas.microsoft.com/office/powerpoint/2010/main" val="1430278394"/>
-      </p:ext>
-    </p:extLst>
-  </p:cSld>
-  <p:clrMapOvr>
-    <a:masterClrMapping/>
-  </p:clrMapOvr>
-  <p:timing>
-    <p:tnLst>
-      <p:par>
-        <p:cTn id="1" dur="indefinite" restart="never" nodeType="tmRoot"/>
-      </p:par>
-    </p:tnLst>
-  </p:timing>
-</p:sld>
-</file>
-
-<file path=ppt/slides/slide56.xml><?xml version="1.0" encoding="utf-8"?>
-<p:sld xmlns:a="http://schemas.openxmlformats.org/drawingml/2006/main" xmlns:r="http://schemas.openxmlformats.org/officeDocument/2006/relationships" xmlns:p="http://schemas.openxmlformats.org/presentationml/2006/main">
-  <p:cSld>
-    <p:spTree>
-      <p:nvGrpSpPr>
-        <p:cNvPr id="1" name=""/>
-        <p:cNvGrpSpPr/>
-        <p:nvPr/>
-      </p:nvGrpSpPr>
-      <p:grpSpPr>
-        <a:xfrm>
-          <a:off x="0" y="0"/>
-          <a:ext cx="0" cy="0"/>
-          <a:chOff x="0" y="0"/>
-          <a:chExt cx="0" cy="0"/>
-        </a:xfrm>
-      </p:grpSpPr>
-      <p:sp>
-        <p:nvSpPr>
-          <p:cNvPr id="3" name="Content Placeholder 2"/>
-          <p:cNvSpPr>
-            <a:spLocks noGrp="1"/>
-          </p:cNvSpPr>
-          <p:nvPr>
-            <p:ph idx="1"/>
-          </p:nvPr>
-        </p:nvSpPr>
-        <p:spPr/>
-        <p:txBody>
-          <a:bodyPr/>
-          <a:lstStyle/>
-          <a:p>
-            <a:endParaRPr lang="en-US"/>
-          </a:p>
-        </p:txBody>
-      </p:sp>
-      <p:sp>
-        <p:nvSpPr>
-          <p:cNvPr id="4" name="Rectangle 3"/>
-          <p:cNvSpPr/>
-          <p:nvPr/>
-        </p:nvSpPr>
-        <p:spPr>
-          <a:xfrm>
-            <a:off x="0" y="-7550"/>
-            <a:ext cx="9144000" cy="1228835"/>
-          </a:xfrm>
-          <a:prstGeom prst="rect">
-            <a:avLst/>
-          </a:prstGeom>
-          <a:solidFill>
-            <a:srgbClr val="3DBFDB"/>
-          </a:solidFill>
-          <a:ln>
-            <a:noFill/>
-          </a:ln>
-          <a:effectLst/>
-        </p:spPr>
-        <p:style>
-          <a:lnRef idx="1">
-            <a:schemeClr val="accent1"/>
-          </a:lnRef>
-          <a:fillRef idx="3">
-            <a:schemeClr val="accent1"/>
-          </a:fillRef>
-          <a:effectRef idx="2">
-            <a:schemeClr val="accent1"/>
-          </a:effectRef>
-          <a:fontRef idx="minor">
-            <a:schemeClr val="lt1"/>
-          </a:fontRef>
-        </p:style>
-        <p:txBody>
-          <a:bodyPr rtlCol="0" anchor="ctr"/>
-          <a:lstStyle/>
-          <a:p>
-            <a:r>
-              <a:rPr lang="en-US" sz="4000" b="1" dirty="0" smtClean="0"/>
-              <a:t>   </a:t>
-            </a:r>
-            <a:r>
-              <a:rPr lang="en-US" sz="4000" i="1" dirty="0" smtClean="0"/>
-              <a:t>Reminder</a:t>
-            </a:r>
-            <a:endParaRPr lang="en-US" sz="4000" i="1" dirty="0"/>
-          </a:p>
-        </p:txBody>
-      </p:sp>
-      <p:sp>
-        <p:nvSpPr>
-          <p:cNvPr id="5" name="Rectangle 4"/>
-          <p:cNvSpPr/>
-          <p:nvPr/>
-        </p:nvSpPr>
-        <p:spPr>
-          <a:xfrm>
-            <a:off x="0" y="6737478"/>
-            <a:ext cx="9144000" cy="120522"/>
-          </a:xfrm>
-          <a:prstGeom prst="rect">
-            <a:avLst/>
-          </a:prstGeom>
-          <a:solidFill>
-            <a:srgbClr val="3DBFDB"/>
-          </a:solidFill>
-          <a:ln>
-            <a:noFill/>
-          </a:ln>
-          <a:effectLst/>
-        </p:spPr>
-        <p:style>
-          <a:lnRef idx="1">
-            <a:schemeClr val="accent1"/>
-          </a:lnRef>
-          <a:fillRef idx="3">
-            <a:schemeClr val="accent1"/>
-          </a:fillRef>
-          <a:effectRef idx="2">
-            <a:schemeClr val="accent1"/>
-          </a:effectRef>
-          <a:fontRef idx="minor">
-            <a:schemeClr val="lt1"/>
-          </a:fontRef>
-        </p:style>
-        <p:txBody>
-          <a:bodyPr rtlCol="0" anchor="ctr"/>
-          <a:lstStyle/>
-          <a:p>
-            <a:pPr algn="ctr"/>
-            <a:endParaRPr lang="en-US"/>
-          </a:p>
-        </p:txBody>
-      </p:sp>
-      <p:sp>
-        <p:nvSpPr>
-          <p:cNvPr id="6" name="Rectangle 5"/>
-          <p:cNvSpPr/>
-          <p:nvPr/>
-        </p:nvSpPr>
-        <p:spPr>
-          <a:xfrm>
-            <a:off x="0" y="6451738"/>
-            <a:ext cx="791179" cy="276999"/>
-          </a:xfrm>
-          <a:prstGeom prst="rect">
-            <a:avLst/>
-          </a:prstGeom>
-        </p:spPr>
-        <p:txBody>
-          <a:bodyPr wrap="none">
-            <a:spAutoFit/>
-          </a:bodyPr>
-          <a:lstStyle/>
-          <a:p>
-            <a:r>
-              <a:rPr lang="en-US" sz="1200" dirty="0" smtClean="0">
-                <a:solidFill>
-                  <a:srgbClr val="118EB0"/>
-                </a:solidFill>
-              </a:rPr>
-              <a:t>Reminder</a:t>
-            </a:r>
-            <a:endParaRPr lang="en-US" sz="1200" dirty="0">
-              <a:solidFill>
-                <a:srgbClr val="118EB0"/>
-              </a:solidFill>
-            </a:endParaRPr>
-          </a:p>
-        </p:txBody>
-      </p:sp>
-      <p:sp>
-        <p:nvSpPr>
-          <p:cNvPr id="7" name="TextBox 6"/>
-          <p:cNvSpPr txBox="1"/>
-          <p:nvPr/>
-        </p:nvSpPr>
-        <p:spPr>
-          <a:xfrm>
-            <a:off x="8869998" y="6453063"/>
-            <a:ext cx="262662" cy="276999"/>
-          </a:xfrm>
-          <a:prstGeom prst="rect">
-            <a:avLst/>
-          </a:prstGeom>
-          <a:noFill/>
-        </p:spPr>
-        <p:txBody>
-          <a:bodyPr wrap="none" rtlCol="0">
-            <a:spAutoFit/>
-          </a:bodyPr>
-          <a:lstStyle/>
-          <a:p>
-            <a:pPr algn="r"/>
-            <a:r>
-              <a:rPr lang="en-US" sz="1200" dirty="0" smtClean="0">
-                <a:solidFill>
-                  <a:srgbClr val="118EB0"/>
-                </a:solidFill>
-              </a:rPr>
-              <a:t>1</a:t>
-            </a:r>
-            <a:endParaRPr lang="en-US" sz="1200" dirty="0">
-              <a:solidFill>
-                <a:srgbClr val="118EB0"/>
-              </a:solidFill>
-            </a:endParaRPr>
-          </a:p>
-        </p:txBody>
-      </p:sp>
-    </p:spTree>
-    <p:extLst>
-      <p:ext uri="{BB962C8B-B14F-4D97-AF65-F5344CB8AC3E}">
-        <p14:creationId xmlns:p14="http://schemas.microsoft.com/office/powerpoint/2010/main" val="421284673"/>
+        <p14:creationId xmlns:p14="http://schemas.microsoft.com/office/powerpoint/2010/main" val="1984635803"/>
       </p:ext>
     </p:extLst>
   </p:cSld>
@@ -25021,7 +24640,7 @@
                 <a:ea typeface="Courier" charset="0"/>
                 <a:cs typeface="Courier" charset="0"/>
               </a:rPr>
-              <a:t>print(‘Hello’)</a:t>
+              <a:t>print(‘Hello!’)</a:t>
             </a:r>
           </a:p>
           <a:p>
